--- a/trunk/答辩.pptx
+++ b/trunk/答辩.pptx
@@ -5,7 +5,7 @@
     <p:sldMasterId id="2147483648" r:id="rId1"/>
   </p:sldMasterIdLst>
   <p:notesMasterIdLst>
-    <p:notesMasterId r:id="rId17"/>
+    <p:notesMasterId r:id="rId24"/>
   </p:notesMasterIdLst>
   <p:sldIdLst>
     <p:sldId id="256" r:id="rId2"/>
@@ -23,6 +23,13 @@
     <p:sldId id="269" r:id="rId14"/>
     <p:sldId id="270" r:id="rId15"/>
     <p:sldId id="271" r:id="rId16"/>
+    <p:sldId id="272" r:id="rId17"/>
+    <p:sldId id="273" r:id="rId18"/>
+    <p:sldId id="274" r:id="rId19"/>
+    <p:sldId id="275" r:id="rId20"/>
+    <p:sldId id="276" r:id="rId21"/>
+    <p:sldId id="277" r:id="rId22"/>
+    <p:sldId id="278" r:id="rId23"/>
   </p:sldIdLst>
   <p:sldSz cx="9144000" cy="6858000" type="screen4x3"/>
   <p:notesSz cx="6858000" cy="9144000"/>
@@ -252,7 +259,7 @@
           <a:p>
             <a:fld id="{86909E6F-320A-469C-BB62-61F7F1FEA1CC}" type="datetimeFigureOut">
               <a:rPr lang="zh-CN" altLang="en-US" smtClean="0"/>
-              <a:t>2016/5/29</a:t>
+              <a:t>2016/5/30</a:t>
             </a:fld>
             <a:endParaRPr lang="zh-CN" altLang="en-US"/>
           </a:p>
@@ -795,7 +802,7 @@
               <a:pPr>
                 <a:defRPr/>
               </a:pPr>
-              <a:t>2016/5/29</a:t>
+              <a:t>2016/5/30</a:t>
             </a:fld>
             <a:endParaRPr lang="zh-CN" altLang="en-US"/>
           </a:p>
@@ -987,7 +994,7 @@
               <a:pPr>
                 <a:defRPr/>
               </a:pPr>
-              <a:t>2016/5/29</a:t>
+              <a:t>2016/5/30</a:t>
             </a:fld>
             <a:endParaRPr lang="zh-CN" altLang="en-US"/>
           </a:p>
@@ -1189,7 +1196,7 @@
               <a:pPr>
                 <a:defRPr/>
               </a:pPr>
-              <a:t>2016/5/29</a:t>
+              <a:t>2016/5/30</a:t>
             </a:fld>
             <a:endParaRPr lang="zh-CN" altLang="en-US"/>
           </a:p>
@@ -1381,7 +1388,7 @@
               <a:pPr>
                 <a:defRPr/>
               </a:pPr>
-              <a:t>2016/5/29</a:t>
+              <a:t>2016/5/30</a:t>
             </a:fld>
             <a:endParaRPr lang="zh-CN" altLang="en-US"/>
           </a:p>
@@ -1649,7 +1656,7 @@
               <a:pPr>
                 <a:defRPr/>
               </a:pPr>
-              <a:t>2016/5/29</a:t>
+              <a:t>2016/5/30</a:t>
             </a:fld>
             <a:endParaRPr lang="zh-CN" altLang="en-US"/>
           </a:p>
@@ -1959,7 +1966,7 @@
               <a:pPr>
                 <a:defRPr/>
               </a:pPr>
-              <a:t>2016/5/29</a:t>
+              <a:t>2016/5/30</a:t>
             </a:fld>
             <a:endParaRPr lang="zh-CN" altLang="en-US"/>
           </a:p>
@@ -2403,7 +2410,7 @@
               <a:pPr>
                 <a:defRPr/>
               </a:pPr>
-              <a:t>2016/5/29</a:t>
+              <a:t>2016/5/30</a:t>
             </a:fld>
             <a:endParaRPr lang="zh-CN" altLang="en-US"/>
           </a:p>
@@ -2543,7 +2550,7 @@
               <a:pPr>
                 <a:defRPr/>
               </a:pPr>
-              <a:t>2016/5/29</a:t>
+              <a:t>2016/5/30</a:t>
             </a:fld>
             <a:endParaRPr lang="zh-CN" altLang="en-US"/>
           </a:p>
@@ -2660,7 +2667,7 @@
               <a:pPr>
                 <a:defRPr/>
               </a:pPr>
-              <a:t>2016/5/29</a:t>
+              <a:t>2016/5/30</a:t>
             </a:fld>
             <a:endParaRPr lang="zh-CN" altLang="en-US"/>
           </a:p>
@@ -2959,7 +2966,7 @@
               <a:pPr>
                 <a:defRPr/>
               </a:pPr>
-              <a:t>2016/5/29</a:t>
+              <a:t>2016/5/30</a:t>
             </a:fld>
             <a:endParaRPr lang="zh-CN" altLang="en-US"/>
           </a:p>
@@ -3237,7 +3244,7 @@
               <a:pPr>
                 <a:defRPr/>
               </a:pPr>
-              <a:t>2016/5/29</a:t>
+              <a:t>2016/5/30</a:t>
             </a:fld>
             <a:endParaRPr lang="zh-CN" altLang="en-US"/>
           </a:p>
@@ -3493,7 +3500,7 @@
               <a:pPr>
                 <a:defRPr/>
               </a:pPr>
-              <a:t>2016/5/29</a:t>
+              <a:t>2016/5/30</a:t>
             </a:fld>
             <a:endParaRPr lang="zh-CN" altLang="en-US"/>
           </a:p>
@@ -4992,7 +4999,7 @@
         </p:nvSpPr>
         <p:spPr>
           <a:xfrm>
-            <a:off x="467545" y="620688"/>
+            <a:off x="253886" y="565776"/>
             <a:ext cx="2016224" cy="1200327"/>
           </a:xfrm>
           <a:prstGeom prst="rect">
@@ -5918,7 +5925,7 @@
           <a:graphicData uri="http://schemas.openxmlformats.org/presentationml/2006/ole">
             <mc:AlternateContent xmlns:mc="http://schemas.openxmlformats.org/markup-compatibility/2006">
               <mc:Choice xmlns:v="urn:schemas-microsoft-com:vml" Requires="v">
-                <p:oleObj spid="_x0000_s6228" name="Equation" r:id="rId4" imgW="1574800" imgH="508000" progId="Equation.DSMT4">
+                <p:oleObj spid="_x0000_s6280" name="Equation" r:id="rId4" imgW="1574800" imgH="508000" progId="Equation.DSMT4">
                   <p:embed/>
                 </p:oleObj>
               </mc:Choice>
@@ -6113,7 +6120,7 @@
           <a:graphicData uri="http://schemas.openxmlformats.org/presentationml/2006/ole">
             <mc:AlternateContent xmlns:mc="http://schemas.openxmlformats.org/markup-compatibility/2006">
               <mc:Choice xmlns:v="urn:schemas-microsoft-com:vml" Requires="v">
-                <p:oleObj spid="_x0000_s6229" name="Equation" r:id="rId6" imgW="1422400" imgH="558800" progId="Equation.DSMT4">
+                <p:oleObj spid="_x0000_s6281" name="Equation" r:id="rId6" imgW="1422400" imgH="558800" progId="Equation.DSMT4">
                   <p:embed/>
                 </p:oleObj>
               </mc:Choice>
@@ -6239,7 +6246,7 @@
           <a:graphicData uri="http://schemas.openxmlformats.org/presentationml/2006/ole">
             <mc:AlternateContent xmlns:mc="http://schemas.openxmlformats.org/markup-compatibility/2006">
               <mc:Choice xmlns:v="urn:schemas-microsoft-com:vml" Requires="v">
-                <p:oleObj spid="_x0000_s6230" name="Equation" r:id="rId8" imgW="2298700" imgH="241300" progId="Equation.DSMT4">
+                <p:oleObj spid="_x0000_s6282" name="Equation" r:id="rId8" imgW="2298700" imgH="241300" progId="Equation.DSMT4">
                   <p:embed/>
                 </p:oleObj>
               </mc:Choice>
@@ -6509,7 +6516,7 @@
           <a:graphicData uri="http://schemas.openxmlformats.org/presentationml/2006/ole">
             <mc:AlternateContent xmlns:mc="http://schemas.openxmlformats.org/markup-compatibility/2006">
               <mc:Choice xmlns:v="urn:schemas-microsoft-com:vml" Requires="v">
-                <p:oleObj spid="_x0000_s6231" name="Equation" r:id="rId10" imgW="190500" imgH="228600" progId="Equation.DSMT4">
+                <p:oleObj spid="_x0000_s6283" name="Equation" r:id="rId10" imgW="190500" imgH="228600" progId="Equation.DSMT4">
                   <p:embed/>
                 </p:oleObj>
               </mc:Choice>
@@ -6756,7 +6763,7 @@
           <a:graphicData uri="http://schemas.openxmlformats.org/presentationml/2006/ole">
             <mc:AlternateContent xmlns:mc="http://schemas.openxmlformats.org/markup-compatibility/2006">
               <mc:Choice xmlns:v="urn:schemas-microsoft-com:vml" Requires="v">
-                <p:oleObj spid="_x0000_s7181" name="Visio" r:id="rId4" imgW="1809661" imgH="9248656" progId="Visio.Drawing.15">
+                <p:oleObj spid="_x0000_s7194" name="Visio" r:id="rId4" imgW="1809661" imgH="9248656" progId="Visio.Drawing.15">
                   <p:embed/>
                 </p:oleObj>
               </mc:Choice>
@@ -7407,7 +7414,7 @@
         </p:nvSpPr>
         <p:spPr>
           <a:xfrm>
-            <a:off x="467545" y="620688"/>
+            <a:off x="346968" y="605398"/>
             <a:ext cx="2016224" cy="1200327"/>
           </a:xfrm>
           <a:prstGeom prst="rect">
@@ -8659,7 +8666,7 @@
           <a:graphicData uri="http://schemas.openxmlformats.org/presentationml/2006/ole">
             <mc:AlternateContent xmlns:mc="http://schemas.openxmlformats.org/markup-compatibility/2006">
               <mc:Choice xmlns:v="urn:schemas-microsoft-com:vml" Requires="v">
-                <p:oleObj spid="_x0000_s8226" name="Equation" r:id="rId5" imgW="1435100" imgH="558800" progId="Equation.DSMT4">
+                <p:oleObj spid="_x0000_s8252" name="Equation" r:id="rId5" imgW="1435100" imgH="558800" progId="Equation.DSMT4">
                   <p:embed/>
                 </p:oleObj>
               </mc:Choice>
@@ -8789,7 +8796,7 @@
           <a:graphicData uri="http://schemas.openxmlformats.org/presentationml/2006/ole">
             <mc:AlternateContent xmlns:mc="http://schemas.openxmlformats.org/markup-compatibility/2006">
               <mc:Choice xmlns:v="urn:schemas-microsoft-com:vml" Requires="v">
-                <p:oleObj spid="_x0000_s8227" name="Equation" r:id="rId7" imgW="2222500" imgH="241300" progId="Equation.DSMT4">
+                <p:oleObj spid="_x0000_s8253" name="Equation" r:id="rId7" imgW="2222500" imgH="241300" progId="Equation.DSMT4">
                   <p:embed/>
                 </p:oleObj>
               </mc:Choice>
@@ -8891,7 +8898,7 @@
         </p:nvSpPr>
         <p:spPr>
           <a:xfrm>
-            <a:off x="467544" y="620688"/>
+            <a:off x="369690" y="621910"/>
             <a:ext cx="2520279" cy="646329"/>
           </a:xfrm>
           <a:prstGeom prst="rect">
@@ -10009,7 +10016,7 @@
           <a:graphicData uri="http://schemas.openxmlformats.org/presentationml/2006/ole">
             <mc:AlternateContent xmlns:mc="http://schemas.openxmlformats.org/markup-compatibility/2006">
               <mc:Choice xmlns:v="urn:schemas-microsoft-com:vml" Requires="v">
-                <p:oleObj spid="_x0000_s10283" name="Equation" r:id="rId4" imgW="596641" imgH="253890" progId="Equation.DSMT4">
+                <p:oleObj spid="_x0000_s10335" name="Equation" r:id="rId4" imgW="596641" imgH="253890" progId="Equation.DSMT4">
                   <p:embed/>
                 </p:oleObj>
               </mc:Choice>
@@ -10195,7 +10202,7 @@
           <a:graphicData uri="http://schemas.openxmlformats.org/presentationml/2006/ole">
             <mc:AlternateContent xmlns:mc="http://schemas.openxmlformats.org/markup-compatibility/2006">
               <mc:Choice xmlns:v="urn:schemas-microsoft-com:vml" Requires="v">
-                <p:oleObj spid="_x0000_s10284" name="Equation" r:id="rId6" imgW="914400" imgH="342900" progId="Equation.DSMT4">
+                <p:oleObj spid="_x0000_s10336" name="Equation" r:id="rId6" imgW="914400" imgH="342900" progId="Equation.DSMT4">
                   <p:embed/>
                 </p:oleObj>
               </mc:Choice>
@@ -10417,7 +10424,7 @@
           <a:graphicData uri="http://schemas.openxmlformats.org/presentationml/2006/ole">
             <mc:AlternateContent xmlns:mc="http://schemas.openxmlformats.org/markup-compatibility/2006">
               <mc:Choice xmlns:v="urn:schemas-microsoft-com:vml" Requires="v">
-                <p:oleObj spid="_x0000_s10285" name="Equation" r:id="rId8" imgW="1905000" imgH="914400" progId="Equation.DSMT4">
+                <p:oleObj spid="_x0000_s10337" name="Equation" r:id="rId8" imgW="1905000" imgH="914400" progId="Equation.DSMT4">
                   <p:embed/>
                 </p:oleObj>
               </mc:Choice>
@@ -10556,7 +10563,7 @@
           <a:graphicData uri="http://schemas.openxmlformats.org/presentationml/2006/ole">
             <mc:AlternateContent xmlns:mc="http://schemas.openxmlformats.org/markup-compatibility/2006">
               <mc:Choice xmlns:v="urn:schemas-microsoft-com:vml" Requires="v">
-                <p:oleObj spid="_x0000_s10286" name="Equation" r:id="rId10" imgW="2590800" imgH="241300" progId="Equation.DSMT4">
+                <p:oleObj spid="_x0000_s10338" name="Equation" r:id="rId10" imgW="2590800" imgH="241300" progId="Equation.DSMT4">
                   <p:embed/>
                 </p:oleObj>
               </mc:Choice>
@@ -10767,17 +10774,7 @@
                 <a:latin typeface="Times New Roman" panose="02020603050405020304" pitchFamily="18" charset="0"/>
                 <a:cs typeface="Times New Roman" panose="02020603050405020304" pitchFamily="18" charset="0"/>
               </a:rPr>
-              <a:t>如下</a:t>
-            </a:r>
-            <a:r>
-              <a:rPr lang="zh-CN" altLang="en-US" sz="2400" kern="100" dirty="0" smtClean="0">
-                <a:solidFill>
-                  <a:srgbClr val="1F497D"/>
-                </a:solidFill>
-                <a:latin typeface="Times New Roman" panose="02020603050405020304" pitchFamily="18" charset="0"/>
-                <a:cs typeface="Times New Roman" panose="02020603050405020304" pitchFamily="18" charset="0"/>
-              </a:rPr>
-              <a:t>：</a:t>
+              <a:t>如下：</a:t>
             </a:r>
             <a:endParaRPr lang="zh-CN" altLang="en-US" sz="2400" dirty="0">
               <a:solidFill>
@@ -10939,7 +10936,7 @@
           <a:graphicData uri="http://schemas.openxmlformats.org/presentationml/2006/ole">
             <mc:AlternateContent xmlns:mc="http://schemas.openxmlformats.org/markup-compatibility/2006">
               <mc:Choice xmlns:v="urn:schemas-microsoft-com:vml" Requires="v">
-                <p:oleObj spid="_x0000_s13333" name="Visio" r:id="rId4" imgW="1809661" imgH="11658600" progId="Visio.Drawing.15">
+                <p:oleObj spid="_x0000_s13361" name="Visio" r:id="rId4" imgW="1809661" imgH="11658600" progId="Visio.Drawing.15">
                   <p:embed/>
                 </p:oleObj>
               </mc:Choice>
@@ -11149,7 +11146,7 @@
           <a:graphicData uri="http://schemas.openxmlformats.org/presentationml/2006/ole">
             <mc:AlternateContent xmlns:mc="http://schemas.openxmlformats.org/markup-compatibility/2006">
               <mc:Choice xmlns:v="urn:schemas-microsoft-com:vml" Requires="v">
-                <p:oleObj spid="_x0000_s13334" name="Equation" r:id="rId6" imgW="837836" imgH="203112" progId="Equation.DSMT4">
+                <p:oleObj spid="_x0000_s13362" name="Equation" r:id="rId6" imgW="837836" imgH="203112" progId="Equation.DSMT4">
                   <p:embed/>
                 </p:oleObj>
               </mc:Choice>
@@ -11194,6 +11191,43 @@
           </a:graphicData>
         </a:graphic>
       </p:graphicFrame>
+      <p:cxnSp>
+        <p:nvCxnSpPr>
+          <p:cNvPr id="5" name="直接连接符 4"/>
+          <p:cNvCxnSpPr>
+            <a:stCxn id="10" idx="6"/>
+          </p:cNvCxnSpPr>
+          <p:nvPr/>
+        </p:nvCxnSpPr>
+        <p:spPr>
+          <a:xfrm flipV="1">
+            <a:off x="3618708" y="2564904"/>
+            <a:ext cx="1313332" cy="756084"/>
+          </a:xfrm>
+          <a:prstGeom prst="line">
+            <a:avLst/>
+          </a:prstGeom>
+          <a:ln w="38100">
+            <a:solidFill>
+              <a:srgbClr val="00B0F0"/>
+            </a:solidFill>
+          </a:ln>
+        </p:spPr>
+        <p:style>
+          <a:lnRef idx="1">
+            <a:schemeClr val="accent1"/>
+          </a:lnRef>
+          <a:fillRef idx="0">
+            <a:schemeClr val="accent1"/>
+          </a:fillRef>
+          <a:effectRef idx="0">
+            <a:schemeClr val="accent1"/>
+          </a:effectRef>
+          <a:fontRef idx="minor">
+            <a:schemeClr val="tx1"/>
+          </a:fontRef>
+        </p:style>
+      </p:cxnSp>
     </p:spTree>
     <p:extLst>
       <p:ext uri="{BB962C8B-B14F-4D97-AF65-F5344CB8AC3E}">
@@ -11251,7 +11285,7 @@
         </p:nvSpPr>
         <p:spPr>
           <a:xfrm>
-            <a:off x="467545" y="620688"/>
+            <a:off x="301409" y="544262"/>
             <a:ext cx="2016224" cy="1200327"/>
           </a:xfrm>
           <a:prstGeom prst="rect">
@@ -12549,7 +12583,7 @@
           <a:graphicData uri="http://schemas.openxmlformats.org/presentationml/2006/ole">
             <mc:AlternateContent xmlns:mc="http://schemas.openxmlformats.org/markup-compatibility/2006">
               <mc:Choice xmlns:v="urn:schemas-microsoft-com:vml" Requires="v">
-                <p:oleObj spid="_x0000_s14343" name="Equation" r:id="rId4" imgW="1930400" imgH="914400" progId="Equation.DSMT4">
+                <p:oleObj spid="_x0000_s14371" name="Equation" r:id="rId4" imgW="1930400" imgH="914400" progId="Equation.DSMT4">
                   <p:embed/>
                 </p:oleObj>
               </mc:Choice>
@@ -12679,7 +12713,7 @@
           <a:graphicData uri="http://schemas.openxmlformats.org/presentationml/2006/ole">
             <mc:AlternateContent xmlns:mc="http://schemas.openxmlformats.org/markup-compatibility/2006">
               <mc:Choice xmlns:v="urn:schemas-microsoft-com:vml" Requires="v">
-                <p:oleObj spid="_x0000_s14344" name="Equation" r:id="rId6" imgW="2997200" imgH="241300" progId="Equation.DSMT4">
+                <p:oleObj spid="_x0000_s14372" name="Equation" r:id="rId6" imgW="2997200" imgH="241300" progId="Equation.DSMT4">
                   <p:embed/>
                 </p:oleObj>
               </mc:Choice>
@@ -12728,6 +12762,5665 @@
     <p:extLst>
       <p:ext uri="{BB962C8B-B14F-4D97-AF65-F5344CB8AC3E}">
         <p14:creationId xmlns:p14="http://schemas.microsoft.com/office/powerpoint/2010/main" val="548885226"/>
+      </p:ext>
+    </p:extLst>
+  </p:cSld>
+  <p:clrMapOvr>
+    <a:masterClrMapping/>
+  </p:clrMapOvr>
+  <p:timing>
+    <p:tnLst>
+      <p:par>
+        <p:cTn id="1" dur="indefinite" restart="never" nodeType="tmRoot"/>
+      </p:par>
+    </p:tnLst>
+  </p:timing>
+</p:sld>
+</file>
+
+<file path=ppt/slides/slide16.xml><?xml version="1.0" encoding="utf-8"?>
+<p:sld xmlns:a="http://schemas.openxmlformats.org/drawingml/2006/main" xmlns:r="http://schemas.openxmlformats.org/officeDocument/2006/relationships" xmlns:p="http://schemas.openxmlformats.org/presentationml/2006/main">
+  <p:cSld>
+    <p:bg>
+      <p:bgPr>
+        <a:blipFill dpi="0" rotWithShape="0">
+          <a:blip r:embed="rId3"/>
+          <a:srcRect/>
+          <a:stretch>
+            <a:fillRect/>
+          </a:stretch>
+        </a:blipFill>
+        <a:effectLst/>
+      </p:bgPr>
+    </p:bg>
+    <p:spTree>
+      <p:nvGrpSpPr>
+        <p:cNvPr id="1" name=""/>
+        <p:cNvGrpSpPr/>
+        <p:nvPr/>
+      </p:nvGrpSpPr>
+      <p:grpSpPr>
+        <a:xfrm>
+          <a:off x="0" y="0"/>
+          <a:ext cx="0" cy="0"/>
+          <a:chOff x="0" y="0"/>
+          <a:chExt cx="0" cy="0"/>
+        </a:xfrm>
+      </p:grpSpPr>
+      <p:sp>
+        <p:nvSpPr>
+          <p:cNvPr id="2" name="文本框 1"/>
+          <p:cNvSpPr txBox="1"/>
+          <p:nvPr/>
+        </p:nvSpPr>
+        <p:spPr>
+          <a:xfrm>
+            <a:off x="301409" y="544262"/>
+            <a:ext cx="2016224" cy="1200327"/>
+          </a:xfrm>
+          <a:prstGeom prst="rect">
+            <a:avLst/>
+          </a:prstGeom>
+          <a:noFill/>
+          <a:ln>
+            <a:noFill/>
+          </a:ln>
+        </p:spPr>
+        <p:txBody>
+          <a:bodyPr wrap="square" lIns="91436" tIns="45719" rIns="91436" bIns="45719">
+            <a:spAutoFit/>
+          </a:bodyPr>
+          <a:lstStyle/>
+          <a:p>
+            <a:pPr algn="ctr" defTabSz="609468" fontAlgn="auto">
+              <a:lnSpc>
+                <a:spcPct val="90000"/>
+              </a:lnSpc>
+              <a:spcBef>
+                <a:spcPts val="0"/>
+              </a:spcBef>
+              <a:spcAft>
+                <a:spcPts val="0"/>
+              </a:spcAft>
+              <a:defRPr/>
+            </a:pPr>
+            <a:r>
+              <a:rPr lang="en-US" altLang="zh-CN" sz="4000" dirty="0" smtClean="0">
+                <a:solidFill>
+                  <a:srgbClr val="00B0F0"/>
+                </a:solidFill>
+              </a:rPr>
+              <a:t>AOP-f</a:t>
+            </a:r>
+            <a:r>
+              <a:rPr lang="zh-CN" altLang="en-US" sz="4000" b="1" spc="300" dirty="0" smtClean="0">
+                <a:solidFill>
+                  <a:srgbClr val="00B0F0"/>
+                </a:solidFill>
+                <a:latin typeface="微软雅黑" panose="020B0503020204020204" pitchFamily="34" charset="-122"/>
+                <a:ea typeface="微软雅黑" panose="020B0503020204020204" pitchFamily="34" charset="-122"/>
+              </a:rPr>
+              <a:t>算法</a:t>
+            </a:r>
+            <a:endParaRPr lang="en-US" altLang="zh-CN" sz="4000" b="1" spc="300" dirty="0">
+              <a:solidFill>
+                <a:srgbClr val="00B0F0"/>
+              </a:solidFill>
+              <a:latin typeface="微软雅黑" panose="020B0503020204020204" pitchFamily="34" charset="-122"/>
+              <a:ea typeface="微软雅黑" panose="020B0503020204020204" pitchFamily="34" charset="-122"/>
+            </a:endParaRPr>
+          </a:p>
+        </p:txBody>
+      </p:sp>
+      <p:grpSp>
+        <p:nvGrpSpPr>
+          <p:cNvPr id="3" name="Group 4"/>
+          <p:cNvGrpSpPr>
+            <a:grpSpLocks noChangeAspect="1"/>
+          </p:cNvGrpSpPr>
+          <p:nvPr/>
+        </p:nvGrpSpPr>
+        <p:grpSpPr bwMode="auto">
+          <a:xfrm rot="19764056">
+            <a:off x="-2866" y="223608"/>
+            <a:ext cx="699668" cy="880471"/>
+            <a:chOff x="1164" y="687"/>
+            <a:chExt cx="3219" cy="2998"/>
+          </a:xfrm>
+          <a:solidFill>
+            <a:schemeClr val="tx1"/>
+          </a:solidFill>
+          <a:effectLst>
+            <a:outerShdw blurRad="50800" dist="38100" dir="2700000" algn="tl" rotWithShape="0">
+              <a:prstClr val="black">
+                <a:alpha val="40000"/>
+              </a:prstClr>
+            </a:outerShdw>
+          </a:effectLst>
+        </p:grpSpPr>
+        <p:sp>
+          <p:nvSpPr>
+            <p:cNvPr id="4" name="Freeform 6"/>
+            <p:cNvSpPr>
+              <a:spLocks/>
+            </p:cNvSpPr>
+            <p:nvPr/>
+          </p:nvSpPr>
+          <p:spPr bwMode="auto">
+            <a:xfrm>
+              <a:off x="1164" y="687"/>
+              <a:ext cx="3219" cy="2998"/>
+            </a:xfrm>
+            <a:custGeom>
+              <a:avLst/>
+              <a:gdLst>
+                <a:gd name="T0" fmla="*/ 96 w 1360"/>
+                <a:gd name="T1" fmla="*/ 404 h 1266"/>
+                <a:gd name="T2" fmla="*/ 96 w 1360"/>
+                <a:gd name="T3" fmla="*/ 527 h 1266"/>
+                <a:gd name="T4" fmla="*/ 105 w 1360"/>
+                <a:gd name="T5" fmla="*/ 537 h 1266"/>
+                <a:gd name="T6" fmla="*/ 123 w 1360"/>
+                <a:gd name="T7" fmla="*/ 616 h 1266"/>
+                <a:gd name="T8" fmla="*/ 119 w 1360"/>
+                <a:gd name="T9" fmla="*/ 629 h 1266"/>
+                <a:gd name="T10" fmla="*/ 147 w 1360"/>
+                <a:gd name="T11" fmla="*/ 940 h 1266"/>
+                <a:gd name="T12" fmla="*/ 169 w 1360"/>
+                <a:gd name="T13" fmla="*/ 1194 h 1266"/>
+                <a:gd name="T14" fmla="*/ 175 w 1360"/>
+                <a:gd name="T15" fmla="*/ 1266 h 1266"/>
+                <a:gd name="T16" fmla="*/ 0 w 1360"/>
+                <a:gd name="T17" fmla="*/ 1266 h 1266"/>
+                <a:gd name="T18" fmla="*/ 6 w 1360"/>
+                <a:gd name="T19" fmla="*/ 1197 h 1266"/>
+                <a:gd name="T20" fmla="*/ 38 w 1360"/>
+                <a:gd name="T21" fmla="*/ 811 h 1266"/>
+                <a:gd name="T22" fmla="*/ 54 w 1360"/>
+                <a:gd name="T23" fmla="*/ 629 h 1266"/>
+                <a:gd name="T24" fmla="*/ 50 w 1360"/>
+                <a:gd name="T25" fmla="*/ 613 h 1266"/>
+                <a:gd name="T26" fmla="*/ 71 w 1360"/>
+                <a:gd name="T27" fmla="*/ 537 h 1266"/>
+                <a:gd name="T28" fmla="*/ 79 w 1360"/>
+                <a:gd name="T29" fmla="*/ 525 h 1266"/>
+                <a:gd name="T30" fmla="*/ 79 w 1360"/>
+                <a:gd name="T31" fmla="*/ 407 h 1266"/>
+                <a:gd name="T32" fmla="*/ 70 w 1360"/>
+                <a:gd name="T33" fmla="*/ 392 h 1266"/>
+                <a:gd name="T34" fmla="*/ 31 w 1360"/>
+                <a:gd name="T35" fmla="*/ 374 h 1266"/>
+                <a:gd name="T36" fmla="*/ 44 w 1360"/>
+                <a:gd name="T37" fmla="*/ 366 h 1266"/>
+                <a:gd name="T38" fmla="*/ 624 w 1360"/>
+                <a:gd name="T39" fmla="*/ 44 h 1266"/>
+                <a:gd name="T40" fmla="*/ 692 w 1360"/>
+                <a:gd name="T41" fmla="*/ 5 h 1266"/>
+                <a:gd name="T42" fmla="*/ 718 w 1360"/>
+                <a:gd name="T43" fmla="*/ 5 h 1266"/>
+                <a:gd name="T44" fmla="*/ 1255 w 1360"/>
+                <a:gd name="T45" fmla="*/ 275 h 1266"/>
+                <a:gd name="T46" fmla="*/ 1360 w 1360"/>
+                <a:gd name="T47" fmla="*/ 328 h 1266"/>
+                <a:gd name="T48" fmla="*/ 1302 w 1360"/>
+                <a:gd name="T49" fmla="*/ 360 h 1266"/>
+                <a:gd name="T50" fmla="*/ 723 w 1360"/>
+                <a:gd name="T51" fmla="*/ 666 h 1266"/>
+                <a:gd name="T52" fmla="*/ 688 w 1360"/>
+                <a:gd name="T53" fmla="*/ 668 h 1266"/>
+                <a:gd name="T54" fmla="*/ 112 w 1360"/>
+                <a:gd name="T55" fmla="*/ 411 h 1266"/>
+                <a:gd name="T56" fmla="*/ 96 w 1360"/>
+                <a:gd name="T57" fmla="*/ 404 h 1266"/>
+              </a:gdLst>
+              <a:ahLst/>
+              <a:cxnLst>
+                <a:cxn ang="0">
+                  <a:pos x="T0" y="T1"/>
+                </a:cxn>
+                <a:cxn ang="0">
+                  <a:pos x="T2" y="T3"/>
+                </a:cxn>
+                <a:cxn ang="0">
+                  <a:pos x="T4" y="T5"/>
+                </a:cxn>
+                <a:cxn ang="0">
+                  <a:pos x="T6" y="T7"/>
+                </a:cxn>
+                <a:cxn ang="0">
+                  <a:pos x="T8" y="T9"/>
+                </a:cxn>
+                <a:cxn ang="0">
+                  <a:pos x="T10" y="T11"/>
+                </a:cxn>
+                <a:cxn ang="0">
+                  <a:pos x="T12" y="T13"/>
+                </a:cxn>
+                <a:cxn ang="0">
+                  <a:pos x="T14" y="T15"/>
+                </a:cxn>
+                <a:cxn ang="0">
+                  <a:pos x="T16" y="T17"/>
+                </a:cxn>
+                <a:cxn ang="0">
+                  <a:pos x="T18" y="T19"/>
+                </a:cxn>
+                <a:cxn ang="0">
+                  <a:pos x="T20" y="T21"/>
+                </a:cxn>
+                <a:cxn ang="0">
+                  <a:pos x="T22" y="T23"/>
+                </a:cxn>
+                <a:cxn ang="0">
+                  <a:pos x="T24" y="T25"/>
+                </a:cxn>
+                <a:cxn ang="0">
+                  <a:pos x="T26" y="T27"/>
+                </a:cxn>
+                <a:cxn ang="0">
+                  <a:pos x="T28" y="T29"/>
+                </a:cxn>
+                <a:cxn ang="0">
+                  <a:pos x="T30" y="T31"/>
+                </a:cxn>
+                <a:cxn ang="0">
+                  <a:pos x="T32" y="T33"/>
+                </a:cxn>
+                <a:cxn ang="0">
+                  <a:pos x="T34" y="T35"/>
+                </a:cxn>
+                <a:cxn ang="0">
+                  <a:pos x="T36" y="T37"/>
+                </a:cxn>
+                <a:cxn ang="0">
+                  <a:pos x="T38" y="T39"/>
+                </a:cxn>
+                <a:cxn ang="0">
+                  <a:pos x="T40" y="T41"/>
+                </a:cxn>
+                <a:cxn ang="0">
+                  <a:pos x="T42" y="T43"/>
+                </a:cxn>
+                <a:cxn ang="0">
+                  <a:pos x="T44" y="T45"/>
+                </a:cxn>
+                <a:cxn ang="0">
+                  <a:pos x="T46" y="T47"/>
+                </a:cxn>
+                <a:cxn ang="0">
+                  <a:pos x="T48" y="T49"/>
+                </a:cxn>
+                <a:cxn ang="0">
+                  <a:pos x="T50" y="T51"/>
+                </a:cxn>
+                <a:cxn ang="0">
+                  <a:pos x="T52" y="T53"/>
+                </a:cxn>
+                <a:cxn ang="0">
+                  <a:pos x="T54" y="T55"/>
+                </a:cxn>
+                <a:cxn ang="0">
+                  <a:pos x="T56" y="T57"/>
+                </a:cxn>
+              </a:cxnLst>
+              <a:rect l="0" t="0" r="r" b="b"/>
+              <a:pathLst>
+                <a:path w="1360" h="1266">
+                  <a:moveTo>
+                    <a:pt x="96" y="404"/>
+                  </a:moveTo>
+                  <a:cubicBezTo>
+                    <a:pt x="96" y="447"/>
+                    <a:pt x="96" y="487"/>
+                    <a:pt x="96" y="527"/>
+                  </a:cubicBezTo>
+                  <a:cubicBezTo>
+                    <a:pt x="96" y="531"/>
+                    <a:pt x="101" y="535"/>
+                    <a:pt x="105" y="537"/>
+                  </a:cubicBezTo>
+                  <a:cubicBezTo>
+                    <a:pt x="136" y="555"/>
+                    <a:pt x="144" y="585"/>
+                    <a:pt x="123" y="616"/>
+                  </a:cubicBezTo>
+                  <a:cubicBezTo>
+                    <a:pt x="121" y="620"/>
+                    <a:pt x="119" y="625"/>
+                    <a:pt x="119" y="629"/>
+                  </a:cubicBezTo>
+                  <a:cubicBezTo>
+                    <a:pt x="128" y="733"/>
+                    <a:pt x="138" y="836"/>
+                    <a:pt x="147" y="940"/>
+                  </a:cubicBezTo>
+                  <a:cubicBezTo>
+                    <a:pt x="154" y="1024"/>
+                    <a:pt x="162" y="1109"/>
+                    <a:pt x="169" y="1194"/>
+                  </a:cubicBezTo>
+                  <a:cubicBezTo>
+                    <a:pt x="171" y="1217"/>
+                    <a:pt x="173" y="1239"/>
+                    <a:pt x="175" y="1266"/>
+                  </a:cubicBezTo>
+                  <a:cubicBezTo>
+                    <a:pt x="117" y="1266"/>
+                    <a:pt x="60" y="1266"/>
+                    <a:pt x="0" y="1266"/>
+                  </a:cubicBezTo>
+                  <a:cubicBezTo>
+                    <a:pt x="2" y="1244"/>
+                    <a:pt x="4" y="1220"/>
+                    <a:pt x="6" y="1197"/>
+                  </a:cubicBezTo>
+                  <a:cubicBezTo>
+                    <a:pt x="16" y="1068"/>
+                    <a:pt x="27" y="940"/>
+                    <a:pt x="38" y="811"/>
+                  </a:cubicBezTo>
+                  <a:cubicBezTo>
+                    <a:pt x="43" y="750"/>
+                    <a:pt x="49" y="690"/>
+                    <a:pt x="54" y="629"/>
+                  </a:cubicBezTo>
+                  <a:cubicBezTo>
+                    <a:pt x="54" y="624"/>
+                    <a:pt x="52" y="617"/>
+                    <a:pt x="50" y="613"/>
+                  </a:cubicBezTo>
+                  <a:cubicBezTo>
+                    <a:pt x="32" y="583"/>
+                    <a:pt x="40" y="553"/>
+                    <a:pt x="71" y="537"/>
+                  </a:cubicBezTo>
+                  <a:cubicBezTo>
+                    <a:pt x="75" y="535"/>
+                    <a:pt x="79" y="529"/>
+                    <a:pt x="79" y="525"/>
+                  </a:cubicBezTo>
+                  <a:cubicBezTo>
+                    <a:pt x="79" y="486"/>
+                    <a:pt x="80" y="446"/>
+                    <a:pt x="79" y="407"/>
+                  </a:cubicBezTo>
+                  <a:cubicBezTo>
+                    <a:pt x="79" y="402"/>
+                    <a:pt x="74" y="395"/>
+                    <a:pt x="70" y="392"/>
+                  </a:cubicBezTo>
+                  <a:cubicBezTo>
+                    <a:pt x="58" y="386"/>
+                    <a:pt x="45" y="381"/>
+                    <a:pt x="31" y="374"/>
+                  </a:cubicBezTo>
+                  <a:cubicBezTo>
+                    <a:pt x="36" y="371"/>
+                    <a:pt x="40" y="368"/>
+                    <a:pt x="44" y="366"/>
+                  </a:cubicBezTo>
+                  <a:cubicBezTo>
+                    <a:pt x="237" y="259"/>
+                    <a:pt x="431" y="151"/>
+                    <a:pt x="624" y="44"/>
+                  </a:cubicBezTo>
+                  <a:cubicBezTo>
+                    <a:pt x="647" y="31"/>
+                    <a:pt x="670" y="19"/>
+                    <a:pt x="692" y="5"/>
+                  </a:cubicBezTo>
+                  <a:cubicBezTo>
+                    <a:pt x="702" y="0"/>
+                    <a:pt x="709" y="1"/>
+                    <a:pt x="718" y="5"/>
+                  </a:cubicBezTo>
+                  <a:cubicBezTo>
+                    <a:pt x="897" y="96"/>
+                    <a:pt x="1076" y="185"/>
+                    <a:pt x="1255" y="275"/>
+                  </a:cubicBezTo>
+                  <a:cubicBezTo>
+                    <a:pt x="1289" y="293"/>
+                    <a:pt x="1324" y="310"/>
+                    <a:pt x="1360" y="328"/>
+                  </a:cubicBezTo>
+                  <a:cubicBezTo>
+                    <a:pt x="1339" y="340"/>
+                    <a:pt x="1320" y="350"/>
+                    <a:pt x="1302" y="360"/>
+                  </a:cubicBezTo>
+                  <a:cubicBezTo>
+                    <a:pt x="1109" y="462"/>
+                    <a:pt x="916" y="564"/>
+                    <a:pt x="723" y="666"/>
+                  </a:cubicBezTo>
+                  <a:cubicBezTo>
+                    <a:pt x="711" y="672"/>
+                    <a:pt x="701" y="674"/>
+                    <a:pt x="688" y="668"/>
+                  </a:cubicBezTo>
+                  <a:cubicBezTo>
+                    <a:pt x="496" y="582"/>
+                    <a:pt x="304" y="496"/>
+                    <a:pt x="112" y="411"/>
+                  </a:cubicBezTo>
+                  <a:cubicBezTo>
+                    <a:pt x="108" y="409"/>
+                    <a:pt x="103" y="407"/>
+                    <a:pt x="96" y="404"/>
+                  </a:cubicBezTo>
+                  <a:close/>
+                </a:path>
+              </a:pathLst>
+            </a:custGeom>
+            <a:grpFill/>
+            <a:ln>
+              <a:noFill/>
+            </a:ln>
+            <a:extLst>
+              <a:ext uri="{91240B29-F687-4f45-9708-019B960494DF}"/>
+            </a:extLst>
+          </p:spPr>
+          <p:txBody>
+            <a:bodyPr/>
+            <a:lstStyle/>
+            <a:p>
+              <a:pPr defTabSz="609468" fontAlgn="auto">
+                <a:spcBef>
+                  <a:spcPts val="0"/>
+                </a:spcBef>
+                <a:spcAft>
+                  <a:spcPts val="0"/>
+                </a:spcAft>
+                <a:defRPr/>
+              </a:pPr>
+              <a:endParaRPr lang="zh-HK" altLang="en-US">
+                <a:solidFill>
+                  <a:prstClr val="black"/>
+                </a:solidFill>
+                <a:latin typeface="Calibri"/>
+                <a:ea typeface="新細明體" panose="02020500000000000000" pitchFamily="18" charset="-120"/>
+              </a:endParaRPr>
+            </a:p>
+          </p:txBody>
+        </p:sp>
+        <p:sp>
+          <p:nvSpPr>
+            <p:cNvPr id="5" name="Freeform 7"/>
+            <p:cNvSpPr>
+              <a:spLocks/>
+            </p:cNvSpPr>
+            <p:nvPr/>
+          </p:nvSpPr>
+          <p:spPr bwMode="auto">
+            <a:xfrm>
+              <a:off x="1829" y="1959"/>
+              <a:ext cx="2000" cy="947"/>
+            </a:xfrm>
+            <a:custGeom>
+              <a:avLst/>
+              <a:gdLst>
+                <a:gd name="T0" fmla="*/ 0 w 845"/>
+                <a:gd name="T1" fmla="*/ 147 h 400"/>
+                <a:gd name="T2" fmla="*/ 78 w 845"/>
+                <a:gd name="T3" fmla="*/ 32 h 400"/>
+                <a:gd name="T4" fmla="*/ 96 w 845"/>
+                <a:gd name="T5" fmla="*/ 28 h 400"/>
+                <a:gd name="T6" fmla="*/ 262 w 845"/>
+                <a:gd name="T7" fmla="*/ 101 h 400"/>
+                <a:gd name="T8" fmla="*/ 417 w 845"/>
+                <a:gd name="T9" fmla="*/ 170 h 400"/>
+                <a:gd name="T10" fmla="*/ 434 w 845"/>
+                <a:gd name="T11" fmla="*/ 167 h 400"/>
+                <a:gd name="T12" fmla="*/ 724 w 845"/>
+                <a:gd name="T13" fmla="*/ 13 h 400"/>
+                <a:gd name="T14" fmla="*/ 749 w 845"/>
+                <a:gd name="T15" fmla="*/ 0 h 400"/>
+                <a:gd name="T16" fmla="*/ 845 w 845"/>
+                <a:gd name="T17" fmla="*/ 143 h 400"/>
+                <a:gd name="T18" fmla="*/ 743 w 845"/>
+                <a:gd name="T19" fmla="*/ 207 h 400"/>
+                <a:gd name="T20" fmla="*/ 448 w 845"/>
+                <a:gd name="T21" fmla="*/ 393 h 400"/>
+                <a:gd name="T22" fmla="*/ 421 w 845"/>
+                <a:gd name="T23" fmla="*/ 394 h 400"/>
+                <a:gd name="T24" fmla="*/ 8 w 845"/>
+                <a:gd name="T25" fmla="*/ 153 h 400"/>
+                <a:gd name="T26" fmla="*/ 0 w 845"/>
+                <a:gd name="T27" fmla="*/ 147 h 400"/>
+              </a:gdLst>
+              <a:ahLst/>
+              <a:cxnLst>
+                <a:cxn ang="0">
+                  <a:pos x="T0" y="T1"/>
+                </a:cxn>
+                <a:cxn ang="0">
+                  <a:pos x="T2" y="T3"/>
+                </a:cxn>
+                <a:cxn ang="0">
+                  <a:pos x="T4" y="T5"/>
+                </a:cxn>
+                <a:cxn ang="0">
+                  <a:pos x="T6" y="T7"/>
+                </a:cxn>
+                <a:cxn ang="0">
+                  <a:pos x="T8" y="T9"/>
+                </a:cxn>
+                <a:cxn ang="0">
+                  <a:pos x="T10" y="T11"/>
+                </a:cxn>
+                <a:cxn ang="0">
+                  <a:pos x="T12" y="T13"/>
+                </a:cxn>
+                <a:cxn ang="0">
+                  <a:pos x="T14" y="T15"/>
+                </a:cxn>
+                <a:cxn ang="0">
+                  <a:pos x="T16" y="T17"/>
+                </a:cxn>
+                <a:cxn ang="0">
+                  <a:pos x="T18" y="T19"/>
+                </a:cxn>
+                <a:cxn ang="0">
+                  <a:pos x="T20" y="T21"/>
+                </a:cxn>
+                <a:cxn ang="0">
+                  <a:pos x="T22" y="T23"/>
+                </a:cxn>
+                <a:cxn ang="0">
+                  <a:pos x="T24" y="T25"/>
+                </a:cxn>
+                <a:cxn ang="0">
+                  <a:pos x="T26" y="T27"/>
+                </a:cxn>
+              </a:cxnLst>
+              <a:rect l="0" t="0" r="r" b="b"/>
+              <a:pathLst>
+                <a:path w="845" h="400">
+                  <a:moveTo>
+                    <a:pt x="0" y="147"/>
+                  </a:moveTo>
+                  <a:cubicBezTo>
+                    <a:pt x="27" y="108"/>
+                    <a:pt x="53" y="70"/>
+                    <a:pt x="78" y="32"/>
+                  </a:cubicBezTo>
+                  <a:cubicBezTo>
+                    <a:pt x="84" y="24"/>
+                    <a:pt x="89" y="25"/>
+                    <a:pt x="96" y="28"/>
+                  </a:cubicBezTo>
+                  <a:cubicBezTo>
+                    <a:pt x="151" y="53"/>
+                    <a:pt x="206" y="77"/>
+                    <a:pt x="262" y="101"/>
+                  </a:cubicBezTo>
+                  <a:cubicBezTo>
+                    <a:pt x="313" y="124"/>
+                    <a:pt x="365" y="147"/>
+                    <a:pt x="417" y="170"/>
+                  </a:cubicBezTo>
+                  <a:cubicBezTo>
+                    <a:pt x="421" y="172"/>
+                    <a:pt x="429" y="170"/>
+                    <a:pt x="434" y="167"/>
+                  </a:cubicBezTo>
+                  <a:cubicBezTo>
+                    <a:pt x="531" y="116"/>
+                    <a:pt x="627" y="65"/>
+                    <a:pt x="724" y="13"/>
+                  </a:cubicBezTo>
+                  <a:cubicBezTo>
+                    <a:pt x="732" y="9"/>
+                    <a:pt x="740" y="5"/>
+                    <a:pt x="749" y="0"/>
+                  </a:cubicBezTo>
+                  <a:cubicBezTo>
+                    <a:pt x="781" y="48"/>
+                    <a:pt x="813" y="95"/>
+                    <a:pt x="845" y="143"/>
+                  </a:cubicBezTo>
+                  <a:cubicBezTo>
+                    <a:pt x="811" y="165"/>
+                    <a:pt x="777" y="186"/>
+                    <a:pt x="743" y="207"/>
+                  </a:cubicBezTo>
+                  <a:cubicBezTo>
+                    <a:pt x="645" y="269"/>
+                    <a:pt x="546" y="331"/>
+                    <a:pt x="448" y="393"/>
+                  </a:cubicBezTo>
+                  <a:cubicBezTo>
+                    <a:pt x="438" y="399"/>
+                    <a:pt x="431" y="400"/>
+                    <a:pt x="421" y="394"/>
+                  </a:cubicBezTo>
+                  <a:cubicBezTo>
+                    <a:pt x="284" y="313"/>
+                    <a:pt x="146" y="233"/>
+                    <a:pt x="8" y="153"/>
+                  </a:cubicBezTo>
+                  <a:cubicBezTo>
+                    <a:pt x="6" y="151"/>
+                    <a:pt x="3" y="149"/>
+                    <a:pt x="0" y="147"/>
+                  </a:cubicBezTo>
+                  <a:close/>
+                </a:path>
+              </a:pathLst>
+            </a:custGeom>
+            <a:grpFill/>
+            <a:ln>
+              <a:noFill/>
+            </a:ln>
+            <a:extLst>
+              <a:ext uri="{91240B29-F687-4f45-9708-019B960494DF}"/>
+            </a:extLst>
+          </p:spPr>
+          <p:txBody>
+            <a:bodyPr/>
+            <a:lstStyle/>
+            <a:p>
+              <a:pPr defTabSz="609468" fontAlgn="auto">
+                <a:spcBef>
+                  <a:spcPts val="0"/>
+                </a:spcBef>
+                <a:spcAft>
+                  <a:spcPts val="0"/>
+                </a:spcAft>
+                <a:defRPr/>
+              </a:pPr>
+              <a:endParaRPr lang="zh-HK" altLang="en-US">
+                <a:solidFill>
+                  <a:prstClr val="black"/>
+                </a:solidFill>
+                <a:latin typeface="Calibri"/>
+                <a:ea typeface="新細明體" panose="02020500000000000000" pitchFamily="18" charset="-120"/>
+              </a:endParaRPr>
+            </a:p>
+          </p:txBody>
+        </p:sp>
+      </p:grpSp>
+      <p:sp>
+        <p:nvSpPr>
+          <p:cNvPr id="29" name="Rectangle 25"/>
+          <p:cNvSpPr>
+            <a:spLocks noChangeArrowheads="1"/>
+          </p:cNvSpPr>
+          <p:nvPr/>
+        </p:nvSpPr>
+        <p:spPr bwMode="auto">
+          <a:xfrm>
+            <a:off x="2483768" y="2656677"/>
+            <a:ext cx="9144000" cy="0"/>
+          </a:xfrm>
+          <a:prstGeom prst="rect">
+            <a:avLst/>
+          </a:prstGeom>
+          <a:noFill/>
+          <a:ln>
+            <a:noFill/>
+          </a:ln>
+          <a:effectLst/>
+          <a:extLst>
+            <a:ext uri="{909E8E84-426E-40DD-AFC4-6F175D3DCCD1}">
+              <a14:hiddenFill xmlns:a14="http://schemas.microsoft.com/office/drawing/2010/main">
+                <a:solidFill>
+                  <a:schemeClr val="accent1"/>
+                </a:solidFill>
+              </a14:hiddenFill>
+            </a:ext>
+            <a:ext uri="{91240B29-F687-4F45-9708-019B960494DF}">
+              <a14:hiddenLine xmlns:a14="http://schemas.microsoft.com/office/drawing/2010/main" w="9525">
+                <a:solidFill>
+                  <a:schemeClr val="tx1"/>
+                </a:solidFill>
+                <a:miter lim="800000"/>
+                <a:headEnd/>
+                <a:tailEnd/>
+              </a14:hiddenLine>
+            </a:ext>
+            <a:ext uri="{AF507438-7753-43E0-B8FC-AC1667EBCBE1}">
+              <a14:hiddenEffects xmlns:a14="http://schemas.microsoft.com/office/drawing/2010/main">
+                <a:effectLst>
+                  <a:outerShdw dist="35921" dir="2700000" algn="ctr" rotWithShape="0">
+                    <a:schemeClr val="bg2"/>
+                  </a:outerShdw>
+                </a:effectLst>
+              </a14:hiddenEffects>
+            </a:ext>
+          </a:extLst>
+        </p:spPr>
+        <p:txBody>
+          <a:bodyPr vert="horz" wrap="none" lIns="91440" tIns="45720" rIns="91440" bIns="45720" numCol="1" anchor="ctr" anchorCtr="0" compatLnSpc="1">
+            <a:prstTxWarp prst="textNoShape">
+              <a:avLst/>
+            </a:prstTxWarp>
+            <a:spAutoFit/>
+          </a:bodyPr>
+          <a:lstStyle/>
+          <a:p>
+            <a:endParaRPr lang="zh-CN" altLang="en-US">
+              <a:solidFill>
+                <a:prstClr val="black"/>
+              </a:solidFill>
+            </a:endParaRPr>
+          </a:p>
+        </p:txBody>
+      </p:sp>
+      <p:sp>
+        <p:nvSpPr>
+          <p:cNvPr id="12" name="Rectangle 17"/>
+          <p:cNvSpPr>
+            <a:spLocks noChangeArrowheads="1"/>
+          </p:cNvSpPr>
+          <p:nvPr/>
+        </p:nvSpPr>
+        <p:spPr bwMode="auto">
+          <a:xfrm>
+            <a:off x="3131840" y="3387431"/>
+            <a:ext cx="9144000" cy="0"/>
+          </a:xfrm>
+          <a:prstGeom prst="rect">
+            <a:avLst/>
+          </a:prstGeom>
+          <a:noFill/>
+          <a:ln>
+            <a:noFill/>
+          </a:ln>
+          <a:effectLst/>
+          <a:extLst>
+            <a:ext uri="{909E8E84-426E-40DD-AFC4-6F175D3DCCD1}">
+              <a14:hiddenFill xmlns:a14="http://schemas.microsoft.com/office/drawing/2010/main">
+                <a:solidFill>
+                  <a:schemeClr val="accent1"/>
+                </a:solidFill>
+              </a14:hiddenFill>
+            </a:ext>
+            <a:ext uri="{91240B29-F687-4F45-9708-019B960494DF}">
+              <a14:hiddenLine xmlns:a14="http://schemas.microsoft.com/office/drawing/2010/main" w="9525">
+                <a:solidFill>
+                  <a:schemeClr val="tx1"/>
+                </a:solidFill>
+                <a:miter lim="800000"/>
+                <a:headEnd/>
+                <a:tailEnd/>
+              </a14:hiddenLine>
+            </a:ext>
+            <a:ext uri="{AF507438-7753-43E0-B8FC-AC1667EBCBE1}">
+              <a14:hiddenEffects xmlns:a14="http://schemas.microsoft.com/office/drawing/2010/main">
+                <a:effectLst>
+                  <a:outerShdw dist="35921" dir="2700000" algn="ctr" rotWithShape="0">
+                    <a:schemeClr val="bg2"/>
+                  </a:outerShdw>
+                </a:effectLst>
+              </a14:hiddenEffects>
+            </a:ext>
+          </a:extLst>
+        </p:spPr>
+        <p:txBody>
+          <a:bodyPr vert="horz" wrap="none" lIns="91440" tIns="45720" rIns="91440" bIns="45720" numCol="1" anchor="ctr" anchorCtr="0" compatLnSpc="1">
+            <a:prstTxWarp prst="textNoShape">
+              <a:avLst/>
+            </a:prstTxWarp>
+            <a:spAutoFit/>
+          </a:bodyPr>
+          <a:lstStyle/>
+          <a:p>
+            <a:endParaRPr lang="zh-CN" altLang="en-US">
+              <a:solidFill>
+                <a:prstClr val="black"/>
+              </a:solidFill>
+            </a:endParaRPr>
+          </a:p>
+        </p:txBody>
+      </p:sp>
+      <p:sp>
+        <p:nvSpPr>
+          <p:cNvPr id="15" name="Rectangle 19"/>
+          <p:cNvSpPr>
+            <a:spLocks noChangeArrowheads="1"/>
+          </p:cNvSpPr>
+          <p:nvPr/>
+        </p:nvSpPr>
+        <p:spPr bwMode="auto">
+          <a:xfrm>
+            <a:off x="3096883" y="4414716"/>
+            <a:ext cx="9144000" cy="0"/>
+          </a:xfrm>
+          <a:prstGeom prst="rect">
+            <a:avLst/>
+          </a:prstGeom>
+          <a:noFill/>
+          <a:ln>
+            <a:noFill/>
+          </a:ln>
+          <a:effectLst/>
+          <a:extLst>
+            <a:ext uri="{909E8E84-426E-40DD-AFC4-6F175D3DCCD1}">
+              <a14:hiddenFill xmlns:a14="http://schemas.microsoft.com/office/drawing/2010/main">
+                <a:solidFill>
+                  <a:schemeClr val="accent1"/>
+                </a:solidFill>
+              </a14:hiddenFill>
+            </a:ext>
+            <a:ext uri="{91240B29-F687-4F45-9708-019B960494DF}">
+              <a14:hiddenLine xmlns:a14="http://schemas.microsoft.com/office/drawing/2010/main" w="9525">
+                <a:solidFill>
+                  <a:schemeClr val="tx1"/>
+                </a:solidFill>
+                <a:miter lim="800000"/>
+                <a:headEnd/>
+                <a:tailEnd/>
+              </a14:hiddenLine>
+            </a:ext>
+            <a:ext uri="{AF507438-7753-43E0-B8FC-AC1667EBCBE1}">
+              <a14:hiddenEffects xmlns:a14="http://schemas.microsoft.com/office/drawing/2010/main">
+                <a:effectLst>
+                  <a:outerShdw dist="35921" dir="2700000" algn="ctr" rotWithShape="0">
+                    <a:schemeClr val="bg2"/>
+                  </a:outerShdw>
+                </a:effectLst>
+              </a14:hiddenEffects>
+            </a:ext>
+          </a:extLst>
+        </p:spPr>
+        <p:txBody>
+          <a:bodyPr vert="horz" wrap="none" lIns="91440" tIns="45720" rIns="91440" bIns="45720" numCol="1" anchor="ctr" anchorCtr="0" compatLnSpc="1">
+            <a:prstTxWarp prst="textNoShape">
+              <a:avLst/>
+            </a:prstTxWarp>
+            <a:spAutoFit/>
+          </a:bodyPr>
+          <a:lstStyle/>
+          <a:p>
+            <a:endParaRPr lang="zh-CN" altLang="en-US">
+              <a:solidFill>
+                <a:prstClr val="black"/>
+              </a:solidFill>
+            </a:endParaRPr>
+          </a:p>
+        </p:txBody>
+      </p:sp>
+      <p:sp>
+        <p:nvSpPr>
+          <p:cNvPr id="22" name="Rectangle 26"/>
+          <p:cNvSpPr>
+            <a:spLocks noChangeArrowheads="1"/>
+          </p:cNvSpPr>
+          <p:nvPr/>
+        </p:nvSpPr>
+        <p:spPr bwMode="auto">
+          <a:xfrm>
+            <a:off x="2519129" y="6056432"/>
+            <a:ext cx="9144000" cy="0"/>
+          </a:xfrm>
+          <a:prstGeom prst="rect">
+            <a:avLst/>
+          </a:prstGeom>
+          <a:noFill/>
+          <a:ln>
+            <a:noFill/>
+          </a:ln>
+          <a:effectLst/>
+          <a:extLst>
+            <a:ext uri="{909E8E84-426E-40DD-AFC4-6F175D3DCCD1}">
+              <a14:hiddenFill xmlns:a14="http://schemas.microsoft.com/office/drawing/2010/main">
+                <a:solidFill>
+                  <a:schemeClr val="accent1"/>
+                </a:solidFill>
+              </a14:hiddenFill>
+            </a:ext>
+            <a:ext uri="{91240B29-F687-4F45-9708-019B960494DF}">
+              <a14:hiddenLine xmlns:a14="http://schemas.microsoft.com/office/drawing/2010/main" w="9525">
+                <a:solidFill>
+                  <a:schemeClr val="tx1"/>
+                </a:solidFill>
+                <a:miter lim="800000"/>
+                <a:headEnd/>
+                <a:tailEnd/>
+              </a14:hiddenLine>
+            </a:ext>
+            <a:ext uri="{AF507438-7753-43E0-B8FC-AC1667EBCBE1}">
+              <a14:hiddenEffects xmlns:a14="http://schemas.microsoft.com/office/drawing/2010/main">
+                <a:effectLst>
+                  <a:outerShdw dist="35921" dir="2700000" algn="ctr" rotWithShape="0">
+                    <a:schemeClr val="bg2"/>
+                  </a:outerShdw>
+                </a:effectLst>
+              </a14:hiddenEffects>
+            </a:ext>
+          </a:extLst>
+        </p:spPr>
+        <p:txBody>
+          <a:bodyPr vert="horz" wrap="none" lIns="91440" tIns="45720" rIns="91440" bIns="45720" numCol="1" anchor="ctr" anchorCtr="0" compatLnSpc="1">
+            <a:prstTxWarp prst="textNoShape">
+              <a:avLst/>
+            </a:prstTxWarp>
+            <a:spAutoFit/>
+          </a:bodyPr>
+          <a:lstStyle/>
+          <a:p>
+            <a:endParaRPr lang="zh-CN" altLang="en-US">
+              <a:solidFill>
+                <a:prstClr val="black"/>
+              </a:solidFill>
+            </a:endParaRPr>
+          </a:p>
+        </p:txBody>
+      </p:sp>
+      <p:sp>
+        <p:nvSpPr>
+          <p:cNvPr id="7" name="Rectangle 2"/>
+          <p:cNvSpPr>
+            <a:spLocks noChangeArrowheads="1"/>
+          </p:cNvSpPr>
+          <p:nvPr/>
+        </p:nvSpPr>
+        <p:spPr bwMode="auto">
+          <a:xfrm>
+            <a:off x="2915816" y="3003890"/>
+            <a:ext cx="9144000" cy="0"/>
+          </a:xfrm>
+          <a:prstGeom prst="rect">
+            <a:avLst/>
+          </a:prstGeom>
+          <a:noFill/>
+          <a:ln>
+            <a:noFill/>
+          </a:ln>
+          <a:effectLst/>
+          <a:extLst>
+            <a:ext uri="{909E8E84-426E-40DD-AFC4-6F175D3DCCD1}">
+              <a14:hiddenFill xmlns:a14="http://schemas.microsoft.com/office/drawing/2010/main">
+                <a:solidFill>
+                  <a:schemeClr val="accent1"/>
+                </a:solidFill>
+              </a14:hiddenFill>
+            </a:ext>
+            <a:ext uri="{91240B29-F687-4F45-9708-019B960494DF}">
+              <a14:hiddenLine xmlns:a14="http://schemas.microsoft.com/office/drawing/2010/main" w="9525">
+                <a:solidFill>
+                  <a:schemeClr val="tx1"/>
+                </a:solidFill>
+                <a:miter lim="800000"/>
+                <a:headEnd/>
+                <a:tailEnd/>
+              </a14:hiddenLine>
+            </a:ext>
+            <a:ext uri="{AF507438-7753-43E0-B8FC-AC1667EBCBE1}">
+              <a14:hiddenEffects xmlns:a14="http://schemas.microsoft.com/office/drawing/2010/main">
+                <a:effectLst>
+                  <a:outerShdw dist="35921" dir="2700000" algn="ctr" rotWithShape="0">
+                    <a:schemeClr val="bg2"/>
+                  </a:outerShdw>
+                </a:effectLst>
+              </a14:hiddenEffects>
+            </a:ext>
+          </a:extLst>
+        </p:spPr>
+        <p:txBody>
+          <a:bodyPr vert="horz" wrap="none" lIns="91440" tIns="45720" rIns="91440" bIns="45720" numCol="1" anchor="ctr" anchorCtr="0" compatLnSpc="1">
+            <a:prstTxWarp prst="textNoShape">
+              <a:avLst/>
+            </a:prstTxWarp>
+            <a:spAutoFit/>
+          </a:bodyPr>
+          <a:lstStyle/>
+          <a:p>
+            <a:endParaRPr lang="zh-CN" altLang="en-US">
+              <a:solidFill>
+                <a:prstClr val="black"/>
+              </a:solidFill>
+            </a:endParaRPr>
+          </a:p>
+        </p:txBody>
+      </p:sp>
+      <p:sp>
+        <p:nvSpPr>
+          <p:cNvPr id="17" name="Rectangle 4"/>
+          <p:cNvSpPr>
+            <a:spLocks noChangeArrowheads="1"/>
+          </p:cNvSpPr>
+          <p:nvPr/>
+        </p:nvSpPr>
+        <p:spPr bwMode="auto">
+          <a:xfrm>
+            <a:off x="1813963" y="5507265"/>
+            <a:ext cx="9817186" cy="45719"/>
+          </a:xfrm>
+          <a:prstGeom prst="rect">
+            <a:avLst/>
+          </a:prstGeom>
+          <a:noFill/>
+          <a:ln>
+            <a:noFill/>
+          </a:ln>
+          <a:effectLst/>
+          <a:extLst>
+            <a:ext uri="{909E8E84-426E-40DD-AFC4-6F175D3DCCD1}">
+              <a14:hiddenFill xmlns:a14="http://schemas.microsoft.com/office/drawing/2010/main">
+                <a:solidFill>
+                  <a:schemeClr val="accent1"/>
+                </a:solidFill>
+              </a14:hiddenFill>
+            </a:ext>
+            <a:ext uri="{91240B29-F687-4F45-9708-019B960494DF}">
+              <a14:hiddenLine xmlns:a14="http://schemas.microsoft.com/office/drawing/2010/main" w="9525">
+                <a:solidFill>
+                  <a:schemeClr val="tx1"/>
+                </a:solidFill>
+                <a:miter lim="800000"/>
+                <a:headEnd/>
+                <a:tailEnd/>
+              </a14:hiddenLine>
+            </a:ext>
+            <a:ext uri="{AF507438-7753-43E0-B8FC-AC1667EBCBE1}">
+              <a14:hiddenEffects xmlns:a14="http://schemas.microsoft.com/office/drawing/2010/main">
+                <a:effectLst>
+                  <a:outerShdw dist="35921" dir="2700000" algn="ctr" rotWithShape="0">
+                    <a:schemeClr val="bg2"/>
+                  </a:outerShdw>
+                </a:effectLst>
+              </a14:hiddenEffects>
+            </a:ext>
+          </a:extLst>
+        </p:spPr>
+        <p:txBody>
+          <a:bodyPr vert="horz" wrap="square" lIns="91440" tIns="45720" rIns="91440" bIns="45720" numCol="1" anchor="ctr" anchorCtr="0" compatLnSpc="1">
+            <a:prstTxWarp prst="textNoShape">
+              <a:avLst/>
+            </a:prstTxWarp>
+            <a:spAutoFit/>
+          </a:bodyPr>
+          <a:lstStyle/>
+          <a:p>
+            <a:endParaRPr lang="zh-CN" altLang="en-US">
+              <a:solidFill>
+                <a:prstClr val="black"/>
+              </a:solidFill>
+            </a:endParaRPr>
+          </a:p>
+        </p:txBody>
+      </p:sp>
+      <p:sp>
+        <p:nvSpPr>
+          <p:cNvPr id="27" name="矩形 26"/>
+          <p:cNvSpPr/>
+          <p:nvPr/>
+        </p:nvSpPr>
+        <p:spPr>
+          <a:xfrm>
+            <a:off x="334332" y="1796566"/>
+            <a:ext cx="8809668" cy="1200329"/>
+          </a:xfrm>
+          <a:prstGeom prst="rect">
+            <a:avLst/>
+          </a:prstGeom>
+        </p:spPr>
+        <p:txBody>
+          <a:bodyPr wrap="square">
+            <a:spAutoFit/>
+          </a:bodyPr>
+          <a:lstStyle/>
+          <a:p>
+            <a:pPr algn="just">
+              <a:spcAft>
+                <a:spcPts val="0"/>
+              </a:spcAft>
+            </a:pPr>
+            <a:r>
+              <a:rPr lang="en-US" altLang="zh-CN" sz="2400" kern="100" dirty="0" smtClean="0">
+                <a:solidFill>
+                  <a:schemeClr val="tx2"/>
+                </a:solidFill>
+                <a:latin typeface="Times New Roman" panose="02020603050405020304" pitchFamily="18" charset="0"/>
+              </a:rPr>
+              <a:t>      AOP-f</a:t>
+            </a:r>
+            <a:r>
+              <a:rPr lang="zh-CN" altLang="zh-CN" sz="2400" kern="100" dirty="0">
+                <a:solidFill>
+                  <a:schemeClr val="tx2"/>
+                </a:solidFill>
+                <a:latin typeface="Times New Roman" panose="02020603050405020304" pitchFamily="18" charset="0"/>
+              </a:rPr>
+              <a:t>（</a:t>
+            </a:r>
+            <a:r>
+              <a:rPr lang="en-US" altLang="zh-CN" sz="2400" kern="100" dirty="0">
+                <a:solidFill>
+                  <a:schemeClr val="tx2"/>
+                </a:solidFill>
+                <a:latin typeface="Times New Roman" panose="02020603050405020304" pitchFamily="18" charset="0"/>
+              </a:rPr>
+              <a:t>Adaptive outlier pursuit with sign flips</a:t>
+            </a:r>
+            <a:r>
+              <a:rPr lang="zh-CN" altLang="zh-CN" sz="2400" kern="100" dirty="0">
+                <a:solidFill>
+                  <a:schemeClr val="tx2"/>
+                </a:solidFill>
+                <a:latin typeface="Times New Roman" panose="02020603050405020304" pitchFamily="18" charset="0"/>
+              </a:rPr>
+              <a:t>）算法，在该算法中引入了一个向量</a:t>
+            </a:r>
+            <a:r>
+              <a:rPr lang="en-US" altLang="zh-CN" sz="2400" kern="100" dirty="0">
+                <a:solidFill>
+                  <a:schemeClr val="tx2"/>
+                </a:solidFill>
+                <a:latin typeface="Calibri" panose="020F0502020204030204" pitchFamily="34" charset="0"/>
+              </a:rPr>
+              <a:t>Ω</a:t>
+            </a:r>
+            <a:r>
+              <a:rPr lang="zh-CN" altLang="zh-CN" sz="2400" kern="100" dirty="0">
+                <a:solidFill>
+                  <a:schemeClr val="tx2"/>
+                </a:solidFill>
+                <a:latin typeface="Times New Roman" panose="02020603050405020304" pitchFamily="18" charset="0"/>
+              </a:rPr>
+              <a:t>，</a:t>
+            </a:r>
+            <a:r>
+              <a:rPr lang="en-US" altLang="zh-CN" sz="2400" kern="100" dirty="0">
+                <a:solidFill>
+                  <a:schemeClr val="tx2"/>
+                </a:solidFill>
+                <a:latin typeface="Calibri" panose="020F0502020204030204" pitchFamily="34" charset="0"/>
+              </a:rPr>
+              <a:t>Ω</a:t>
+            </a:r>
+            <a:r>
+              <a:rPr lang="zh-CN" altLang="zh-CN" sz="2400" kern="100" dirty="0">
+                <a:solidFill>
+                  <a:schemeClr val="tx2"/>
+                </a:solidFill>
+                <a:latin typeface="Times New Roman" panose="02020603050405020304" pitchFamily="18" charset="0"/>
+              </a:rPr>
+              <a:t>的元素只有两个值，</a:t>
+            </a:r>
+            <a:r>
+              <a:rPr lang="en-US" altLang="zh-CN" sz="2400" kern="100" dirty="0">
+                <a:solidFill>
+                  <a:schemeClr val="tx2"/>
+                </a:solidFill>
+                <a:latin typeface="Times New Roman" panose="02020603050405020304" pitchFamily="18" charset="0"/>
+              </a:rPr>
+              <a:t>1</a:t>
+            </a:r>
+            <a:r>
+              <a:rPr lang="zh-CN" altLang="zh-CN" sz="2400" kern="100" dirty="0">
+                <a:solidFill>
+                  <a:schemeClr val="tx2"/>
+                </a:solidFill>
+                <a:latin typeface="Times New Roman" panose="02020603050405020304" pitchFamily="18" charset="0"/>
+              </a:rPr>
+              <a:t>和</a:t>
+            </a:r>
+            <a:r>
+              <a:rPr lang="en-US" altLang="zh-CN" sz="2400" kern="100" dirty="0">
+                <a:solidFill>
+                  <a:schemeClr val="tx2"/>
+                </a:solidFill>
+                <a:latin typeface="Times New Roman" panose="02020603050405020304" pitchFamily="18" charset="0"/>
+              </a:rPr>
+              <a:t>-1</a:t>
+            </a:r>
+            <a:r>
+              <a:rPr lang="zh-CN" altLang="zh-CN" sz="2400" kern="100" dirty="0">
+                <a:solidFill>
+                  <a:schemeClr val="tx2"/>
+                </a:solidFill>
+                <a:latin typeface="Times New Roman" panose="02020603050405020304" pitchFamily="18" charset="0"/>
+              </a:rPr>
+              <a:t>。</a:t>
+            </a:r>
+            <a:r>
+              <a:rPr lang="en-US" altLang="zh-CN" sz="2400" kern="100" dirty="0">
+                <a:solidFill>
+                  <a:schemeClr val="tx2"/>
+                </a:solidFill>
+                <a:latin typeface="Calibri" panose="020F0502020204030204" pitchFamily="34" charset="0"/>
+              </a:rPr>
+              <a:t>Ω</a:t>
+            </a:r>
+            <a:r>
+              <a:rPr lang="zh-CN" altLang="zh-CN" sz="2400" kern="100" dirty="0">
+                <a:solidFill>
+                  <a:schemeClr val="tx2"/>
+                </a:solidFill>
+                <a:latin typeface="Times New Roman" panose="02020603050405020304" pitchFamily="18" charset="0"/>
+              </a:rPr>
+              <a:t>的定义为：</a:t>
+            </a:r>
+          </a:p>
+        </p:txBody>
+      </p:sp>
+      <p:sp>
+        <p:nvSpPr>
+          <p:cNvPr id="28" name="Rectangle 20"/>
+          <p:cNvSpPr>
+            <a:spLocks noChangeArrowheads="1"/>
+          </p:cNvSpPr>
+          <p:nvPr/>
+        </p:nvSpPr>
+        <p:spPr bwMode="auto">
+          <a:xfrm>
+            <a:off x="0" y="0"/>
+            <a:ext cx="9144000" cy="0"/>
+          </a:xfrm>
+          <a:prstGeom prst="rect">
+            <a:avLst/>
+          </a:prstGeom>
+          <a:noFill/>
+          <a:ln>
+            <a:noFill/>
+          </a:ln>
+          <a:effectLst/>
+          <a:extLst>
+            <a:ext uri="{909E8E84-426E-40DD-AFC4-6F175D3DCCD1}">
+              <a14:hiddenFill xmlns:a14="http://schemas.microsoft.com/office/drawing/2010/main">
+                <a:solidFill>
+                  <a:schemeClr val="accent1"/>
+                </a:solidFill>
+              </a14:hiddenFill>
+            </a:ext>
+            <a:ext uri="{91240B29-F687-4F45-9708-019B960494DF}">
+              <a14:hiddenLine xmlns:a14="http://schemas.microsoft.com/office/drawing/2010/main" w="9525">
+                <a:solidFill>
+                  <a:schemeClr val="tx1"/>
+                </a:solidFill>
+                <a:miter lim="800000"/>
+                <a:headEnd/>
+                <a:tailEnd/>
+              </a14:hiddenLine>
+            </a:ext>
+            <a:ext uri="{AF507438-7753-43E0-B8FC-AC1667EBCBE1}">
+              <a14:hiddenEffects xmlns:a14="http://schemas.microsoft.com/office/drawing/2010/main">
+                <a:effectLst>
+                  <a:outerShdw dist="35921" dir="2700000" algn="ctr" rotWithShape="0">
+                    <a:schemeClr val="bg2"/>
+                  </a:outerShdw>
+                </a:effectLst>
+              </a14:hiddenEffects>
+            </a:ext>
+          </a:extLst>
+        </p:spPr>
+        <p:txBody>
+          <a:bodyPr vert="horz" wrap="none" lIns="91440" tIns="45720" rIns="91440" bIns="45720" numCol="1" anchor="ctr" anchorCtr="0" compatLnSpc="1">
+            <a:prstTxWarp prst="textNoShape">
+              <a:avLst/>
+            </a:prstTxWarp>
+            <a:spAutoFit/>
+          </a:bodyPr>
+          <a:lstStyle/>
+          <a:p>
+            <a:endParaRPr lang="zh-CN" altLang="en-US"/>
+          </a:p>
+        </p:txBody>
+      </p:sp>
+      <p:graphicFrame>
+        <p:nvGraphicFramePr>
+          <p:cNvPr id="30" name="对象 29"/>
+          <p:cNvGraphicFramePr>
+            <a:graphicFrameLocks noChangeAspect="1"/>
+          </p:cNvGraphicFramePr>
+          <p:nvPr>
+            <p:extLst>
+              <p:ext uri="{D42A27DB-BD31-4B8C-83A1-F6EECF244321}">
+                <p14:modId xmlns:p14="http://schemas.microsoft.com/office/powerpoint/2010/main" val="3865062184"/>
+              </p:ext>
+            </p:extLst>
+          </p:nvPr>
+        </p:nvGraphicFramePr>
+        <p:xfrm>
+          <a:off x="1002732" y="2656677"/>
+          <a:ext cx="838200" cy="333375"/>
+        </p:xfrm>
+        <a:graphic>
+          <a:graphicData uri="http://schemas.openxmlformats.org/presentationml/2006/ole">
+            <mc:AlternateContent xmlns:mc="http://schemas.openxmlformats.org/markup-compatibility/2006">
+              <mc:Choice xmlns:v="urn:schemas-microsoft-com:vml" Requires="v">
+                <p:oleObj spid="_x0000_s15426" name="Equation" r:id="rId4" imgW="507780" imgH="203112" progId="Equation.DSMT4">
+                  <p:embed/>
+                </p:oleObj>
+              </mc:Choice>
+              <mc:Fallback>
+                <p:oleObj name="Equation" r:id="rId4" imgW="507780" imgH="203112" progId="Equation.DSMT4">
+                  <p:embed/>
+                  <p:pic>
+                    <p:nvPicPr>
+                      <p:cNvPr id="0" name="Object 19"/>
+                      <p:cNvPicPr>
+                        <a:picLocks noChangeAspect="1" noChangeArrowheads="1"/>
+                      </p:cNvPicPr>
+                      <p:nvPr/>
+                    </p:nvPicPr>
+                    <p:blipFill>
+                      <a:blip r:embed="rId5">
+                        <a:extLst>
+                          <a:ext uri="{28A0092B-C50C-407E-A947-70E740481C1C}">
+                            <a14:useLocalDpi xmlns:a14="http://schemas.microsoft.com/office/drawing/2010/main" val="0"/>
+                          </a:ext>
+                        </a:extLst>
+                      </a:blip>
+                      <a:srcRect/>
+                      <a:stretch>
+                        <a:fillRect/>
+                      </a:stretch>
+                    </p:blipFill>
+                    <p:spPr bwMode="auto">
+                      <a:xfrm>
+                        <a:off x="1002732" y="2656677"/>
+                        <a:ext cx="838200" cy="333375"/>
+                      </a:xfrm>
+                      <a:prstGeom prst="rect">
+                        <a:avLst/>
+                      </a:prstGeom>
+                      <a:noFill/>
+                    </p:spPr>
+                  </p:pic>
+                </p:oleObj>
+              </mc:Fallback>
+            </mc:AlternateContent>
+          </a:graphicData>
+        </a:graphic>
+      </p:graphicFrame>
+      <p:sp>
+        <p:nvSpPr>
+          <p:cNvPr id="31" name="Rectangle 22"/>
+          <p:cNvSpPr>
+            <a:spLocks noChangeArrowheads="1"/>
+          </p:cNvSpPr>
+          <p:nvPr/>
+        </p:nvSpPr>
+        <p:spPr bwMode="auto">
+          <a:xfrm>
+            <a:off x="301409" y="3108664"/>
+            <a:ext cx="9144000" cy="457200"/>
+          </a:xfrm>
+          <a:prstGeom prst="rect">
+            <a:avLst/>
+          </a:prstGeom>
+          <a:noFill/>
+          <a:ln>
+            <a:noFill/>
+          </a:ln>
+          <a:effectLst/>
+          <a:extLst>
+            <a:ext uri="{909E8E84-426E-40DD-AFC4-6F175D3DCCD1}">
+              <a14:hiddenFill xmlns:a14="http://schemas.microsoft.com/office/drawing/2010/main">
+                <a:solidFill>
+                  <a:schemeClr val="accent1"/>
+                </a:solidFill>
+              </a14:hiddenFill>
+            </a:ext>
+            <a:ext uri="{91240B29-F687-4F45-9708-019B960494DF}">
+              <a14:hiddenLine xmlns:a14="http://schemas.microsoft.com/office/drawing/2010/main" w="9525">
+                <a:solidFill>
+                  <a:schemeClr val="tx1"/>
+                </a:solidFill>
+                <a:miter lim="800000"/>
+                <a:headEnd/>
+                <a:tailEnd/>
+              </a14:hiddenLine>
+            </a:ext>
+            <a:ext uri="{AF507438-7753-43E0-B8FC-AC1667EBCBE1}">
+              <a14:hiddenEffects xmlns:a14="http://schemas.microsoft.com/office/drawing/2010/main">
+                <a:effectLst>
+                  <a:outerShdw dist="35921" dir="2700000" algn="ctr" rotWithShape="0">
+                    <a:schemeClr val="bg2"/>
+                  </a:outerShdw>
+                </a:effectLst>
+              </a14:hiddenEffects>
+            </a:ext>
+          </a:extLst>
+        </p:spPr>
+        <p:txBody>
+          <a:bodyPr vert="horz" wrap="none" lIns="91440" tIns="45720" rIns="91440" bIns="45720" numCol="1" anchor="ctr" anchorCtr="0" compatLnSpc="1">
+            <a:prstTxWarp prst="textNoShape">
+              <a:avLst/>
+            </a:prstTxWarp>
+            <a:spAutoFit/>
+          </a:bodyPr>
+          <a:lstStyle/>
+          <a:p>
+            <a:pPr marL="0" marR="0" lvl="0" indent="0" algn="l" defTabSz="914400" rtl="0" eaLnBrk="0" fontAlgn="base" latinLnBrk="0" hangingPunct="0">
+              <a:lnSpc>
+                <a:spcPct val="100000"/>
+              </a:lnSpc>
+              <a:spcBef>
+                <a:spcPct val="0"/>
+              </a:spcBef>
+              <a:spcAft>
+                <a:spcPct val="0"/>
+              </a:spcAft>
+              <a:buClrTx/>
+              <a:buSzTx/>
+              <a:buFontTx/>
+              <a:buNone/>
+              <a:tabLst/>
+            </a:pPr>
+            <a:r>
+              <a:rPr kumimoji="0" lang="zh-CN" altLang="zh-CN" sz="2400" b="0" i="0" u="none" strike="noStrike" cap="none" normalizeH="0" baseline="0" dirty="0" smtClean="0">
+                <a:ln>
+                  <a:noFill/>
+                </a:ln>
+                <a:solidFill>
+                  <a:schemeClr val="tx2"/>
+                </a:solidFill>
+                <a:effectLst/>
+                <a:latin typeface="Times New Roman" panose="02020603050405020304" pitchFamily="18" charset="0"/>
+                <a:cs typeface="Times New Roman" panose="02020603050405020304" pitchFamily="18" charset="0"/>
+              </a:rPr>
+              <a:t>其实，</a:t>
+            </a:r>
+            <a:r>
+              <a:rPr kumimoji="0" lang="en-US" altLang="zh-CN" sz="2400" b="0" i="0" u="none" strike="noStrike" cap="none" normalizeH="0" baseline="0" dirty="0" smtClean="0">
+                <a:ln>
+                  <a:noFill/>
+                </a:ln>
+                <a:solidFill>
+                  <a:schemeClr val="tx2"/>
+                </a:solidFill>
+                <a:effectLst/>
+                <a:latin typeface="Times New Roman" panose="02020603050405020304" pitchFamily="18" charset="0"/>
+                <a:cs typeface="Times New Roman" panose="02020603050405020304" pitchFamily="18" charset="0"/>
+              </a:rPr>
+              <a:t>AOP-f</a:t>
+            </a:r>
+            <a:r>
+              <a:rPr kumimoji="0" lang="zh-CN" altLang="en-US" sz="2400" b="0" i="0" u="none" strike="noStrike" cap="none" normalizeH="0" baseline="0" dirty="0" smtClean="0">
+                <a:ln>
+                  <a:noFill/>
+                </a:ln>
+                <a:solidFill>
+                  <a:schemeClr val="tx2"/>
+                </a:solidFill>
+                <a:effectLst/>
+                <a:latin typeface="Times New Roman" panose="02020603050405020304" pitchFamily="18" charset="0"/>
+                <a:cs typeface="Times New Roman" panose="02020603050405020304" pitchFamily="18" charset="0"/>
+              </a:rPr>
+              <a:t>算法与</a:t>
+            </a:r>
+            <a:r>
+              <a:rPr kumimoji="0" lang="en-US" altLang="zh-CN" sz="2400" b="0" i="0" u="none" strike="noStrike" cap="none" normalizeH="0" baseline="0" dirty="0" smtClean="0">
+                <a:ln>
+                  <a:noFill/>
+                </a:ln>
+                <a:solidFill>
+                  <a:schemeClr val="tx2"/>
+                </a:solidFill>
+                <a:effectLst/>
+                <a:latin typeface="Times New Roman" panose="02020603050405020304" pitchFamily="18" charset="0"/>
+                <a:cs typeface="Times New Roman" panose="02020603050405020304" pitchFamily="18" charset="0"/>
+              </a:rPr>
+              <a:t>AOP</a:t>
+            </a:r>
+            <a:r>
+              <a:rPr kumimoji="0" lang="zh-CN" altLang="en-US" sz="2400" b="0" i="0" u="none" strike="noStrike" cap="none" normalizeH="0" baseline="0" dirty="0" smtClean="0">
+                <a:ln>
+                  <a:noFill/>
+                </a:ln>
+                <a:solidFill>
+                  <a:schemeClr val="tx2"/>
+                </a:solidFill>
+                <a:effectLst/>
+                <a:latin typeface="Times New Roman" panose="02020603050405020304" pitchFamily="18" charset="0"/>
+                <a:cs typeface="Times New Roman" panose="02020603050405020304" pitchFamily="18" charset="0"/>
+              </a:rPr>
+              <a:t>算法类似，只是将</a:t>
+            </a:r>
+            <a:r>
+              <a:rPr kumimoji="0" lang="en-US" altLang="zh-CN" sz="2400" b="0" i="0" u="none" strike="noStrike" cap="none" normalizeH="0" baseline="0" dirty="0" smtClean="0">
+                <a:ln>
+                  <a:noFill/>
+                </a:ln>
+                <a:solidFill>
+                  <a:schemeClr val="tx2"/>
+                </a:solidFill>
+                <a:effectLst/>
+                <a:latin typeface="Times New Roman" panose="02020603050405020304" pitchFamily="18" charset="0"/>
+                <a:cs typeface="Times New Roman" panose="02020603050405020304" pitchFamily="18" charset="0"/>
+              </a:rPr>
+              <a:t>AOP</a:t>
+            </a:r>
+            <a:r>
+              <a:rPr kumimoji="0" lang="zh-CN" altLang="en-US" sz="2400" b="0" i="0" u="none" strike="noStrike" cap="none" normalizeH="0" baseline="0" dirty="0" smtClean="0">
+                <a:ln>
+                  <a:noFill/>
+                </a:ln>
+                <a:solidFill>
+                  <a:schemeClr val="tx2"/>
+                </a:solidFill>
+                <a:effectLst/>
+                <a:latin typeface="Times New Roman" panose="02020603050405020304" pitchFamily="18" charset="0"/>
+                <a:cs typeface="Times New Roman" panose="02020603050405020304" pitchFamily="18" charset="0"/>
+              </a:rPr>
+              <a:t>算法中的</a:t>
+            </a:r>
+            <a:r>
+              <a:rPr kumimoji="0" lang="en-US" altLang="zh-CN" sz="2400" b="0" i="0" u="none" strike="noStrike" cap="none" normalizeH="0" baseline="0" dirty="0" smtClean="0">
+                <a:ln>
+                  <a:noFill/>
+                </a:ln>
+                <a:solidFill>
+                  <a:schemeClr val="tx2"/>
+                </a:solidFill>
+                <a:effectLst/>
+                <a:latin typeface="Times New Roman" panose="02020603050405020304" pitchFamily="18" charset="0"/>
+                <a:cs typeface="Times New Roman" panose="02020603050405020304" pitchFamily="18" charset="0"/>
+              </a:rPr>
+              <a:t>y</a:t>
+            </a:r>
+            <a:r>
+              <a:rPr kumimoji="0" lang="zh-CN" altLang="en-US" sz="2400" b="0" i="0" u="none" strike="noStrike" cap="none" normalizeH="0" baseline="0" dirty="0" smtClean="0">
+                <a:ln>
+                  <a:noFill/>
+                </a:ln>
+                <a:solidFill>
+                  <a:schemeClr val="tx2"/>
+                </a:solidFill>
+                <a:effectLst/>
+                <a:latin typeface="Times New Roman" panose="02020603050405020304" pitchFamily="18" charset="0"/>
+                <a:cs typeface="Times New Roman" panose="02020603050405020304" pitchFamily="18" charset="0"/>
+              </a:rPr>
+              <a:t>替换为</a:t>
+            </a:r>
+            <a:endParaRPr kumimoji="0" lang="zh-CN" altLang="en-US" sz="2400" b="0" i="0" u="none" strike="noStrike" cap="none" normalizeH="0" baseline="0" dirty="0" smtClean="0">
+              <a:ln>
+                <a:noFill/>
+              </a:ln>
+              <a:solidFill>
+                <a:schemeClr val="tx2"/>
+              </a:solidFill>
+              <a:effectLst/>
+            </a:endParaRPr>
+          </a:p>
+        </p:txBody>
+      </p:sp>
+      <p:graphicFrame>
+        <p:nvGraphicFramePr>
+          <p:cNvPr id="32" name="对象 31"/>
+          <p:cNvGraphicFramePr>
+            <a:graphicFrameLocks noChangeAspect="1"/>
+          </p:cNvGraphicFramePr>
+          <p:nvPr>
+            <p:extLst>
+              <p:ext uri="{D42A27DB-BD31-4B8C-83A1-F6EECF244321}">
+                <p14:modId xmlns:p14="http://schemas.microsoft.com/office/powerpoint/2010/main" val="4257183345"/>
+              </p:ext>
+            </p:extLst>
+          </p:nvPr>
+        </p:nvGraphicFramePr>
+        <p:xfrm>
+          <a:off x="467544" y="3565864"/>
+          <a:ext cx="720080" cy="408694"/>
+        </p:xfrm>
+        <a:graphic>
+          <a:graphicData uri="http://schemas.openxmlformats.org/presentationml/2006/ole">
+            <mc:AlternateContent xmlns:mc="http://schemas.openxmlformats.org/markup-compatibility/2006">
+              <mc:Choice xmlns:v="urn:schemas-microsoft-com:vml" Requires="v">
+                <p:oleObj spid="_x0000_s15427" name="Equation" r:id="rId6" imgW="355292" imgH="203024" progId="Equation.DSMT4">
+                  <p:embed/>
+                </p:oleObj>
+              </mc:Choice>
+              <mc:Fallback>
+                <p:oleObj name="Equation" r:id="rId6" imgW="355292" imgH="203024" progId="Equation.DSMT4">
+                  <p:embed/>
+                  <p:pic>
+                    <p:nvPicPr>
+                      <p:cNvPr id="0" name="Object 21"/>
+                      <p:cNvPicPr>
+                        <a:picLocks noChangeAspect="1" noChangeArrowheads="1"/>
+                      </p:cNvPicPr>
+                      <p:nvPr/>
+                    </p:nvPicPr>
+                    <p:blipFill>
+                      <a:blip r:embed="rId7">
+                        <a:extLst>
+                          <a:ext uri="{28A0092B-C50C-407E-A947-70E740481C1C}">
+                            <a14:useLocalDpi xmlns:a14="http://schemas.microsoft.com/office/drawing/2010/main" val="0"/>
+                          </a:ext>
+                        </a:extLst>
+                      </a:blip>
+                      <a:srcRect/>
+                      <a:stretch>
+                        <a:fillRect/>
+                      </a:stretch>
+                    </p:blipFill>
+                    <p:spPr bwMode="auto">
+                      <a:xfrm>
+                        <a:off x="467544" y="3565864"/>
+                        <a:ext cx="720080" cy="408694"/>
+                      </a:xfrm>
+                      <a:prstGeom prst="rect">
+                        <a:avLst/>
+                      </a:prstGeom>
+                      <a:noFill/>
+                    </p:spPr>
+                  </p:pic>
+                </p:oleObj>
+              </mc:Fallback>
+            </mc:AlternateContent>
+          </a:graphicData>
+        </a:graphic>
+      </p:graphicFrame>
+      <p:sp>
+        <p:nvSpPr>
+          <p:cNvPr id="33" name="Rectangle 23"/>
+          <p:cNvSpPr>
+            <a:spLocks noChangeArrowheads="1"/>
+          </p:cNvSpPr>
+          <p:nvPr/>
+        </p:nvSpPr>
+        <p:spPr bwMode="auto">
+          <a:xfrm>
+            <a:off x="331158" y="4038504"/>
+            <a:ext cx="9271834" cy="461665"/>
+          </a:xfrm>
+          <a:prstGeom prst="rect">
+            <a:avLst/>
+          </a:prstGeom>
+          <a:noFill/>
+          <a:ln>
+            <a:noFill/>
+          </a:ln>
+          <a:effectLst/>
+          <a:extLst>
+            <a:ext uri="{909E8E84-426E-40DD-AFC4-6F175D3DCCD1}">
+              <a14:hiddenFill xmlns:a14="http://schemas.microsoft.com/office/drawing/2010/main">
+                <a:solidFill>
+                  <a:schemeClr val="accent1"/>
+                </a:solidFill>
+              </a14:hiddenFill>
+            </a:ext>
+            <a:ext uri="{91240B29-F687-4F45-9708-019B960494DF}">
+              <a14:hiddenLine xmlns:a14="http://schemas.microsoft.com/office/drawing/2010/main" w="9525">
+                <a:solidFill>
+                  <a:schemeClr val="tx1"/>
+                </a:solidFill>
+                <a:miter lim="800000"/>
+                <a:headEnd/>
+                <a:tailEnd/>
+              </a14:hiddenLine>
+            </a:ext>
+            <a:ext uri="{AF507438-7753-43E0-B8FC-AC1667EBCBE1}">
+              <a14:hiddenEffects xmlns:a14="http://schemas.microsoft.com/office/drawing/2010/main">
+                <a:effectLst>
+                  <a:outerShdw dist="35921" dir="2700000" algn="ctr" rotWithShape="0">
+                    <a:schemeClr val="bg2"/>
+                  </a:outerShdw>
+                </a:effectLst>
+              </a14:hiddenEffects>
+            </a:ext>
+          </a:extLst>
+        </p:spPr>
+        <p:txBody>
+          <a:bodyPr vert="horz" wrap="none" lIns="91440" tIns="45720" rIns="91440" bIns="45720" numCol="1" anchor="ctr" anchorCtr="0" compatLnSpc="1">
+            <a:prstTxWarp prst="textNoShape">
+              <a:avLst/>
+            </a:prstTxWarp>
+            <a:spAutoFit/>
+          </a:bodyPr>
+          <a:lstStyle/>
+          <a:p>
+            <a:pPr marL="0" marR="0" lvl="0" indent="0" algn="l" defTabSz="914400" rtl="0" eaLnBrk="0" fontAlgn="base" latinLnBrk="0" hangingPunct="0">
+              <a:lnSpc>
+                <a:spcPct val="100000"/>
+              </a:lnSpc>
+              <a:spcBef>
+                <a:spcPct val="0"/>
+              </a:spcBef>
+              <a:spcAft>
+                <a:spcPct val="0"/>
+              </a:spcAft>
+              <a:buClrTx/>
+              <a:buSzTx/>
+              <a:buFontTx/>
+              <a:buNone/>
+              <a:tabLst/>
+            </a:pPr>
+            <a:r>
+              <a:rPr kumimoji="0" lang="zh-CN" altLang="zh-CN" sz="2400" b="0" i="0" u="none" strike="noStrike" cap="none" normalizeH="0" baseline="0" dirty="0" smtClean="0">
+                <a:ln>
+                  <a:noFill/>
+                </a:ln>
+                <a:solidFill>
+                  <a:schemeClr val="tx2"/>
+                </a:solidFill>
+                <a:effectLst/>
+                <a:latin typeface="Times New Roman" panose="02020603050405020304" pitchFamily="18" charset="0"/>
+                <a:cs typeface="Times New Roman" panose="02020603050405020304" pitchFamily="18" charset="0"/>
+              </a:rPr>
+              <a:t>在进行迭代时</a:t>
+            </a:r>
+            <a:r>
+              <a:rPr kumimoji="0" lang="zh-CN" altLang="zh-CN" sz="2400" b="0" i="0" u="none" strike="noStrike" cap="none" normalizeH="0" baseline="0" dirty="0" smtClean="0">
+                <a:ln>
+                  <a:noFill/>
+                </a:ln>
+                <a:solidFill>
+                  <a:schemeClr val="tx2"/>
+                </a:solidFill>
+                <a:effectLst/>
+                <a:latin typeface="Calibri" panose="020F0502020204030204" pitchFamily="34" charset="0"/>
+                <a:cs typeface="Times New Roman" panose="02020603050405020304" pitchFamily="18" charset="0"/>
+              </a:rPr>
+              <a:t>更新</a:t>
+            </a:r>
+            <a:r>
+              <a:rPr kumimoji="0" lang="en-US" altLang="zh-CN" sz="2400" b="0" i="0" u="none" strike="noStrike" cap="none" normalizeH="0" baseline="0" dirty="0" smtClean="0">
+                <a:ln>
+                  <a:noFill/>
+                </a:ln>
+                <a:solidFill>
+                  <a:schemeClr val="tx2"/>
+                </a:solidFill>
+                <a:effectLst/>
+                <a:latin typeface="Times New Roman" panose="02020603050405020304" pitchFamily="18" charset="0"/>
+                <a:cs typeface="Times New Roman" panose="02020603050405020304" pitchFamily="18" charset="0"/>
+              </a:rPr>
+              <a:t>x</a:t>
+            </a:r>
+            <a:r>
+              <a:rPr kumimoji="0" lang="zh-CN" altLang="en-US" sz="2400" b="0" i="0" u="none" strike="noStrike" cap="none" normalizeH="0" baseline="0" dirty="0" smtClean="0">
+                <a:ln>
+                  <a:noFill/>
+                </a:ln>
+                <a:solidFill>
+                  <a:schemeClr val="tx2"/>
+                </a:solidFill>
+                <a:effectLst/>
+                <a:latin typeface="Times New Roman" panose="02020603050405020304" pitchFamily="18" charset="0"/>
+                <a:cs typeface="Times New Roman" panose="02020603050405020304" pitchFamily="18" charset="0"/>
+              </a:rPr>
+              <a:t>和</a:t>
+            </a:r>
+            <a:r>
+              <a:rPr kumimoji="0" lang="en-US" altLang="zh-CN" sz="2400" b="0" i="0" u="none" strike="noStrike" cap="none" normalizeH="0" baseline="0" dirty="0" smtClean="0">
+                <a:ln>
+                  <a:noFill/>
+                </a:ln>
+                <a:solidFill>
+                  <a:schemeClr val="tx2"/>
+                </a:solidFill>
+                <a:effectLst/>
+                <a:latin typeface="Calibri" panose="020F0502020204030204" pitchFamily="34" charset="0"/>
+                <a:cs typeface="Times New Roman" panose="02020603050405020304" pitchFamily="18" charset="0"/>
+              </a:rPr>
+              <a:t>Ω</a:t>
+            </a:r>
+            <a:r>
+              <a:rPr kumimoji="0" lang="zh-CN" altLang="en-US" sz="2400" b="0" i="0" u="none" strike="noStrike" cap="none" normalizeH="0" baseline="0" dirty="0" smtClean="0">
+                <a:ln>
+                  <a:noFill/>
+                </a:ln>
+                <a:solidFill>
+                  <a:schemeClr val="tx2"/>
+                </a:solidFill>
+                <a:effectLst/>
+                <a:latin typeface="Calibri" panose="020F0502020204030204" pitchFamily="34" charset="0"/>
+                <a:cs typeface="Times New Roman" panose="02020603050405020304" pitchFamily="18" charset="0"/>
+              </a:rPr>
+              <a:t>。</a:t>
+            </a:r>
+            <a:r>
+              <a:rPr kumimoji="0" lang="en-US" altLang="zh-CN" sz="2400" b="0" i="0" u="none" strike="noStrike" cap="none" normalizeH="0" baseline="0" dirty="0" smtClean="0">
+                <a:ln>
+                  <a:noFill/>
+                </a:ln>
+                <a:solidFill>
+                  <a:schemeClr val="tx2"/>
+                </a:solidFill>
+                <a:effectLst/>
+                <a:latin typeface="Calibri" panose="020F0502020204030204" pitchFamily="34" charset="0"/>
+                <a:cs typeface="Times New Roman" panose="02020603050405020304" pitchFamily="18" charset="0"/>
+              </a:rPr>
+              <a:t>AOP-f</a:t>
+            </a:r>
+            <a:r>
+              <a:rPr kumimoji="0" lang="zh-CN" altLang="en-US" sz="2400" b="0" i="0" u="none" strike="noStrike" cap="none" normalizeH="0" baseline="0" dirty="0" smtClean="0">
+                <a:ln>
+                  <a:noFill/>
+                </a:ln>
+                <a:solidFill>
+                  <a:schemeClr val="tx2"/>
+                </a:solidFill>
+                <a:effectLst/>
+                <a:latin typeface="Calibri" panose="020F0502020204030204" pitchFamily="34" charset="0"/>
+                <a:cs typeface="Times New Roman" panose="02020603050405020304" pitchFamily="18" charset="0"/>
+              </a:rPr>
+              <a:t>算法可以表示为如下最优解问题：</a:t>
+            </a:r>
+            <a:endParaRPr kumimoji="0" lang="zh-CN" altLang="en-US" sz="2400" b="0" i="0" u="none" strike="noStrike" cap="none" normalizeH="0" baseline="0" dirty="0" smtClean="0">
+              <a:ln>
+                <a:noFill/>
+              </a:ln>
+              <a:solidFill>
+                <a:schemeClr val="tx2"/>
+              </a:solidFill>
+              <a:effectLst/>
+            </a:endParaRPr>
+          </a:p>
+        </p:txBody>
+      </p:sp>
+      <p:sp>
+        <p:nvSpPr>
+          <p:cNvPr id="34" name="Rectangle 27"/>
+          <p:cNvSpPr>
+            <a:spLocks noChangeArrowheads="1"/>
+          </p:cNvSpPr>
+          <p:nvPr/>
+        </p:nvSpPr>
+        <p:spPr bwMode="auto">
+          <a:xfrm>
+            <a:off x="3064970" y="4504917"/>
+            <a:ext cx="9144000" cy="0"/>
+          </a:xfrm>
+          <a:prstGeom prst="rect">
+            <a:avLst/>
+          </a:prstGeom>
+          <a:noFill/>
+          <a:ln>
+            <a:noFill/>
+          </a:ln>
+          <a:effectLst/>
+          <a:extLst>
+            <a:ext uri="{909E8E84-426E-40DD-AFC4-6F175D3DCCD1}">
+              <a14:hiddenFill xmlns:a14="http://schemas.microsoft.com/office/drawing/2010/main">
+                <a:solidFill>
+                  <a:schemeClr val="accent1"/>
+                </a:solidFill>
+              </a14:hiddenFill>
+            </a:ext>
+            <a:ext uri="{91240B29-F687-4F45-9708-019B960494DF}">
+              <a14:hiddenLine xmlns:a14="http://schemas.microsoft.com/office/drawing/2010/main" w="9525">
+                <a:solidFill>
+                  <a:schemeClr val="tx1"/>
+                </a:solidFill>
+                <a:miter lim="800000"/>
+                <a:headEnd/>
+                <a:tailEnd/>
+              </a14:hiddenLine>
+            </a:ext>
+            <a:ext uri="{AF507438-7753-43E0-B8FC-AC1667EBCBE1}">
+              <a14:hiddenEffects xmlns:a14="http://schemas.microsoft.com/office/drawing/2010/main">
+                <a:effectLst>
+                  <a:outerShdw dist="35921" dir="2700000" algn="ctr" rotWithShape="0">
+                    <a:schemeClr val="bg2"/>
+                  </a:outerShdw>
+                </a:effectLst>
+              </a14:hiddenEffects>
+            </a:ext>
+          </a:extLst>
+        </p:spPr>
+        <p:txBody>
+          <a:bodyPr vert="horz" wrap="none" lIns="91440" tIns="45720" rIns="91440" bIns="45720" numCol="1" anchor="ctr" anchorCtr="0" compatLnSpc="1">
+            <a:prstTxWarp prst="textNoShape">
+              <a:avLst/>
+            </a:prstTxWarp>
+            <a:spAutoFit/>
+          </a:bodyPr>
+          <a:lstStyle/>
+          <a:p>
+            <a:endParaRPr lang="zh-CN" altLang="en-US"/>
+          </a:p>
+        </p:txBody>
+      </p:sp>
+      <p:graphicFrame>
+        <p:nvGraphicFramePr>
+          <p:cNvPr id="35" name="对象 34"/>
+          <p:cNvGraphicFramePr>
+            <a:graphicFrameLocks noChangeAspect="1"/>
+          </p:cNvGraphicFramePr>
+          <p:nvPr>
+            <p:extLst>
+              <p:ext uri="{D42A27DB-BD31-4B8C-83A1-F6EECF244321}">
+                <p14:modId xmlns:p14="http://schemas.microsoft.com/office/powerpoint/2010/main" val="2255009830"/>
+              </p:ext>
+            </p:extLst>
+          </p:nvPr>
+        </p:nvGraphicFramePr>
+        <p:xfrm>
+          <a:off x="3064970" y="4504917"/>
+          <a:ext cx="2571750" cy="1314450"/>
+        </p:xfrm>
+        <a:graphic>
+          <a:graphicData uri="http://schemas.openxmlformats.org/presentationml/2006/ole">
+            <mc:AlternateContent xmlns:mc="http://schemas.openxmlformats.org/markup-compatibility/2006">
+              <mc:Choice xmlns:v="urn:schemas-microsoft-com:vml" Requires="v">
+                <p:oleObj spid="_x0000_s15428" name="Equation" r:id="rId8" imgW="1930400" imgH="990600" progId="Equation.DSMT4">
+                  <p:embed/>
+                </p:oleObj>
+              </mc:Choice>
+              <mc:Fallback>
+                <p:oleObj name="Equation" r:id="rId8" imgW="1930400" imgH="990600" progId="Equation.DSMT4">
+                  <p:embed/>
+                  <p:pic>
+                    <p:nvPicPr>
+                      <p:cNvPr id="0" name="Object 26"/>
+                      <p:cNvPicPr>
+                        <a:picLocks noChangeAspect="1" noChangeArrowheads="1"/>
+                      </p:cNvPicPr>
+                      <p:nvPr/>
+                    </p:nvPicPr>
+                    <p:blipFill>
+                      <a:blip r:embed="rId9">
+                        <a:extLst>
+                          <a:ext uri="{28A0092B-C50C-407E-A947-70E740481C1C}">
+                            <a14:useLocalDpi xmlns:a14="http://schemas.microsoft.com/office/drawing/2010/main" val="0"/>
+                          </a:ext>
+                        </a:extLst>
+                      </a:blip>
+                      <a:srcRect/>
+                      <a:stretch>
+                        <a:fillRect/>
+                      </a:stretch>
+                    </p:blipFill>
+                    <p:spPr bwMode="auto">
+                      <a:xfrm>
+                        <a:off x="3064970" y="4504917"/>
+                        <a:ext cx="2571750" cy="1314450"/>
+                      </a:xfrm>
+                      <a:prstGeom prst="rect">
+                        <a:avLst/>
+                      </a:prstGeom>
+                      <a:noFill/>
+                      <a:extLst>
+                        <a:ext uri="{909E8E84-426E-40DD-AFC4-6F175D3DCCD1}">
+                          <a14:hiddenFill xmlns:a14="http://schemas.microsoft.com/office/drawing/2010/main">
+                            <a:solidFill>
+                              <a:srgbClr val="FFFFFF"/>
+                            </a:solidFill>
+                          </a14:hiddenFill>
+                        </a:ext>
+                      </a:extLst>
+                    </p:spPr>
+                  </p:pic>
+                </p:oleObj>
+              </mc:Fallback>
+            </mc:AlternateContent>
+          </a:graphicData>
+        </a:graphic>
+      </p:graphicFrame>
+      <p:sp>
+        <p:nvSpPr>
+          <p:cNvPr id="36" name="矩形 35"/>
+          <p:cNvSpPr/>
+          <p:nvPr/>
+        </p:nvSpPr>
+        <p:spPr>
+          <a:xfrm>
+            <a:off x="467544" y="5871766"/>
+            <a:ext cx="2031325" cy="369332"/>
+          </a:xfrm>
+          <a:prstGeom prst="rect">
+            <a:avLst/>
+          </a:prstGeom>
+        </p:spPr>
+        <p:txBody>
+          <a:bodyPr wrap="none">
+            <a:spAutoFit/>
+          </a:bodyPr>
+          <a:lstStyle/>
+          <a:p>
+            <a:r>
+              <a:rPr lang="zh-CN" altLang="zh-CN" kern="100" dirty="0">
+                <a:solidFill>
+                  <a:srgbClr val="1F497D"/>
+                </a:solidFill>
+                <a:latin typeface="Times New Roman" panose="02020603050405020304" pitchFamily="18" charset="0"/>
+                <a:cs typeface="Times New Roman" panose="02020603050405020304" pitchFamily="18" charset="0"/>
+              </a:rPr>
+              <a:t>迭代</a:t>
+            </a:r>
+            <a:r>
+              <a:rPr lang="zh-CN" altLang="en-US" kern="100" dirty="0">
+                <a:solidFill>
+                  <a:srgbClr val="1F497D"/>
+                </a:solidFill>
+                <a:latin typeface="Times New Roman" panose="02020603050405020304" pitchFamily="18" charset="0"/>
+                <a:cs typeface="Times New Roman" panose="02020603050405020304" pitchFamily="18" charset="0"/>
+              </a:rPr>
+              <a:t>表达式如下：</a:t>
+            </a:r>
+            <a:endParaRPr lang="zh-CN" altLang="en-US" dirty="0">
+              <a:solidFill>
+                <a:srgbClr val="1F497D"/>
+              </a:solidFill>
+            </a:endParaRPr>
+          </a:p>
+        </p:txBody>
+      </p:sp>
+      <p:sp>
+        <p:nvSpPr>
+          <p:cNvPr id="37" name="Rectangle 29"/>
+          <p:cNvSpPr>
+            <a:spLocks noChangeArrowheads="1"/>
+          </p:cNvSpPr>
+          <p:nvPr/>
+        </p:nvSpPr>
+        <p:spPr bwMode="auto">
+          <a:xfrm>
+            <a:off x="3035724" y="6245084"/>
+            <a:ext cx="9144000" cy="0"/>
+          </a:xfrm>
+          <a:prstGeom prst="rect">
+            <a:avLst/>
+          </a:prstGeom>
+          <a:noFill/>
+          <a:ln>
+            <a:noFill/>
+          </a:ln>
+          <a:effectLst/>
+          <a:extLst>
+            <a:ext uri="{909E8E84-426E-40DD-AFC4-6F175D3DCCD1}">
+              <a14:hiddenFill xmlns:a14="http://schemas.microsoft.com/office/drawing/2010/main">
+                <a:solidFill>
+                  <a:schemeClr val="accent1"/>
+                </a:solidFill>
+              </a14:hiddenFill>
+            </a:ext>
+            <a:ext uri="{91240B29-F687-4F45-9708-019B960494DF}">
+              <a14:hiddenLine xmlns:a14="http://schemas.microsoft.com/office/drawing/2010/main" w="9525">
+                <a:solidFill>
+                  <a:schemeClr val="tx1"/>
+                </a:solidFill>
+                <a:miter lim="800000"/>
+                <a:headEnd/>
+                <a:tailEnd/>
+              </a14:hiddenLine>
+            </a:ext>
+            <a:ext uri="{AF507438-7753-43E0-B8FC-AC1667EBCBE1}">
+              <a14:hiddenEffects xmlns:a14="http://schemas.microsoft.com/office/drawing/2010/main">
+                <a:effectLst>
+                  <a:outerShdw dist="35921" dir="2700000" algn="ctr" rotWithShape="0">
+                    <a:schemeClr val="bg2"/>
+                  </a:outerShdw>
+                </a:effectLst>
+              </a14:hiddenEffects>
+            </a:ext>
+          </a:extLst>
+        </p:spPr>
+        <p:txBody>
+          <a:bodyPr vert="horz" wrap="none" lIns="91440" tIns="45720" rIns="91440" bIns="45720" numCol="1" anchor="ctr" anchorCtr="0" compatLnSpc="1">
+            <a:prstTxWarp prst="textNoShape">
+              <a:avLst/>
+            </a:prstTxWarp>
+            <a:spAutoFit/>
+          </a:bodyPr>
+          <a:lstStyle/>
+          <a:p>
+            <a:endParaRPr lang="zh-CN" altLang="en-US"/>
+          </a:p>
+        </p:txBody>
+      </p:sp>
+      <p:graphicFrame>
+        <p:nvGraphicFramePr>
+          <p:cNvPr id="38" name="对象 37"/>
+          <p:cNvGraphicFramePr>
+            <a:graphicFrameLocks noChangeAspect="1"/>
+          </p:cNvGraphicFramePr>
+          <p:nvPr>
+            <p:extLst>
+              <p:ext uri="{D42A27DB-BD31-4B8C-83A1-F6EECF244321}">
+                <p14:modId xmlns:p14="http://schemas.microsoft.com/office/powerpoint/2010/main" val="45468641"/>
+              </p:ext>
+            </p:extLst>
+          </p:nvPr>
+        </p:nvGraphicFramePr>
+        <p:xfrm>
+          <a:off x="2729258" y="6241098"/>
+          <a:ext cx="4083657" cy="424276"/>
+        </p:xfrm>
+        <a:graphic>
+          <a:graphicData uri="http://schemas.openxmlformats.org/presentationml/2006/ole">
+            <mc:AlternateContent xmlns:mc="http://schemas.openxmlformats.org/markup-compatibility/2006">
+              <mc:Choice xmlns:v="urn:schemas-microsoft-com:vml" Requires="v">
+                <p:oleObj spid="_x0000_s15429" name="Equation" r:id="rId10" imgW="2197100" imgH="228600" progId="Equation.DSMT4">
+                  <p:embed/>
+                </p:oleObj>
+              </mc:Choice>
+              <mc:Fallback>
+                <p:oleObj name="Equation" r:id="rId10" imgW="2197100" imgH="228600" progId="Equation.DSMT4">
+                  <p:embed/>
+                  <p:pic>
+                    <p:nvPicPr>
+                      <p:cNvPr id="0" name="Object 28"/>
+                      <p:cNvPicPr>
+                        <a:picLocks noChangeAspect="1" noChangeArrowheads="1"/>
+                      </p:cNvPicPr>
+                      <p:nvPr/>
+                    </p:nvPicPr>
+                    <p:blipFill>
+                      <a:blip r:embed="rId11">
+                        <a:extLst>
+                          <a:ext uri="{28A0092B-C50C-407E-A947-70E740481C1C}">
+                            <a14:useLocalDpi xmlns:a14="http://schemas.microsoft.com/office/drawing/2010/main" val="0"/>
+                          </a:ext>
+                        </a:extLst>
+                      </a:blip>
+                      <a:srcRect/>
+                      <a:stretch>
+                        <a:fillRect/>
+                      </a:stretch>
+                    </p:blipFill>
+                    <p:spPr bwMode="auto">
+                      <a:xfrm>
+                        <a:off x="2729258" y="6241098"/>
+                        <a:ext cx="4083657" cy="424276"/>
+                      </a:xfrm>
+                      <a:prstGeom prst="rect">
+                        <a:avLst/>
+                      </a:prstGeom>
+                      <a:noFill/>
+                    </p:spPr>
+                  </p:pic>
+                </p:oleObj>
+              </mc:Fallback>
+            </mc:AlternateContent>
+          </a:graphicData>
+        </a:graphic>
+      </p:graphicFrame>
+    </p:spTree>
+    <p:extLst>
+      <p:ext uri="{BB962C8B-B14F-4D97-AF65-F5344CB8AC3E}">
+        <p14:creationId xmlns:p14="http://schemas.microsoft.com/office/powerpoint/2010/main" val="335200205"/>
+      </p:ext>
+    </p:extLst>
+  </p:cSld>
+  <p:clrMapOvr>
+    <a:masterClrMapping/>
+  </p:clrMapOvr>
+  <p:timing>
+    <p:tnLst>
+      <p:par>
+        <p:cTn id="1" dur="indefinite" restart="never" nodeType="tmRoot"/>
+      </p:par>
+    </p:tnLst>
+  </p:timing>
+</p:sld>
+</file>
+
+<file path=ppt/slides/slide17.xml><?xml version="1.0" encoding="utf-8"?>
+<p:sld xmlns:a="http://schemas.openxmlformats.org/drawingml/2006/main" xmlns:r="http://schemas.openxmlformats.org/officeDocument/2006/relationships" xmlns:p="http://schemas.openxmlformats.org/presentationml/2006/main">
+  <p:cSld>
+    <p:bg>
+      <p:bgPr>
+        <a:blipFill dpi="0" rotWithShape="0">
+          <a:blip r:embed="rId3"/>
+          <a:srcRect/>
+          <a:stretch>
+            <a:fillRect/>
+          </a:stretch>
+        </a:blipFill>
+        <a:effectLst/>
+      </p:bgPr>
+    </p:bg>
+    <p:spTree>
+      <p:nvGrpSpPr>
+        <p:cNvPr id="1" name=""/>
+        <p:cNvGrpSpPr/>
+        <p:nvPr/>
+      </p:nvGrpSpPr>
+      <p:grpSpPr>
+        <a:xfrm>
+          <a:off x="0" y="0"/>
+          <a:ext cx="0" cy="0"/>
+          <a:chOff x="0" y="0"/>
+          <a:chExt cx="0" cy="0"/>
+        </a:xfrm>
+      </p:grpSpPr>
+      <p:sp>
+        <p:nvSpPr>
+          <p:cNvPr id="2" name="矩形 1"/>
+          <p:cNvSpPr/>
+          <p:nvPr/>
+        </p:nvSpPr>
+        <p:spPr>
+          <a:xfrm>
+            <a:off x="179512" y="332656"/>
+            <a:ext cx="3776996" cy="461665"/>
+          </a:xfrm>
+          <a:prstGeom prst="rect">
+            <a:avLst/>
+          </a:prstGeom>
+        </p:spPr>
+        <p:txBody>
+          <a:bodyPr wrap="none">
+            <a:spAutoFit/>
+          </a:bodyPr>
+          <a:lstStyle/>
+          <a:p>
+            <a:r>
+              <a:rPr lang="en-US" altLang="zh-CN" sz="2400" kern="100" dirty="0" smtClean="0">
+                <a:solidFill>
+                  <a:srgbClr val="1F497D"/>
+                </a:solidFill>
+                <a:latin typeface="Times New Roman" panose="02020603050405020304" pitchFamily="18" charset="0"/>
+              </a:rPr>
+              <a:t>AOP-f</a:t>
+            </a:r>
+            <a:r>
+              <a:rPr lang="zh-CN" altLang="zh-CN" sz="2400" kern="100" dirty="0" smtClean="0">
+                <a:solidFill>
+                  <a:srgbClr val="1F497D"/>
+                </a:solidFill>
+                <a:latin typeface="Times New Roman" panose="02020603050405020304" pitchFamily="18" charset="0"/>
+                <a:cs typeface="Times New Roman" panose="02020603050405020304" pitchFamily="18" charset="0"/>
+              </a:rPr>
+              <a:t>算法</a:t>
+            </a:r>
+            <a:r>
+              <a:rPr lang="zh-CN" altLang="zh-CN" sz="2400" kern="100" dirty="0">
+                <a:solidFill>
+                  <a:srgbClr val="1F497D"/>
+                </a:solidFill>
+                <a:latin typeface="Times New Roman" panose="02020603050405020304" pitchFamily="18" charset="0"/>
+                <a:cs typeface="Times New Roman" panose="02020603050405020304" pitchFamily="18" charset="0"/>
+              </a:rPr>
+              <a:t>的</a:t>
+            </a:r>
+            <a:r>
+              <a:rPr lang="zh-CN" altLang="zh-CN" sz="2400" kern="100" dirty="0" smtClean="0">
+                <a:solidFill>
+                  <a:srgbClr val="1F497D"/>
+                </a:solidFill>
+                <a:latin typeface="Times New Roman" panose="02020603050405020304" pitchFamily="18" charset="0"/>
+                <a:cs typeface="Times New Roman" panose="02020603050405020304" pitchFamily="18" charset="0"/>
+              </a:rPr>
+              <a:t>流程图</a:t>
+            </a:r>
+            <a:r>
+              <a:rPr lang="zh-CN" altLang="en-US" sz="2400" kern="100" dirty="0" smtClean="0">
+                <a:solidFill>
+                  <a:srgbClr val="1F497D"/>
+                </a:solidFill>
+                <a:latin typeface="Times New Roman" panose="02020603050405020304" pitchFamily="18" charset="0"/>
+                <a:cs typeface="Times New Roman" panose="02020603050405020304" pitchFamily="18" charset="0"/>
+              </a:rPr>
+              <a:t>如下：</a:t>
+            </a:r>
+            <a:endParaRPr lang="zh-CN" altLang="en-US" sz="2400" dirty="0">
+              <a:solidFill>
+                <a:srgbClr val="1F497D"/>
+              </a:solidFill>
+            </a:endParaRPr>
+          </a:p>
+        </p:txBody>
+      </p:sp>
+      <p:sp>
+        <p:nvSpPr>
+          <p:cNvPr id="3" name="Rectangle 2"/>
+          <p:cNvSpPr>
+            <a:spLocks noChangeArrowheads="1"/>
+          </p:cNvSpPr>
+          <p:nvPr/>
+        </p:nvSpPr>
+        <p:spPr bwMode="auto">
+          <a:xfrm flipV="1">
+            <a:off x="4427984" y="-315417"/>
+            <a:ext cx="5244169" cy="45719"/>
+          </a:xfrm>
+          <a:prstGeom prst="rect">
+            <a:avLst/>
+          </a:prstGeom>
+          <a:noFill/>
+          <a:ln>
+            <a:noFill/>
+          </a:ln>
+          <a:effectLst/>
+          <a:extLst>
+            <a:ext uri="{909E8E84-426E-40DD-AFC4-6F175D3DCCD1}">
+              <a14:hiddenFill xmlns:a14="http://schemas.microsoft.com/office/drawing/2010/main">
+                <a:solidFill>
+                  <a:schemeClr val="accent1"/>
+                </a:solidFill>
+              </a14:hiddenFill>
+            </a:ext>
+            <a:ext uri="{91240B29-F687-4F45-9708-019B960494DF}">
+              <a14:hiddenLine xmlns:a14="http://schemas.microsoft.com/office/drawing/2010/main" w="9525">
+                <a:solidFill>
+                  <a:schemeClr val="tx1"/>
+                </a:solidFill>
+                <a:miter lim="800000"/>
+                <a:headEnd/>
+                <a:tailEnd/>
+              </a14:hiddenLine>
+            </a:ext>
+            <a:ext uri="{AF507438-7753-43E0-B8FC-AC1667EBCBE1}">
+              <a14:hiddenEffects xmlns:a14="http://schemas.microsoft.com/office/drawing/2010/main">
+                <a:effectLst>
+                  <a:outerShdw dist="35921" dir="2700000" algn="ctr" rotWithShape="0">
+                    <a:schemeClr val="bg2"/>
+                  </a:outerShdw>
+                </a:effectLst>
+              </a14:hiddenEffects>
+            </a:ext>
+          </a:extLst>
+        </p:spPr>
+        <p:txBody>
+          <a:bodyPr vert="horz" wrap="square" lIns="91440" tIns="45720" rIns="91440" bIns="45720" numCol="1" anchor="ctr" anchorCtr="0" compatLnSpc="1">
+            <a:prstTxWarp prst="textNoShape">
+              <a:avLst/>
+            </a:prstTxWarp>
+            <a:spAutoFit/>
+          </a:bodyPr>
+          <a:lstStyle/>
+          <a:p>
+            <a:endParaRPr lang="zh-CN" altLang="en-US">
+              <a:solidFill>
+                <a:prstClr val="black"/>
+              </a:solidFill>
+            </a:endParaRPr>
+          </a:p>
+        </p:txBody>
+      </p:sp>
+      <p:sp>
+        <p:nvSpPr>
+          <p:cNvPr id="8" name="Rectangle 4"/>
+          <p:cNvSpPr>
+            <a:spLocks noChangeArrowheads="1"/>
+          </p:cNvSpPr>
+          <p:nvPr/>
+        </p:nvSpPr>
+        <p:spPr bwMode="auto">
+          <a:xfrm>
+            <a:off x="7367651" y="332656"/>
+            <a:ext cx="9144000" cy="0"/>
+          </a:xfrm>
+          <a:prstGeom prst="rect">
+            <a:avLst/>
+          </a:prstGeom>
+          <a:noFill/>
+          <a:ln>
+            <a:noFill/>
+          </a:ln>
+          <a:effectLst/>
+          <a:extLst>
+            <a:ext uri="{909E8E84-426E-40DD-AFC4-6F175D3DCCD1}">
+              <a14:hiddenFill xmlns:a14="http://schemas.microsoft.com/office/drawing/2010/main">
+                <a:solidFill>
+                  <a:schemeClr val="accent1"/>
+                </a:solidFill>
+              </a14:hiddenFill>
+            </a:ext>
+            <a:ext uri="{91240B29-F687-4F45-9708-019B960494DF}">
+              <a14:hiddenLine xmlns:a14="http://schemas.microsoft.com/office/drawing/2010/main" w="9525">
+                <a:solidFill>
+                  <a:schemeClr val="tx1"/>
+                </a:solidFill>
+                <a:miter lim="800000"/>
+                <a:headEnd/>
+                <a:tailEnd/>
+              </a14:hiddenLine>
+            </a:ext>
+            <a:ext uri="{AF507438-7753-43E0-B8FC-AC1667EBCBE1}">
+              <a14:hiddenEffects xmlns:a14="http://schemas.microsoft.com/office/drawing/2010/main">
+                <a:effectLst>
+                  <a:outerShdw dist="35921" dir="2700000" algn="ctr" rotWithShape="0">
+                    <a:schemeClr val="bg2"/>
+                  </a:outerShdw>
+                </a:effectLst>
+              </a14:hiddenEffects>
+            </a:ext>
+          </a:extLst>
+        </p:spPr>
+        <p:txBody>
+          <a:bodyPr vert="horz" wrap="none" lIns="91440" tIns="45720" rIns="91440" bIns="45720" numCol="1" anchor="ctr" anchorCtr="0" compatLnSpc="1">
+            <a:prstTxWarp prst="textNoShape">
+              <a:avLst/>
+            </a:prstTxWarp>
+            <a:spAutoFit/>
+          </a:bodyPr>
+          <a:lstStyle/>
+          <a:p>
+            <a:endParaRPr lang="zh-CN" altLang="en-US">
+              <a:solidFill>
+                <a:prstClr val="black"/>
+              </a:solidFill>
+            </a:endParaRPr>
+          </a:p>
+        </p:txBody>
+      </p:sp>
+      <p:sp>
+        <p:nvSpPr>
+          <p:cNvPr id="10" name="椭圆 9"/>
+          <p:cNvSpPr/>
+          <p:nvPr/>
+        </p:nvSpPr>
+        <p:spPr>
+          <a:xfrm>
+            <a:off x="971600" y="1988840"/>
+            <a:ext cx="2647108" cy="2664296"/>
+          </a:xfrm>
+          <a:prstGeom prst="ellipse">
+            <a:avLst/>
+          </a:prstGeom>
+          <a:solidFill>
+            <a:srgbClr val="00B0F0"/>
+          </a:solidFill>
+          <a:ln>
+            <a:solidFill>
+              <a:schemeClr val="bg1"/>
+            </a:solidFill>
+          </a:ln>
+        </p:spPr>
+        <p:style>
+          <a:lnRef idx="2">
+            <a:schemeClr val="accent1">
+              <a:shade val="50000"/>
+            </a:schemeClr>
+          </a:lnRef>
+          <a:fillRef idx="1">
+            <a:schemeClr val="accent1"/>
+          </a:fillRef>
+          <a:effectRef idx="0">
+            <a:schemeClr val="accent1"/>
+          </a:effectRef>
+          <a:fontRef idx="minor">
+            <a:schemeClr val="lt1"/>
+          </a:fontRef>
+        </p:style>
+        <p:txBody>
+          <a:bodyPr rtlCol="0" anchor="ctr"/>
+          <a:lstStyle/>
+          <a:p>
+            <a:pPr algn="ctr"/>
+            <a:endParaRPr lang="zh-CN" altLang="en-US" dirty="0">
+              <a:solidFill>
+                <a:prstClr val="white"/>
+              </a:solidFill>
+            </a:endParaRPr>
+          </a:p>
+        </p:txBody>
+      </p:sp>
+      <p:sp>
+        <p:nvSpPr>
+          <p:cNvPr id="17" name="Rectangle 13"/>
+          <p:cNvSpPr>
+            <a:spLocks noChangeArrowheads="1"/>
+          </p:cNvSpPr>
+          <p:nvPr/>
+        </p:nvSpPr>
+        <p:spPr bwMode="auto">
+          <a:xfrm>
+            <a:off x="0" y="0"/>
+            <a:ext cx="9144000" cy="0"/>
+          </a:xfrm>
+          <a:prstGeom prst="rect">
+            <a:avLst/>
+          </a:prstGeom>
+          <a:noFill/>
+          <a:ln>
+            <a:noFill/>
+          </a:ln>
+          <a:effectLst/>
+          <a:extLst>
+            <a:ext uri="{909E8E84-426E-40DD-AFC4-6F175D3DCCD1}">
+              <a14:hiddenFill xmlns:a14="http://schemas.microsoft.com/office/drawing/2010/main">
+                <a:solidFill>
+                  <a:schemeClr val="accent1"/>
+                </a:solidFill>
+              </a14:hiddenFill>
+            </a:ext>
+            <a:ext uri="{91240B29-F687-4F45-9708-019B960494DF}">
+              <a14:hiddenLine xmlns:a14="http://schemas.microsoft.com/office/drawing/2010/main" w="9525">
+                <a:solidFill>
+                  <a:schemeClr val="tx1"/>
+                </a:solidFill>
+                <a:miter lim="800000"/>
+                <a:headEnd/>
+                <a:tailEnd/>
+              </a14:hiddenLine>
+            </a:ext>
+            <a:ext uri="{AF507438-7753-43E0-B8FC-AC1667EBCBE1}">
+              <a14:hiddenEffects xmlns:a14="http://schemas.microsoft.com/office/drawing/2010/main">
+                <a:effectLst>
+                  <a:outerShdw dist="35921" dir="2700000" algn="ctr" rotWithShape="0">
+                    <a:schemeClr val="bg2"/>
+                  </a:outerShdw>
+                </a:effectLst>
+              </a14:hiddenEffects>
+            </a:ext>
+          </a:extLst>
+        </p:spPr>
+        <p:txBody>
+          <a:bodyPr vert="horz" wrap="none" lIns="91440" tIns="45720" rIns="91440" bIns="45720" numCol="1" anchor="ctr" anchorCtr="0" compatLnSpc="1">
+            <a:prstTxWarp prst="textNoShape">
+              <a:avLst/>
+            </a:prstTxWarp>
+            <a:spAutoFit/>
+          </a:bodyPr>
+          <a:lstStyle/>
+          <a:p>
+            <a:endParaRPr lang="zh-CN" altLang="en-US">
+              <a:solidFill>
+                <a:prstClr val="black"/>
+              </a:solidFill>
+            </a:endParaRPr>
+          </a:p>
+        </p:txBody>
+      </p:sp>
+      <p:sp>
+        <p:nvSpPr>
+          <p:cNvPr id="4" name="Rectangle 2"/>
+          <p:cNvSpPr>
+            <a:spLocks noChangeArrowheads="1"/>
+          </p:cNvSpPr>
+          <p:nvPr/>
+        </p:nvSpPr>
+        <p:spPr bwMode="auto">
+          <a:xfrm flipV="1">
+            <a:off x="5580111" y="-1469778"/>
+            <a:ext cx="2496187" cy="45719"/>
+          </a:xfrm>
+          <a:prstGeom prst="rect">
+            <a:avLst/>
+          </a:prstGeom>
+          <a:noFill/>
+          <a:ln>
+            <a:noFill/>
+          </a:ln>
+          <a:effectLst/>
+          <a:extLst>
+            <a:ext uri="{909E8E84-426E-40DD-AFC4-6F175D3DCCD1}">
+              <a14:hiddenFill xmlns:a14="http://schemas.microsoft.com/office/drawing/2010/main">
+                <a:solidFill>
+                  <a:schemeClr val="accent1"/>
+                </a:solidFill>
+              </a14:hiddenFill>
+            </a:ext>
+            <a:ext uri="{91240B29-F687-4F45-9708-019B960494DF}">
+              <a14:hiddenLine xmlns:a14="http://schemas.microsoft.com/office/drawing/2010/main" w="9525">
+                <a:solidFill>
+                  <a:schemeClr val="tx1"/>
+                </a:solidFill>
+                <a:miter lim="800000"/>
+                <a:headEnd/>
+                <a:tailEnd/>
+              </a14:hiddenLine>
+            </a:ext>
+            <a:ext uri="{AF507438-7753-43E0-B8FC-AC1667EBCBE1}">
+              <a14:hiddenEffects xmlns:a14="http://schemas.microsoft.com/office/drawing/2010/main">
+                <a:effectLst>
+                  <a:outerShdw dist="35921" dir="2700000" algn="ctr" rotWithShape="0">
+                    <a:schemeClr val="bg2"/>
+                  </a:outerShdw>
+                </a:effectLst>
+              </a14:hiddenEffects>
+            </a:ext>
+          </a:extLst>
+        </p:spPr>
+        <p:txBody>
+          <a:bodyPr vert="horz" wrap="square" lIns="91440" tIns="45720" rIns="91440" bIns="45720" numCol="1" anchor="ctr" anchorCtr="0" compatLnSpc="1">
+            <a:prstTxWarp prst="textNoShape">
+              <a:avLst/>
+            </a:prstTxWarp>
+            <a:spAutoFit/>
+          </a:bodyPr>
+          <a:lstStyle/>
+          <a:p>
+            <a:endParaRPr lang="zh-CN" altLang="en-US"/>
+          </a:p>
+        </p:txBody>
+      </p:sp>
+      <p:graphicFrame>
+        <p:nvGraphicFramePr>
+          <p:cNvPr id="5" name="对象 4"/>
+          <p:cNvGraphicFramePr>
+            <a:graphicFrameLocks noChangeAspect="1"/>
+          </p:cNvGraphicFramePr>
+          <p:nvPr>
+            <p:extLst>
+              <p:ext uri="{D42A27DB-BD31-4B8C-83A1-F6EECF244321}">
+                <p14:modId xmlns:p14="http://schemas.microsoft.com/office/powerpoint/2010/main" val="1219440984"/>
+              </p:ext>
+            </p:extLst>
+          </p:nvPr>
+        </p:nvGraphicFramePr>
+        <p:xfrm>
+          <a:off x="5292080" y="332656"/>
+          <a:ext cx="1152128" cy="6255717"/>
+        </p:xfrm>
+        <a:graphic>
+          <a:graphicData uri="http://schemas.openxmlformats.org/presentationml/2006/ole">
+            <mc:AlternateContent xmlns:mc="http://schemas.openxmlformats.org/markup-compatibility/2006">
+              <mc:Choice xmlns:v="urn:schemas-microsoft-com:vml" Requires="v">
+                <p:oleObj spid="_x0000_s16409" name="Visio" r:id="rId4" imgW="1809661" imgH="11820406" progId="Visio.Drawing.15">
+                  <p:embed/>
+                </p:oleObj>
+              </mc:Choice>
+              <mc:Fallback>
+                <p:oleObj name="Visio" r:id="rId4" imgW="1809661" imgH="11820406" progId="Visio.Drawing.15">
+                  <p:embed/>
+                  <p:pic>
+                    <p:nvPicPr>
+                      <p:cNvPr id="0" name="Object 1"/>
+                      <p:cNvPicPr>
+                        <a:picLocks noChangeAspect="1" noChangeArrowheads="1"/>
+                      </p:cNvPicPr>
+                      <p:nvPr/>
+                    </p:nvPicPr>
+                    <p:blipFill>
+                      <a:blip r:embed="rId5">
+                        <a:extLst>
+                          <a:ext uri="{28A0092B-C50C-407E-A947-70E740481C1C}">
+                            <a14:useLocalDpi xmlns:a14="http://schemas.microsoft.com/office/drawing/2010/main" val="0"/>
+                          </a:ext>
+                        </a:extLst>
+                      </a:blip>
+                      <a:srcRect/>
+                      <a:stretch>
+                        <a:fillRect/>
+                      </a:stretch>
+                    </p:blipFill>
+                    <p:spPr bwMode="auto">
+                      <a:xfrm>
+                        <a:off x="5292080" y="332656"/>
+                        <a:ext cx="1152128" cy="6255717"/>
+                      </a:xfrm>
+                      <a:prstGeom prst="rect">
+                        <a:avLst/>
+                      </a:prstGeom>
+                      <a:noFill/>
+                    </p:spPr>
+                  </p:pic>
+                </p:oleObj>
+              </mc:Fallback>
+            </mc:AlternateContent>
+          </a:graphicData>
+        </a:graphic>
+      </p:graphicFrame>
+      <p:sp>
+        <p:nvSpPr>
+          <p:cNvPr id="6" name="Rectangle 6"/>
+          <p:cNvSpPr>
+            <a:spLocks noChangeArrowheads="1"/>
+          </p:cNvSpPr>
+          <p:nvPr/>
+        </p:nvSpPr>
+        <p:spPr bwMode="auto">
+          <a:xfrm>
+            <a:off x="0" y="0"/>
+            <a:ext cx="9144000" cy="0"/>
+          </a:xfrm>
+          <a:prstGeom prst="rect">
+            <a:avLst/>
+          </a:prstGeom>
+          <a:noFill/>
+          <a:ln>
+            <a:noFill/>
+          </a:ln>
+          <a:effectLst/>
+          <a:extLst>
+            <a:ext uri="{909E8E84-426E-40DD-AFC4-6F175D3DCCD1}">
+              <a14:hiddenFill xmlns:a14="http://schemas.microsoft.com/office/drawing/2010/main">
+                <a:solidFill>
+                  <a:schemeClr val="accent1"/>
+                </a:solidFill>
+              </a14:hiddenFill>
+            </a:ext>
+            <a:ext uri="{91240B29-F687-4F45-9708-019B960494DF}">
+              <a14:hiddenLine xmlns:a14="http://schemas.microsoft.com/office/drawing/2010/main" w="9525">
+                <a:solidFill>
+                  <a:schemeClr val="tx1"/>
+                </a:solidFill>
+                <a:miter lim="800000"/>
+                <a:headEnd/>
+                <a:tailEnd/>
+              </a14:hiddenLine>
+            </a:ext>
+            <a:ext uri="{AF507438-7753-43E0-B8FC-AC1667EBCBE1}">
+              <a14:hiddenEffects xmlns:a14="http://schemas.microsoft.com/office/drawing/2010/main">
+                <a:effectLst>
+                  <a:outerShdw dist="35921" dir="2700000" algn="ctr" rotWithShape="0">
+                    <a:schemeClr val="bg2"/>
+                  </a:outerShdw>
+                </a:effectLst>
+              </a14:hiddenEffects>
+            </a:ext>
+          </a:extLst>
+        </p:spPr>
+        <p:txBody>
+          <a:bodyPr vert="horz" wrap="none" lIns="91440" tIns="45720" rIns="91440" bIns="45720" numCol="1" anchor="ctr" anchorCtr="0" compatLnSpc="1">
+            <a:prstTxWarp prst="textNoShape">
+              <a:avLst/>
+            </a:prstTxWarp>
+            <a:spAutoFit/>
+          </a:bodyPr>
+          <a:lstStyle/>
+          <a:p>
+            <a:endParaRPr lang="zh-CN" altLang="en-US"/>
+          </a:p>
+        </p:txBody>
+      </p:sp>
+      <p:graphicFrame>
+        <p:nvGraphicFramePr>
+          <p:cNvPr id="7" name="对象 6"/>
+          <p:cNvGraphicFramePr>
+            <a:graphicFrameLocks noChangeAspect="1"/>
+          </p:cNvGraphicFramePr>
+          <p:nvPr>
+            <p:extLst>
+              <p:ext uri="{D42A27DB-BD31-4B8C-83A1-F6EECF244321}">
+                <p14:modId xmlns:p14="http://schemas.microsoft.com/office/powerpoint/2010/main" val="2115707068"/>
+              </p:ext>
+            </p:extLst>
+          </p:nvPr>
+        </p:nvGraphicFramePr>
+        <p:xfrm>
+          <a:off x="1249059" y="2821582"/>
+          <a:ext cx="2092189" cy="638932"/>
+        </p:xfrm>
+        <a:graphic>
+          <a:graphicData uri="http://schemas.openxmlformats.org/presentationml/2006/ole">
+            <mc:AlternateContent xmlns:mc="http://schemas.openxmlformats.org/markup-compatibility/2006">
+              <mc:Choice xmlns:v="urn:schemas-microsoft-com:vml" Requires="v">
+                <p:oleObj spid="_x0000_s16410" name="Equation" r:id="rId6" imgW="1586811" imgH="482391" progId="Equation.DSMT4">
+                  <p:embed/>
+                </p:oleObj>
+              </mc:Choice>
+              <mc:Fallback>
+                <p:oleObj name="Equation" r:id="rId6" imgW="1586811" imgH="482391" progId="Equation.DSMT4">
+                  <p:embed/>
+                  <p:pic>
+                    <p:nvPicPr>
+                      <p:cNvPr id="0" name="Object 5"/>
+                      <p:cNvPicPr>
+                        <a:picLocks noChangeAspect="1" noChangeArrowheads="1"/>
+                      </p:cNvPicPr>
+                      <p:nvPr/>
+                    </p:nvPicPr>
+                    <p:blipFill>
+                      <a:blip r:embed="rId7">
+                        <a:extLst>
+                          <a:ext uri="{28A0092B-C50C-407E-A947-70E740481C1C}">
+                            <a14:useLocalDpi xmlns:a14="http://schemas.microsoft.com/office/drawing/2010/main" val="0"/>
+                          </a:ext>
+                        </a:extLst>
+                      </a:blip>
+                      <a:srcRect/>
+                      <a:stretch>
+                        <a:fillRect/>
+                      </a:stretch>
+                    </p:blipFill>
+                    <p:spPr bwMode="auto">
+                      <a:xfrm>
+                        <a:off x="1249059" y="2821582"/>
+                        <a:ext cx="2092189" cy="638932"/>
+                      </a:xfrm>
+                      <a:prstGeom prst="rect">
+                        <a:avLst/>
+                      </a:prstGeom>
+                      <a:noFill/>
+                    </p:spPr>
+                  </p:pic>
+                </p:oleObj>
+              </mc:Fallback>
+            </mc:AlternateContent>
+          </a:graphicData>
+        </a:graphic>
+      </p:graphicFrame>
+      <p:cxnSp>
+        <p:nvCxnSpPr>
+          <p:cNvPr id="12" name="直接连接符 11"/>
+          <p:cNvCxnSpPr>
+            <a:stCxn id="10" idx="6"/>
+          </p:cNvCxnSpPr>
+          <p:nvPr/>
+        </p:nvCxnSpPr>
+        <p:spPr>
+          <a:xfrm>
+            <a:off x="3618708" y="3320988"/>
+            <a:ext cx="1961403" cy="396044"/>
+          </a:xfrm>
+          <a:prstGeom prst="line">
+            <a:avLst/>
+          </a:prstGeom>
+          <a:ln w="38100">
+            <a:solidFill>
+              <a:srgbClr val="00B0F0"/>
+            </a:solidFill>
+          </a:ln>
+        </p:spPr>
+        <p:style>
+          <a:lnRef idx="1">
+            <a:schemeClr val="accent1"/>
+          </a:lnRef>
+          <a:fillRef idx="0">
+            <a:schemeClr val="accent1"/>
+          </a:fillRef>
+          <a:effectRef idx="0">
+            <a:schemeClr val="accent1"/>
+          </a:effectRef>
+          <a:fontRef idx="minor">
+            <a:schemeClr val="tx1"/>
+          </a:fontRef>
+        </p:style>
+      </p:cxnSp>
+    </p:spTree>
+    <p:extLst>
+      <p:ext uri="{BB962C8B-B14F-4D97-AF65-F5344CB8AC3E}">
+        <p14:creationId xmlns:p14="http://schemas.microsoft.com/office/powerpoint/2010/main" val="328595145"/>
+      </p:ext>
+    </p:extLst>
+  </p:cSld>
+  <p:clrMapOvr>
+    <a:masterClrMapping/>
+  </p:clrMapOvr>
+  <p:timing>
+    <p:tnLst>
+      <p:par>
+        <p:cTn id="1" dur="indefinite" restart="never" nodeType="tmRoot"/>
+      </p:par>
+    </p:tnLst>
+  </p:timing>
+</p:sld>
+</file>
+
+<file path=ppt/slides/slide18.xml><?xml version="1.0" encoding="utf-8"?>
+<p:sld xmlns:a="http://schemas.openxmlformats.org/drawingml/2006/main" xmlns:r="http://schemas.openxmlformats.org/officeDocument/2006/relationships" xmlns:p="http://schemas.openxmlformats.org/presentationml/2006/main">
+  <p:cSld>
+    <p:bg>
+      <p:bgPr>
+        <a:blipFill dpi="0" rotWithShape="0">
+          <a:blip r:embed="rId3"/>
+          <a:srcRect/>
+          <a:stretch>
+            <a:fillRect/>
+          </a:stretch>
+        </a:blipFill>
+        <a:effectLst/>
+      </p:bgPr>
+    </p:bg>
+    <p:spTree>
+      <p:nvGrpSpPr>
+        <p:cNvPr id="1" name=""/>
+        <p:cNvGrpSpPr/>
+        <p:nvPr/>
+      </p:nvGrpSpPr>
+      <p:grpSpPr>
+        <a:xfrm>
+          <a:off x="0" y="0"/>
+          <a:ext cx="0" cy="0"/>
+          <a:chOff x="0" y="0"/>
+          <a:chExt cx="0" cy="0"/>
+        </a:xfrm>
+      </p:grpSpPr>
+      <p:sp>
+        <p:nvSpPr>
+          <p:cNvPr id="2" name="文本框 1"/>
+          <p:cNvSpPr txBox="1"/>
+          <p:nvPr/>
+        </p:nvSpPr>
+        <p:spPr>
+          <a:xfrm>
+            <a:off x="301408" y="544262"/>
+            <a:ext cx="2182359" cy="1200327"/>
+          </a:xfrm>
+          <a:prstGeom prst="rect">
+            <a:avLst/>
+          </a:prstGeom>
+          <a:noFill/>
+          <a:ln>
+            <a:noFill/>
+          </a:ln>
+        </p:spPr>
+        <p:txBody>
+          <a:bodyPr wrap="square" lIns="91436" tIns="45719" rIns="91436" bIns="45719">
+            <a:spAutoFit/>
+          </a:bodyPr>
+          <a:lstStyle/>
+          <a:p>
+            <a:pPr algn="ctr" defTabSz="609468" fontAlgn="auto">
+              <a:lnSpc>
+                <a:spcPct val="90000"/>
+              </a:lnSpc>
+              <a:spcBef>
+                <a:spcPts val="0"/>
+              </a:spcBef>
+              <a:spcAft>
+                <a:spcPts val="0"/>
+              </a:spcAft>
+              <a:defRPr/>
+            </a:pPr>
+            <a:r>
+              <a:rPr lang="en-US" altLang="zh-CN" sz="4000" dirty="0">
+                <a:solidFill>
+                  <a:srgbClr val="00B0F0"/>
+                </a:solidFill>
+              </a:rPr>
+              <a:t>AOP-l</a:t>
+            </a:r>
+            <a:r>
+              <a:rPr lang="en-US" altLang="zh-CN" sz="4000" baseline="-25000" dirty="0">
+                <a:solidFill>
+                  <a:srgbClr val="00B0F0"/>
+                </a:solidFill>
+              </a:rPr>
+              <a:t>2</a:t>
+            </a:r>
+            <a:r>
+              <a:rPr lang="en-US" altLang="zh-CN" sz="4000" dirty="0">
+                <a:solidFill>
+                  <a:srgbClr val="00B0F0"/>
+                </a:solidFill>
+              </a:rPr>
+              <a:t>-f</a:t>
+            </a:r>
+            <a:r>
+              <a:rPr lang="zh-CN" altLang="en-US" sz="4000" b="1" spc="300" dirty="0" smtClean="0">
+                <a:solidFill>
+                  <a:srgbClr val="00B0F0"/>
+                </a:solidFill>
+                <a:latin typeface="微软雅黑" panose="020B0503020204020204" pitchFamily="34" charset="-122"/>
+                <a:ea typeface="微软雅黑" panose="020B0503020204020204" pitchFamily="34" charset="-122"/>
+              </a:rPr>
+              <a:t>算法</a:t>
+            </a:r>
+            <a:endParaRPr lang="en-US" altLang="zh-CN" sz="4000" b="1" spc="300" dirty="0">
+              <a:solidFill>
+                <a:srgbClr val="00B0F0"/>
+              </a:solidFill>
+              <a:latin typeface="微软雅黑" panose="020B0503020204020204" pitchFamily="34" charset="-122"/>
+              <a:ea typeface="微软雅黑" panose="020B0503020204020204" pitchFamily="34" charset="-122"/>
+            </a:endParaRPr>
+          </a:p>
+        </p:txBody>
+      </p:sp>
+      <p:grpSp>
+        <p:nvGrpSpPr>
+          <p:cNvPr id="3" name="Group 4"/>
+          <p:cNvGrpSpPr>
+            <a:grpSpLocks noChangeAspect="1"/>
+          </p:cNvGrpSpPr>
+          <p:nvPr/>
+        </p:nvGrpSpPr>
+        <p:grpSpPr bwMode="auto">
+          <a:xfrm rot="19764056">
+            <a:off x="-2866" y="223608"/>
+            <a:ext cx="699668" cy="880471"/>
+            <a:chOff x="1164" y="687"/>
+            <a:chExt cx="3219" cy="2998"/>
+          </a:xfrm>
+          <a:solidFill>
+            <a:schemeClr val="tx1"/>
+          </a:solidFill>
+          <a:effectLst>
+            <a:outerShdw blurRad="50800" dist="38100" dir="2700000" algn="tl" rotWithShape="0">
+              <a:prstClr val="black">
+                <a:alpha val="40000"/>
+              </a:prstClr>
+            </a:outerShdw>
+          </a:effectLst>
+        </p:grpSpPr>
+        <p:sp>
+          <p:nvSpPr>
+            <p:cNvPr id="4" name="Freeform 6"/>
+            <p:cNvSpPr>
+              <a:spLocks/>
+            </p:cNvSpPr>
+            <p:nvPr/>
+          </p:nvSpPr>
+          <p:spPr bwMode="auto">
+            <a:xfrm>
+              <a:off x="1164" y="687"/>
+              <a:ext cx="3219" cy="2998"/>
+            </a:xfrm>
+            <a:custGeom>
+              <a:avLst/>
+              <a:gdLst>
+                <a:gd name="T0" fmla="*/ 96 w 1360"/>
+                <a:gd name="T1" fmla="*/ 404 h 1266"/>
+                <a:gd name="T2" fmla="*/ 96 w 1360"/>
+                <a:gd name="T3" fmla="*/ 527 h 1266"/>
+                <a:gd name="T4" fmla="*/ 105 w 1360"/>
+                <a:gd name="T5" fmla="*/ 537 h 1266"/>
+                <a:gd name="T6" fmla="*/ 123 w 1360"/>
+                <a:gd name="T7" fmla="*/ 616 h 1266"/>
+                <a:gd name="T8" fmla="*/ 119 w 1360"/>
+                <a:gd name="T9" fmla="*/ 629 h 1266"/>
+                <a:gd name="T10" fmla="*/ 147 w 1360"/>
+                <a:gd name="T11" fmla="*/ 940 h 1266"/>
+                <a:gd name="T12" fmla="*/ 169 w 1360"/>
+                <a:gd name="T13" fmla="*/ 1194 h 1266"/>
+                <a:gd name="T14" fmla="*/ 175 w 1360"/>
+                <a:gd name="T15" fmla="*/ 1266 h 1266"/>
+                <a:gd name="T16" fmla="*/ 0 w 1360"/>
+                <a:gd name="T17" fmla="*/ 1266 h 1266"/>
+                <a:gd name="T18" fmla="*/ 6 w 1360"/>
+                <a:gd name="T19" fmla="*/ 1197 h 1266"/>
+                <a:gd name="T20" fmla="*/ 38 w 1360"/>
+                <a:gd name="T21" fmla="*/ 811 h 1266"/>
+                <a:gd name="T22" fmla="*/ 54 w 1360"/>
+                <a:gd name="T23" fmla="*/ 629 h 1266"/>
+                <a:gd name="T24" fmla="*/ 50 w 1360"/>
+                <a:gd name="T25" fmla="*/ 613 h 1266"/>
+                <a:gd name="T26" fmla="*/ 71 w 1360"/>
+                <a:gd name="T27" fmla="*/ 537 h 1266"/>
+                <a:gd name="T28" fmla="*/ 79 w 1360"/>
+                <a:gd name="T29" fmla="*/ 525 h 1266"/>
+                <a:gd name="T30" fmla="*/ 79 w 1360"/>
+                <a:gd name="T31" fmla="*/ 407 h 1266"/>
+                <a:gd name="T32" fmla="*/ 70 w 1360"/>
+                <a:gd name="T33" fmla="*/ 392 h 1266"/>
+                <a:gd name="T34" fmla="*/ 31 w 1360"/>
+                <a:gd name="T35" fmla="*/ 374 h 1266"/>
+                <a:gd name="T36" fmla="*/ 44 w 1360"/>
+                <a:gd name="T37" fmla="*/ 366 h 1266"/>
+                <a:gd name="T38" fmla="*/ 624 w 1360"/>
+                <a:gd name="T39" fmla="*/ 44 h 1266"/>
+                <a:gd name="T40" fmla="*/ 692 w 1360"/>
+                <a:gd name="T41" fmla="*/ 5 h 1266"/>
+                <a:gd name="T42" fmla="*/ 718 w 1360"/>
+                <a:gd name="T43" fmla="*/ 5 h 1266"/>
+                <a:gd name="T44" fmla="*/ 1255 w 1360"/>
+                <a:gd name="T45" fmla="*/ 275 h 1266"/>
+                <a:gd name="T46" fmla="*/ 1360 w 1360"/>
+                <a:gd name="T47" fmla="*/ 328 h 1266"/>
+                <a:gd name="T48" fmla="*/ 1302 w 1360"/>
+                <a:gd name="T49" fmla="*/ 360 h 1266"/>
+                <a:gd name="T50" fmla="*/ 723 w 1360"/>
+                <a:gd name="T51" fmla="*/ 666 h 1266"/>
+                <a:gd name="T52" fmla="*/ 688 w 1360"/>
+                <a:gd name="T53" fmla="*/ 668 h 1266"/>
+                <a:gd name="T54" fmla="*/ 112 w 1360"/>
+                <a:gd name="T55" fmla="*/ 411 h 1266"/>
+                <a:gd name="T56" fmla="*/ 96 w 1360"/>
+                <a:gd name="T57" fmla="*/ 404 h 1266"/>
+              </a:gdLst>
+              <a:ahLst/>
+              <a:cxnLst>
+                <a:cxn ang="0">
+                  <a:pos x="T0" y="T1"/>
+                </a:cxn>
+                <a:cxn ang="0">
+                  <a:pos x="T2" y="T3"/>
+                </a:cxn>
+                <a:cxn ang="0">
+                  <a:pos x="T4" y="T5"/>
+                </a:cxn>
+                <a:cxn ang="0">
+                  <a:pos x="T6" y="T7"/>
+                </a:cxn>
+                <a:cxn ang="0">
+                  <a:pos x="T8" y="T9"/>
+                </a:cxn>
+                <a:cxn ang="0">
+                  <a:pos x="T10" y="T11"/>
+                </a:cxn>
+                <a:cxn ang="0">
+                  <a:pos x="T12" y="T13"/>
+                </a:cxn>
+                <a:cxn ang="0">
+                  <a:pos x="T14" y="T15"/>
+                </a:cxn>
+                <a:cxn ang="0">
+                  <a:pos x="T16" y="T17"/>
+                </a:cxn>
+                <a:cxn ang="0">
+                  <a:pos x="T18" y="T19"/>
+                </a:cxn>
+                <a:cxn ang="0">
+                  <a:pos x="T20" y="T21"/>
+                </a:cxn>
+                <a:cxn ang="0">
+                  <a:pos x="T22" y="T23"/>
+                </a:cxn>
+                <a:cxn ang="0">
+                  <a:pos x="T24" y="T25"/>
+                </a:cxn>
+                <a:cxn ang="0">
+                  <a:pos x="T26" y="T27"/>
+                </a:cxn>
+                <a:cxn ang="0">
+                  <a:pos x="T28" y="T29"/>
+                </a:cxn>
+                <a:cxn ang="0">
+                  <a:pos x="T30" y="T31"/>
+                </a:cxn>
+                <a:cxn ang="0">
+                  <a:pos x="T32" y="T33"/>
+                </a:cxn>
+                <a:cxn ang="0">
+                  <a:pos x="T34" y="T35"/>
+                </a:cxn>
+                <a:cxn ang="0">
+                  <a:pos x="T36" y="T37"/>
+                </a:cxn>
+                <a:cxn ang="0">
+                  <a:pos x="T38" y="T39"/>
+                </a:cxn>
+                <a:cxn ang="0">
+                  <a:pos x="T40" y="T41"/>
+                </a:cxn>
+                <a:cxn ang="0">
+                  <a:pos x="T42" y="T43"/>
+                </a:cxn>
+                <a:cxn ang="0">
+                  <a:pos x="T44" y="T45"/>
+                </a:cxn>
+                <a:cxn ang="0">
+                  <a:pos x="T46" y="T47"/>
+                </a:cxn>
+                <a:cxn ang="0">
+                  <a:pos x="T48" y="T49"/>
+                </a:cxn>
+                <a:cxn ang="0">
+                  <a:pos x="T50" y="T51"/>
+                </a:cxn>
+                <a:cxn ang="0">
+                  <a:pos x="T52" y="T53"/>
+                </a:cxn>
+                <a:cxn ang="0">
+                  <a:pos x="T54" y="T55"/>
+                </a:cxn>
+                <a:cxn ang="0">
+                  <a:pos x="T56" y="T57"/>
+                </a:cxn>
+              </a:cxnLst>
+              <a:rect l="0" t="0" r="r" b="b"/>
+              <a:pathLst>
+                <a:path w="1360" h="1266">
+                  <a:moveTo>
+                    <a:pt x="96" y="404"/>
+                  </a:moveTo>
+                  <a:cubicBezTo>
+                    <a:pt x="96" y="447"/>
+                    <a:pt x="96" y="487"/>
+                    <a:pt x="96" y="527"/>
+                  </a:cubicBezTo>
+                  <a:cubicBezTo>
+                    <a:pt x="96" y="531"/>
+                    <a:pt x="101" y="535"/>
+                    <a:pt x="105" y="537"/>
+                  </a:cubicBezTo>
+                  <a:cubicBezTo>
+                    <a:pt x="136" y="555"/>
+                    <a:pt x="144" y="585"/>
+                    <a:pt x="123" y="616"/>
+                  </a:cubicBezTo>
+                  <a:cubicBezTo>
+                    <a:pt x="121" y="620"/>
+                    <a:pt x="119" y="625"/>
+                    <a:pt x="119" y="629"/>
+                  </a:cubicBezTo>
+                  <a:cubicBezTo>
+                    <a:pt x="128" y="733"/>
+                    <a:pt x="138" y="836"/>
+                    <a:pt x="147" y="940"/>
+                  </a:cubicBezTo>
+                  <a:cubicBezTo>
+                    <a:pt x="154" y="1024"/>
+                    <a:pt x="162" y="1109"/>
+                    <a:pt x="169" y="1194"/>
+                  </a:cubicBezTo>
+                  <a:cubicBezTo>
+                    <a:pt x="171" y="1217"/>
+                    <a:pt x="173" y="1239"/>
+                    <a:pt x="175" y="1266"/>
+                  </a:cubicBezTo>
+                  <a:cubicBezTo>
+                    <a:pt x="117" y="1266"/>
+                    <a:pt x="60" y="1266"/>
+                    <a:pt x="0" y="1266"/>
+                  </a:cubicBezTo>
+                  <a:cubicBezTo>
+                    <a:pt x="2" y="1244"/>
+                    <a:pt x="4" y="1220"/>
+                    <a:pt x="6" y="1197"/>
+                  </a:cubicBezTo>
+                  <a:cubicBezTo>
+                    <a:pt x="16" y="1068"/>
+                    <a:pt x="27" y="940"/>
+                    <a:pt x="38" y="811"/>
+                  </a:cubicBezTo>
+                  <a:cubicBezTo>
+                    <a:pt x="43" y="750"/>
+                    <a:pt x="49" y="690"/>
+                    <a:pt x="54" y="629"/>
+                  </a:cubicBezTo>
+                  <a:cubicBezTo>
+                    <a:pt x="54" y="624"/>
+                    <a:pt x="52" y="617"/>
+                    <a:pt x="50" y="613"/>
+                  </a:cubicBezTo>
+                  <a:cubicBezTo>
+                    <a:pt x="32" y="583"/>
+                    <a:pt x="40" y="553"/>
+                    <a:pt x="71" y="537"/>
+                  </a:cubicBezTo>
+                  <a:cubicBezTo>
+                    <a:pt x="75" y="535"/>
+                    <a:pt x="79" y="529"/>
+                    <a:pt x="79" y="525"/>
+                  </a:cubicBezTo>
+                  <a:cubicBezTo>
+                    <a:pt x="79" y="486"/>
+                    <a:pt x="80" y="446"/>
+                    <a:pt x="79" y="407"/>
+                  </a:cubicBezTo>
+                  <a:cubicBezTo>
+                    <a:pt x="79" y="402"/>
+                    <a:pt x="74" y="395"/>
+                    <a:pt x="70" y="392"/>
+                  </a:cubicBezTo>
+                  <a:cubicBezTo>
+                    <a:pt x="58" y="386"/>
+                    <a:pt x="45" y="381"/>
+                    <a:pt x="31" y="374"/>
+                  </a:cubicBezTo>
+                  <a:cubicBezTo>
+                    <a:pt x="36" y="371"/>
+                    <a:pt x="40" y="368"/>
+                    <a:pt x="44" y="366"/>
+                  </a:cubicBezTo>
+                  <a:cubicBezTo>
+                    <a:pt x="237" y="259"/>
+                    <a:pt x="431" y="151"/>
+                    <a:pt x="624" y="44"/>
+                  </a:cubicBezTo>
+                  <a:cubicBezTo>
+                    <a:pt x="647" y="31"/>
+                    <a:pt x="670" y="19"/>
+                    <a:pt x="692" y="5"/>
+                  </a:cubicBezTo>
+                  <a:cubicBezTo>
+                    <a:pt x="702" y="0"/>
+                    <a:pt x="709" y="1"/>
+                    <a:pt x="718" y="5"/>
+                  </a:cubicBezTo>
+                  <a:cubicBezTo>
+                    <a:pt x="897" y="96"/>
+                    <a:pt x="1076" y="185"/>
+                    <a:pt x="1255" y="275"/>
+                  </a:cubicBezTo>
+                  <a:cubicBezTo>
+                    <a:pt x="1289" y="293"/>
+                    <a:pt x="1324" y="310"/>
+                    <a:pt x="1360" y="328"/>
+                  </a:cubicBezTo>
+                  <a:cubicBezTo>
+                    <a:pt x="1339" y="340"/>
+                    <a:pt x="1320" y="350"/>
+                    <a:pt x="1302" y="360"/>
+                  </a:cubicBezTo>
+                  <a:cubicBezTo>
+                    <a:pt x="1109" y="462"/>
+                    <a:pt x="916" y="564"/>
+                    <a:pt x="723" y="666"/>
+                  </a:cubicBezTo>
+                  <a:cubicBezTo>
+                    <a:pt x="711" y="672"/>
+                    <a:pt x="701" y="674"/>
+                    <a:pt x="688" y="668"/>
+                  </a:cubicBezTo>
+                  <a:cubicBezTo>
+                    <a:pt x="496" y="582"/>
+                    <a:pt x="304" y="496"/>
+                    <a:pt x="112" y="411"/>
+                  </a:cubicBezTo>
+                  <a:cubicBezTo>
+                    <a:pt x="108" y="409"/>
+                    <a:pt x="103" y="407"/>
+                    <a:pt x="96" y="404"/>
+                  </a:cubicBezTo>
+                  <a:close/>
+                </a:path>
+              </a:pathLst>
+            </a:custGeom>
+            <a:grpFill/>
+            <a:ln>
+              <a:noFill/>
+            </a:ln>
+            <a:extLst>
+              <a:ext uri="{91240B29-F687-4f45-9708-019B960494DF}"/>
+            </a:extLst>
+          </p:spPr>
+          <p:txBody>
+            <a:bodyPr/>
+            <a:lstStyle/>
+            <a:p>
+              <a:pPr defTabSz="609468" fontAlgn="auto">
+                <a:spcBef>
+                  <a:spcPts val="0"/>
+                </a:spcBef>
+                <a:spcAft>
+                  <a:spcPts val="0"/>
+                </a:spcAft>
+                <a:defRPr/>
+              </a:pPr>
+              <a:endParaRPr lang="zh-HK" altLang="en-US">
+                <a:solidFill>
+                  <a:prstClr val="black"/>
+                </a:solidFill>
+                <a:latin typeface="Calibri"/>
+                <a:ea typeface="新細明體" panose="02020500000000000000" pitchFamily="18" charset="-120"/>
+              </a:endParaRPr>
+            </a:p>
+          </p:txBody>
+        </p:sp>
+        <p:sp>
+          <p:nvSpPr>
+            <p:cNvPr id="5" name="Freeform 7"/>
+            <p:cNvSpPr>
+              <a:spLocks/>
+            </p:cNvSpPr>
+            <p:nvPr/>
+          </p:nvSpPr>
+          <p:spPr bwMode="auto">
+            <a:xfrm>
+              <a:off x="1829" y="1959"/>
+              <a:ext cx="2000" cy="947"/>
+            </a:xfrm>
+            <a:custGeom>
+              <a:avLst/>
+              <a:gdLst>
+                <a:gd name="T0" fmla="*/ 0 w 845"/>
+                <a:gd name="T1" fmla="*/ 147 h 400"/>
+                <a:gd name="T2" fmla="*/ 78 w 845"/>
+                <a:gd name="T3" fmla="*/ 32 h 400"/>
+                <a:gd name="T4" fmla="*/ 96 w 845"/>
+                <a:gd name="T5" fmla="*/ 28 h 400"/>
+                <a:gd name="T6" fmla="*/ 262 w 845"/>
+                <a:gd name="T7" fmla="*/ 101 h 400"/>
+                <a:gd name="T8" fmla="*/ 417 w 845"/>
+                <a:gd name="T9" fmla="*/ 170 h 400"/>
+                <a:gd name="T10" fmla="*/ 434 w 845"/>
+                <a:gd name="T11" fmla="*/ 167 h 400"/>
+                <a:gd name="T12" fmla="*/ 724 w 845"/>
+                <a:gd name="T13" fmla="*/ 13 h 400"/>
+                <a:gd name="T14" fmla="*/ 749 w 845"/>
+                <a:gd name="T15" fmla="*/ 0 h 400"/>
+                <a:gd name="T16" fmla="*/ 845 w 845"/>
+                <a:gd name="T17" fmla="*/ 143 h 400"/>
+                <a:gd name="T18" fmla="*/ 743 w 845"/>
+                <a:gd name="T19" fmla="*/ 207 h 400"/>
+                <a:gd name="T20" fmla="*/ 448 w 845"/>
+                <a:gd name="T21" fmla="*/ 393 h 400"/>
+                <a:gd name="T22" fmla="*/ 421 w 845"/>
+                <a:gd name="T23" fmla="*/ 394 h 400"/>
+                <a:gd name="T24" fmla="*/ 8 w 845"/>
+                <a:gd name="T25" fmla="*/ 153 h 400"/>
+                <a:gd name="T26" fmla="*/ 0 w 845"/>
+                <a:gd name="T27" fmla="*/ 147 h 400"/>
+              </a:gdLst>
+              <a:ahLst/>
+              <a:cxnLst>
+                <a:cxn ang="0">
+                  <a:pos x="T0" y="T1"/>
+                </a:cxn>
+                <a:cxn ang="0">
+                  <a:pos x="T2" y="T3"/>
+                </a:cxn>
+                <a:cxn ang="0">
+                  <a:pos x="T4" y="T5"/>
+                </a:cxn>
+                <a:cxn ang="0">
+                  <a:pos x="T6" y="T7"/>
+                </a:cxn>
+                <a:cxn ang="0">
+                  <a:pos x="T8" y="T9"/>
+                </a:cxn>
+                <a:cxn ang="0">
+                  <a:pos x="T10" y="T11"/>
+                </a:cxn>
+                <a:cxn ang="0">
+                  <a:pos x="T12" y="T13"/>
+                </a:cxn>
+                <a:cxn ang="0">
+                  <a:pos x="T14" y="T15"/>
+                </a:cxn>
+                <a:cxn ang="0">
+                  <a:pos x="T16" y="T17"/>
+                </a:cxn>
+                <a:cxn ang="0">
+                  <a:pos x="T18" y="T19"/>
+                </a:cxn>
+                <a:cxn ang="0">
+                  <a:pos x="T20" y="T21"/>
+                </a:cxn>
+                <a:cxn ang="0">
+                  <a:pos x="T22" y="T23"/>
+                </a:cxn>
+                <a:cxn ang="0">
+                  <a:pos x="T24" y="T25"/>
+                </a:cxn>
+                <a:cxn ang="0">
+                  <a:pos x="T26" y="T27"/>
+                </a:cxn>
+              </a:cxnLst>
+              <a:rect l="0" t="0" r="r" b="b"/>
+              <a:pathLst>
+                <a:path w="845" h="400">
+                  <a:moveTo>
+                    <a:pt x="0" y="147"/>
+                  </a:moveTo>
+                  <a:cubicBezTo>
+                    <a:pt x="27" y="108"/>
+                    <a:pt x="53" y="70"/>
+                    <a:pt x="78" y="32"/>
+                  </a:cubicBezTo>
+                  <a:cubicBezTo>
+                    <a:pt x="84" y="24"/>
+                    <a:pt x="89" y="25"/>
+                    <a:pt x="96" y="28"/>
+                  </a:cubicBezTo>
+                  <a:cubicBezTo>
+                    <a:pt x="151" y="53"/>
+                    <a:pt x="206" y="77"/>
+                    <a:pt x="262" y="101"/>
+                  </a:cubicBezTo>
+                  <a:cubicBezTo>
+                    <a:pt x="313" y="124"/>
+                    <a:pt x="365" y="147"/>
+                    <a:pt x="417" y="170"/>
+                  </a:cubicBezTo>
+                  <a:cubicBezTo>
+                    <a:pt x="421" y="172"/>
+                    <a:pt x="429" y="170"/>
+                    <a:pt x="434" y="167"/>
+                  </a:cubicBezTo>
+                  <a:cubicBezTo>
+                    <a:pt x="531" y="116"/>
+                    <a:pt x="627" y="65"/>
+                    <a:pt x="724" y="13"/>
+                  </a:cubicBezTo>
+                  <a:cubicBezTo>
+                    <a:pt x="732" y="9"/>
+                    <a:pt x="740" y="5"/>
+                    <a:pt x="749" y="0"/>
+                  </a:cubicBezTo>
+                  <a:cubicBezTo>
+                    <a:pt x="781" y="48"/>
+                    <a:pt x="813" y="95"/>
+                    <a:pt x="845" y="143"/>
+                  </a:cubicBezTo>
+                  <a:cubicBezTo>
+                    <a:pt x="811" y="165"/>
+                    <a:pt x="777" y="186"/>
+                    <a:pt x="743" y="207"/>
+                  </a:cubicBezTo>
+                  <a:cubicBezTo>
+                    <a:pt x="645" y="269"/>
+                    <a:pt x="546" y="331"/>
+                    <a:pt x="448" y="393"/>
+                  </a:cubicBezTo>
+                  <a:cubicBezTo>
+                    <a:pt x="438" y="399"/>
+                    <a:pt x="431" y="400"/>
+                    <a:pt x="421" y="394"/>
+                  </a:cubicBezTo>
+                  <a:cubicBezTo>
+                    <a:pt x="284" y="313"/>
+                    <a:pt x="146" y="233"/>
+                    <a:pt x="8" y="153"/>
+                  </a:cubicBezTo>
+                  <a:cubicBezTo>
+                    <a:pt x="6" y="151"/>
+                    <a:pt x="3" y="149"/>
+                    <a:pt x="0" y="147"/>
+                  </a:cubicBezTo>
+                  <a:close/>
+                </a:path>
+              </a:pathLst>
+            </a:custGeom>
+            <a:grpFill/>
+            <a:ln>
+              <a:noFill/>
+            </a:ln>
+            <a:extLst>
+              <a:ext uri="{91240B29-F687-4f45-9708-019B960494DF}"/>
+            </a:extLst>
+          </p:spPr>
+          <p:txBody>
+            <a:bodyPr/>
+            <a:lstStyle/>
+            <a:p>
+              <a:pPr defTabSz="609468" fontAlgn="auto">
+                <a:spcBef>
+                  <a:spcPts val="0"/>
+                </a:spcBef>
+                <a:spcAft>
+                  <a:spcPts val="0"/>
+                </a:spcAft>
+                <a:defRPr/>
+              </a:pPr>
+              <a:endParaRPr lang="zh-HK" altLang="en-US">
+                <a:solidFill>
+                  <a:prstClr val="black"/>
+                </a:solidFill>
+                <a:latin typeface="Calibri"/>
+                <a:ea typeface="新細明體" panose="02020500000000000000" pitchFamily="18" charset="-120"/>
+              </a:endParaRPr>
+            </a:p>
+          </p:txBody>
+        </p:sp>
+      </p:grpSp>
+      <p:sp>
+        <p:nvSpPr>
+          <p:cNvPr id="29" name="Rectangle 25"/>
+          <p:cNvSpPr>
+            <a:spLocks noChangeArrowheads="1"/>
+          </p:cNvSpPr>
+          <p:nvPr/>
+        </p:nvSpPr>
+        <p:spPr bwMode="auto">
+          <a:xfrm>
+            <a:off x="2483768" y="2656677"/>
+            <a:ext cx="9144000" cy="0"/>
+          </a:xfrm>
+          <a:prstGeom prst="rect">
+            <a:avLst/>
+          </a:prstGeom>
+          <a:noFill/>
+          <a:ln>
+            <a:noFill/>
+          </a:ln>
+          <a:effectLst/>
+          <a:extLst>
+            <a:ext uri="{909E8E84-426E-40DD-AFC4-6F175D3DCCD1}">
+              <a14:hiddenFill xmlns:a14="http://schemas.microsoft.com/office/drawing/2010/main">
+                <a:solidFill>
+                  <a:schemeClr val="accent1"/>
+                </a:solidFill>
+              </a14:hiddenFill>
+            </a:ext>
+            <a:ext uri="{91240B29-F687-4F45-9708-019B960494DF}">
+              <a14:hiddenLine xmlns:a14="http://schemas.microsoft.com/office/drawing/2010/main" w="9525">
+                <a:solidFill>
+                  <a:schemeClr val="tx1"/>
+                </a:solidFill>
+                <a:miter lim="800000"/>
+                <a:headEnd/>
+                <a:tailEnd/>
+              </a14:hiddenLine>
+            </a:ext>
+            <a:ext uri="{AF507438-7753-43E0-B8FC-AC1667EBCBE1}">
+              <a14:hiddenEffects xmlns:a14="http://schemas.microsoft.com/office/drawing/2010/main">
+                <a:effectLst>
+                  <a:outerShdw dist="35921" dir="2700000" algn="ctr" rotWithShape="0">
+                    <a:schemeClr val="bg2"/>
+                  </a:outerShdw>
+                </a:effectLst>
+              </a14:hiddenEffects>
+            </a:ext>
+          </a:extLst>
+        </p:spPr>
+        <p:txBody>
+          <a:bodyPr vert="horz" wrap="none" lIns="91440" tIns="45720" rIns="91440" bIns="45720" numCol="1" anchor="ctr" anchorCtr="0" compatLnSpc="1">
+            <a:prstTxWarp prst="textNoShape">
+              <a:avLst/>
+            </a:prstTxWarp>
+            <a:spAutoFit/>
+          </a:bodyPr>
+          <a:lstStyle/>
+          <a:p>
+            <a:endParaRPr lang="zh-CN" altLang="en-US">
+              <a:solidFill>
+                <a:prstClr val="black"/>
+              </a:solidFill>
+            </a:endParaRPr>
+          </a:p>
+        </p:txBody>
+      </p:sp>
+      <p:sp>
+        <p:nvSpPr>
+          <p:cNvPr id="39" name="Rectangle 33"/>
+          <p:cNvSpPr>
+            <a:spLocks noChangeArrowheads="1"/>
+          </p:cNvSpPr>
+          <p:nvPr/>
+        </p:nvSpPr>
+        <p:spPr bwMode="auto">
+          <a:xfrm>
+            <a:off x="1331640" y="5137934"/>
+            <a:ext cx="9144000" cy="457200"/>
+          </a:xfrm>
+          <a:prstGeom prst="rect">
+            <a:avLst/>
+          </a:prstGeom>
+          <a:noFill/>
+          <a:ln>
+            <a:noFill/>
+          </a:ln>
+          <a:effectLst/>
+          <a:extLst>
+            <a:ext uri="{909E8E84-426E-40DD-AFC4-6F175D3DCCD1}">
+              <a14:hiddenFill xmlns:a14="http://schemas.microsoft.com/office/drawing/2010/main">
+                <a:solidFill>
+                  <a:schemeClr val="accent1"/>
+                </a:solidFill>
+              </a14:hiddenFill>
+            </a:ext>
+            <a:ext uri="{91240B29-F687-4F45-9708-019B960494DF}">
+              <a14:hiddenLine xmlns:a14="http://schemas.microsoft.com/office/drawing/2010/main" w="9525">
+                <a:solidFill>
+                  <a:schemeClr val="tx1"/>
+                </a:solidFill>
+                <a:miter lim="800000"/>
+                <a:headEnd/>
+                <a:tailEnd/>
+              </a14:hiddenLine>
+            </a:ext>
+            <a:ext uri="{AF507438-7753-43E0-B8FC-AC1667EBCBE1}">
+              <a14:hiddenEffects xmlns:a14="http://schemas.microsoft.com/office/drawing/2010/main">
+                <a:effectLst>
+                  <a:outerShdw dist="35921" dir="2700000" algn="ctr" rotWithShape="0">
+                    <a:schemeClr val="bg2"/>
+                  </a:outerShdw>
+                </a:effectLst>
+              </a14:hiddenEffects>
+            </a:ext>
+          </a:extLst>
+        </p:spPr>
+        <p:txBody>
+          <a:bodyPr vert="horz" wrap="none" lIns="91440" tIns="45720" rIns="91440" bIns="45720" numCol="1" anchor="ctr" anchorCtr="0" compatLnSpc="1">
+            <a:prstTxWarp prst="textNoShape">
+              <a:avLst/>
+            </a:prstTxWarp>
+            <a:spAutoFit/>
+          </a:bodyPr>
+          <a:lstStyle/>
+          <a:p>
+            <a:endParaRPr lang="zh-CN" altLang="en-US">
+              <a:solidFill>
+                <a:prstClr val="black"/>
+              </a:solidFill>
+            </a:endParaRPr>
+          </a:p>
+        </p:txBody>
+      </p:sp>
+      <p:sp>
+        <p:nvSpPr>
+          <p:cNvPr id="43" name="Rectangle 43"/>
+          <p:cNvSpPr>
+            <a:spLocks noChangeArrowheads="1"/>
+          </p:cNvSpPr>
+          <p:nvPr/>
+        </p:nvSpPr>
+        <p:spPr bwMode="auto">
+          <a:xfrm>
+            <a:off x="2298966" y="6136644"/>
+            <a:ext cx="9144000" cy="0"/>
+          </a:xfrm>
+          <a:prstGeom prst="rect">
+            <a:avLst/>
+          </a:prstGeom>
+          <a:noFill/>
+          <a:ln>
+            <a:noFill/>
+          </a:ln>
+          <a:effectLst/>
+          <a:extLst>
+            <a:ext uri="{909E8E84-426E-40DD-AFC4-6F175D3DCCD1}">
+              <a14:hiddenFill xmlns:a14="http://schemas.microsoft.com/office/drawing/2010/main">
+                <a:solidFill>
+                  <a:schemeClr val="accent1"/>
+                </a:solidFill>
+              </a14:hiddenFill>
+            </a:ext>
+            <a:ext uri="{91240B29-F687-4F45-9708-019B960494DF}">
+              <a14:hiddenLine xmlns:a14="http://schemas.microsoft.com/office/drawing/2010/main" w="9525">
+                <a:solidFill>
+                  <a:schemeClr val="tx1"/>
+                </a:solidFill>
+                <a:miter lim="800000"/>
+                <a:headEnd/>
+                <a:tailEnd/>
+              </a14:hiddenLine>
+            </a:ext>
+            <a:ext uri="{AF507438-7753-43E0-B8FC-AC1667EBCBE1}">
+              <a14:hiddenEffects xmlns:a14="http://schemas.microsoft.com/office/drawing/2010/main">
+                <a:effectLst>
+                  <a:outerShdw dist="35921" dir="2700000" algn="ctr" rotWithShape="0">
+                    <a:schemeClr val="bg2"/>
+                  </a:outerShdw>
+                </a:effectLst>
+              </a14:hiddenEffects>
+            </a:ext>
+          </a:extLst>
+        </p:spPr>
+        <p:txBody>
+          <a:bodyPr vert="horz" wrap="none" lIns="91440" tIns="45720" rIns="91440" bIns="45720" numCol="1" anchor="ctr" anchorCtr="0" compatLnSpc="1">
+            <a:prstTxWarp prst="textNoShape">
+              <a:avLst/>
+            </a:prstTxWarp>
+            <a:spAutoFit/>
+          </a:bodyPr>
+          <a:lstStyle/>
+          <a:p>
+            <a:endParaRPr lang="zh-CN" altLang="en-US">
+              <a:solidFill>
+                <a:prstClr val="black"/>
+              </a:solidFill>
+            </a:endParaRPr>
+          </a:p>
+        </p:txBody>
+      </p:sp>
+      <p:sp>
+        <p:nvSpPr>
+          <p:cNvPr id="12" name="Rectangle 17"/>
+          <p:cNvSpPr>
+            <a:spLocks noChangeArrowheads="1"/>
+          </p:cNvSpPr>
+          <p:nvPr/>
+        </p:nvSpPr>
+        <p:spPr bwMode="auto">
+          <a:xfrm>
+            <a:off x="3131840" y="3387431"/>
+            <a:ext cx="9144000" cy="0"/>
+          </a:xfrm>
+          <a:prstGeom prst="rect">
+            <a:avLst/>
+          </a:prstGeom>
+          <a:noFill/>
+          <a:ln>
+            <a:noFill/>
+          </a:ln>
+          <a:effectLst/>
+          <a:extLst>
+            <a:ext uri="{909E8E84-426E-40DD-AFC4-6F175D3DCCD1}">
+              <a14:hiddenFill xmlns:a14="http://schemas.microsoft.com/office/drawing/2010/main">
+                <a:solidFill>
+                  <a:schemeClr val="accent1"/>
+                </a:solidFill>
+              </a14:hiddenFill>
+            </a:ext>
+            <a:ext uri="{91240B29-F687-4F45-9708-019B960494DF}">
+              <a14:hiddenLine xmlns:a14="http://schemas.microsoft.com/office/drawing/2010/main" w="9525">
+                <a:solidFill>
+                  <a:schemeClr val="tx1"/>
+                </a:solidFill>
+                <a:miter lim="800000"/>
+                <a:headEnd/>
+                <a:tailEnd/>
+              </a14:hiddenLine>
+            </a:ext>
+            <a:ext uri="{AF507438-7753-43E0-B8FC-AC1667EBCBE1}">
+              <a14:hiddenEffects xmlns:a14="http://schemas.microsoft.com/office/drawing/2010/main">
+                <a:effectLst>
+                  <a:outerShdw dist="35921" dir="2700000" algn="ctr" rotWithShape="0">
+                    <a:schemeClr val="bg2"/>
+                  </a:outerShdw>
+                </a:effectLst>
+              </a14:hiddenEffects>
+            </a:ext>
+          </a:extLst>
+        </p:spPr>
+        <p:txBody>
+          <a:bodyPr vert="horz" wrap="none" lIns="91440" tIns="45720" rIns="91440" bIns="45720" numCol="1" anchor="ctr" anchorCtr="0" compatLnSpc="1">
+            <a:prstTxWarp prst="textNoShape">
+              <a:avLst/>
+            </a:prstTxWarp>
+            <a:spAutoFit/>
+          </a:bodyPr>
+          <a:lstStyle/>
+          <a:p>
+            <a:endParaRPr lang="zh-CN" altLang="en-US">
+              <a:solidFill>
+                <a:prstClr val="black"/>
+              </a:solidFill>
+            </a:endParaRPr>
+          </a:p>
+        </p:txBody>
+      </p:sp>
+      <p:sp>
+        <p:nvSpPr>
+          <p:cNvPr id="15" name="Rectangle 19"/>
+          <p:cNvSpPr>
+            <a:spLocks noChangeArrowheads="1"/>
+          </p:cNvSpPr>
+          <p:nvPr/>
+        </p:nvSpPr>
+        <p:spPr bwMode="auto">
+          <a:xfrm>
+            <a:off x="3096883" y="4414716"/>
+            <a:ext cx="9144000" cy="0"/>
+          </a:xfrm>
+          <a:prstGeom prst="rect">
+            <a:avLst/>
+          </a:prstGeom>
+          <a:noFill/>
+          <a:ln>
+            <a:noFill/>
+          </a:ln>
+          <a:effectLst/>
+          <a:extLst>
+            <a:ext uri="{909E8E84-426E-40DD-AFC4-6F175D3DCCD1}">
+              <a14:hiddenFill xmlns:a14="http://schemas.microsoft.com/office/drawing/2010/main">
+                <a:solidFill>
+                  <a:schemeClr val="accent1"/>
+                </a:solidFill>
+              </a14:hiddenFill>
+            </a:ext>
+            <a:ext uri="{91240B29-F687-4F45-9708-019B960494DF}">
+              <a14:hiddenLine xmlns:a14="http://schemas.microsoft.com/office/drawing/2010/main" w="9525">
+                <a:solidFill>
+                  <a:schemeClr val="tx1"/>
+                </a:solidFill>
+                <a:miter lim="800000"/>
+                <a:headEnd/>
+                <a:tailEnd/>
+              </a14:hiddenLine>
+            </a:ext>
+            <a:ext uri="{AF507438-7753-43E0-B8FC-AC1667EBCBE1}">
+              <a14:hiddenEffects xmlns:a14="http://schemas.microsoft.com/office/drawing/2010/main">
+                <a:effectLst>
+                  <a:outerShdw dist="35921" dir="2700000" algn="ctr" rotWithShape="0">
+                    <a:schemeClr val="bg2"/>
+                  </a:outerShdw>
+                </a:effectLst>
+              </a14:hiddenEffects>
+            </a:ext>
+          </a:extLst>
+        </p:spPr>
+        <p:txBody>
+          <a:bodyPr vert="horz" wrap="none" lIns="91440" tIns="45720" rIns="91440" bIns="45720" numCol="1" anchor="ctr" anchorCtr="0" compatLnSpc="1">
+            <a:prstTxWarp prst="textNoShape">
+              <a:avLst/>
+            </a:prstTxWarp>
+            <a:spAutoFit/>
+          </a:bodyPr>
+          <a:lstStyle/>
+          <a:p>
+            <a:endParaRPr lang="zh-CN" altLang="en-US">
+              <a:solidFill>
+                <a:prstClr val="black"/>
+              </a:solidFill>
+            </a:endParaRPr>
+          </a:p>
+        </p:txBody>
+      </p:sp>
+      <p:sp>
+        <p:nvSpPr>
+          <p:cNvPr id="22" name="Rectangle 26"/>
+          <p:cNvSpPr>
+            <a:spLocks noChangeArrowheads="1"/>
+          </p:cNvSpPr>
+          <p:nvPr/>
+        </p:nvSpPr>
+        <p:spPr bwMode="auto">
+          <a:xfrm>
+            <a:off x="2519129" y="6056432"/>
+            <a:ext cx="9144000" cy="0"/>
+          </a:xfrm>
+          <a:prstGeom prst="rect">
+            <a:avLst/>
+          </a:prstGeom>
+          <a:noFill/>
+          <a:ln>
+            <a:noFill/>
+          </a:ln>
+          <a:effectLst/>
+          <a:extLst>
+            <a:ext uri="{909E8E84-426E-40DD-AFC4-6F175D3DCCD1}">
+              <a14:hiddenFill xmlns:a14="http://schemas.microsoft.com/office/drawing/2010/main">
+                <a:solidFill>
+                  <a:schemeClr val="accent1"/>
+                </a:solidFill>
+              </a14:hiddenFill>
+            </a:ext>
+            <a:ext uri="{91240B29-F687-4F45-9708-019B960494DF}">
+              <a14:hiddenLine xmlns:a14="http://schemas.microsoft.com/office/drawing/2010/main" w="9525">
+                <a:solidFill>
+                  <a:schemeClr val="tx1"/>
+                </a:solidFill>
+                <a:miter lim="800000"/>
+                <a:headEnd/>
+                <a:tailEnd/>
+              </a14:hiddenLine>
+            </a:ext>
+            <a:ext uri="{AF507438-7753-43E0-B8FC-AC1667EBCBE1}">
+              <a14:hiddenEffects xmlns:a14="http://schemas.microsoft.com/office/drawing/2010/main">
+                <a:effectLst>
+                  <a:outerShdw dist="35921" dir="2700000" algn="ctr" rotWithShape="0">
+                    <a:schemeClr val="bg2"/>
+                  </a:outerShdw>
+                </a:effectLst>
+              </a14:hiddenEffects>
+            </a:ext>
+          </a:extLst>
+        </p:spPr>
+        <p:txBody>
+          <a:bodyPr vert="horz" wrap="none" lIns="91440" tIns="45720" rIns="91440" bIns="45720" numCol="1" anchor="ctr" anchorCtr="0" compatLnSpc="1">
+            <a:prstTxWarp prst="textNoShape">
+              <a:avLst/>
+            </a:prstTxWarp>
+            <a:spAutoFit/>
+          </a:bodyPr>
+          <a:lstStyle/>
+          <a:p>
+            <a:endParaRPr lang="zh-CN" altLang="en-US">
+              <a:solidFill>
+                <a:prstClr val="black"/>
+              </a:solidFill>
+            </a:endParaRPr>
+          </a:p>
+        </p:txBody>
+      </p:sp>
+      <p:sp>
+        <p:nvSpPr>
+          <p:cNvPr id="24" name="矩形 23"/>
+          <p:cNvSpPr/>
+          <p:nvPr/>
+        </p:nvSpPr>
+        <p:spPr>
+          <a:xfrm>
+            <a:off x="465291" y="4994912"/>
+            <a:ext cx="2031325" cy="369332"/>
+          </a:xfrm>
+          <a:prstGeom prst="rect">
+            <a:avLst/>
+          </a:prstGeom>
+        </p:spPr>
+        <p:txBody>
+          <a:bodyPr wrap="none">
+            <a:spAutoFit/>
+          </a:bodyPr>
+          <a:lstStyle/>
+          <a:p>
+            <a:r>
+              <a:rPr lang="zh-CN" altLang="zh-CN" kern="100" dirty="0">
+                <a:solidFill>
+                  <a:srgbClr val="1F497D"/>
+                </a:solidFill>
+                <a:latin typeface="Times New Roman" panose="02020603050405020304" pitchFamily="18" charset="0"/>
+                <a:cs typeface="Times New Roman" panose="02020603050405020304" pitchFamily="18" charset="0"/>
+              </a:rPr>
+              <a:t>迭代</a:t>
+            </a:r>
+            <a:r>
+              <a:rPr lang="zh-CN" altLang="en-US" kern="100" dirty="0">
+                <a:solidFill>
+                  <a:srgbClr val="1F497D"/>
+                </a:solidFill>
+                <a:latin typeface="Times New Roman" panose="02020603050405020304" pitchFamily="18" charset="0"/>
+                <a:cs typeface="Times New Roman" panose="02020603050405020304" pitchFamily="18" charset="0"/>
+              </a:rPr>
+              <a:t>表达式如下：</a:t>
+            </a:r>
+            <a:endParaRPr lang="zh-CN" altLang="en-US" dirty="0">
+              <a:solidFill>
+                <a:srgbClr val="1F497D"/>
+              </a:solidFill>
+            </a:endParaRPr>
+          </a:p>
+        </p:txBody>
+      </p:sp>
+      <p:sp>
+        <p:nvSpPr>
+          <p:cNvPr id="6" name="矩形 5"/>
+          <p:cNvSpPr/>
+          <p:nvPr/>
+        </p:nvSpPr>
+        <p:spPr>
+          <a:xfrm>
+            <a:off x="346968" y="1975479"/>
+            <a:ext cx="8820472" cy="830997"/>
+          </a:xfrm>
+          <a:prstGeom prst="rect">
+            <a:avLst/>
+          </a:prstGeom>
+        </p:spPr>
+        <p:txBody>
+          <a:bodyPr wrap="square">
+            <a:spAutoFit/>
+          </a:bodyPr>
+          <a:lstStyle/>
+          <a:p>
+            <a:pPr algn="just">
+              <a:spcAft>
+                <a:spcPts val="0"/>
+              </a:spcAft>
+            </a:pPr>
+            <a:r>
+              <a:rPr lang="en-US" altLang="zh-CN" sz="2400" kern="100" dirty="0" smtClean="0">
+                <a:solidFill>
+                  <a:srgbClr val="1F497D"/>
+                </a:solidFill>
+                <a:latin typeface="Times New Roman" panose="02020603050405020304" pitchFamily="18" charset="0"/>
+              </a:rPr>
+              <a:t>      </a:t>
+            </a:r>
+            <a:r>
+              <a:rPr lang="en-US" altLang="zh-CN" sz="2400" dirty="0">
+                <a:solidFill>
+                  <a:schemeClr val="tx2"/>
+                </a:solidFill>
+              </a:rPr>
+              <a:t>AOP-l</a:t>
+            </a:r>
+            <a:r>
+              <a:rPr lang="en-US" altLang="zh-CN" sz="2400" baseline="-25000" dirty="0">
+                <a:solidFill>
+                  <a:schemeClr val="tx2"/>
+                </a:solidFill>
+              </a:rPr>
+              <a:t>2</a:t>
+            </a:r>
+            <a:r>
+              <a:rPr lang="en-US" altLang="zh-CN" sz="2400" dirty="0">
+                <a:solidFill>
+                  <a:schemeClr val="tx2"/>
+                </a:solidFill>
+              </a:rPr>
+              <a:t>-f</a:t>
+            </a:r>
+            <a:r>
+              <a:rPr lang="zh-CN" altLang="zh-CN" sz="2400" kern="100" dirty="0" smtClean="0">
+                <a:solidFill>
+                  <a:srgbClr val="1F497D"/>
+                </a:solidFill>
+                <a:latin typeface="Times New Roman" panose="02020603050405020304" pitchFamily="18" charset="0"/>
+              </a:rPr>
+              <a:t>算法</a:t>
+            </a:r>
+            <a:r>
+              <a:rPr lang="zh-CN" altLang="zh-CN" sz="2400" kern="100" dirty="0">
+                <a:solidFill>
+                  <a:srgbClr val="1F497D"/>
+                </a:solidFill>
+                <a:latin typeface="Times New Roman" panose="02020603050405020304" pitchFamily="18" charset="0"/>
+              </a:rPr>
+              <a:t>是将</a:t>
+            </a:r>
+            <a:r>
+              <a:rPr lang="en-US" altLang="zh-CN" sz="2400" kern="100" dirty="0">
+                <a:solidFill>
+                  <a:srgbClr val="1F497D"/>
+                </a:solidFill>
+                <a:latin typeface="Times New Roman" panose="02020603050405020304" pitchFamily="18" charset="0"/>
+              </a:rPr>
+              <a:t>l</a:t>
+            </a:r>
+            <a:r>
+              <a:rPr lang="en-US" altLang="zh-CN" sz="2400" kern="100" baseline="-25000" dirty="0">
+                <a:solidFill>
+                  <a:srgbClr val="1F497D"/>
+                </a:solidFill>
+                <a:latin typeface="Times New Roman" panose="02020603050405020304" pitchFamily="18" charset="0"/>
+              </a:rPr>
+              <a:t>2</a:t>
+            </a:r>
+            <a:r>
+              <a:rPr lang="zh-CN" altLang="zh-CN" sz="2400" kern="100" dirty="0">
+                <a:solidFill>
+                  <a:srgbClr val="1F497D"/>
+                </a:solidFill>
+                <a:latin typeface="Times New Roman" panose="02020603050405020304" pitchFamily="18" charset="0"/>
+              </a:rPr>
+              <a:t>范数引入到了</a:t>
+            </a:r>
+            <a:r>
+              <a:rPr lang="en-US" altLang="zh-CN" sz="2400" kern="100" dirty="0" smtClean="0">
+                <a:solidFill>
+                  <a:srgbClr val="1F497D"/>
+                </a:solidFill>
+                <a:latin typeface="Times New Roman" panose="02020603050405020304" pitchFamily="18" charset="0"/>
+              </a:rPr>
+              <a:t>AOP-f</a:t>
+            </a:r>
+            <a:r>
+              <a:rPr lang="zh-CN" altLang="zh-CN" sz="2400" kern="100" dirty="0" smtClean="0">
+                <a:solidFill>
+                  <a:srgbClr val="1F497D"/>
+                </a:solidFill>
+                <a:latin typeface="Times New Roman" panose="02020603050405020304" pitchFamily="18" charset="0"/>
+              </a:rPr>
+              <a:t>算法</a:t>
+            </a:r>
+            <a:r>
+              <a:rPr lang="zh-CN" altLang="zh-CN" sz="2400" kern="100" dirty="0">
+                <a:solidFill>
+                  <a:srgbClr val="1F497D"/>
+                </a:solidFill>
+                <a:latin typeface="Times New Roman" panose="02020603050405020304" pitchFamily="18" charset="0"/>
+              </a:rPr>
+              <a:t>中</a:t>
+            </a:r>
+            <a:r>
+              <a:rPr lang="zh-CN" altLang="zh-CN" sz="2400" kern="100" dirty="0" smtClean="0">
+                <a:solidFill>
+                  <a:srgbClr val="1F497D"/>
+                </a:solidFill>
+                <a:latin typeface="Times New Roman" panose="02020603050405020304" pitchFamily="18" charset="0"/>
+              </a:rPr>
+              <a:t>，</a:t>
+            </a:r>
+            <a:r>
+              <a:rPr lang="en-US" altLang="zh-CN" sz="2400" dirty="0">
+                <a:solidFill>
+                  <a:schemeClr val="tx2"/>
+                </a:solidFill>
+              </a:rPr>
+              <a:t> AOP-l</a:t>
+            </a:r>
+            <a:r>
+              <a:rPr lang="en-US" altLang="zh-CN" sz="2400" baseline="-25000" dirty="0">
+                <a:solidFill>
+                  <a:schemeClr val="tx2"/>
+                </a:solidFill>
+              </a:rPr>
+              <a:t>2</a:t>
+            </a:r>
+            <a:r>
+              <a:rPr lang="en-US" altLang="zh-CN" sz="2400" dirty="0">
+                <a:solidFill>
+                  <a:schemeClr val="tx2"/>
+                </a:solidFill>
+              </a:rPr>
+              <a:t>-f</a:t>
+            </a:r>
+            <a:r>
+              <a:rPr lang="zh-CN" altLang="zh-CN" sz="2400" kern="100" dirty="0" smtClean="0">
+                <a:solidFill>
+                  <a:srgbClr val="1F497D"/>
+                </a:solidFill>
+                <a:latin typeface="Times New Roman" panose="02020603050405020304" pitchFamily="18" charset="0"/>
+              </a:rPr>
+              <a:t>算法</a:t>
+            </a:r>
+            <a:r>
+              <a:rPr lang="zh-CN" altLang="zh-CN" sz="2400" kern="100" dirty="0">
+                <a:solidFill>
+                  <a:srgbClr val="1F497D"/>
+                </a:solidFill>
+                <a:latin typeface="Times New Roman" panose="02020603050405020304" pitchFamily="18" charset="0"/>
+              </a:rPr>
+              <a:t>可以表示为如下最优解问题：</a:t>
+            </a:r>
+          </a:p>
+        </p:txBody>
+      </p:sp>
+      <p:sp>
+        <p:nvSpPr>
+          <p:cNvPr id="7" name="Rectangle 2"/>
+          <p:cNvSpPr>
+            <a:spLocks noChangeArrowheads="1"/>
+          </p:cNvSpPr>
+          <p:nvPr/>
+        </p:nvSpPr>
+        <p:spPr bwMode="auto">
+          <a:xfrm>
+            <a:off x="2915816" y="3003890"/>
+            <a:ext cx="9144000" cy="0"/>
+          </a:xfrm>
+          <a:prstGeom prst="rect">
+            <a:avLst/>
+          </a:prstGeom>
+          <a:noFill/>
+          <a:ln>
+            <a:noFill/>
+          </a:ln>
+          <a:effectLst/>
+          <a:extLst>
+            <a:ext uri="{909E8E84-426E-40DD-AFC4-6F175D3DCCD1}">
+              <a14:hiddenFill xmlns:a14="http://schemas.microsoft.com/office/drawing/2010/main">
+                <a:solidFill>
+                  <a:schemeClr val="accent1"/>
+                </a:solidFill>
+              </a14:hiddenFill>
+            </a:ext>
+            <a:ext uri="{91240B29-F687-4F45-9708-019B960494DF}">
+              <a14:hiddenLine xmlns:a14="http://schemas.microsoft.com/office/drawing/2010/main" w="9525">
+                <a:solidFill>
+                  <a:schemeClr val="tx1"/>
+                </a:solidFill>
+                <a:miter lim="800000"/>
+                <a:headEnd/>
+                <a:tailEnd/>
+              </a14:hiddenLine>
+            </a:ext>
+            <a:ext uri="{AF507438-7753-43E0-B8FC-AC1667EBCBE1}">
+              <a14:hiddenEffects xmlns:a14="http://schemas.microsoft.com/office/drawing/2010/main">
+                <a:effectLst>
+                  <a:outerShdw dist="35921" dir="2700000" algn="ctr" rotWithShape="0">
+                    <a:schemeClr val="bg2"/>
+                  </a:outerShdw>
+                </a:effectLst>
+              </a14:hiddenEffects>
+            </a:ext>
+          </a:extLst>
+        </p:spPr>
+        <p:txBody>
+          <a:bodyPr vert="horz" wrap="none" lIns="91440" tIns="45720" rIns="91440" bIns="45720" numCol="1" anchor="ctr" anchorCtr="0" compatLnSpc="1">
+            <a:prstTxWarp prst="textNoShape">
+              <a:avLst/>
+            </a:prstTxWarp>
+            <a:spAutoFit/>
+          </a:bodyPr>
+          <a:lstStyle/>
+          <a:p>
+            <a:endParaRPr lang="zh-CN" altLang="en-US">
+              <a:solidFill>
+                <a:prstClr val="black"/>
+              </a:solidFill>
+            </a:endParaRPr>
+          </a:p>
+        </p:txBody>
+      </p:sp>
+      <p:sp>
+        <p:nvSpPr>
+          <p:cNvPr id="17" name="Rectangle 4"/>
+          <p:cNvSpPr>
+            <a:spLocks noChangeArrowheads="1"/>
+          </p:cNvSpPr>
+          <p:nvPr/>
+        </p:nvSpPr>
+        <p:spPr bwMode="auto">
+          <a:xfrm>
+            <a:off x="1813963" y="5507265"/>
+            <a:ext cx="9817186" cy="45719"/>
+          </a:xfrm>
+          <a:prstGeom prst="rect">
+            <a:avLst/>
+          </a:prstGeom>
+          <a:noFill/>
+          <a:ln>
+            <a:noFill/>
+          </a:ln>
+          <a:effectLst/>
+          <a:extLst>
+            <a:ext uri="{909E8E84-426E-40DD-AFC4-6F175D3DCCD1}">
+              <a14:hiddenFill xmlns:a14="http://schemas.microsoft.com/office/drawing/2010/main">
+                <a:solidFill>
+                  <a:schemeClr val="accent1"/>
+                </a:solidFill>
+              </a14:hiddenFill>
+            </a:ext>
+            <a:ext uri="{91240B29-F687-4F45-9708-019B960494DF}">
+              <a14:hiddenLine xmlns:a14="http://schemas.microsoft.com/office/drawing/2010/main" w="9525">
+                <a:solidFill>
+                  <a:schemeClr val="tx1"/>
+                </a:solidFill>
+                <a:miter lim="800000"/>
+                <a:headEnd/>
+                <a:tailEnd/>
+              </a14:hiddenLine>
+            </a:ext>
+            <a:ext uri="{AF507438-7753-43E0-B8FC-AC1667EBCBE1}">
+              <a14:hiddenEffects xmlns:a14="http://schemas.microsoft.com/office/drawing/2010/main">
+                <a:effectLst>
+                  <a:outerShdw dist="35921" dir="2700000" algn="ctr" rotWithShape="0">
+                    <a:schemeClr val="bg2"/>
+                  </a:outerShdw>
+                </a:effectLst>
+              </a14:hiddenEffects>
+            </a:ext>
+          </a:extLst>
+        </p:spPr>
+        <p:txBody>
+          <a:bodyPr vert="horz" wrap="square" lIns="91440" tIns="45720" rIns="91440" bIns="45720" numCol="1" anchor="ctr" anchorCtr="0" compatLnSpc="1">
+            <a:prstTxWarp prst="textNoShape">
+              <a:avLst/>
+            </a:prstTxWarp>
+            <a:spAutoFit/>
+          </a:bodyPr>
+          <a:lstStyle/>
+          <a:p>
+            <a:endParaRPr lang="zh-CN" altLang="en-US">
+              <a:solidFill>
+                <a:prstClr val="black"/>
+              </a:solidFill>
+            </a:endParaRPr>
+          </a:p>
+        </p:txBody>
+      </p:sp>
+      <p:sp>
+        <p:nvSpPr>
+          <p:cNvPr id="8" name="Rectangle 2"/>
+          <p:cNvSpPr>
+            <a:spLocks noChangeArrowheads="1"/>
+          </p:cNvSpPr>
+          <p:nvPr/>
+        </p:nvSpPr>
+        <p:spPr bwMode="auto">
+          <a:xfrm>
+            <a:off x="0" y="0"/>
+            <a:ext cx="9144000" cy="0"/>
+          </a:xfrm>
+          <a:prstGeom prst="rect">
+            <a:avLst/>
+          </a:prstGeom>
+          <a:noFill/>
+          <a:ln>
+            <a:noFill/>
+          </a:ln>
+          <a:effectLst/>
+          <a:extLst>
+            <a:ext uri="{909E8E84-426E-40DD-AFC4-6F175D3DCCD1}">
+              <a14:hiddenFill xmlns:a14="http://schemas.microsoft.com/office/drawing/2010/main">
+                <a:solidFill>
+                  <a:schemeClr val="accent1"/>
+                </a:solidFill>
+              </a14:hiddenFill>
+            </a:ext>
+            <a:ext uri="{91240B29-F687-4F45-9708-019B960494DF}">
+              <a14:hiddenLine xmlns:a14="http://schemas.microsoft.com/office/drawing/2010/main" w="9525">
+                <a:solidFill>
+                  <a:schemeClr val="tx1"/>
+                </a:solidFill>
+                <a:miter lim="800000"/>
+                <a:headEnd/>
+                <a:tailEnd/>
+              </a14:hiddenLine>
+            </a:ext>
+            <a:ext uri="{AF507438-7753-43E0-B8FC-AC1667EBCBE1}">
+              <a14:hiddenEffects xmlns:a14="http://schemas.microsoft.com/office/drawing/2010/main">
+                <a:effectLst>
+                  <a:outerShdw dist="35921" dir="2700000" algn="ctr" rotWithShape="0">
+                    <a:schemeClr val="bg2"/>
+                  </a:outerShdw>
+                </a:effectLst>
+              </a14:hiddenEffects>
+            </a:ext>
+          </a:extLst>
+        </p:spPr>
+        <p:txBody>
+          <a:bodyPr vert="horz" wrap="none" lIns="91440" tIns="45720" rIns="91440" bIns="45720" numCol="1" anchor="ctr" anchorCtr="0" compatLnSpc="1">
+            <a:prstTxWarp prst="textNoShape">
+              <a:avLst/>
+            </a:prstTxWarp>
+            <a:spAutoFit/>
+          </a:bodyPr>
+          <a:lstStyle/>
+          <a:p>
+            <a:endParaRPr lang="zh-CN" altLang="en-US"/>
+          </a:p>
+        </p:txBody>
+      </p:sp>
+      <p:graphicFrame>
+        <p:nvGraphicFramePr>
+          <p:cNvPr id="9" name="对象 8"/>
+          <p:cNvGraphicFramePr>
+            <a:graphicFrameLocks noChangeAspect="1"/>
+          </p:cNvGraphicFramePr>
+          <p:nvPr>
+            <p:extLst>
+              <p:ext uri="{D42A27DB-BD31-4B8C-83A1-F6EECF244321}">
+                <p14:modId xmlns:p14="http://schemas.microsoft.com/office/powerpoint/2010/main" val="905787127"/>
+              </p:ext>
+            </p:extLst>
+          </p:nvPr>
+        </p:nvGraphicFramePr>
+        <p:xfrm>
+          <a:off x="2915816" y="3241799"/>
+          <a:ext cx="2581275" cy="1314450"/>
+        </p:xfrm>
+        <a:graphic>
+          <a:graphicData uri="http://schemas.openxmlformats.org/presentationml/2006/ole">
+            <mc:AlternateContent xmlns:mc="http://schemas.openxmlformats.org/markup-compatibility/2006">
+              <mc:Choice xmlns:v="urn:schemas-microsoft-com:vml" Requires="v">
+                <p:oleObj spid="_x0000_s17430" name="Equation" r:id="rId4" imgW="1943100" imgH="990600" progId="Equation.DSMT4">
+                  <p:embed/>
+                </p:oleObj>
+              </mc:Choice>
+              <mc:Fallback>
+                <p:oleObj name="Equation" r:id="rId4" imgW="1943100" imgH="990600" progId="Equation.DSMT4">
+                  <p:embed/>
+                  <p:pic>
+                    <p:nvPicPr>
+                      <p:cNvPr id="0" name="Object 1"/>
+                      <p:cNvPicPr>
+                        <a:picLocks noChangeAspect="1" noChangeArrowheads="1"/>
+                      </p:cNvPicPr>
+                      <p:nvPr/>
+                    </p:nvPicPr>
+                    <p:blipFill>
+                      <a:blip r:embed="rId5">
+                        <a:extLst>
+                          <a:ext uri="{28A0092B-C50C-407E-A947-70E740481C1C}">
+                            <a14:useLocalDpi xmlns:a14="http://schemas.microsoft.com/office/drawing/2010/main" val="0"/>
+                          </a:ext>
+                        </a:extLst>
+                      </a:blip>
+                      <a:srcRect/>
+                      <a:stretch>
+                        <a:fillRect/>
+                      </a:stretch>
+                    </p:blipFill>
+                    <p:spPr bwMode="auto">
+                      <a:xfrm>
+                        <a:off x="2915816" y="3241799"/>
+                        <a:ext cx="2581275" cy="1314450"/>
+                      </a:xfrm>
+                      <a:prstGeom prst="rect">
+                        <a:avLst/>
+                      </a:prstGeom>
+                      <a:noFill/>
+                      <a:extLst>
+                        <a:ext uri="{909E8E84-426E-40DD-AFC4-6F175D3DCCD1}">
+                          <a14:hiddenFill xmlns:a14="http://schemas.microsoft.com/office/drawing/2010/main">
+                            <a:solidFill>
+                              <a:srgbClr val="FFFFFF"/>
+                            </a:solidFill>
+                          </a14:hiddenFill>
+                        </a:ext>
+                      </a:extLst>
+                    </p:spPr>
+                  </p:pic>
+                </p:oleObj>
+              </mc:Fallback>
+            </mc:AlternateContent>
+          </a:graphicData>
+        </a:graphic>
+      </p:graphicFrame>
+      <p:sp>
+        <p:nvSpPr>
+          <p:cNvPr id="11" name="Rectangle 5"/>
+          <p:cNvSpPr>
+            <a:spLocks noChangeArrowheads="1"/>
+          </p:cNvSpPr>
+          <p:nvPr/>
+        </p:nvSpPr>
+        <p:spPr bwMode="auto">
+          <a:xfrm>
+            <a:off x="1960158" y="5549415"/>
+            <a:ext cx="10111185" cy="94482"/>
+          </a:xfrm>
+          <a:prstGeom prst="rect">
+            <a:avLst/>
+          </a:prstGeom>
+          <a:noFill/>
+          <a:ln>
+            <a:noFill/>
+          </a:ln>
+          <a:effectLst/>
+          <a:extLst>
+            <a:ext uri="{909E8E84-426E-40DD-AFC4-6F175D3DCCD1}">
+              <a14:hiddenFill xmlns:a14="http://schemas.microsoft.com/office/drawing/2010/main">
+                <a:solidFill>
+                  <a:schemeClr val="accent1"/>
+                </a:solidFill>
+              </a14:hiddenFill>
+            </a:ext>
+            <a:ext uri="{91240B29-F687-4F45-9708-019B960494DF}">
+              <a14:hiddenLine xmlns:a14="http://schemas.microsoft.com/office/drawing/2010/main" w="9525">
+                <a:solidFill>
+                  <a:schemeClr val="tx1"/>
+                </a:solidFill>
+                <a:miter lim="800000"/>
+                <a:headEnd/>
+                <a:tailEnd/>
+              </a14:hiddenLine>
+            </a:ext>
+            <a:ext uri="{AF507438-7753-43E0-B8FC-AC1667EBCBE1}">
+              <a14:hiddenEffects xmlns:a14="http://schemas.microsoft.com/office/drawing/2010/main">
+                <a:effectLst>
+                  <a:outerShdw dist="35921" dir="2700000" algn="ctr" rotWithShape="0">
+                    <a:schemeClr val="bg2"/>
+                  </a:outerShdw>
+                </a:effectLst>
+              </a14:hiddenEffects>
+            </a:ext>
+          </a:extLst>
+        </p:spPr>
+        <p:txBody>
+          <a:bodyPr vert="horz" wrap="square" lIns="91440" tIns="45720" rIns="91440" bIns="45720" numCol="1" anchor="ctr" anchorCtr="0" compatLnSpc="1">
+            <a:prstTxWarp prst="textNoShape">
+              <a:avLst/>
+            </a:prstTxWarp>
+            <a:spAutoFit/>
+          </a:bodyPr>
+          <a:lstStyle/>
+          <a:p>
+            <a:endParaRPr lang="zh-CN" altLang="en-US"/>
+          </a:p>
+        </p:txBody>
+      </p:sp>
+      <p:graphicFrame>
+        <p:nvGraphicFramePr>
+          <p:cNvPr id="13" name="对象 12"/>
+          <p:cNvGraphicFramePr>
+            <a:graphicFrameLocks noChangeAspect="1"/>
+          </p:cNvGraphicFramePr>
+          <p:nvPr>
+            <p:extLst>
+              <p:ext uri="{D42A27DB-BD31-4B8C-83A1-F6EECF244321}">
+                <p14:modId xmlns:p14="http://schemas.microsoft.com/office/powerpoint/2010/main" val="2459522335"/>
+              </p:ext>
+            </p:extLst>
+          </p:nvPr>
+        </p:nvGraphicFramePr>
+        <p:xfrm>
+          <a:off x="1960160" y="5549416"/>
+          <a:ext cx="5597764" cy="464866"/>
+        </p:xfrm>
+        <a:graphic>
+          <a:graphicData uri="http://schemas.openxmlformats.org/presentationml/2006/ole">
+            <mc:AlternateContent xmlns:mc="http://schemas.openxmlformats.org/markup-compatibility/2006">
+              <mc:Choice xmlns:v="urn:schemas-microsoft-com:vml" Requires="v">
+                <p:oleObj spid="_x0000_s17431" name="Equation" r:id="rId6" imgW="2755900" imgH="228600" progId="Equation.DSMT4">
+                  <p:embed/>
+                </p:oleObj>
+              </mc:Choice>
+              <mc:Fallback>
+                <p:oleObj name="Equation" r:id="rId6" imgW="2755900" imgH="228600" progId="Equation.DSMT4">
+                  <p:embed/>
+                  <p:pic>
+                    <p:nvPicPr>
+                      <p:cNvPr id="0" name="Object 4"/>
+                      <p:cNvPicPr>
+                        <a:picLocks noChangeAspect="1" noChangeArrowheads="1"/>
+                      </p:cNvPicPr>
+                      <p:nvPr/>
+                    </p:nvPicPr>
+                    <p:blipFill>
+                      <a:blip r:embed="rId7">
+                        <a:extLst>
+                          <a:ext uri="{28A0092B-C50C-407E-A947-70E740481C1C}">
+                            <a14:useLocalDpi xmlns:a14="http://schemas.microsoft.com/office/drawing/2010/main" val="0"/>
+                          </a:ext>
+                        </a:extLst>
+                      </a:blip>
+                      <a:srcRect/>
+                      <a:stretch>
+                        <a:fillRect/>
+                      </a:stretch>
+                    </p:blipFill>
+                    <p:spPr bwMode="auto">
+                      <a:xfrm>
+                        <a:off x="1960160" y="5549416"/>
+                        <a:ext cx="5597764" cy="464866"/>
+                      </a:xfrm>
+                      <a:prstGeom prst="rect">
+                        <a:avLst/>
+                      </a:prstGeom>
+                      <a:noFill/>
+                    </p:spPr>
+                  </p:pic>
+                </p:oleObj>
+              </mc:Fallback>
+            </mc:AlternateContent>
+          </a:graphicData>
+        </a:graphic>
+      </p:graphicFrame>
+    </p:spTree>
+    <p:extLst>
+      <p:ext uri="{BB962C8B-B14F-4D97-AF65-F5344CB8AC3E}">
+        <p14:creationId xmlns:p14="http://schemas.microsoft.com/office/powerpoint/2010/main" val="2479014780"/>
+      </p:ext>
+    </p:extLst>
+  </p:cSld>
+  <p:clrMapOvr>
+    <a:masterClrMapping/>
+  </p:clrMapOvr>
+  <p:timing>
+    <p:tnLst>
+      <p:par>
+        <p:cTn id="1" dur="indefinite" restart="never" nodeType="tmRoot"/>
+      </p:par>
+    </p:tnLst>
+  </p:timing>
+</p:sld>
+</file>
+
+<file path=ppt/slides/slide19.xml><?xml version="1.0" encoding="utf-8"?>
+<p:sld xmlns:a="http://schemas.openxmlformats.org/drawingml/2006/main" xmlns:r="http://schemas.openxmlformats.org/officeDocument/2006/relationships" xmlns:p="http://schemas.openxmlformats.org/presentationml/2006/main">
+  <p:cSld>
+    <p:bg>
+      <p:bgPr>
+        <a:blipFill dpi="0" rotWithShape="0">
+          <a:blip r:embed="rId2"/>
+          <a:srcRect/>
+          <a:stretch>
+            <a:fillRect/>
+          </a:stretch>
+        </a:blipFill>
+        <a:effectLst/>
+      </p:bgPr>
+    </p:bg>
+    <p:spTree>
+      <p:nvGrpSpPr>
+        <p:cNvPr id="1" name=""/>
+        <p:cNvGrpSpPr/>
+        <p:nvPr/>
+      </p:nvGrpSpPr>
+      <p:grpSpPr>
+        <a:xfrm>
+          <a:off x="0" y="0"/>
+          <a:ext cx="0" cy="0"/>
+          <a:chOff x="0" y="0"/>
+          <a:chExt cx="0" cy="0"/>
+        </a:xfrm>
+      </p:grpSpPr>
+      <p:sp>
+        <p:nvSpPr>
+          <p:cNvPr id="13" name="文本框 12"/>
+          <p:cNvSpPr txBox="1"/>
+          <p:nvPr/>
+        </p:nvSpPr>
+        <p:spPr>
+          <a:xfrm>
+            <a:off x="301408" y="544262"/>
+            <a:ext cx="2182359" cy="1200327"/>
+          </a:xfrm>
+          <a:prstGeom prst="rect">
+            <a:avLst/>
+          </a:prstGeom>
+          <a:noFill/>
+          <a:ln>
+            <a:noFill/>
+          </a:ln>
+        </p:spPr>
+        <p:txBody>
+          <a:bodyPr wrap="square" lIns="91436" tIns="45719" rIns="91436" bIns="45719">
+            <a:spAutoFit/>
+          </a:bodyPr>
+          <a:lstStyle/>
+          <a:p>
+            <a:pPr algn="ctr" defTabSz="609468" fontAlgn="auto">
+              <a:lnSpc>
+                <a:spcPct val="90000"/>
+              </a:lnSpc>
+              <a:spcBef>
+                <a:spcPts val="0"/>
+              </a:spcBef>
+              <a:spcAft>
+                <a:spcPts val="0"/>
+              </a:spcAft>
+              <a:defRPr/>
+            </a:pPr>
+            <a:r>
+              <a:rPr lang="zh-CN" altLang="en-US" sz="4000" dirty="0" smtClean="0">
+                <a:solidFill>
+                  <a:srgbClr val="00B0F0"/>
+                </a:solidFill>
+                <a:latin typeface="微软雅黑" panose="020B0503020204020204" pitchFamily="34" charset="-122"/>
+                <a:ea typeface="微软雅黑" panose="020B0503020204020204" pitchFamily="34" charset="-122"/>
+              </a:rPr>
+              <a:t>无噪声仿真</a:t>
+            </a:r>
+            <a:endParaRPr lang="en-US" altLang="zh-CN" sz="4000" b="1" spc="300" dirty="0">
+              <a:solidFill>
+                <a:srgbClr val="00B0F0"/>
+              </a:solidFill>
+              <a:latin typeface="微软雅黑" panose="020B0503020204020204" pitchFamily="34" charset="-122"/>
+              <a:ea typeface="微软雅黑" panose="020B0503020204020204" pitchFamily="34" charset="-122"/>
+            </a:endParaRPr>
+          </a:p>
+        </p:txBody>
+      </p:sp>
+      <p:grpSp>
+        <p:nvGrpSpPr>
+          <p:cNvPr id="14" name="Group 4"/>
+          <p:cNvGrpSpPr>
+            <a:grpSpLocks noChangeAspect="1"/>
+          </p:cNvGrpSpPr>
+          <p:nvPr/>
+        </p:nvGrpSpPr>
+        <p:grpSpPr bwMode="auto">
+          <a:xfrm rot="19764056">
+            <a:off x="-2866" y="223608"/>
+            <a:ext cx="699668" cy="880471"/>
+            <a:chOff x="1164" y="687"/>
+            <a:chExt cx="3219" cy="2998"/>
+          </a:xfrm>
+          <a:solidFill>
+            <a:schemeClr val="tx1"/>
+          </a:solidFill>
+          <a:effectLst>
+            <a:outerShdw blurRad="50800" dist="38100" dir="2700000" algn="tl" rotWithShape="0">
+              <a:prstClr val="black">
+                <a:alpha val="40000"/>
+              </a:prstClr>
+            </a:outerShdw>
+          </a:effectLst>
+        </p:grpSpPr>
+        <p:sp>
+          <p:nvSpPr>
+            <p:cNvPr id="15" name="Freeform 6"/>
+            <p:cNvSpPr>
+              <a:spLocks/>
+            </p:cNvSpPr>
+            <p:nvPr/>
+          </p:nvSpPr>
+          <p:spPr bwMode="auto">
+            <a:xfrm>
+              <a:off x="1164" y="687"/>
+              <a:ext cx="3219" cy="2998"/>
+            </a:xfrm>
+            <a:custGeom>
+              <a:avLst/>
+              <a:gdLst>
+                <a:gd name="T0" fmla="*/ 96 w 1360"/>
+                <a:gd name="T1" fmla="*/ 404 h 1266"/>
+                <a:gd name="T2" fmla="*/ 96 w 1360"/>
+                <a:gd name="T3" fmla="*/ 527 h 1266"/>
+                <a:gd name="T4" fmla="*/ 105 w 1360"/>
+                <a:gd name="T5" fmla="*/ 537 h 1266"/>
+                <a:gd name="T6" fmla="*/ 123 w 1360"/>
+                <a:gd name="T7" fmla="*/ 616 h 1266"/>
+                <a:gd name="T8" fmla="*/ 119 w 1360"/>
+                <a:gd name="T9" fmla="*/ 629 h 1266"/>
+                <a:gd name="T10" fmla="*/ 147 w 1360"/>
+                <a:gd name="T11" fmla="*/ 940 h 1266"/>
+                <a:gd name="T12" fmla="*/ 169 w 1360"/>
+                <a:gd name="T13" fmla="*/ 1194 h 1266"/>
+                <a:gd name="T14" fmla="*/ 175 w 1360"/>
+                <a:gd name="T15" fmla="*/ 1266 h 1266"/>
+                <a:gd name="T16" fmla="*/ 0 w 1360"/>
+                <a:gd name="T17" fmla="*/ 1266 h 1266"/>
+                <a:gd name="T18" fmla="*/ 6 w 1360"/>
+                <a:gd name="T19" fmla="*/ 1197 h 1266"/>
+                <a:gd name="T20" fmla="*/ 38 w 1360"/>
+                <a:gd name="T21" fmla="*/ 811 h 1266"/>
+                <a:gd name="T22" fmla="*/ 54 w 1360"/>
+                <a:gd name="T23" fmla="*/ 629 h 1266"/>
+                <a:gd name="T24" fmla="*/ 50 w 1360"/>
+                <a:gd name="T25" fmla="*/ 613 h 1266"/>
+                <a:gd name="T26" fmla="*/ 71 w 1360"/>
+                <a:gd name="T27" fmla="*/ 537 h 1266"/>
+                <a:gd name="T28" fmla="*/ 79 w 1360"/>
+                <a:gd name="T29" fmla="*/ 525 h 1266"/>
+                <a:gd name="T30" fmla="*/ 79 w 1360"/>
+                <a:gd name="T31" fmla="*/ 407 h 1266"/>
+                <a:gd name="T32" fmla="*/ 70 w 1360"/>
+                <a:gd name="T33" fmla="*/ 392 h 1266"/>
+                <a:gd name="T34" fmla="*/ 31 w 1360"/>
+                <a:gd name="T35" fmla="*/ 374 h 1266"/>
+                <a:gd name="T36" fmla="*/ 44 w 1360"/>
+                <a:gd name="T37" fmla="*/ 366 h 1266"/>
+                <a:gd name="T38" fmla="*/ 624 w 1360"/>
+                <a:gd name="T39" fmla="*/ 44 h 1266"/>
+                <a:gd name="T40" fmla="*/ 692 w 1360"/>
+                <a:gd name="T41" fmla="*/ 5 h 1266"/>
+                <a:gd name="T42" fmla="*/ 718 w 1360"/>
+                <a:gd name="T43" fmla="*/ 5 h 1266"/>
+                <a:gd name="T44" fmla="*/ 1255 w 1360"/>
+                <a:gd name="T45" fmla="*/ 275 h 1266"/>
+                <a:gd name="T46" fmla="*/ 1360 w 1360"/>
+                <a:gd name="T47" fmla="*/ 328 h 1266"/>
+                <a:gd name="T48" fmla="*/ 1302 w 1360"/>
+                <a:gd name="T49" fmla="*/ 360 h 1266"/>
+                <a:gd name="T50" fmla="*/ 723 w 1360"/>
+                <a:gd name="T51" fmla="*/ 666 h 1266"/>
+                <a:gd name="T52" fmla="*/ 688 w 1360"/>
+                <a:gd name="T53" fmla="*/ 668 h 1266"/>
+                <a:gd name="T54" fmla="*/ 112 w 1360"/>
+                <a:gd name="T55" fmla="*/ 411 h 1266"/>
+                <a:gd name="T56" fmla="*/ 96 w 1360"/>
+                <a:gd name="T57" fmla="*/ 404 h 1266"/>
+              </a:gdLst>
+              <a:ahLst/>
+              <a:cxnLst>
+                <a:cxn ang="0">
+                  <a:pos x="T0" y="T1"/>
+                </a:cxn>
+                <a:cxn ang="0">
+                  <a:pos x="T2" y="T3"/>
+                </a:cxn>
+                <a:cxn ang="0">
+                  <a:pos x="T4" y="T5"/>
+                </a:cxn>
+                <a:cxn ang="0">
+                  <a:pos x="T6" y="T7"/>
+                </a:cxn>
+                <a:cxn ang="0">
+                  <a:pos x="T8" y="T9"/>
+                </a:cxn>
+                <a:cxn ang="0">
+                  <a:pos x="T10" y="T11"/>
+                </a:cxn>
+                <a:cxn ang="0">
+                  <a:pos x="T12" y="T13"/>
+                </a:cxn>
+                <a:cxn ang="0">
+                  <a:pos x="T14" y="T15"/>
+                </a:cxn>
+                <a:cxn ang="0">
+                  <a:pos x="T16" y="T17"/>
+                </a:cxn>
+                <a:cxn ang="0">
+                  <a:pos x="T18" y="T19"/>
+                </a:cxn>
+                <a:cxn ang="0">
+                  <a:pos x="T20" y="T21"/>
+                </a:cxn>
+                <a:cxn ang="0">
+                  <a:pos x="T22" y="T23"/>
+                </a:cxn>
+                <a:cxn ang="0">
+                  <a:pos x="T24" y="T25"/>
+                </a:cxn>
+                <a:cxn ang="0">
+                  <a:pos x="T26" y="T27"/>
+                </a:cxn>
+                <a:cxn ang="0">
+                  <a:pos x="T28" y="T29"/>
+                </a:cxn>
+                <a:cxn ang="0">
+                  <a:pos x="T30" y="T31"/>
+                </a:cxn>
+                <a:cxn ang="0">
+                  <a:pos x="T32" y="T33"/>
+                </a:cxn>
+                <a:cxn ang="0">
+                  <a:pos x="T34" y="T35"/>
+                </a:cxn>
+                <a:cxn ang="0">
+                  <a:pos x="T36" y="T37"/>
+                </a:cxn>
+                <a:cxn ang="0">
+                  <a:pos x="T38" y="T39"/>
+                </a:cxn>
+                <a:cxn ang="0">
+                  <a:pos x="T40" y="T41"/>
+                </a:cxn>
+                <a:cxn ang="0">
+                  <a:pos x="T42" y="T43"/>
+                </a:cxn>
+                <a:cxn ang="0">
+                  <a:pos x="T44" y="T45"/>
+                </a:cxn>
+                <a:cxn ang="0">
+                  <a:pos x="T46" y="T47"/>
+                </a:cxn>
+                <a:cxn ang="0">
+                  <a:pos x="T48" y="T49"/>
+                </a:cxn>
+                <a:cxn ang="0">
+                  <a:pos x="T50" y="T51"/>
+                </a:cxn>
+                <a:cxn ang="0">
+                  <a:pos x="T52" y="T53"/>
+                </a:cxn>
+                <a:cxn ang="0">
+                  <a:pos x="T54" y="T55"/>
+                </a:cxn>
+                <a:cxn ang="0">
+                  <a:pos x="T56" y="T57"/>
+                </a:cxn>
+              </a:cxnLst>
+              <a:rect l="0" t="0" r="r" b="b"/>
+              <a:pathLst>
+                <a:path w="1360" h="1266">
+                  <a:moveTo>
+                    <a:pt x="96" y="404"/>
+                  </a:moveTo>
+                  <a:cubicBezTo>
+                    <a:pt x="96" y="447"/>
+                    <a:pt x="96" y="487"/>
+                    <a:pt x="96" y="527"/>
+                  </a:cubicBezTo>
+                  <a:cubicBezTo>
+                    <a:pt x="96" y="531"/>
+                    <a:pt x="101" y="535"/>
+                    <a:pt x="105" y="537"/>
+                  </a:cubicBezTo>
+                  <a:cubicBezTo>
+                    <a:pt x="136" y="555"/>
+                    <a:pt x="144" y="585"/>
+                    <a:pt x="123" y="616"/>
+                  </a:cubicBezTo>
+                  <a:cubicBezTo>
+                    <a:pt x="121" y="620"/>
+                    <a:pt x="119" y="625"/>
+                    <a:pt x="119" y="629"/>
+                  </a:cubicBezTo>
+                  <a:cubicBezTo>
+                    <a:pt x="128" y="733"/>
+                    <a:pt x="138" y="836"/>
+                    <a:pt x="147" y="940"/>
+                  </a:cubicBezTo>
+                  <a:cubicBezTo>
+                    <a:pt x="154" y="1024"/>
+                    <a:pt x="162" y="1109"/>
+                    <a:pt x="169" y="1194"/>
+                  </a:cubicBezTo>
+                  <a:cubicBezTo>
+                    <a:pt x="171" y="1217"/>
+                    <a:pt x="173" y="1239"/>
+                    <a:pt x="175" y="1266"/>
+                  </a:cubicBezTo>
+                  <a:cubicBezTo>
+                    <a:pt x="117" y="1266"/>
+                    <a:pt x="60" y="1266"/>
+                    <a:pt x="0" y="1266"/>
+                  </a:cubicBezTo>
+                  <a:cubicBezTo>
+                    <a:pt x="2" y="1244"/>
+                    <a:pt x="4" y="1220"/>
+                    <a:pt x="6" y="1197"/>
+                  </a:cubicBezTo>
+                  <a:cubicBezTo>
+                    <a:pt x="16" y="1068"/>
+                    <a:pt x="27" y="940"/>
+                    <a:pt x="38" y="811"/>
+                  </a:cubicBezTo>
+                  <a:cubicBezTo>
+                    <a:pt x="43" y="750"/>
+                    <a:pt x="49" y="690"/>
+                    <a:pt x="54" y="629"/>
+                  </a:cubicBezTo>
+                  <a:cubicBezTo>
+                    <a:pt x="54" y="624"/>
+                    <a:pt x="52" y="617"/>
+                    <a:pt x="50" y="613"/>
+                  </a:cubicBezTo>
+                  <a:cubicBezTo>
+                    <a:pt x="32" y="583"/>
+                    <a:pt x="40" y="553"/>
+                    <a:pt x="71" y="537"/>
+                  </a:cubicBezTo>
+                  <a:cubicBezTo>
+                    <a:pt x="75" y="535"/>
+                    <a:pt x="79" y="529"/>
+                    <a:pt x="79" y="525"/>
+                  </a:cubicBezTo>
+                  <a:cubicBezTo>
+                    <a:pt x="79" y="486"/>
+                    <a:pt x="80" y="446"/>
+                    <a:pt x="79" y="407"/>
+                  </a:cubicBezTo>
+                  <a:cubicBezTo>
+                    <a:pt x="79" y="402"/>
+                    <a:pt x="74" y="395"/>
+                    <a:pt x="70" y="392"/>
+                  </a:cubicBezTo>
+                  <a:cubicBezTo>
+                    <a:pt x="58" y="386"/>
+                    <a:pt x="45" y="381"/>
+                    <a:pt x="31" y="374"/>
+                  </a:cubicBezTo>
+                  <a:cubicBezTo>
+                    <a:pt x="36" y="371"/>
+                    <a:pt x="40" y="368"/>
+                    <a:pt x="44" y="366"/>
+                  </a:cubicBezTo>
+                  <a:cubicBezTo>
+                    <a:pt x="237" y="259"/>
+                    <a:pt x="431" y="151"/>
+                    <a:pt x="624" y="44"/>
+                  </a:cubicBezTo>
+                  <a:cubicBezTo>
+                    <a:pt x="647" y="31"/>
+                    <a:pt x="670" y="19"/>
+                    <a:pt x="692" y="5"/>
+                  </a:cubicBezTo>
+                  <a:cubicBezTo>
+                    <a:pt x="702" y="0"/>
+                    <a:pt x="709" y="1"/>
+                    <a:pt x="718" y="5"/>
+                  </a:cubicBezTo>
+                  <a:cubicBezTo>
+                    <a:pt x="897" y="96"/>
+                    <a:pt x="1076" y="185"/>
+                    <a:pt x="1255" y="275"/>
+                  </a:cubicBezTo>
+                  <a:cubicBezTo>
+                    <a:pt x="1289" y="293"/>
+                    <a:pt x="1324" y="310"/>
+                    <a:pt x="1360" y="328"/>
+                  </a:cubicBezTo>
+                  <a:cubicBezTo>
+                    <a:pt x="1339" y="340"/>
+                    <a:pt x="1320" y="350"/>
+                    <a:pt x="1302" y="360"/>
+                  </a:cubicBezTo>
+                  <a:cubicBezTo>
+                    <a:pt x="1109" y="462"/>
+                    <a:pt x="916" y="564"/>
+                    <a:pt x="723" y="666"/>
+                  </a:cubicBezTo>
+                  <a:cubicBezTo>
+                    <a:pt x="711" y="672"/>
+                    <a:pt x="701" y="674"/>
+                    <a:pt x="688" y="668"/>
+                  </a:cubicBezTo>
+                  <a:cubicBezTo>
+                    <a:pt x="496" y="582"/>
+                    <a:pt x="304" y="496"/>
+                    <a:pt x="112" y="411"/>
+                  </a:cubicBezTo>
+                  <a:cubicBezTo>
+                    <a:pt x="108" y="409"/>
+                    <a:pt x="103" y="407"/>
+                    <a:pt x="96" y="404"/>
+                  </a:cubicBezTo>
+                  <a:close/>
+                </a:path>
+              </a:pathLst>
+            </a:custGeom>
+            <a:grpFill/>
+            <a:ln>
+              <a:noFill/>
+            </a:ln>
+            <a:extLst>
+              <a:ext uri="{91240B29-F687-4f45-9708-019B960494DF}"/>
+            </a:extLst>
+          </p:spPr>
+          <p:txBody>
+            <a:bodyPr/>
+            <a:lstStyle/>
+            <a:p>
+              <a:pPr defTabSz="609468" fontAlgn="auto">
+                <a:spcBef>
+                  <a:spcPts val="0"/>
+                </a:spcBef>
+                <a:spcAft>
+                  <a:spcPts val="0"/>
+                </a:spcAft>
+                <a:defRPr/>
+              </a:pPr>
+              <a:endParaRPr lang="zh-HK" altLang="en-US">
+                <a:solidFill>
+                  <a:prstClr val="black"/>
+                </a:solidFill>
+                <a:latin typeface="Calibri"/>
+                <a:ea typeface="新細明體" panose="02020500000000000000" pitchFamily="18" charset="-120"/>
+              </a:endParaRPr>
+            </a:p>
+          </p:txBody>
+        </p:sp>
+        <p:sp>
+          <p:nvSpPr>
+            <p:cNvPr id="16" name="Freeform 7"/>
+            <p:cNvSpPr>
+              <a:spLocks/>
+            </p:cNvSpPr>
+            <p:nvPr/>
+          </p:nvSpPr>
+          <p:spPr bwMode="auto">
+            <a:xfrm>
+              <a:off x="1829" y="1959"/>
+              <a:ext cx="2000" cy="947"/>
+            </a:xfrm>
+            <a:custGeom>
+              <a:avLst/>
+              <a:gdLst>
+                <a:gd name="T0" fmla="*/ 0 w 845"/>
+                <a:gd name="T1" fmla="*/ 147 h 400"/>
+                <a:gd name="T2" fmla="*/ 78 w 845"/>
+                <a:gd name="T3" fmla="*/ 32 h 400"/>
+                <a:gd name="T4" fmla="*/ 96 w 845"/>
+                <a:gd name="T5" fmla="*/ 28 h 400"/>
+                <a:gd name="T6" fmla="*/ 262 w 845"/>
+                <a:gd name="T7" fmla="*/ 101 h 400"/>
+                <a:gd name="T8" fmla="*/ 417 w 845"/>
+                <a:gd name="T9" fmla="*/ 170 h 400"/>
+                <a:gd name="T10" fmla="*/ 434 w 845"/>
+                <a:gd name="T11" fmla="*/ 167 h 400"/>
+                <a:gd name="T12" fmla="*/ 724 w 845"/>
+                <a:gd name="T13" fmla="*/ 13 h 400"/>
+                <a:gd name="T14" fmla="*/ 749 w 845"/>
+                <a:gd name="T15" fmla="*/ 0 h 400"/>
+                <a:gd name="T16" fmla="*/ 845 w 845"/>
+                <a:gd name="T17" fmla="*/ 143 h 400"/>
+                <a:gd name="T18" fmla="*/ 743 w 845"/>
+                <a:gd name="T19" fmla="*/ 207 h 400"/>
+                <a:gd name="T20" fmla="*/ 448 w 845"/>
+                <a:gd name="T21" fmla="*/ 393 h 400"/>
+                <a:gd name="T22" fmla="*/ 421 w 845"/>
+                <a:gd name="T23" fmla="*/ 394 h 400"/>
+                <a:gd name="T24" fmla="*/ 8 w 845"/>
+                <a:gd name="T25" fmla="*/ 153 h 400"/>
+                <a:gd name="T26" fmla="*/ 0 w 845"/>
+                <a:gd name="T27" fmla="*/ 147 h 400"/>
+              </a:gdLst>
+              <a:ahLst/>
+              <a:cxnLst>
+                <a:cxn ang="0">
+                  <a:pos x="T0" y="T1"/>
+                </a:cxn>
+                <a:cxn ang="0">
+                  <a:pos x="T2" y="T3"/>
+                </a:cxn>
+                <a:cxn ang="0">
+                  <a:pos x="T4" y="T5"/>
+                </a:cxn>
+                <a:cxn ang="0">
+                  <a:pos x="T6" y="T7"/>
+                </a:cxn>
+                <a:cxn ang="0">
+                  <a:pos x="T8" y="T9"/>
+                </a:cxn>
+                <a:cxn ang="0">
+                  <a:pos x="T10" y="T11"/>
+                </a:cxn>
+                <a:cxn ang="0">
+                  <a:pos x="T12" y="T13"/>
+                </a:cxn>
+                <a:cxn ang="0">
+                  <a:pos x="T14" y="T15"/>
+                </a:cxn>
+                <a:cxn ang="0">
+                  <a:pos x="T16" y="T17"/>
+                </a:cxn>
+                <a:cxn ang="0">
+                  <a:pos x="T18" y="T19"/>
+                </a:cxn>
+                <a:cxn ang="0">
+                  <a:pos x="T20" y="T21"/>
+                </a:cxn>
+                <a:cxn ang="0">
+                  <a:pos x="T22" y="T23"/>
+                </a:cxn>
+                <a:cxn ang="0">
+                  <a:pos x="T24" y="T25"/>
+                </a:cxn>
+                <a:cxn ang="0">
+                  <a:pos x="T26" y="T27"/>
+                </a:cxn>
+              </a:cxnLst>
+              <a:rect l="0" t="0" r="r" b="b"/>
+              <a:pathLst>
+                <a:path w="845" h="400">
+                  <a:moveTo>
+                    <a:pt x="0" y="147"/>
+                  </a:moveTo>
+                  <a:cubicBezTo>
+                    <a:pt x="27" y="108"/>
+                    <a:pt x="53" y="70"/>
+                    <a:pt x="78" y="32"/>
+                  </a:cubicBezTo>
+                  <a:cubicBezTo>
+                    <a:pt x="84" y="24"/>
+                    <a:pt x="89" y="25"/>
+                    <a:pt x="96" y="28"/>
+                  </a:cubicBezTo>
+                  <a:cubicBezTo>
+                    <a:pt x="151" y="53"/>
+                    <a:pt x="206" y="77"/>
+                    <a:pt x="262" y="101"/>
+                  </a:cubicBezTo>
+                  <a:cubicBezTo>
+                    <a:pt x="313" y="124"/>
+                    <a:pt x="365" y="147"/>
+                    <a:pt x="417" y="170"/>
+                  </a:cubicBezTo>
+                  <a:cubicBezTo>
+                    <a:pt x="421" y="172"/>
+                    <a:pt x="429" y="170"/>
+                    <a:pt x="434" y="167"/>
+                  </a:cubicBezTo>
+                  <a:cubicBezTo>
+                    <a:pt x="531" y="116"/>
+                    <a:pt x="627" y="65"/>
+                    <a:pt x="724" y="13"/>
+                  </a:cubicBezTo>
+                  <a:cubicBezTo>
+                    <a:pt x="732" y="9"/>
+                    <a:pt x="740" y="5"/>
+                    <a:pt x="749" y="0"/>
+                  </a:cubicBezTo>
+                  <a:cubicBezTo>
+                    <a:pt x="781" y="48"/>
+                    <a:pt x="813" y="95"/>
+                    <a:pt x="845" y="143"/>
+                  </a:cubicBezTo>
+                  <a:cubicBezTo>
+                    <a:pt x="811" y="165"/>
+                    <a:pt x="777" y="186"/>
+                    <a:pt x="743" y="207"/>
+                  </a:cubicBezTo>
+                  <a:cubicBezTo>
+                    <a:pt x="645" y="269"/>
+                    <a:pt x="546" y="331"/>
+                    <a:pt x="448" y="393"/>
+                  </a:cubicBezTo>
+                  <a:cubicBezTo>
+                    <a:pt x="438" y="399"/>
+                    <a:pt x="431" y="400"/>
+                    <a:pt x="421" y="394"/>
+                  </a:cubicBezTo>
+                  <a:cubicBezTo>
+                    <a:pt x="284" y="313"/>
+                    <a:pt x="146" y="233"/>
+                    <a:pt x="8" y="153"/>
+                  </a:cubicBezTo>
+                  <a:cubicBezTo>
+                    <a:pt x="6" y="151"/>
+                    <a:pt x="3" y="149"/>
+                    <a:pt x="0" y="147"/>
+                  </a:cubicBezTo>
+                  <a:close/>
+                </a:path>
+              </a:pathLst>
+            </a:custGeom>
+            <a:grpFill/>
+            <a:ln>
+              <a:noFill/>
+            </a:ln>
+            <a:extLst>
+              <a:ext uri="{91240B29-F687-4f45-9708-019B960494DF}"/>
+            </a:extLst>
+          </p:spPr>
+          <p:txBody>
+            <a:bodyPr/>
+            <a:lstStyle/>
+            <a:p>
+              <a:pPr defTabSz="609468" fontAlgn="auto">
+                <a:spcBef>
+                  <a:spcPts val="0"/>
+                </a:spcBef>
+                <a:spcAft>
+                  <a:spcPts val="0"/>
+                </a:spcAft>
+                <a:defRPr/>
+              </a:pPr>
+              <a:endParaRPr lang="zh-HK" altLang="en-US">
+                <a:solidFill>
+                  <a:prstClr val="black"/>
+                </a:solidFill>
+                <a:latin typeface="Calibri"/>
+                <a:ea typeface="新細明體" panose="02020500000000000000" pitchFamily="18" charset="-120"/>
+              </a:endParaRPr>
+            </a:p>
+          </p:txBody>
+        </p:sp>
+      </p:grpSp>
+      <p:sp>
+        <p:nvSpPr>
+          <p:cNvPr id="9" name="矩形 8"/>
+          <p:cNvSpPr/>
+          <p:nvPr/>
+        </p:nvSpPr>
+        <p:spPr>
+          <a:xfrm>
+            <a:off x="129889" y="1613661"/>
+            <a:ext cx="8828161" cy="1938992"/>
+          </a:xfrm>
+          <a:prstGeom prst="rect">
+            <a:avLst/>
+          </a:prstGeom>
+        </p:spPr>
+        <p:txBody>
+          <a:bodyPr wrap="square">
+            <a:spAutoFit/>
+          </a:bodyPr>
+          <a:lstStyle/>
+          <a:p>
+            <a:pPr algn="just">
+              <a:spcAft>
+                <a:spcPts val="0"/>
+              </a:spcAft>
+            </a:pPr>
+            <a:r>
+              <a:rPr lang="en-US" altLang="zh-CN" sz="2400" kern="100" dirty="0" smtClean="0">
+                <a:solidFill>
+                  <a:schemeClr val="tx2"/>
+                </a:solidFill>
+                <a:latin typeface="Times New Roman" panose="02020603050405020304" pitchFamily="18" charset="0"/>
+              </a:rPr>
+              <a:t>      </a:t>
+            </a:r>
+            <a:r>
+              <a:rPr lang="zh-CN" altLang="zh-CN" sz="2400" kern="100" dirty="0" smtClean="0">
+                <a:solidFill>
+                  <a:schemeClr val="tx2"/>
+                </a:solidFill>
+                <a:latin typeface="Times New Roman" panose="02020603050405020304" pitchFamily="18" charset="0"/>
+              </a:rPr>
+              <a:t>我们</a:t>
+            </a:r>
+            <a:r>
+              <a:rPr lang="zh-CN" altLang="zh-CN" sz="2400" kern="100" dirty="0">
+                <a:solidFill>
+                  <a:schemeClr val="tx2"/>
+                </a:solidFill>
+                <a:latin typeface="Times New Roman" panose="02020603050405020304" pitchFamily="18" charset="0"/>
+              </a:rPr>
+              <a:t>模拟在无噪声的情况下对信号进行重构，使观测向量长度</a:t>
+            </a:r>
+            <a:r>
+              <a:rPr lang="en-US" altLang="zh-CN" sz="2400" kern="100" dirty="0">
+                <a:solidFill>
+                  <a:schemeClr val="tx2"/>
+                </a:solidFill>
+                <a:latin typeface="Times New Roman" panose="02020603050405020304" pitchFamily="18" charset="0"/>
+              </a:rPr>
+              <a:t>M</a:t>
+            </a:r>
+            <a:r>
+              <a:rPr lang="zh-CN" altLang="zh-CN" sz="2400" kern="100" dirty="0">
+                <a:solidFill>
+                  <a:schemeClr val="tx2"/>
+                </a:solidFill>
+                <a:latin typeface="Times New Roman" panose="02020603050405020304" pitchFamily="18" charset="0"/>
+              </a:rPr>
+              <a:t>取值</a:t>
+            </a:r>
+            <a:r>
+              <a:rPr lang="en-US" altLang="zh-CN" sz="2400" kern="100" dirty="0">
+                <a:solidFill>
+                  <a:schemeClr val="tx2"/>
+                </a:solidFill>
+                <a:latin typeface="Times New Roman" panose="02020603050405020304" pitchFamily="18" charset="0"/>
+              </a:rPr>
+              <a:t>1~512</a:t>
+            </a:r>
+            <a:r>
+              <a:rPr lang="zh-CN" altLang="zh-CN" sz="2400" kern="100" dirty="0">
+                <a:solidFill>
+                  <a:schemeClr val="tx2"/>
+                </a:solidFill>
+                <a:latin typeface="Times New Roman" panose="02020603050405020304" pitchFamily="18" charset="0"/>
+              </a:rPr>
+              <a:t>，对应</a:t>
+            </a:r>
+            <a:r>
+              <a:rPr lang="en-US" altLang="zh-CN" sz="2400" kern="100" dirty="0">
+                <a:solidFill>
+                  <a:schemeClr val="tx2"/>
+                </a:solidFill>
+                <a:latin typeface="Times New Roman" panose="02020603050405020304" pitchFamily="18" charset="0"/>
+              </a:rPr>
+              <a:t>0~100%</a:t>
+            </a:r>
+            <a:r>
+              <a:rPr lang="zh-CN" altLang="zh-CN" sz="2400" kern="100" dirty="0">
+                <a:solidFill>
+                  <a:schemeClr val="tx2"/>
+                </a:solidFill>
+                <a:latin typeface="Times New Roman" panose="02020603050405020304" pitchFamily="18" charset="0"/>
+              </a:rPr>
+              <a:t>的采样率。观测矩阵使用高斯随机矩阵，矩阵中每个元素服从均值为</a:t>
+            </a:r>
+            <a:r>
+              <a:rPr lang="en-US" altLang="zh-CN" sz="2400" kern="100" dirty="0">
+                <a:solidFill>
+                  <a:schemeClr val="tx2"/>
+                </a:solidFill>
+                <a:latin typeface="Times New Roman" panose="02020603050405020304" pitchFamily="18" charset="0"/>
+              </a:rPr>
+              <a:t>0</a:t>
+            </a:r>
+            <a:r>
+              <a:rPr lang="zh-CN" altLang="zh-CN" sz="2400" kern="100" dirty="0">
+                <a:solidFill>
+                  <a:schemeClr val="tx2"/>
+                </a:solidFill>
+                <a:latin typeface="Times New Roman" panose="02020603050405020304" pitchFamily="18" charset="0"/>
+              </a:rPr>
+              <a:t>，方差为</a:t>
+            </a:r>
+            <a:r>
+              <a:rPr lang="en-US" altLang="zh-CN" sz="2400" kern="100" dirty="0">
+                <a:solidFill>
+                  <a:schemeClr val="tx2"/>
+                </a:solidFill>
+                <a:latin typeface="Times New Roman" panose="02020603050405020304" pitchFamily="18" charset="0"/>
+              </a:rPr>
+              <a:t>1/M</a:t>
+            </a:r>
+            <a:r>
+              <a:rPr lang="zh-CN" altLang="zh-CN" sz="2400" kern="100" dirty="0">
+                <a:solidFill>
+                  <a:schemeClr val="tx2"/>
+                </a:solidFill>
+                <a:latin typeface="Times New Roman" panose="02020603050405020304" pitchFamily="18" charset="0"/>
+              </a:rPr>
+              <a:t>的高斯分布。</a:t>
+            </a:r>
+          </a:p>
+          <a:p>
+            <a:pPr algn="just">
+              <a:spcAft>
+                <a:spcPts val="0"/>
+              </a:spcAft>
+            </a:pPr>
+            <a:r>
+              <a:rPr lang="en-US" altLang="zh-CN" sz="2400" kern="100" dirty="0" smtClean="0">
+                <a:solidFill>
+                  <a:schemeClr val="tx2"/>
+                </a:solidFill>
+                <a:latin typeface="Times New Roman" panose="02020603050405020304" pitchFamily="18" charset="0"/>
+              </a:rPr>
+              <a:t>      </a:t>
+            </a:r>
+            <a:r>
+              <a:rPr lang="zh-CN" altLang="zh-CN" sz="2400" kern="100" dirty="0" smtClean="0">
+                <a:solidFill>
+                  <a:schemeClr val="tx2"/>
+                </a:solidFill>
+                <a:latin typeface="Times New Roman" panose="02020603050405020304" pitchFamily="18" charset="0"/>
+              </a:rPr>
+              <a:t>在</a:t>
+            </a:r>
+            <a:r>
+              <a:rPr lang="zh-CN" altLang="zh-CN" sz="2400" kern="100" dirty="0">
+                <a:solidFill>
+                  <a:schemeClr val="tx2"/>
+                </a:solidFill>
+                <a:latin typeface="Times New Roman" panose="02020603050405020304" pitchFamily="18" charset="0"/>
+              </a:rPr>
+              <a:t>进行仿真实验时，重构算法中的迭代次数</a:t>
+            </a:r>
+            <a:r>
+              <a:rPr lang="en-US" altLang="zh-CN" sz="2400" kern="100" dirty="0">
+                <a:solidFill>
+                  <a:schemeClr val="tx2"/>
+                </a:solidFill>
+                <a:latin typeface="Times New Roman" panose="02020603050405020304" pitchFamily="18" charset="0"/>
+              </a:rPr>
+              <a:t>t</a:t>
+            </a:r>
+            <a:r>
+              <a:rPr lang="zh-CN" altLang="zh-CN" sz="2400" kern="100" dirty="0">
+                <a:solidFill>
+                  <a:schemeClr val="tx2"/>
+                </a:solidFill>
+                <a:latin typeface="Times New Roman" panose="02020603050405020304" pitchFamily="18" charset="0"/>
+              </a:rPr>
+              <a:t>均为</a:t>
+            </a:r>
+            <a:r>
+              <a:rPr lang="en-US" altLang="zh-CN" sz="2400" kern="100" dirty="0">
+                <a:solidFill>
+                  <a:schemeClr val="tx2"/>
+                </a:solidFill>
+                <a:latin typeface="Times New Roman" panose="02020603050405020304" pitchFamily="18" charset="0"/>
+              </a:rPr>
+              <a:t>300</a:t>
+            </a:r>
+            <a:r>
+              <a:rPr lang="zh-CN" altLang="zh-CN" sz="2400" kern="100" dirty="0">
+                <a:solidFill>
+                  <a:schemeClr val="tx2"/>
+                </a:solidFill>
+                <a:latin typeface="Times New Roman" panose="02020603050405020304" pitchFamily="18" charset="0"/>
+              </a:rPr>
+              <a:t>，算中使用</a:t>
+            </a:r>
+            <a:r>
+              <a:rPr lang="en-US" altLang="zh-CN" sz="2400" kern="100" dirty="0">
+                <a:solidFill>
+                  <a:schemeClr val="tx2"/>
+                </a:solidFill>
+                <a:latin typeface="Times New Roman" panose="02020603050405020304" pitchFamily="18" charset="0"/>
+              </a:rPr>
+              <a:t>l</a:t>
+            </a:r>
+            <a:r>
+              <a:rPr lang="en-US" altLang="zh-CN" sz="2400" kern="100" baseline="-25000" dirty="0">
+                <a:solidFill>
+                  <a:schemeClr val="tx2"/>
+                </a:solidFill>
+                <a:latin typeface="Times New Roman" panose="02020603050405020304" pitchFamily="18" charset="0"/>
+              </a:rPr>
+              <a:t>1</a:t>
+            </a:r>
+            <a:r>
+              <a:rPr lang="zh-CN" altLang="zh-CN" sz="2400" kern="100" dirty="0">
+                <a:solidFill>
+                  <a:schemeClr val="tx2"/>
+                </a:solidFill>
+                <a:latin typeface="Times New Roman" panose="02020603050405020304" pitchFamily="18" charset="0"/>
+              </a:rPr>
+              <a:t>范数时更新步长</a:t>
+            </a:r>
+            <a:r>
+              <a:rPr lang="en-US" altLang="zh-CN" sz="2400" kern="100" dirty="0">
+                <a:solidFill>
+                  <a:schemeClr val="tx2"/>
+                </a:solidFill>
+                <a:latin typeface="Calibri" panose="020F0502020204030204" pitchFamily="34" charset="0"/>
+              </a:rPr>
+              <a:t>α</a:t>
+            </a:r>
+            <a:r>
+              <a:rPr lang="zh-CN" altLang="zh-CN" sz="2400" kern="100" dirty="0">
+                <a:solidFill>
+                  <a:schemeClr val="tx2"/>
+                </a:solidFill>
+                <a:latin typeface="Times New Roman" panose="02020603050405020304" pitchFamily="18" charset="0"/>
+              </a:rPr>
+              <a:t>均为</a:t>
+            </a:r>
+            <a:r>
+              <a:rPr lang="en-US" altLang="zh-CN" sz="2400" kern="100" dirty="0">
+                <a:solidFill>
+                  <a:schemeClr val="tx2"/>
+                </a:solidFill>
+                <a:latin typeface="Times New Roman" panose="02020603050405020304" pitchFamily="18" charset="0"/>
+              </a:rPr>
+              <a:t>1</a:t>
+            </a:r>
+            <a:r>
+              <a:rPr lang="zh-CN" altLang="zh-CN" sz="2400" kern="100" dirty="0">
+                <a:solidFill>
+                  <a:schemeClr val="tx2"/>
+                </a:solidFill>
+                <a:latin typeface="Times New Roman" panose="02020603050405020304" pitchFamily="18" charset="0"/>
+              </a:rPr>
+              <a:t>，使用</a:t>
+            </a:r>
+            <a:r>
+              <a:rPr lang="en-US" altLang="zh-CN" sz="2400" kern="100" dirty="0">
+                <a:solidFill>
+                  <a:schemeClr val="tx2"/>
+                </a:solidFill>
+                <a:latin typeface="Times New Roman" panose="02020603050405020304" pitchFamily="18" charset="0"/>
+              </a:rPr>
+              <a:t>l</a:t>
+            </a:r>
+            <a:r>
+              <a:rPr lang="en-US" altLang="zh-CN" sz="2400" kern="100" baseline="-25000" dirty="0">
+                <a:solidFill>
+                  <a:schemeClr val="tx2"/>
+                </a:solidFill>
+                <a:latin typeface="Times New Roman" panose="02020603050405020304" pitchFamily="18" charset="0"/>
+              </a:rPr>
+              <a:t>2</a:t>
+            </a:r>
+            <a:r>
+              <a:rPr lang="zh-CN" altLang="zh-CN" sz="2400" kern="100" dirty="0">
+                <a:solidFill>
+                  <a:schemeClr val="tx2"/>
+                </a:solidFill>
+                <a:latin typeface="Times New Roman" panose="02020603050405020304" pitchFamily="18" charset="0"/>
+              </a:rPr>
+              <a:t>范数时更新步长</a:t>
+            </a:r>
+            <a:r>
+              <a:rPr lang="en-US" altLang="zh-CN" sz="2400" kern="100" dirty="0">
+                <a:solidFill>
+                  <a:schemeClr val="tx2"/>
+                </a:solidFill>
+                <a:latin typeface="Calibri" panose="020F0502020204030204" pitchFamily="34" charset="0"/>
+              </a:rPr>
+              <a:t>α</a:t>
+            </a:r>
+            <a:r>
+              <a:rPr lang="zh-CN" altLang="zh-CN" sz="2400" kern="100" dirty="0">
+                <a:solidFill>
+                  <a:schemeClr val="tx2"/>
+                </a:solidFill>
+                <a:latin typeface="Times New Roman" panose="02020603050405020304" pitchFamily="18" charset="0"/>
+              </a:rPr>
+              <a:t>均为</a:t>
+            </a:r>
+            <a:r>
+              <a:rPr lang="en-US" altLang="zh-CN" sz="2400" kern="100" dirty="0">
+                <a:solidFill>
+                  <a:schemeClr val="tx2"/>
+                </a:solidFill>
+                <a:latin typeface="Times New Roman" panose="02020603050405020304" pitchFamily="18" charset="0"/>
+              </a:rPr>
+              <a:t>1/M</a:t>
+            </a:r>
+            <a:r>
+              <a:rPr lang="zh-CN" altLang="zh-CN" sz="2400" kern="100" dirty="0" smtClean="0">
+                <a:solidFill>
+                  <a:schemeClr val="tx2"/>
+                </a:solidFill>
+                <a:latin typeface="Times New Roman" panose="02020603050405020304" pitchFamily="18" charset="0"/>
+              </a:rPr>
+              <a:t>。</a:t>
+            </a:r>
+            <a:endParaRPr lang="zh-CN" altLang="zh-CN" sz="2400" kern="100" dirty="0">
+              <a:solidFill>
+                <a:schemeClr val="tx2"/>
+              </a:solidFill>
+              <a:latin typeface="Times New Roman" panose="02020603050405020304" pitchFamily="18" charset="0"/>
+            </a:endParaRPr>
+          </a:p>
+        </p:txBody>
+      </p:sp>
+      <p:pic>
+        <p:nvPicPr>
+          <p:cNvPr id="18434" name="Picture 2"/>
+          <p:cNvPicPr>
+            <a:picLocks noChangeAspect="1" noChangeArrowheads="1"/>
+          </p:cNvPicPr>
+          <p:nvPr/>
+        </p:nvPicPr>
+        <p:blipFill>
+          <a:blip r:embed="rId3">
+            <a:extLst>
+              <a:ext uri="{28A0092B-C50C-407E-A947-70E740481C1C}">
+                <a14:useLocalDpi xmlns:a14="http://schemas.microsoft.com/office/drawing/2010/main" val="0"/>
+              </a:ext>
+            </a:extLst>
+          </a:blip>
+          <a:srcRect/>
+          <a:stretch>
+            <a:fillRect/>
+          </a:stretch>
+        </p:blipFill>
+        <p:spPr bwMode="auto">
+          <a:xfrm>
+            <a:off x="1907704" y="3372280"/>
+            <a:ext cx="4680520" cy="3510390"/>
+          </a:xfrm>
+          <a:prstGeom prst="rect">
+            <a:avLst/>
+          </a:prstGeom>
+          <a:noFill/>
+          <a:ln>
+            <a:noFill/>
+          </a:ln>
+          <a:extLst>
+            <a:ext uri="{909E8E84-426E-40DD-AFC4-6F175D3DCCD1}">
+              <a14:hiddenFill xmlns:a14="http://schemas.microsoft.com/office/drawing/2010/main">
+                <a:solidFill>
+                  <a:srgbClr val="FFFFFF"/>
+                </a:solidFill>
+              </a14:hiddenFill>
+            </a:ext>
+            <a:ext uri="{91240B29-F687-4F45-9708-019B960494DF}">
+              <a14:hiddenLine xmlns:a14="http://schemas.microsoft.com/office/drawing/2010/main" w="9525">
+                <a:solidFill>
+                  <a:srgbClr val="000000"/>
+                </a:solidFill>
+                <a:miter lim="800000"/>
+                <a:headEnd/>
+                <a:tailEnd/>
+              </a14:hiddenLine>
+            </a:ext>
+          </a:extLst>
+        </p:spPr>
+      </p:pic>
+    </p:spTree>
+    <p:extLst>
+      <p:ext uri="{BB962C8B-B14F-4D97-AF65-F5344CB8AC3E}">
+        <p14:creationId xmlns:p14="http://schemas.microsoft.com/office/powerpoint/2010/main" val="1773673311"/>
       </p:ext>
     </p:extLst>
   </p:cSld>
@@ -14164,12 +19857,6 @@
               </a:rPr>
               <a:t>总结</a:t>
             </a:r>
-            <a:endParaRPr lang="zh-CN" altLang="en-US" sz="2400" dirty="0">
-              <a:solidFill>
-                <a:schemeClr val="tx1"/>
-              </a:solidFill>
-              <a:latin typeface="+mn-ea"/>
-            </a:endParaRPr>
           </a:p>
         </p:txBody>
       </p:sp>
@@ -15531,6 +21218,3302 @@
 </p:sld>
 </file>
 
+<file path=ppt/slides/slide20.xml><?xml version="1.0" encoding="utf-8"?>
+<p:sld xmlns:a="http://schemas.openxmlformats.org/drawingml/2006/main" xmlns:r="http://schemas.openxmlformats.org/officeDocument/2006/relationships" xmlns:p="http://schemas.openxmlformats.org/presentationml/2006/main">
+  <p:cSld>
+    <p:bg>
+      <p:bgPr>
+        <a:blipFill dpi="0" rotWithShape="0">
+          <a:blip r:embed="rId2"/>
+          <a:srcRect/>
+          <a:stretch>
+            <a:fillRect/>
+          </a:stretch>
+        </a:blipFill>
+        <a:effectLst/>
+      </p:bgPr>
+    </p:bg>
+    <p:spTree>
+      <p:nvGrpSpPr>
+        <p:cNvPr id="1" name=""/>
+        <p:cNvGrpSpPr/>
+        <p:nvPr/>
+      </p:nvGrpSpPr>
+      <p:grpSpPr>
+        <a:xfrm>
+          <a:off x="0" y="0"/>
+          <a:ext cx="0" cy="0"/>
+          <a:chOff x="0" y="0"/>
+          <a:chExt cx="0" cy="0"/>
+        </a:xfrm>
+      </p:grpSpPr>
+      <p:sp>
+        <p:nvSpPr>
+          <p:cNvPr id="20" name="文本框 19"/>
+          <p:cNvSpPr txBox="1"/>
+          <p:nvPr/>
+        </p:nvSpPr>
+        <p:spPr>
+          <a:xfrm>
+            <a:off x="301408" y="544262"/>
+            <a:ext cx="2182359" cy="1200327"/>
+          </a:xfrm>
+          <a:prstGeom prst="rect">
+            <a:avLst/>
+          </a:prstGeom>
+          <a:noFill/>
+          <a:ln>
+            <a:noFill/>
+          </a:ln>
+        </p:spPr>
+        <p:txBody>
+          <a:bodyPr wrap="square" lIns="91436" tIns="45719" rIns="91436" bIns="45719">
+            <a:spAutoFit/>
+          </a:bodyPr>
+          <a:lstStyle/>
+          <a:p>
+            <a:pPr algn="ctr" defTabSz="609468" fontAlgn="auto">
+              <a:lnSpc>
+                <a:spcPct val="90000"/>
+              </a:lnSpc>
+              <a:spcBef>
+                <a:spcPts val="0"/>
+              </a:spcBef>
+              <a:spcAft>
+                <a:spcPts val="0"/>
+              </a:spcAft>
+              <a:defRPr/>
+            </a:pPr>
+            <a:r>
+              <a:rPr lang="zh-CN" altLang="en-US" sz="4000" dirty="0">
+                <a:solidFill>
+                  <a:srgbClr val="00B0F0"/>
+                </a:solidFill>
+                <a:latin typeface="微软雅黑" panose="020B0503020204020204" pitchFamily="34" charset="-122"/>
+                <a:ea typeface="微软雅黑" panose="020B0503020204020204" pitchFamily="34" charset="-122"/>
+              </a:rPr>
+              <a:t>有</a:t>
+            </a:r>
+            <a:r>
+              <a:rPr lang="zh-CN" altLang="en-US" sz="4000" dirty="0" smtClean="0">
+                <a:solidFill>
+                  <a:srgbClr val="00B0F0"/>
+                </a:solidFill>
+                <a:latin typeface="微软雅黑" panose="020B0503020204020204" pitchFamily="34" charset="-122"/>
+                <a:ea typeface="微软雅黑" panose="020B0503020204020204" pitchFamily="34" charset="-122"/>
+              </a:rPr>
+              <a:t>噪声仿真</a:t>
+            </a:r>
+            <a:endParaRPr lang="en-US" altLang="zh-CN" sz="4000" b="1" spc="300" dirty="0">
+              <a:solidFill>
+                <a:srgbClr val="00B0F0"/>
+              </a:solidFill>
+              <a:latin typeface="微软雅黑" panose="020B0503020204020204" pitchFamily="34" charset="-122"/>
+              <a:ea typeface="微软雅黑" panose="020B0503020204020204" pitchFamily="34" charset="-122"/>
+            </a:endParaRPr>
+          </a:p>
+        </p:txBody>
+      </p:sp>
+      <p:grpSp>
+        <p:nvGrpSpPr>
+          <p:cNvPr id="21" name="Group 4"/>
+          <p:cNvGrpSpPr>
+            <a:grpSpLocks noChangeAspect="1"/>
+          </p:cNvGrpSpPr>
+          <p:nvPr/>
+        </p:nvGrpSpPr>
+        <p:grpSpPr bwMode="auto">
+          <a:xfrm rot="19764056">
+            <a:off x="-2866" y="223608"/>
+            <a:ext cx="699668" cy="880471"/>
+            <a:chOff x="1164" y="687"/>
+            <a:chExt cx="3219" cy="2998"/>
+          </a:xfrm>
+          <a:solidFill>
+            <a:schemeClr val="tx1"/>
+          </a:solidFill>
+          <a:effectLst>
+            <a:outerShdw blurRad="50800" dist="38100" dir="2700000" algn="tl" rotWithShape="0">
+              <a:prstClr val="black">
+                <a:alpha val="40000"/>
+              </a:prstClr>
+            </a:outerShdw>
+          </a:effectLst>
+        </p:grpSpPr>
+        <p:sp>
+          <p:nvSpPr>
+            <p:cNvPr id="23" name="Freeform 6"/>
+            <p:cNvSpPr>
+              <a:spLocks/>
+            </p:cNvSpPr>
+            <p:nvPr/>
+          </p:nvSpPr>
+          <p:spPr bwMode="auto">
+            <a:xfrm>
+              <a:off x="1164" y="687"/>
+              <a:ext cx="3219" cy="2998"/>
+            </a:xfrm>
+            <a:custGeom>
+              <a:avLst/>
+              <a:gdLst>
+                <a:gd name="T0" fmla="*/ 96 w 1360"/>
+                <a:gd name="T1" fmla="*/ 404 h 1266"/>
+                <a:gd name="T2" fmla="*/ 96 w 1360"/>
+                <a:gd name="T3" fmla="*/ 527 h 1266"/>
+                <a:gd name="T4" fmla="*/ 105 w 1360"/>
+                <a:gd name="T5" fmla="*/ 537 h 1266"/>
+                <a:gd name="T6" fmla="*/ 123 w 1360"/>
+                <a:gd name="T7" fmla="*/ 616 h 1266"/>
+                <a:gd name="T8" fmla="*/ 119 w 1360"/>
+                <a:gd name="T9" fmla="*/ 629 h 1266"/>
+                <a:gd name="T10" fmla="*/ 147 w 1360"/>
+                <a:gd name="T11" fmla="*/ 940 h 1266"/>
+                <a:gd name="T12" fmla="*/ 169 w 1360"/>
+                <a:gd name="T13" fmla="*/ 1194 h 1266"/>
+                <a:gd name="T14" fmla="*/ 175 w 1360"/>
+                <a:gd name="T15" fmla="*/ 1266 h 1266"/>
+                <a:gd name="T16" fmla="*/ 0 w 1360"/>
+                <a:gd name="T17" fmla="*/ 1266 h 1266"/>
+                <a:gd name="T18" fmla="*/ 6 w 1360"/>
+                <a:gd name="T19" fmla="*/ 1197 h 1266"/>
+                <a:gd name="T20" fmla="*/ 38 w 1360"/>
+                <a:gd name="T21" fmla="*/ 811 h 1266"/>
+                <a:gd name="T22" fmla="*/ 54 w 1360"/>
+                <a:gd name="T23" fmla="*/ 629 h 1266"/>
+                <a:gd name="T24" fmla="*/ 50 w 1360"/>
+                <a:gd name="T25" fmla="*/ 613 h 1266"/>
+                <a:gd name="T26" fmla="*/ 71 w 1360"/>
+                <a:gd name="T27" fmla="*/ 537 h 1266"/>
+                <a:gd name="T28" fmla="*/ 79 w 1360"/>
+                <a:gd name="T29" fmla="*/ 525 h 1266"/>
+                <a:gd name="T30" fmla="*/ 79 w 1360"/>
+                <a:gd name="T31" fmla="*/ 407 h 1266"/>
+                <a:gd name="T32" fmla="*/ 70 w 1360"/>
+                <a:gd name="T33" fmla="*/ 392 h 1266"/>
+                <a:gd name="T34" fmla="*/ 31 w 1360"/>
+                <a:gd name="T35" fmla="*/ 374 h 1266"/>
+                <a:gd name="T36" fmla="*/ 44 w 1360"/>
+                <a:gd name="T37" fmla="*/ 366 h 1266"/>
+                <a:gd name="T38" fmla="*/ 624 w 1360"/>
+                <a:gd name="T39" fmla="*/ 44 h 1266"/>
+                <a:gd name="T40" fmla="*/ 692 w 1360"/>
+                <a:gd name="T41" fmla="*/ 5 h 1266"/>
+                <a:gd name="T42" fmla="*/ 718 w 1360"/>
+                <a:gd name="T43" fmla="*/ 5 h 1266"/>
+                <a:gd name="T44" fmla="*/ 1255 w 1360"/>
+                <a:gd name="T45" fmla="*/ 275 h 1266"/>
+                <a:gd name="T46" fmla="*/ 1360 w 1360"/>
+                <a:gd name="T47" fmla="*/ 328 h 1266"/>
+                <a:gd name="T48" fmla="*/ 1302 w 1360"/>
+                <a:gd name="T49" fmla="*/ 360 h 1266"/>
+                <a:gd name="T50" fmla="*/ 723 w 1360"/>
+                <a:gd name="T51" fmla="*/ 666 h 1266"/>
+                <a:gd name="T52" fmla="*/ 688 w 1360"/>
+                <a:gd name="T53" fmla="*/ 668 h 1266"/>
+                <a:gd name="T54" fmla="*/ 112 w 1360"/>
+                <a:gd name="T55" fmla="*/ 411 h 1266"/>
+                <a:gd name="T56" fmla="*/ 96 w 1360"/>
+                <a:gd name="T57" fmla="*/ 404 h 1266"/>
+              </a:gdLst>
+              <a:ahLst/>
+              <a:cxnLst>
+                <a:cxn ang="0">
+                  <a:pos x="T0" y="T1"/>
+                </a:cxn>
+                <a:cxn ang="0">
+                  <a:pos x="T2" y="T3"/>
+                </a:cxn>
+                <a:cxn ang="0">
+                  <a:pos x="T4" y="T5"/>
+                </a:cxn>
+                <a:cxn ang="0">
+                  <a:pos x="T6" y="T7"/>
+                </a:cxn>
+                <a:cxn ang="0">
+                  <a:pos x="T8" y="T9"/>
+                </a:cxn>
+                <a:cxn ang="0">
+                  <a:pos x="T10" y="T11"/>
+                </a:cxn>
+                <a:cxn ang="0">
+                  <a:pos x="T12" y="T13"/>
+                </a:cxn>
+                <a:cxn ang="0">
+                  <a:pos x="T14" y="T15"/>
+                </a:cxn>
+                <a:cxn ang="0">
+                  <a:pos x="T16" y="T17"/>
+                </a:cxn>
+                <a:cxn ang="0">
+                  <a:pos x="T18" y="T19"/>
+                </a:cxn>
+                <a:cxn ang="0">
+                  <a:pos x="T20" y="T21"/>
+                </a:cxn>
+                <a:cxn ang="0">
+                  <a:pos x="T22" y="T23"/>
+                </a:cxn>
+                <a:cxn ang="0">
+                  <a:pos x="T24" y="T25"/>
+                </a:cxn>
+                <a:cxn ang="0">
+                  <a:pos x="T26" y="T27"/>
+                </a:cxn>
+                <a:cxn ang="0">
+                  <a:pos x="T28" y="T29"/>
+                </a:cxn>
+                <a:cxn ang="0">
+                  <a:pos x="T30" y="T31"/>
+                </a:cxn>
+                <a:cxn ang="0">
+                  <a:pos x="T32" y="T33"/>
+                </a:cxn>
+                <a:cxn ang="0">
+                  <a:pos x="T34" y="T35"/>
+                </a:cxn>
+                <a:cxn ang="0">
+                  <a:pos x="T36" y="T37"/>
+                </a:cxn>
+                <a:cxn ang="0">
+                  <a:pos x="T38" y="T39"/>
+                </a:cxn>
+                <a:cxn ang="0">
+                  <a:pos x="T40" y="T41"/>
+                </a:cxn>
+                <a:cxn ang="0">
+                  <a:pos x="T42" y="T43"/>
+                </a:cxn>
+                <a:cxn ang="0">
+                  <a:pos x="T44" y="T45"/>
+                </a:cxn>
+                <a:cxn ang="0">
+                  <a:pos x="T46" y="T47"/>
+                </a:cxn>
+                <a:cxn ang="0">
+                  <a:pos x="T48" y="T49"/>
+                </a:cxn>
+                <a:cxn ang="0">
+                  <a:pos x="T50" y="T51"/>
+                </a:cxn>
+                <a:cxn ang="0">
+                  <a:pos x="T52" y="T53"/>
+                </a:cxn>
+                <a:cxn ang="0">
+                  <a:pos x="T54" y="T55"/>
+                </a:cxn>
+                <a:cxn ang="0">
+                  <a:pos x="T56" y="T57"/>
+                </a:cxn>
+              </a:cxnLst>
+              <a:rect l="0" t="0" r="r" b="b"/>
+              <a:pathLst>
+                <a:path w="1360" h="1266">
+                  <a:moveTo>
+                    <a:pt x="96" y="404"/>
+                  </a:moveTo>
+                  <a:cubicBezTo>
+                    <a:pt x="96" y="447"/>
+                    <a:pt x="96" y="487"/>
+                    <a:pt x="96" y="527"/>
+                  </a:cubicBezTo>
+                  <a:cubicBezTo>
+                    <a:pt x="96" y="531"/>
+                    <a:pt x="101" y="535"/>
+                    <a:pt x="105" y="537"/>
+                  </a:cubicBezTo>
+                  <a:cubicBezTo>
+                    <a:pt x="136" y="555"/>
+                    <a:pt x="144" y="585"/>
+                    <a:pt x="123" y="616"/>
+                  </a:cubicBezTo>
+                  <a:cubicBezTo>
+                    <a:pt x="121" y="620"/>
+                    <a:pt x="119" y="625"/>
+                    <a:pt x="119" y="629"/>
+                  </a:cubicBezTo>
+                  <a:cubicBezTo>
+                    <a:pt x="128" y="733"/>
+                    <a:pt x="138" y="836"/>
+                    <a:pt x="147" y="940"/>
+                  </a:cubicBezTo>
+                  <a:cubicBezTo>
+                    <a:pt x="154" y="1024"/>
+                    <a:pt x="162" y="1109"/>
+                    <a:pt x="169" y="1194"/>
+                  </a:cubicBezTo>
+                  <a:cubicBezTo>
+                    <a:pt x="171" y="1217"/>
+                    <a:pt x="173" y="1239"/>
+                    <a:pt x="175" y="1266"/>
+                  </a:cubicBezTo>
+                  <a:cubicBezTo>
+                    <a:pt x="117" y="1266"/>
+                    <a:pt x="60" y="1266"/>
+                    <a:pt x="0" y="1266"/>
+                  </a:cubicBezTo>
+                  <a:cubicBezTo>
+                    <a:pt x="2" y="1244"/>
+                    <a:pt x="4" y="1220"/>
+                    <a:pt x="6" y="1197"/>
+                  </a:cubicBezTo>
+                  <a:cubicBezTo>
+                    <a:pt x="16" y="1068"/>
+                    <a:pt x="27" y="940"/>
+                    <a:pt x="38" y="811"/>
+                  </a:cubicBezTo>
+                  <a:cubicBezTo>
+                    <a:pt x="43" y="750"/>
+                    <a:pt x="49" y="690"/>
+                    <a:pt x="54" y="629"/>
+                  </a:cubicBezTo>
+                  <a:cubicBezTo>
+                    <a:pt x="54" y="624"/>
+                    <a:pt x="52" y="617"/>
+                    <a:pt x="50" y="613"/>
+                  </a:cubicBezTo>
+                  <a:cubicBezTo>
+                    <a:pt x="32" y="583"/>
+                    <a:pt x="40" y="553"/>
+                    <a:pt x="71" y="537"/>
+                  </a:cubicBezTo>
+                  <a:cubicBezTo>
+                    <a:pt x="75" y="535"/>
+                    <a:pt x="79" y="529"/>
+                    <a:pt x="79" y="525"/>
+                  </a:cubicBezTo>
+                  <a:cubicBezTo>
+                    <a:pt x="79" y="486"/>
+                    <a:pt x="80" y="446"/>
+                    <a:pt x="79" y="407"/>
+                  </a:cubicBezTo>
+                  <a:cubicBezTo>
+                    <a:pt x="79" y="402"/>
+                    <a:pt x="74" y="395"/>
+                    <a:pt x="70" y="392"/>
+                  </a:cubicBezTo>
+                  <a:cubicBezTo>
+                    <a:pt x="58" y="386"/>
+                    <a:pt x="45" y="381"/>
+                    <a:pt x="31" y="374"/>
+                  </a:cubicBezTo>
+                  <a:cubicBezTo>
+                    <a:pt x="36" y="371"/>
+                    <a:pt x="40" y="368"/>
+                    <a:pt x="44" y="366"/>
+                  </a:cubicBezTo>
+                  <a:cubicBezTo>
+                    <a:pt x="237" y="259"/>
+                    <a:pt x="431" y="151"/>
+                    <a:pt x="624" y="44"/>
+                  </a:cubicBezTo>
+                  <a:cubicBezTo>
+                    <a:pt x="647" y="31"/>
+                    <a:pt x="670" y="19"/>
+                    <a:pt x="692" y="5"/>
+                  </a:cubicBezTo>
+                  <a:cubicBezTo>
+                    <a:pt x="702" y="0"/>
+                    <a:pt x="709" y="1"/>
+                    <a:pt x="718" y="5"/>
+                  </a:cubicBezTo>
+                  <a:cubicBezTo>
+                    <a:pt x="897" y="96"/>
+                    <a:pt x="1076" y="185"/>
+                    <a:pt x="1255" y="275"/>
+                  </a:cubicBezTo>
+                  <a:cubicBezTo>
+                    <a:pt x="1289" y="293"/>
+                    <a:pt x="1324" y="310"/>
+                    <a:pt x="1360" y="328"/>
+                  </a:cubicBezTo>
+                  <a:cubicBezTo>
+                    <a:pt x="1339" y="340"/>
+                    <a:pt x="1320" y="350"/>
+                    <a:pt x="1302" y="360"/>
+                  </a:cubicBezTo>
+                  <a:cubicBezTo>
+                    <a:pt x="1109" y="462"/>
+                    <a:pt x="916" y="564"/>
+                    <a:pt x="723" y="666"/>
+                  </a:cubicBezTo>
+                  <a:cubicBezTo>
+                    <a:pt x="711" y="672"/>
+                    <a:pt x="701" y="674"/>
+                    <a:pt x="688" y="668"/>
+                  </a:cubicBezTo>
+                  <a:cubicBezTo>
+                    <a:pt x="496" y="582"/>
+                    <a:pt x="304" y="496"/>
+                    <a:pt x="112" y="411"/>
+                  </a:cubicBezTo>
+                  <a:cubicBezTo>
+                    <a:pt x="108" y="409"/>
+                    <a:pt x="103" y="407"/>
+                    <a:pt x="96" y="404"/>
+                  </a:cubicBezTo>
+                  <a:close/>
+                </a:path>
+              </a:pathLst>
+            </a:custGeom>
+            <a:grpFill/>
+            <a:ln>
+              <a:noFill/>
+            </a:ln>
+            <a:extLst>
+              <a:ext uri="{91240B29-F687-4f45-9708-019B960494DF}"/>
+            </a:extLst>
+          </p:spPr>
+          <p:txBody>
+            <a:bodyPr/>
+            <a:lstStyle/>
+            <a:p>
+              <a:pPr defTabSz="609468" fontAlgn="auto">
+                <a:spcBef>
+                  <a:spcPts val="0"/>
+                </a:spcBef>
+                <a:spcAft>
+                  <a:spcPts val="0"/>
+                </a:spcAft>
+                <a:defRPr/>
+              </a:pPr>
+              <a:endParaRPr lang="zh-HK" altLang="en-US">
+                <a:solidFill>
+                  <a:prstClr val="black"/>
+                </a:solidFill>
+                <a:latin typeface="Calibri"/>
+                <a:ea typeface="新細明體" panose="02020500000000000000" pitchFamily="18" charset="-120"/>
+              </a:endParaRPr>
+            </a:p>
+          </p:txBody>
+        </p:sp>
+        <p:sp>
+          <p:nvSpPr>
+            <p:cNvPr id="25" name="Freeform 7"/>
+            <p:cNvSpPr>
+              <a:spLocks/>
+            </p:cNvSpPr>
+            <p:nvPr/>
+          </p:nvSpPr>
+          <p:spPr bwMode="auto">
+            <a:xfrm>
+              <a:off x="1829" y="1959"/>
+              <a:ext cx="2000" cy="947"/>
+            </a:xfrm>
+            <a:custGeom>
+              <a:avLst/>
+              <a:gdLst>
+                <a:gd name="T0" fmla="*/ 0 w 845"/>
+                <a:gd name="T1" fmla="*/ 147 h 400"/>
+                <a:gd name="T2" fmla="*/ 78 w 845"/>
+                <a:gd name="T3" fmla="*/ 32 h 400"/>
+                <a:gd name="T4" fmla="*/ 96 w 845"/>
+                <a:gd name="T5" fmla="*/ 28 h 400"/>
+                <a:gd name="T6" fmla="*/ 262 w 845"/>
+                <a:gd name="T7" fmla="*/ 101 h 400"/>
+                <a:gd name="T8" fmla="*/ 417 w 845"/>
+                <a:gd name="T9" fmla="*/ 170 h 400"/>
+                <a:gd name="T10" fmla="*/ 434 w 845"/>
+                <a:gd name="T11" fmla="*/ 167 h 400"/>
+                <a:gd name="T12" fmla="*/ 724 w 845"/>
+                <a:gd name="T13" fmla="*/ 13 h 400"/>
+                <a:gd name="T14" fmla="*/ 749 w 845"/>
+                <a:gd name="T15" fmla="*/ 0 h 400"/>
+                <a:gd name="T16" fmla="*/ 845 w 845"/>
+                <a:gd name="T17" fmla="*/ 143 h 400"/>
+                <a:gd name="T18" fmla="*/ 743 w 845"/>
+                <a:gd name="T19" fmla="*/ 207 h 400"/>
+                <a:gd name="T20" fmla="*/ 448 w 845"/>
+                <a:gd name="T21" fmla="*/ 393 h 400"/>
+                <a:gd name="T22" fmla="*/ 421 w 845"/>
+                <a:gd name="T23" fmla="*/ 394 h 400"/>
+                <a:gd name="T24" fmla="*/ 8 w 845"/>
+                <a:gd name="T25" fmla="*/ 153 h 400"/>
+                <a:gd name="T26" fmla="*/ 0 w 845"/>
+                <a:gd name="T27" fmla="*/ 147 h 400"/>
+              </a:gdLst>
+              <a:ahLst/>
+              <a:cxnLst>
+                <a:cxn ang="0">
+                  <a:pos x="T0" y="T1"/>
+                </a:cxn>
+                <a:cxn ang="0">
+                  <a:pos x="T2" y="T3"/>
+                </a:cxn>
+                <a:cxn ang="0">
+                  <a:pos x="T4" y="T5"/>
+                </a:cxn>
+                <a:cxn ang="0">
+                  <a:pos x="T6" y="T7"/>
+                </a:cxn>
+                <a:cxn ang="0">
+                  <a:pos x="T8" y="T9"/>
+                </a:cxn>
+                <a:cxn ang="0">
+                  <a:pos x="T10" y="T11"/>
+                </a:cxn>
+                <a:cxn ang="0">
+                  <a:pos x="T12" y="T13"/>
+                </a:cxn>
+                <a:cxn ang="0">
+                  <a:pos x="T14" y="T15"/>
+                </a:cxn>
+                <a:cxn ang="0">
+                  <a:pos x="T16" y="T17"/>
+                </a:cxn>
+                <a:cxn ang="0">
+                  <a:pos x="T18" y="T19"/>
+                </a:cxn>
+                <a:cxn ang="0">
+                  <a:pos x="T20" y="T21"/>
+                </a:cxn>
+                <a:cxn ang="0">
+                  <a:pos x="T22" y="T23"/>
+                </a:cxn>
+                <a:cxn ang="0">
+                  <a:pos x="T24" y="T25"/>
+                </a:cxn>
+                <a:cxn ang="0">
+                  <a:pos x="T26" y="T27"/>
+                </a:cxn>
+              </a:cxnLst>
+              <a:rect l="0" t="0" r="r" b="b"/>
+              <a:pathLst>
+                <a:path w="845" h="400">
+                  <a:moveTo>
+                    <a:pt x="0" y="147"/>
+                  </a:moveTo>
+                  <a:cubicBezTo>
+                    <a:pt x="27" y="108"/>
+                    <a:pt x="53" y="70"/>
+                    <a:pt x="78" y="32"/>
+                  </a:cubicBezTo>
+                  <a:cubicBezTo>
+                    <a:pt x="84" y="24"/>
+                    <a:pt x="89" y="25"/>
+                    <a:pt x="96" y="28"/>
+                  </a:cubicBezTo>
+                  <a:cubicBezTo>
+                    <a:pt x="151" y="53"/>
+                    <a:pt x="206" y="77"/>
+                    <a:pt x="262" y="101"/>
+                  </a:cubicBezTo>
+                  <a:cubicBezTo>
+                    <a:pt x="313" y="124"/>
+                    <a:pt x="365" y="147"/>
+                    <a:pt x="417" y="170"/>
+                  </a:cubicBezTo>
+                  <a:cubicBezTo>
+                    <a:pt x="421" y="172"/>
+                    <a:pt x="429" y="170"/>
+                    <a:pt x="434" y="167"/>
+                  </a:cubicBezTo>
+                  <a:cubicBezTo>
+                    <a:pt x="531" y="116"/>
+                    <a:pt x="627" y="65"/>
+                    <a:pt x="724" y="13"/>
+                  </a:cubicBezTo>
+                  <a:cubicBezTo>
+                    <a:pt x="732" y="9"/>
+                    <a:pt x="740" y="5"/>
+                    <a:pt x="749" y="0"/>
+                  </a:cubicBezTo>
+                  <a:cubicBezTo>
+                    <a:pt x="781" y="48"/>
+                    <a:pt x="813" y="95"/>
+                    <a:pt x="845" y="143"/>
+                  </a:cubicBezTo>
+                  <a:cubicBezTo>
+                    <a:pt x="811" y="165"/>
+                    <a:pt x="777" y="186"/>
+                    <a:pt x="743" y="207"/>
+                  </a:cubicBezTo>
+                  <a:cubicBezTo>
+                    <a:pt x="645" y="269"/>
+                    <a:pt x="546" y="331"/>
+                    <a:pt x="448" y="393"/>
+                  </a:cubicBezTo>
+                  <a:cubicBezTo>
+                    <a:pt x="438" y="399"/>
+                    <a:pt x="431" y="400"/>
+                    <a:pt x="421" y="394"/>
+                  </a:cubicBezTo>
+                  <a:cubicBezTo>
+                    <a:pt x="284" y="313"/>
+                    <a:pt x="146" y="233"/>
+                    <a:pt x="8" y="153"/>
+                  </a:cubicBezTo>
+                  <a:cubicBezTo>
+                    <a:pt x="6" y="151"/>
+                    <a:pt x="3" y="149"/>
+                    <a:pt x="0" y="147"/>
+                  </a:cubicBezTo>
+                  <a:close/>
+                </a:path>
+              </a:pathLst>
+            </a:custGeom>
+            <a:grpFill/>
+            <a:ln>
+              <a:noFill/>
+            </a:ln>
+            <a:extLst>
+              <a:ext uri="{91240B29-F687-4f45-9708-019B960494DF}"/>
+            </a:extLst>
+          </p:spPr>
+          <p:txBody>
+            <a:bodyPr/>
+            <a:lstStyle/>
+            <a:p>
+              <a:pPr defTabSz="609468" fontAlgn="auto">
+                <a:spcBef>
+                  <a:spcPts val="0"/>
+                </a:spcBef>
+                <a:spcAft>
+                  <a:spcPts val="0"/>
+                </a:spcAft>
+                <a:defRPr/>
+              </a:pPr>
+              <a:endParaRPr lang="zh-HK" altLang="en-US">
+                <a:solidFill>
+                  <a:prstClr val="black"/>
+                </a:solidFill>
+                <a:latin typeface="Calibri"/>
+                <a:ea typeface="新細明體" panose="02020500000000000000" pitchFamily="18" charset="-120"/>
+              </a:endParaRPr>
+            </a:p>
+          </p:txBody>
+        </p:sp>
+      </p:grpSp>
+      <p:sp>
+        <p:nvSpPr>
+          <p:cNvPr id="26" name="矩形 25"/>
+          <p:cNvSpPr/>
+          <p:nvPr/>
+        </p:nvSpPr>
+        <p:spPr>
+          <a:xfrm>
+            <a:off x="1115616" y="2348880"/>
+            <a:ext cx="6946848" cy="2308324"/>
+          </a:xfrm>
+          <a:prstGeom prst="rect">
+            <a:avLst/>
+          </a:prstGeom>
+        </p:spPr>
+        <p:txBody>
+          <a:bodyPr wrap="square">
+            <a:spAutoFit/>
+          </a:bodyPr>
+          <a:lstStyle/>
+          <a:p>
+            <a:r>
+              <a:rPr lang="en-US" altLang="zh-CN" sz="2400" dirty="0" smtClean="0">
+                <a:solidFill>
+                  <a:schemeClr val="tx2"/>
+                </a:solidFill>
+              </a:rPr>
+              <a:t>      </a:t>
+            </a:r>
+            <a:r>
+              <a:rPr lang="zh-CN" altLang="zh-CN" sz="2400" dirty="0" smtClean="0">
+                <a:solidFill>
+                  <a:schemeClr val="tx2"/>
+                </a:solidFill>
+              </a:rPr>
+              <a:t>在</a:t>
+            </a:r>
+            <a:r>
+              <a:rPr lang="zh-CN" altLang="zh-CN" sz="2400" dirty="0">
+                <a:solidFill>
+                  <a:schemeClr val="tx2"/>
+                </a:solidFill>
+              </a:rPr>
+              <a:t>存在噪声的情况下，即发生了符号反转时，对</a:t>
+            </a:r>
+            <a:r>
+              <a:rPr lang="en-US" altLang="zh-CN" sz="2400" dirty="0">
+                <a:solidFill>
+                  <a:schemeClr val="tx2"/>
+                </a:solidFill>
+              </a:rPr>
+              <a:t>BIHT</a:t>
+            </a:r>
+            <a:r>
+              <a:rPr lang="zh-CN" altLang="zh-CN" sz="2400" dirty="0">
+                <a:solidFill>
+                  <a:schemeClr val="tx2"/>
+                </a:solidFill>
+              </a:rPr>
+              <a:t>、</a:t>
+            </a:r>
+            <a:r>
+              <a:rPr lang="en-US" altLang="zh-CN" sz="2400" dirty="0">
+                <a:solidFill>
+                  <a:schemeClr val="tx2"/>
+                </a:solidFill>
+              </a:rPr>
+              <a:t>BIHT-l</a:t>
+            </a:r>
+            <a:r>
+              <a:rPr lang="en-US" altLang="zh-CN" sz="2400" baseline="-25000" dirty="0">
+                <a:solidFill>
+                  <a:schemeClr val="tx2"/>
+                </a:solidFill>
+              </a:rPr>
+              <a:t>2</a:t>
+            </a:r>
+            <a:r>
+              <a:rPr lang="zh-CN" altLang="zh-CN" sz="2400" dirty="0">
+                <a:solidFill>
+                  <a:schemeClr val="tx2"/>
+                </a:solidFill>
+              </a:rPr>
+              <a:t>、</a:t>
+            </a:r>
+            <a:r>
+              <a:rPr lang="en-US" altLang="zh-CN" sz="2400" dirty="0">
+                <a:solidFill>
+                  <a:schemeClr val="tx2"/>
+                </a:solidFill>
+              </a:rPr>
+              <a:t>AOP</a:t>
+            </a:r>
+            <a:r>
+              <a:rPr lang="zh-CN" altLang="zh-CN" sz="2400" dirty="0">
+                <a:solidFill>
+                  <a:schemeClr val="tx2"/>
+                </a:solidFill>
+              </a:rPr>
+              <a:t>、</a:t>
+            </a:r>
+            <a:r>
+              <a:rPr lang="en-US" altLang="zh-CN" sz="2400" dirty="0">
+                <a:solidFill>
+                  <a:schemeClr val="tx2"/>
+                </a:solidFill>
+              </a:rPr>
+              <a:t>AOP-l</a:t>
+            </a:r>
+            <a:r>
+              <a:rPr lang="en-US" altLang="zh-CN" sz="2400" baseline="-25000" dirty="0">
+                <a:solidFill>
+                  <a:schemeClr val="tx2"/>
+                </a:solidFill>
+              </a:rPr>
+              <a:t>2</a:t>
+            </a:r>
+            <a:r>
+              <a:rPr lang="zh-CN" altLang="zh-CN" sz="2400" dirty="0">
+                <a:solidFill>
+                  <a:schemeClr val="tx2"/>
+                </a:solidFill>
+              </a:rPr>
+              <a:t>、</a:t>
+            </a:r>
+            <a:r>
+              <a:rPr lang="en-US" altLang="zh-CN" sz="2400" dirty="0">
+                <a:solidFill>
+                  <a:schemeClr val="tx2"/>
+                </a:solidFill>
+              </a:rPr>
+              <a:t> AOP-f</a:t>
+            </a:r>
+            <a:r>
+              <a:rPr lang="zh-CN" altLang="zh-CN" sz="2400" dirty="0">
+                <a:solidFill>
+                  <a:schemeClr val="tx2"/>
+                </a:solidFill>
+              </a:rPr>
+              <a:t>和</a:t>
+            </a:r>
+            <a:r>
+              <a:rPr lang="en-US" altLang="zh-CN" sz="2400" dirty="0">
+                <a:solidFill>
+                  <a:schemeClr val="tx2"/>
+                </a:solidFill>
+              </a:rPr>
+              <a:t>AOP-l</a:t>
+            </a:r>
+            <a:r>
+              <a:rPr lang="en-US" altLang="zh-CN" sz="2400" baseline="-25000" dirty="0">
+                <a:solidFill>
+                  <a:schemeClr val="tx2"/>
+                </a:solidFill>
+              </a:rPr>
+              <a:t>2</a:t>
+            </a:r>
+            <a:r>
+              <a:rPr lang="en-US" altLang="zh-CN" sz="2400" dirty="0">
+                <a:solidFill>
+                  <a:schemeClr val="tx2"/>
+                </a:solidFill>
+              </a:rPr>
+              <a:t>-f</a:t>
+            </a:r>
+            <a:r>
+              <a:rPr lang="zh-CN" altLang="zh-CN" sz="2400" dirty="0">
+                <a:solidFill>
+                  <a:schemeClr val="tx2"/>
+                </a:solidFill>
+              </a:rPr>
+              <a:t>这</a:t>
+            </a:r>
+            <a:r>
+              <a:rPr lang="en-US" altLang="zh-CN" sz="2400" dirty="0">
+                <a:solidFill>
+                  <a:schemeClr val="tx2"/>
+                </a:solidFill>
+              </a:rPr>
+              <a:t>6</a:t>
+            </a:r>
+            <a:r>
+              <a:rPr lang="zh-CN" altLang="zh-CN" sz="2400" dirty="0">
+                <a:solidFill>
+                  <a:schemeClr val="tx2"/>
+                </a:solidFill>
+              </a:rPr>
+              <a:t>种</a:t>
+            </a:r>
+            <a:r>
+              <a:rPr lang="en-US" altLang="zh-CN" sz="2400" dirty="0">
+                <a:solidFill>
+                  <a:schemeClr val="tx2"/>
+                </a:solidFill>
+              </a:rPr>
+              <a:t>1bit</a:t>
+            </a:r>
+            <a:r>
+              <a:rPr lang="zh-CN" altLang="zh-CN" sz="2400" dirty="0">
+                <a:solidFill>
+                  <a:schemeClr val="tx2"/>
+                </a:solidFill>
+              </a:rPr>
+              <a:t>压缩感知重构算法的重构信号信噪比与符号反转数</a:t>
+            </a:r>
+            <a:r>
+              <a:rPr lang="en-US" altLang="zh-CN" sz="2400" dirty="0">
+                <a:solidFill>
+                  <a:schemeClr val="tx2"/>
+                </a:solidFill>
+              </a:rPr>
+              <a:t>L</a:t>
+            </a:r>
+            <a:r>
+              <a:rPr lang="zh-CN" altLang="zh-CN" sz="2400" dirty="0">
+                <a:solidFill>
+                  <a:schemeClr val="tx2"/>
+                </a:solidFill>
+              </a:rPr>
+              <a:t>的关系进行仿真。仿真原始信号长度</a:t>
+            </a:r>
+            <a:r>
+              <a:rPr lang="en-US" altLang="zh-CN" sz="2400" dirty="0">
+                <a:solidFill>
+                  <a:schemeClr val="tx2"/>
+                </a:solidFill>
+              </a:rPr>
+              <a:t>N=512</a:t>
+            </a:r>
+            <a:r>
+              <a:rPr lang="zh-CN" altLang="zh-CN" sz="2400" dirty="0">
+                <a:solidFill>
+                  <a:schemeClr val="tx2"/>
+                </a:solidFill>
+              </a:rPr>
+              <a:t>，稀疏度</a:t>
+            </a:r>
+            <a:r>
+              <a:rPr lang="en-US" altLang="zh-CN" sz="2400" dirty="0">
+                <a:solidFill>
+                  <a:schemeClr val="tx2"/>
+                </a:solidFill>
+              </a:rPr>
+              <a:t>K=40</a:t>
+            </a:r>
+            <a:r>
+              <a:rPr lang="zh-CN" altLang="zh-CN" sz="2400" dirty="0">
+                <a:solidFill>
+                  <a:schemeClr val="tx2"/>
+                </a:solidFill>
+              </a:rPr>
+              <a:t>，观测向量长度</a:t>
+            </a:r>
+            <a:r>
+              <a:rPr lang="en-US" altLang="zh-CN" sz="2400" dirty="0">
+                <a:solidFill>
+                  <a:schemeClr val="tx2"/>
+                </a:solidFill>
+              </a:rPr>
+              <a:t>M=300</a:t>
+            </a:r>
+            <a:r>
+              <a:rPr lang="zh-CN" altLang="zh-CN" sz="2400" dirty="0">
+                <a:solidFill>
+                  <a:schemeClr val="tx2"/>
+                </a:solidFill>
+              </a:rPr>
+              <a:t>，</a:t>
+            </a:r>
+            <a:r>
+              <a:rPr lang="en-US" altLang="zh-CN" sz="2400" dirty="0">
+                <a:solidFill>
+                  <a:schemeClr val="tx2"/>
+                </a:solidFill>
+              </a:rPr>
+              <a:t>L</a:t>
+            </a:r>
+            <a:r>
+              <a:rPr lang="zh-CN" altLang="zh-CN" sz="2400" dirty="0">
+                <a:solidFill>
+                  <a:schemeClr val="tx2"/>
+                </a:solidFill>
+              </a:rPr>
+              <a:t>范围为</a:t>
+            </a:r>
+            <a:r>
+              <a:rPr lang="en-US" altLang="zh-CN" sz="2400" dirty="0">
+                <a:solidFill>
+                  <a:schemeClr val="tx2"/>
+                </a:solidFill>
+              </a:rPr>
+              <a:t>1</a:t>
+            </a:r>
+            <a:r>
+              <a:rPr lang="zh-CN" altLang="zh-CN" sz="2400" dirty="0">
+                <a:solidFill>
+                  <a:schemeClr val="tx2"/>
+                </a:solidFill>
+              </a:rPr>
+              <a:t>到</a:t>
+            </a:r>
+            <a:r>
+              <a:rPr lang="en-US" altLang="zh-CN" sz="2400" dirty="0">
+                <a:solidFill>
+                  <a:schemeClr val="tx2"/>
+                </a:solidFill>
+              </a:rPr>
+              <a:t>100</a:t>
+            </a:r>
+            <a:r>
+              <a:rPr lang="zh-CN" altLang="zh-CN" sz="2400" dirty="0">
+                <a:solidFill>
+                  <a:schemeClr val="tx2"/>
+                </a:solidFill>
+              </a:rPr>
+              <a:t>。</a:t>
+            </a:r>
+          </a:p>
+        </p:txBody>
+      </p:sp>
+    </p:spTree>
+    <p:extLst>
+      <p:ext uri="{BB962C8B-B14F-4D97-AF65-F5344CB8AC3E}">
+        <p14:creationId xmlns:p14="http://schemas.microsoft.com/office/powerpoint/2010/main" val="2327792978"/>
+      </p:ext>
+    </p:extLst>
+  </p:cSld>
+  <p:clrMapOvr>
+    <a:masterClrMapping/>
+  </p:clrMapOvr>
+  <p:timing>
+    <p:tnLst>
+      <p:par>
+        <p:cTn id="1" dur="indefinite" restart="never" nodeType="tmRoot"/>
+      </p:par>
+    </p:tnLst>
+  </p:timing>
+</p:sld>
+</file>
+
+<file path=ppt/slides/slide21.xml><?xml version="1.0" encoding="utf-8"?>
+<p:sld xmlns:a="http://schemas.openxmlformats.org/drawingml/2006/main" xmlns:r="http://schemas.openxmlformats.org/officeDocument/2006/relationships" xmlns:p="http://schemas.openxmlformats.org/presentationml/2006/main">
+  <p:cSld>
+    <p:bg>
+      <p:bgPr>
+        <a:blipFill dpi="0" rotWithShape="0">
+          <a:blip r:embed="rId2"/>
+          <a:srcRect/>
+          <a:stretch>
+            <a:fillRect/>
+          </a:stretch>
+        </a:blipFill>
+        <a:effectLst/>
+      </p:bgPr>
+    </p:bg>
+    <p:spTree>
+      <p:nvGrpSpPr>
+        <p:cNvPr id="1" name=""/>
+        <p:cNvGrpSpPr/>
+        <p:nvPr/>
+      </p:nvGrpSpPr>
+      <p:grpSpPr>
+        <a:xfrm>
+          <a:off x="0" y="0"/>
+          <a:ext cx="0" cy="0"/>
+          <a:chOff x="0" y="0"/>
+          <a:chExt cx="0" cy="0"/>
+        </a:xfrm>
+      </p:grpSpPr>
+      <p:sp>
+        <p:nvSpPr>
+          <p:cNvPr id="2" name="矩形 1"/>
+          <p:cNvSpPr/>
+          <p:nvPr/>
+        </p:nvSpPr>
+        <p:spPr>
+          <a:xfrm>
+            <a:off x="1043608" y="3284984"/>
+            <a:ext cx="7344816" cy="3416320"/>
+          </a:xfrm>
+          <a:prstGeom prst="rect">
+            <a:avLst/>
+          </a:prstGeom>
+        </p:spPr>
+        <p:txBody>
+          <a:bodyPr wrap="square">
+            <a:spAutoFit/>
+          </a:bodyPr>
+          <a:lstStyle/>
+          <a:p>
+            <a:pPr algn="just">
+              <a:spcAft>
+                <a:spcPts val="0"/>
+              </a:spcAft>
+            </a:pPr>
+            <a:r>
+              <a:rPr lang="en-US" altLang="zh-CN" sz="2400" kern="100" dirty="0" smtClean="0">
+                <a:solidFill>
+                  <a:schemeClr val="tx2"/>
+                </a:solidFill>
+                <a:latin typeface="Times New Roman" panose="02020603050405020304" pitchFamily="18" charset="0"/>
+              </a:rPr>
+              <a:t>      </a:t>
+            </a:r>
+            <a:r>
+              <a:rPr lang="zh-CN" altLang="zh-CN" sz="2400" kern="100" dirty="0" smtClean="0">
+                <a:solidFill>
+                  <a:schemeClr val="tx2"/>
+                </a:solidFill>
+                <a:latin typeface="Times New Roman" panose="02020603050405020304" pitchFamily="18" charset="0"/>
+              </a:rPr>
+              <a:t>在</a:t>
+            </a:r>
+            <a:r>
+              <a:rPr lang="zh-CN" altLang="zh-CN" sz="2400" kern="100" dirty="0">
+                <a:solidFill>
+                  <a:schemeClr val="tx2"/>
+                </a:solidFill>
+                <a:latin typeface="Times New Roman" panose="02020603050405020304" pitchFamily="18" charset="0"/>
+              </a:rPr>
+              <a:t>发生了符号反转的情况下，四种</a:t>
+            </a:r>
+            <a:r>
+              <a:rPr lang="en-US" altLang="zh-CN" sz="2400" kern="100" dirty="0">
+                <a:solidFill>
+                  <a:schemeClr val="tx2"/>
+                </a:solidFill>
+                <a:latin typeface="Times New Roman" panose="02020603050405020304" pitchFamily="18" charset="0"/>
+              </a:rPr>
+              <a:t>AOP</a:t>
+            </a:r>
+            <a:r>
+              <a:rPr lang="zh-CN" altLang="zh-CN" sz="2400" kern="100" dirty="0">
+                <a:solidFill>
+                  <a:schemeClr val="tx2"/>
+                </a:solidFill>
+                <a:latin typeface="Times New Roman" panose="02020603050405020304" pitchFamily="18" charset="0"/>
+              </a:rPr>
+              <a:t>算法的</a:t>
+            </a:r>
+            <a:r>
+              <a:rPr lang="en-US" altLang="zh-CN" sz="2400" kern="100" dirty="0">
+                <a:solidFill>
+                  <a:schemeClr val="tx2"/>
+                </a:solidFill>
+                <a:latin typeface="Times New Roman" panose="02020603050405020304" pitchFamily="18" charset="0"/>
+              </a:rPr>
+              <a:t>SNR</a:t>
+            </a:r>
+            <a:r>
+              <a:rPr lang="zh-CN" altLang="zh-CN" sz="2400" kern="100" dirty="0">
+                <a:solidFill>
+                  <a:schemeClr val="tx2"/>
+                </a:solidFill>
+                <a:latin typeface="Times New Roman" panose="02020603050405020304" pitchFamily="18" charset="0"/>
+              </a:rPr>
+              <a:t>均高于</a:t>
+            </a:r>
+            <a:r>
+              <a:rPr lang="en-US" altLang="zh-CN" sz="2400" kern="100" dirty="0">
+                <a:solidFill>
+                  <a:schemeClr val="tx2"/>
+                </a:solidFill>
+                <a:latin typeface="Times New Roman" panose="02020603050405020304" pitchFamily="18" charset="0"/>
+              </a:rPr>
+              <a:t>BIHT</a:t>
+            </a:r>
+            <a:r>
+              <a:rPr lang="zh-CN" altLang="zh-CN" sz="2400" kern="100" dirty="0">
+                <a:solidFill>
+                  <a:schemeClr val="tx2"/>
+                </a:solidFill>
+                <a:latin typeface="Times New Roman" panose="02020603050405020304" pitchFamily="18" charset="0"/>
+              </a:rPr>
+              <a:t>，故</a:t>
+            </a:r>
+            <a:r>
+              <a:rPr lang="en-US" altLang="zh-CN" sz="2400" kern="100" dirty="0">
+                <a:solidFill>
+                  <a:schemeClr val="tx2"/>
+                </a:solidFill>
+                <a:latin typeface="Times New Roman" panose="02020603050405020304" pitchFamily="18" charset="0"/>
+              </a:rPr>
+              <a:t>AOP</a:t>
+            </a:r>
+            <a:r>
+              <a:rPr lang="zh-CN" altLang="zh-CN" sz="2400" kern="100" dirty="0">
+                <a:solidFill>
+                  <a:schemeClr val="tx2"/>
+                </a:solidFill>
+                <a:latin typeface="Times New Roman" panose="02020603050405020304" pitchFamily="18" charset="0"/>
+              </a:rPr>
+              <a:t>算法的性能在存在噪声的情况下，性能更优。在符号反转数比较小时，</a:t>
+            </a:r>
+            <a:r>
+              <a:rPr lang="en-US" altLang="zh-CN" sz="2400" i="1" kern="100" dirty="0">
+                <a:solidFill>
+                  <a:schemeClr val="tx2"/>
+                </a:solidFill>
+                <a:latin typeface="Times New Roman" panose="02020603050405020304" pitchFamily="18" charset="0"/>
+              </a:rPr>
+              <a:t>BIHT</a:t>
+            </a:r>
+            <a:r>
+              <a:rPr lang="en-US" altLang="zh-CN" sz="2400" kern="100" dirty="0">
+                <a:solidFill>
+                  <a:schemeClr val="tx2"/>
+                </a:solidFill>
+                <a:latin typeface="Times New Roman" panose="02020603050405020304" pitchFamily="18" charset="0"/>
+              </a:rPr>
+              <a:t>-l</a:t>
+            </a:r>
+            <a:r>
+              <a:rPr lang="en-US" altLang="zh-CN" sz="2400" kern="100" baseline="-25000" dirty="0">
+                <a:solidFill>
+                  <a:schemeClr val="tx2"/>
+                </a:solidFill>
+                <a:latin typeface="Times New Roman" panose="02020603050405020304" pitchFamily="18" charset="0"/>
+              </a:rPr>
+              <a:t>2</a:t>
+            </a:r>
+            <a:r>
+              <a:rPr lang="zh-CN" altLang="zh-CN" sz="2400" kern="100" dirty="0">
+                <a:solidFill>
+                  <a:schemeClr val="tx2"/>
+                </a:solidFill>
+                <a:latin typeface="Times New Roman" panose="02020603050405020304" pitchFamily="18" charset="0"/>
+              </a:rPr>
+              <a:t>算法的重构</a:t>
+            </a:r>
+            <a:r>
+              <a:rPr lang="en-US" altLang="zh-CN" sz="2400" kern="100" dirty="0">
+                <a:solidFill>
+                  <a:schemeClr val="tx2"/>
+                </a:solidFill>
+                <a:latin typeface="Times New Roman" panose="02020603050405020304" pitchFamily="18" charset="0"/>
+              </a:rPr>
+              <a:t>SNR</a:t>
+            </a:r>
+            <a:r>
+              <a:rPr lang="zh-CN" altLang="zh-CN" sz="2400" kern="100" dirty="0">
+                <a:solidFill>
+                  <a:schemeClr val="tx2"/>
+                </a:solidFill>
+                <a:latin typeface="Times New Roman" panose="02020603050405020304" pitchFamily="18" charset="0"/>
+              </a:rPr>
+              <a:t>小于</a:t>
+            </a:r>
+            <a:r>
+              <a:rPr lang="en-US" altLang="zh-CN" sz="2400" kern="100" dirty="0">
+                <a:solidFill>
+                  <a:schemeClr val="tx2"/>
+                </a:solidFill>
+                <a:latin typeface="Times New Roman" panose="02020603050405020304" pitchFamily="18" charset="0"/>
+              </a:rPr>
+              <a:t>BIHT</a:t>
+            </a:r>
+            <a:r>
+              <a:rPr lang="zh-CN" altLang="zh-CN" sz="2400" kern="100" dirty="0">
+                <a:solidFill>
+                  <a:schemeClr val="tx2"/>
+                </a:solidFill>
+                <a:latin typeface="Times New Roman" panose="02020603050405020304" pitchFamily="18" charset="0"/>
+              </a:rPr>
+              <a:t>算法，但是随着反转符号数增大，前者的</a:t>
+            </a:r>
+            <a:r>
+              <a:rPr lang="en-US" altLang="zh-CN" sz="2400" kern="100" dirty="0">
+                <a:solidFill>
+                  <a:schemeClr val="tx2"/>
+                </a:solidFill>
+                <a:latin typeface="Times New Roman" panose="02020603050405020304" pitchFamily="18" charset="0"/>
+              </a:rPr>
+              <a:t>SNR</a:t>
+            </a:r>
+            <a:r>
+              <a:rPr lang="zh-CN" altLang="zh-CN" sz="2400" kern="100" dirty="0">
+                <a:solidFill>
+                  <a:schemeClr val="tx2"/>
+                </a:solidFill>
+                <a:latin typeface="Times New Roman" panose="02020603050405020304" pitchFamily="18" charset="0"/>
+              </a:rPr>
+              <a:t>逐渐大于后者。而</a:t>
+            </a:r>
+            <a:r>
+              <a:rPr lang="en-US" altLang="zh-CN" sz="2400" kern="100" dirty="0">
+                <a:solidFill>
+                  <a:schemeClr val="tx2"/>
+                </a:solidFill>
+                <a:latin typeface="Times New Roman" panose="02020603050405020304" pitchFamily="18" charset="0"/>
+              </a:rPr>
+              <a:t>AOP</a:t>
+            </a:r>
+            <a:r>
+              <a:rPr lang="zh-CN" altLang="zh-CN" sz="2400" kern="100" dirty="0">
+                <a:solidFill>
+                  <a:schemeClr val="tx2"/>
+                </a:solidFill>
+                <a:latin typeface="Times New Roman" panose="02020603050405020304" pitchFamily="18" charset="0"/>
+              </a:rPr>
+              <a:t>和</a:t>
+            </a:r>
+            <a:r>
+              <a:rPr lang="en-US" altLang="zh-CN" sz="2400" kern="100" dirty="0">
+                <a:solidFill>
+                  <a:schemeClr val="tx2"/>
+                </a:solidFill>
+                <a:latin typeface="Times New Roman" panose="02020603050405020304" pitchFamily="18" charset="0"/>
+              </a:rPr>
+              <a:t>AOP-f</a:t>
+            </a:r>
+            <a:r>
+              <a:rPr lang="zh-CN" altLang="zh-CN" sz="2400" kern="100" dirty="0">
+                <a:solidFill>
+                  <a:schemeClr val="tx2"/>
+                </a:solidFill>
+                <a:latin typeface="Times New Roman" panose="02020603050405020304" pitchFamily="18" charset="0"/>
+              </a:rPr>
+              <a:t>，</a:t>
+            </a:r>
+            <a:r>
+              <a:rPr lang="en-US" altLang="zh-CN" sz="2400" kern="100" dirty="0">
+                <a:solidFill>
+                  <a:schemeClr val="tx2"/>
+                </a:solidFill>
+                <a:latin typeface="Times New Roman" panose="02020603050405020304" pitchFamily="18" charset="0"/>
+              </a:rPr>
+              <a:t>AOP-l</a:t>
+            </a:r>
+            <a:r>
+              <a:rPr lang="en-US" altLang="zh-CN" sz="2400" kern="100" baseline="-25000" dirty="0">
+                <a:solidFill>
+                  <a:schemeClr val="tx2"/>
+                </a:solidFill>
+                <a:latin typeface="Times New Roman" panose="02020603050405020304" pitchFamily="18" charset="0"/>
+              </a:rPr>
+              <a:t>2</a:t>
+            </a:r>
+            <a:r>
+              <a:rPr lang="zh-CN" altLang="zh-CN" sz="2400" kern="100" dirty="0">
+                <a:solidFill>
+                  <a:schemeClr val="tx2"/>
+                </a:solidFill>
+                <a:latin typeface="Times New Roman" panose="02020603050405020304" pitchFamily="18" charset="0"/>
+              </a:rPr>
+              <a:t>和</a:t>
+            </a:r>
+            <a:r>
+              <a:rPr lang="en-US" altLang="zh-CN" sz="2400" kern="100" dirty="0">
+                <a:solidFill>
+                  <a:schemeClr val="tx2"/>
+                </a:solidFill>
+                <a:latin typeface="Times New Roman" panose="02020603050405020304" pitchFamily="18" charset="0"/>
+              </a:rPr>
+              <a:t>AOP-l</a:t>
+            </a:r>
+            <a:r>
+              <a:rPr lang="en-US" altLang="zh-CN" sz="2400" kern="100" baseline="-25000" dirty="0">
+                <a:solidFill>
+                  <a:schemeClr val="tx2"/>
+                </a:solidFill>
+                <a:latin typeface="Times New Roman" panose="02020603050405020304" pitchFamily="18" charset="0"/>
+              </a:rPr>
+              <a:t>2</a:t>
+            </a:r>
+            <a:r>
+              <a:rPr lang="en-US" altLang="zh-CN" sz="2400" kern="100" dirty="0">
+                <a:solidFill>
+                  <a:schemeClr val="tx2"/>
+                </a:solidFill>
+                <a:latin typeface="Times New Roman" panose="02020603050405020304" pitchFamily="18" charset="0"/>
+              </a:rPr>
+              <a:t>-f</a:t>
+            </a:r>
+            <a:r>
+              <a:rPr lang="zh-CN" altLang="zh-CN" sz="2400" kern="100" dirty="0">
+                <a:solidFill>
+                  <a:schemeClr val="tx2"/>
+                </a:solidFill>
+                <a:latin typeface="Times New Roman" panose="02020603050405020304" pitchFamily="18" charset="0"/>
+              </a:rPr>
+              <a:t>这两组曲线有不少重合区域，这说明它们的重构性能是相差无几的。</a:t>
+            </a:r>
+          </a:p>
+          <a:p>
+            <a:pPr algn="just">
+              <a:spcAft>
+                <a:spcPts val="0"/>
+              </a:spcAft>
+            </a:pPr>
+            <a:r>
+              <a:rPr lang="en-US" altLang="zh-CN" sz="2400" kern="100" dirty="0" smtClean="0">
+                <a:solidFill>
+                  <a:schemeClr val="tx2"/>
+                </a:solidFill>
+                <a:latin typeface="Times New Roman" panose="02020603050405020304" pitchFamily="18" charset="0"/>
+              </a:rPr>
+              <a:t>      </a:t>
+            </a:r>
+            <a:r>
+              <a:rPr lang="zh-CN" altLang="zh-CN" sz="2400" kern="100" dirty="0" smtClean="0">
+                <a:solidFill>
+                  <a:schemeClr val="tx2"/>
+                </a:solidFill>
+                <a:latin typeface="Times New Roman" panose="02020603050405020304" pitchFamily="18" charset="0"/>
+              </a:rPr>
+              <a:t>通过</a:t>
+            </a:r>
+            <a:r>
+              <a:rPr lang="zh-CN" altLang="zh-CN" sz="2400" kern="100" dirty="0">
+                <a:solidFill>
+                  <a:schemeClr val="tx2"/>
+                </a:solidFill>
+                <a:latin typeface="Times New Roman" panose="02020603050405020304" pitchFamily="18" charset="0"/>
+              </a:rPr>
+              <a:t>对仿真结果的分析，我们可以发现实验结果与理论推导是大致吻合的。</a:t>
+            </a:r>
+          </a:p>
+        </p:txBody>
+      </p:sp>
+      <p:pic>
+        <p:nvPicPr>
+          <p:cNvPr id="9" name="Picture 2"/>
+          <p:cNvPicPr>
+            <a:picLocks noChangeAspect="1" noChangeArrowheads="1"/>
+          </p:cNvPicPr>
+          <p:nvPr/>
+        </p:nvPicPr>
+        <p:blipFill>
+          <a:blip r:embed="rId3">
+            <a:extLst>
+              <a:ext uri="{28A0092B-C50C-407E-A947-70E740481C1C}">
+                <a14:useLocalDpi xmlns:a14="http://schemas.microsoft.com/office/drawing/2010/main" val="0"/>
+              </a:ext>
+            </a:extLst>
+          </a:blip>
+          <a:srcRect/>
+          <a:stretch>
+            <a:fillRect/>
+          </a:stretch>
+        </p:blipFill>
+        <p:spPr bwMode="auto">
+          <a:xfrm>
+            <a:off x="1835696" y="-22785"/>
+            <a:ext cx="4824536" cy="3618402"/>
+          </a:xfrm>
+          <a:prstGeom prst="rect">
+            <a:avLst/>
+          </a:prstGeom>
+          <a:noFill/>
+          <a:ln>
+            <a:noFill/>
+          </a:ln>
+          <a:extLst>
+            <a:ext uri="{909E8E84-426E-40DD-AFC4-6F175D3DCCD1}">
+              <a14:hiddenFill xmlns:a14="http://schemas.microsoft.com/office/drawing/2010/main">
+                <a:solidFill>
+                  <a:srgbClr val="FFFFFF"/>
+                </a:solidFill>
+              </a14:hiddenFill>
+            </a:ext>
+            <a:ext uri="{91240B29-F687-4F45-9708-019B960494DF}">
+              <a14:hiddenLine xmlns:a14="http://schemas.microsoft.com/office/drawing/2010/main" w="9525">
+                <a:solidFill>
+                  <a:srgbClr val="000000"/>
+                </a:solidFill>
+                <a:miter lim="800000"/>
+                <a:headEnd/>
+                <a:tailEnd/>
+              </a14:hiddenLine>
+            </a:ext>
+          </a:extLst>
+        </p:spPr>
+      </p:pic>
+    </p:spTree>
+    <p:extLst>
+      <p:ext uri="{BB962C8B-B14F-4D97-AF65-F5344CB8AC3E}">
+        <p14:creationId xmlns:p14="http://schemas.microsoft.com/office/powerpoint/2010/main" val="2128344121"/>
+      </p:ext>
+    </p:extLst>
+  </p:cSld>
+  <p:clrMapOvr>
+    <a:masterClrMapping/>
+  </p:clrMapOvr>
+  <p:timing>
+    <p:tnLst>
+      <p:par>
+        <p:cTn id="1" dur="indefinite" restart="never" nodeType="tmRoot"/>
+      </p:par>
+    </p:tnLst>
+  </p:timing>
+</p:sld>
+</file>
+
+<file path=ppt/slides/slide22.xml><?xml version="1.0" encoding="utf-8"?>
+<p:sld xmlns:a="http://schemas.openxmlformats.org/drawingml/2006/main" xmlns:r="http://schemas.openxmlformats.org/officeDocument/2006/relationships" xmlns:p="http://schemas.openxmlformats.org/presentationml/2006/main">
+  <p:cSld>
+    <p:bg>
+      <p:bgPr>
+        <a:blipFill dpi="0" rotWithShape="0">
+          <a:blip r:embed="rId2"/>
+          <a:srcRect/>
+          <a:stretch>
+            <a:fillRect/>
+          </a:stretch>
+        </a:blipFill>
+        <a:effectLst/>
+      </p:bgPr>
+    </p:bg>
+    <p:spTree>
+      <p:nvGrpSpPr>
+        <p:cNvPr id="1" name=""/>
+        <p:cNvGrpSpPr/>
+        <p:nvPr/>
+      </p:nvGrpSpPr>
+      <p:grpSpPr>
+        <a:xfrm>
+          <a:off x="0" y="0"/>
+          <a:ext cx="0" cy="0"/>
+          <a:chOff x="0" y="0"/>
+          <a:chExt cx="0" cy="0"/>
+        </a:xfrm>
+      </p:grpSpPr>
+      <p:sp>
+        <p:nvSpPr>
+          <p:cNvPr id="7" name="矩形 6"/>
+          <p:cNvSpPr/>
+          <p:nvPr/>
+        </p:nvSpPr>
+        <p:spPr>
+          <a:xfrm>
+            <a:off x="5532438" y="-9525"/>
+            <a:ext cx="285750" cy="6858000"/>
+          </a:xfrm>
+          <a:prstGeom prst="rect">
+            <a:avLst/>
+          </a:prstGeom>
+          <a:solidFill>
+            <a:schemeClr val="bg1"/>
+          </a:solidFill>
+          <a:ln>
+            <a:noFill/>
+          </a:ln>
+        </p:spPr>
+        <p:style>
+          <a:lnRef idx="2">
+            <a:schemeClr val="accent1">
+              <a:shade val="50000"/>
+            </a:schemeClr>
+          </a:lnRef>
+          <a:fillRef idx="1">
+            <a:schemeClr val="accent1"/>
+          </a:fillRef>
+          <a:effectRef idx="0">
+            <a:schemeClr val="accent1"/>
+          </a:effectRef>
+          <a:fontRef idx="minor">
+            <a:schemeClr val="lt1"/>
+          </a:fontRef>
+        </p:style>
+        <p:txBody>
+          <a:bodyPr anchor="ctr"/>
+          <a:lstStyle>
+            <a:defPPr>
+              <a:defRPr lang="zh-CN"/>
+            </a:defPPr>
+            <a:lvl1pPr marL="0" algn="l" defTabSz="914400" rtl="0" eaLnBrk="1" latinLnBrk="0" hangingPunct="1">
+              <a:defRPr sz="1800" kern="1200">
+                <a:solidFill>
+                  <a:schemeClr val="lt1"/>
+                </a:solidFill>
+                <a:latin typeface="+mn-lt"/>
+                <a:ea typeface="+mn-ea"/>
+                <a:cs typeface="+mn-cs"/>
+              </a:defRPr>
+            </a:lvl1pPr>
+            <a:lvl2pPr marL="457200" algn="l" defTabSz="914400" rtl="0" eaLnBrk="1" latinLnBrk="0" hangingPunct="1">
+              <a:defRPr sz="1800" kern="1200">
+                <a:solidFill>
+                  <a:schemeClr val="lt1"/>
+                </a:solidFill>
+                <a:latin typeface="+mn-lt"/>
+                <a:ea typeface="+mn-ea"/>
+                <a:cs typeface="+mn-cs"/>
+              </a:defRPr>
+            </a:lvl2pPr>
+            <a:lvl3pPr marL="914400" algn="l" defTabSz="914400" rtl="0" eaLnBrk="1" latinLnBrk="0" hangingPunct="1">
+              <a:defRPr sz="1800" kern="1200">
+                <a:solidFill>
+                  <a:schemeClr val="lt1"/>
+                </a:solidFill>
+                <a:latin typeface="+mn-lt"/>
+                <a:ea typeface="+mn-ea"/>
+                <a:cs typeface="+mn-cs"/>
+              </a:defRPr>
+            </a:lvl3pPr>
+            <a:lvl4pPr marL="1371600" algn="l" defTabSz="914400" rtl="0" eaLnBrk="1" latinLnBrk="0" hangingPunct="1">
+              <a:defRPr sz="1800" kern="1200">
+                <a:solidFill>
+                  <a:schemeClr val="lt1"/>
+                </a:solidFill>
+                <a:latin typeface="+mn-lt"/>
+                <a:ea typeface="+mn-ea"/>
+                <a:cs typeface="+mn-cs"/>
+              </a:defRPr>
+            </a:lvl4pPr>
+            <a:lvl5pPr marL="1828800" algn="l" defTabSz="914400" rtl="0" eaLnBrk="1" latinLnBrk="0" hangingPunct="1">
+              <a:defRPr sz="1800" kern="1200">
+                <a:solidFill>
+                  <a:schemeClr val="lt1"/>
+                </a:solidFill>
+                <a:latin typeface="+mn-lt"/>
+                <a:ea typeface="+mn-ea"/>
+                <a:cs typeface="+mn-cs"/>
+              </a:defRPr>
+            </a:lvl5pPr>
+            <a:lvl6pPr marL="2286000" algn="l" defTabSz="914400" rtl="0" eaLnBrk="1" latinLnBrk="0" hangingPunct="1">
+              <a:defRPr sz="1800" kern="1200">
+                <a:solidFill>
+                  <a:schemeClr val="lt1"/>
+                </a:solidFill>
+                <a:latin typeface="+mn-lt"/>
+                <a:ea typeface="+mn-ea"/>
+                <a:cs typeface="+mn-cs"/>
+              </a:defRPr>
+            </a:lvl6pPr>
+            <a:lvl7pPr marL="2743200" algn="l" defTabSz="914400" rtl="0" eaLnBrk="1" latinLnBrk="0" hangingPunct="1">
+              <a:defRPr sz="1800" kern="1200">
+                <a:solidFill>
+                  <a:schemeClr val="lt1"/>
+                </a:solidFill>
+                <a:latin typeface="+mn-lt"/>
+                <a:ea typeface="+mn-ea"/>
+                <a:cs typeface="+mn-cs"/>
+              </a:defRPr>
+            </a:lvl7pPr>
+            <a:lvl8pPr marL="3200400" algn="l" defTabSz="914400" rtl="0" eaLnBrk="1" latinLnBrk="0" hangingPunct="1">
+              <a:defRPr sz="1800" kern="1200">
+                <a:solidFill>
+                  <a:schemeClr val="lt1"/>
+                </a:solidFill>
+                <a:latin typeface="+mn-lt"/>
+                <a:ea typeface="+mn-ea"/>
+                <a:cs typeface="+mn-cs"/>
+              </a:defRPr>
+            </a:lvl8pPr>
+            <a:lvl9pPr marL="3657600" algn="l" defTabSz="914400" rtl="0" eaLnBrk="1" latinLnBrk="0" hangingPunct="1">
+              <a:defRPr sz="1800" kern="1200">
+                <a:solidFill>
+                  <a:schemeClr val="lt1"/>
+                </a:solidFill>
+                <a:latin typeface="+mn-lt"/>
+                <a:ea typeface="+mn-ea"/>
+                <a:cs typeface="+mn-cs"/>
+              </a:defRPr>
+            </a:lvl9pPr>
+          </a:lstStyle>
+          <a:p>
+            <a:pPr algn="ctr">
+              <a:defRPr/>
+            </a:pPr>
+            <a:endParaRPr lang="zh-CN" altLang="en-US"/>
+          </a:p>
+        </p:txBody>
+      </p:sp>
+      <p:sp>
+        <p:nvSpPr>
+          <p:cNvPr id="9" name="矩形 8"/>
+          <p:cNvSpPr/>
+          <p:nvPr/>
+        </p:nvSpPr>
+        <p:spPr>
+          <a:xfrm>
+            <a:off x="5889625" y="-9525"/>
+            <a:ext cx="71438" cy="6858000"/>
+          </a:xfrm>
+          <a:prstGeom prst="rect">
+            <a:avLst/>
+          </a:prstGeom>
+          <a:solidFill>
+            <a:schemeClr val="bg1"/>
+          </a:solidFill>
+          <a:ln>
+            <a:noFill/>
+          </a:ln>
+        </p:spPr>
+        <p:style>
+          <a:lnRef idx="2">
+            <a:schemeClr val="accent1">
+              <a:shade val="50000"/>
+            </a:schemeClr>
+          </a:lnRef>
+          <a:fillRef idx="1">
+            <a:schemeClr val="accent1"/>
+          </a:fillRef>
+          <a:effectRef idx="0">
+            <a:schemeClr val="accent1"/>
+          </a:effectRef>
+          <a:fontRef idx="minor">
+            <a:schemeClr val="lt1"/>
+          </a:fontRef>
+        </p:style>
+        <p:txBody>
+          <a:bodyPr anchor="ctr"/>
+          <a:lstStyle>
+            <a:defPPr>
+              <a:defRPr lang="zh-CN"/>
+            </a:defPPr>
+            <a:lvl1pPr marL="0" algn="l" defTabSz="914400" rtl="0" eaLnBrk="1" latinLnBrk="0" hangingPunct="1">
+              <a:defRPr sz="1800" kern="1200">
+                <a:solidFill>
+                  <a:schemeClr val="lt1"/>
+                </a:solidFill>
+                <a:latin typeface="+mn-lt"/>
+                <a:ea typeface="+mn-ea"/>
+                <a:cs typeface="+mn-cs"/>
+              </a:defRPr>
+            </a:lvl1pPr>
+            <a:lvl2pPr marL="457200" algn="l" defTabSz="914400" rtl="0" eaLnBrk="1" latinLnBrk="0" hangingPunct="1">
+              <a:defRPr sz="1800" kern="1200">
+                <a:solidFill>
+                  <a:schemeClr val="lt1"/>
+                </a:solidFill>
+                <a:latin typeface="+mn-lt"/>
+                <a:ea typeface="+mn-ea"/>
+                <a:cs typeface="+mn-cs"/>
+              </a:defRPr>
+            </a:lvl2pPr>
+            <a:lvl3pPr marL="914400" algn="l" defTabSz="914400" rtl="0" eaLnBrk="1" latinLnBrk="0" hangingPunct="1">
+              <a:defRPr sz="1800" kern="1200">
+                <a:solidFill>
+                  <a:schemeClr val="lt1"/>
+                </a:solidFill>
+                <a:latin typeface="+mn-lt"/>
+                <a:ea typeface="+mn-ea"/>
+                <a:cs typeface="+mn-cs"/>
+              </a:defRPr>
+            </a:lvl3pPr>
+            <a:lvl4pPr marL="1371600" algn="l" defTabSz="914400" rtl="0" eaLnBrk="1" latinLnBrk="0" hangingPunct="1">
+              <a:defRPr sz="1800" kern="1200">
+                <a:solidFill>
+                  <a:schemeClr val="lt1"/>
+                </a:solidFill>
+                <a:latin typeface="+mn-lt"/>
+                <a:ea typeface="+mn-ea"/>
+                <a:cs typeface="+mn-cs"/>
+              </a:defRPr>
+            </a:lvl4pPr>
+            <a:lvl5pPr marL="1828800" algn="l" defTabSz="914400" rtl="0" eaLnBrk="1" latinLnBrk="0" hangingPunct="1">
+              <a:defRPr sz="1800" kern="1200">
+                <a:solidFill>
+                  <a:schemeClr val="lt1"/>
+                </a:solidFill>
+                <a:latin typeface="+mn-lt"/>
+                <a:ea typeface="+mn-ea"/>
+                <a:cs typeface="+mn-cs"/>
+              </a:defRPr>
+            </a:lvl5pPr>
+            <a:lvl6pPr marL="2286000" algn="l" defTabSz="914400" rtl="0" eaLnBrk="1" latinLnBrk="0" hangingPunct="1">
+              <a:defRPr sz="1800" kern="1200">
+                <a:solidFill>
+                  <a:schemeClr val="lt1"/>
+                </a:solidFill>
+                <a:latin typeface="+mn-lt"/>
+                <a:ea typeface="+mn-ea"/>
+                <a:cs typeface="+mn-cs"/>
+              </a:defRPr>
+            </a:lvl6pPr>
+            <a:lvl7pPr marL="2743200" algn="l" defTabSz="914400" rtl="0" eaLnBrk="1" latinLnBrk="0" hangingPunct="1">
+              <a:defRPr sz="1800" kern="1200">
+                <a:solidFill>
+                  <a:schemeClr val="lt1"/>
+                </a:solidFill>
+                <a:latin typeface="+mn-lt"/>
+                <a:ea typeface="+mn-ea"/>
+                <a:cs typeface="+mn-cs"/>
+              </a:defRPr>
+            </a:lvl7pPr>
+            <a:lvl8pPr marL="3200400" algn="l" defTabSz="914400" rtl="0" eaLnBrk="1" latinLnBrk="0" hangingPunct="1">
+              <a:defRPr sz="1800" kern="1200">
+                <a:solidFill>
+                  <a:schemeClr val="lt1"/>
+                </a:solidFill>
+                <a:latin typeface="+mn-lt"/>
+                <a:ea typeface="+mn-ea"/>
+                <a:cs typeface="+mn-cs"/>
+              </a:defRPr>
+            </a:lvl8pPr>
+            <a:lvl9pPr marL="3657600" algn="l" defTabSz="914400" rtl="0" eaLnBrk="1" latinLnBrk="0" hangingPunct="1">
+              <a:defRPr sz="1800" kern="1200">
+                <a:solidFill>
+                  <a:schemeClr val="lt1"/>
+                </a:solidFill>
+                <a:latin typeface="+mn-lt"/>
+                <a:ea typeface="+mn-ea"/>
+                <a:cs typeface="+mn-cs"/>
+              </a:defRPr>
+            </a:lvl9pPr>
+          </a:lstStyle>
+          <a:p>
+            <a:pPr algn="ctr">
+              <a:defRPr/>
+            </a:pPr>
+            <a:endParaRPr lang="zh-CN" altLang="en-US"/>
+          </a:p>
+        </p:txBody>
+      </p:sp>
+      <p:sp>
+        <p:nvSpPr>
+          <p:cNvPr id="10" name="矩形 9"/>
+          <p:cNvSpPr/>
+          <p:nvPr/>
+        </p:nvSpPr>
+        <p:spPr>
+          <a:xfrm>
+            <a:off x="6188075" y="-9525"/>
+            <a:ext cx="142875" cy="6858000"/>
+          </a:xfrm>
+          <a:prstGeom prst="rect">
+            <a:avLst/>
+          </a:prstGeom>
+          <a:solidFill>
+            <a:schemeClr val="bg1"/>
+          </a:solidFill>
+          <a:ln>
+            <a:noFill/>
+          </a:ln>
+        </p:spPr>
+        <p:style>
+          <a:lnRef idx="2">
+            <a:schemeClr val="accent1">
+              <a:shade val="50000"/>
+            </a:schemeClr>
+          </a:lnRef>
+          <a:fillRef idx="1">
+            <a:schemeClr val="accent1"/>
+          </a:fillRef>
+          <a:effectRef idx="0">
+            <a:schemeClr val="accent1"/>
+          </a:effectRef>
+          <a:fontRef idx="minor">
+            <a:schemeClr val="lt1"/>
+          </a:fontRef>
+        </p:style>
+        <p:txBody>
+          <a:bodyPr anchor="ctr"/>
+          <a:lstStyle>
+            <a:defPPr>
+              <a:defRPr lang="zh-CN"/>
+            </a:defPPr>
+            <a:lvl1pPr marL="0" algn="l" defTabSz="914400" rtl="0" eaLnBrk="1" latinLnBrk="0" hangingPunct="1">
+              <a:defRPr sz="1800" kern="1200">
+                <a:solidFill>
+                  <a:schemeClr val="lt1"/>
+                </a:solidFill>
+                <a:latin typeface="+mn-lt"/>
+                <a:ea typeface="+mn-ea"/>
+                <a:cs typeface="+mn-cs"/>
+              </a:defRPr>
+            </a:lvl1pPr>
+            <a:lvl2pPr marL="457200" algn="l" defTabSz="914400" rtl="0" eaLnBrk="1" latinLnBrk="0" hangingPunct="1">
+              <a:defRPr sz="1800" kern="1200">
+                <a:solidFill>
+                  <a:schemeClr val="lt1"/>
+                </a:solidFill>
+                <a:latin typeface="+mn-lt"/>
+                <a:ea typeface="+mn-ea"/>
+                <a:cs typeface="+mn-cs"/>
+              </a:defRPr>
+            </a:lvl2pPr>
+            <a:lvl3pPr marL="914400" algn="l" defTabSz="914400" rtl="0" eaLnBrk="1" latinLnBrk="0" hangingPunct="1">
+              <a:defRPr sz="1800" kern="1200">
+                <a:solidFill>
+                  <a:schemeClr val="lt1"/>
+                </a:solidFill>
+                <a:latin typeface="+mn-lt"/>
+                <a:ea typeface="+mn-ea"/>
+                <a:cs typeface="+mn-cs"/>
+              </a:defRPr>
+            </a:lvl3pPr>
+            <a:lvl4pPr marL="1371600" algn="l" defTabSz="914400" rtl="0" eaLnBrk="1" latinLnBrk="0" hangingPunct="1">
+              <a:defRPr sz="1800" kern="1200">
+                <a:solidFill>
+                  <a:schemeClr val="lt1"/>
+                </a:solidFill>
+                <a:latin typeface="+mn-lt"/>
+                <a:ea typeface="+mn-ea"/>
+                <a:cs typeface="+mn-cs"/>
+              </a:defRPr>
+            </a:lvl4pPr>
+            <a:lvl5pPr marL="1828800" algn="l" defTabSz="914400" rtl="0" eaLnBrk="1" latinLnBrk="0" hangingPunct="1">
+              <a:defRPr sz="1800" kern="1200">
+                <a:solidFill>
+                  <a:schemeClr val="lt1"/>
+                </a:solidFill>
+                <a:latin typeface="+mn-lt"/>
+                <a:ea typeface="+mn-ea"/>
+                <a:cs typeface="+mn-cs"/>
+              </a:defRPr>
+            </a:lvl5pPr>
+            <a:lvl6pPr marL="2286000" algn="l" defTabSz="914400" rtl="0" eaLnBrk="1" latinLnBrk="0" hangingPunct="1">
+              <a:defRPr sz="1800" kern="1200">
+                <a:solidFill>
+                  <a:schemeClr val="lt1"/>
+                </a:solidFill>
+                <a:latin typeface="+mn-lt"/>
+                <a:ea typeface="+mn-ea"/>
+                <a:cs typeface="+mn-cs"/>
+              </a:defRPr>
+            </a:lvl6pPr>
+            <a:lvl7pPr marL="2743200" algn="l" defTabSz="914400" rtl="0" eaLnBrk="1" latinLnBrk="0" hangingPunct="1">
+              <a:defRPr sz="1800" kern="1200">
+                <a:solidFill>
+                  <a:schemeClr val="lt1"/>
+                </a:solidFill>
+                <a:latin typeface="+mn-lt"/>
+                <a:ea typeface="+mn-ea"/>
+                <a:cs typeface="+mn-cs"/>
+              </a:defRPr>
+            </a:lvl7pPr>
+            <a:lvl8pPr marL="3200400" algn="l" defTabSz="914400" rtl="0" eaLnBrk="1" latinLnBrk="0" hangingPunct="1">
+              <a:defRPr sz="1800" kern="1200">
+                <a:solidFill>
+                  <a:schemeClr val="lt1"/>
+                </a:solidFill>
+                <a:latin typeface="+mn-lt"/>
+                <a:ea typeface="+mn-ea"/>
+                <a:cs typeface="+mn-cs"/>
+              </a:defRPr>
+            </a:lvl8pPr>
+            <a:lvl9pPr marL="3657600" algn="l" defTabSz="914400" rtl="0" eaLnBrk="1" latinLnBrk="0" hangingPunct="1">
+              <a:defRPr sz="1800" kern="1200">
+                <a:solidFill>
+                  <a:schemeClr val="lt1"/>
+                </a:solidFill>
+                <a:latin typeface="+mn-lt"/>
+                <a:ea typeface="+mn-ea"/>
+                <a:cs typeface="+mn-cs"/>
+              </a:defRPr>
+            </a:lvl9pPr>
+          </a:lstStyle>
+          <a:p>
+            <a:pPr algn="ctr">
+              <a:defRPr/>
+            </a:pPr>
+            <a:endParaRPr lang="zh-CN" altLang="en-US"/>
+          </a:p>
+        </p:txBody>
+      </p:sp>
+      <p:sp>
+        <p:nvSpPr>
+          <p:cNvPr id="11" name="矩形 10"/>
+          <p:cNvSpPr/>
+          <p:nvPr/>
+        </p:nvSpPr>
+        <p:spPr>
+          <a:xfrm>
+            <a:off x="6402388" y="-9525"/>
+            <a:ext cx="214312" cy="6858000"/>
+          </a:xfrm>
+          <a:prstGeom prst="rect">
+            <a:avLst/>
+          </a:prstGeom>
+          <a:solidFill>
+            <a:schemeClr val="bg1"/>
+          </a:solidFill>
+          <a:ln>
+            <a:noFill/>
+          </a:ln>
+        </p:spPr>
+        <p:style>
+          <a:lnRef idx="2">
+            <a:schemeClr val="accent1">
+              <a:shade val="50000"/>
+            </a:schemeClr>
+          </a:lnRef>
+          <a:fillRef idx="1">
+            <a:schemeClr val="accent1"/>
+          </a:fillRef>
+          <a:effectRef idx="0">
+            <a:schemeClr val="accent1"/>
+          </a:effectRef>
+          <a:fontRef idx="minor">
+            <a:schemeClr val="lt1"/>
+          </a:fontRef>
+        </p:style>
+        <p:txBody>
+          <a:bodyPr anchor="ctr"/>
+          <a:lstStyle>
+            <a:defPPr>
+              <a:defRPr lang="zh-CN"/>
+            </a:defPPr>
+            <a:lvl1pPr marL="0" algn="l" defTabSz="914400" rtl="0" eaLnBrk="1" latinLnBrk="0" hangingPunct="1">
+              <a:defRPr sz="1800" kern="1200">
+                <a:solidFill>
+                  <a:schemeClr val="lt1"/>
+                </a:solidFill>
+                <a:latin typeface="+mn-lt"/>
+                <a:ea typeface="+mn-ea"/>
+                <a:cs typeface="+mn-cs"/>
+              </a:defRPr>
+            </a:lvl1pPr>
+            <a:lvl2pPr marL="457200" algn="l" defTabSz="914400" rtl="0" eaLnBrk="1" latinLnBrk="0" hangingPunct="1">
+              <a:defRPr sz="1800" kern="1200">
+                <a:solidFill>
+                  <a:schemeClr val="lt1"/>
+                </a:solidFill>
+                <a:latin typeface="+mn-lt"/>
+                <a:ea typeface="+mn-ea"/>
+                <a:cs typeface="+mn-cs"/>
+              </a:defRPr>
+            </a:lvl2pPr>
+            <a:lvl3pPr marL="914400" algn="l" defTabSz="914400" rtl="0" eaLnBrk="1" latinLnBrk="0" hangingPunct="1">
+              <a:defRPr sz="1800" kern="1200">
+                <a:solidFill>
+                  <a:schemeClr val="lt1"/>
+                </a:solidFill>
+                <a:latin typeface="+mn-lt"/>
+                <a:ea typeface="+mn-ea"/>
+                <a:cs typeface="+mn-cs"/>
+              </a:defRPr>
+            </a:lvl3pPr>
+            <a:lvl4pPr marL="1371600" algn="l" defTabSz="914400" rtl="0" eaLnBrk="1" latinLnBrk="0" hangingPunct="1">
+              <a:defRPr sz="1800" kern="1200">
+                <a:solidFill>
+                  <a:schemeClr val="lt1"/>
+                </a:solidFill>
+                <a:latin typeface="+mn-lt"/>
+                <a:ea typeface="+mn-ea"/>
+                <a:cs typeface="+mn-cs"/>
+              </a:defRPr>
+            </a:lvl4pPr>
+            <a:lvl5pPr marL="1828800" algn="l" defTabSz="914400" rtl="0" eaLnBrk="1" latinLnBrk="0" hangingPunct="1">
+              <a:defRPr sz="1800" kern="1200">
+                <a:solidFill>
+                  <a:schemeClr val="lt1"/>
+                </a:solidFill>
+                <a:latin typeface="+mn-lt"/>
+                <a:ea typeface="+mn-ea"/>
+                <a:cs typeface="+mn-cs"/>
+              </a:defRPr>
+            </a:lvl5pPr>
+            <a:lvl6pPr marL="2286000" algn="l" defTabSz="914400" rtl="0" eaLnBrk="1" latinLnBrk="0" hangingPunct="1">
+              <a:defRPr sz="1800" kern="1200">
+                <a:solidFill>
+                  <a:schemeClr val="lt1"/>
+                </a:solidFill>
+                <a:latin typeface="+mn-lt"/>
+                <a:ea typeface="+mn-ea"/>
+                <a:cs typeface="+mn-cs"/>
+              </a:defRPr>
+            </a:lvl6pPr>
+            <a:lvl7pPr marL="2743200" algn="l" defTabSz="914400" rtl="0" eaLnBrk="1" latinLnBrk="0" hangingPunct="1">
+              <a:defRPr sz="1800" kern="1200">
+                <a:solidFill>
+                  <a:schemeClr val="lt1"/>
+                </a:solidFill>
+                <a:latin typeface="+mn-lt"/>
+                <a:ea typeface="+mn-ea"/>
+                <a:cs typeface="+mn-cs"/>
+              </a:defRPr>
+            </a:lvl7pPr>
+            <a:lvl8pPr marL="3200400" algn="l" defTabSz="914400" rtl="0" eaLnBrk="1" latinLnBrk="0" hangingPunct="1">
+              <a:defRPr sz="1800" kern="1200">
+                <a:solidFill>
+                  <a:schemeClr val="lt1"/>
+                </a:solidFill>
+                <a:latin typeface="+mn-lt"/>
+                <a:ea typeface="+mn-ea"/>
+                <a:cs typeface="+mn-cs"/>
+              </a:defRPr>
+            </a:lvl8pPr>
+            <a:lvl9pPr marL="3657600" algn="l" defTabSz="914400" rtl="0" eaLnBrk="1" latinLnBrk="0" hangingPunct="1">
+              <a:defRPr sz="1800" kern="1200">
+                <a:solidFill>
+                  <a:schemeClr val="lt1"/>
+                </a:solidFill>
+                <a:latin typeface="+mn-lt"/>
+                <a:ea typeface="+mn-ea"/>
+                <a:cs typeface="+mn-cs"/>
+              </a:defRPr>
+            </a:lvl9pPr>
+          </a:lstStyle>
+          <a:p>
+            <a:pPr algn="ctr">
+              <a:defRPr/>
+            </a:pPr>
+            <a:endParaRPr lang="zh-CN" altLang="en-US"/>
+          </a:p>
+        </p:txBody>
+      </p:sp>
+      <p:sp>
+        <p:nvSpPr>
+          <p:cNvPr id="12" name="矩形 11"/>
+          <p:cNvSpPr/>
+          <p:nvPr/>
+        </p:nvSpPr>
+        <p:spPr>
+          <a:xfrm>
+            <a:off x="6746875" y="-9525"/>
+            <a:ext cx="71438" cy="6858000"/>
+          </a:xfrm>
+          <a:prstGeom prst="rect">
+            <a:avLst/>
+          </a:prstGeom>
+          <a:solidFill>
+            <a:schemeClr val="bg1"/>
+          </a:solidFill>
+          <a:ln>
+            <a:noFill/>
+          </a:ln>
+        </p:spPr>
+        <p:style>
+          <a:lnRef idx="2">
+            <a:schemeClr val="accent1">
+              <a:shade val="50000"/>
+            </a:schemeClr>
+          </a:lnRef>
+          <a:fillRef idx="1">
+            <a:schemeClr val="accent1"/>
+          </a:fillRef>
+          <a:effectRef idx="0">
+            <a:schemeClr val="accent1"/>
+          </a:effectRef>
+          <a:fontRef idx="minor">
+            <a:schemeClr val="lt1"/>
+          </a:fontRef>
+        </p:style>
+        <p:txBody>
+          <a:bodyPr anchor="ctr"/>
+          <a:lstStyle>
+            <a:defPPr>
+              <a:defRPr lang="zh-CN"/>
+            </a:defPPr>
+            <a:lvl1pPr marL="0" algn="l" defTabSz="914400" rtl="0" eaLnBrk="1" latinLnBrk="0" hangingPunct="1">
+              <a:defRPr sz="1800" kern="1200">
+                <a:solidFill>
+                  <a:schemeClr val="lt1"/>
+                </a:solidFill>
+                <a:latin typeface="+mn-lt"/>
+                <a:ea typeface="+mn-ea"/>
+                <a:cs typeface="+mn-cs"/>
+              </a:defRPr>
+            </a:lvl1pPr>
+            <a:lvl2pPr marL="457200" algn="l" defTabSz="914400" rtl="0" eaLnBrk="1" latinLnBrk="0" hangingPunct="1">
+              <a:defRPr sz="1800" kern="1200">
+                <a:solidFill>
+                  <a:schemeClr val="lt1"/>
+                </a:solidFill>
+                <a:latin typeface="+mn-lt"/>
+                <a:ea typeface="+mn-ea"/>
+                <a:cs typeface="+mn-cs"/>
+              </a:defRPr>
+            </a:lvl2pPr>
+            <a:lvl3pPr marL="914400" algn="l" defTabSz="914400" rtl="0" eaLnBrk="1" latinLnBrk="0" hangingPunct="1">
+              <a:defRPr sz="1800" kern="1200">
+                <a:solidFill>
+                  <a:schemeClr val="lt1"/>
+                </a:solidFill>
+                <a:latin typeface="+mn-lt"/>
+                <a:ea typeface="+mn-ea"/>
+                <a:cs typeface="+mn-cs"/>
+              </a:defRPr>
+            </a:lvl3pPr>
+            <a:lvl4pPr marL="1371600" algn="l" defTabSz="914400" rtl="0" eaLnBrk="1" latinLnBrk="0" hangingPunct="1">
+              <a:defRPr sz="1800" kern="1200">
+                <a:solidFill>
+                  <a:schemeClr val="lt1"/>
+                </a:solidFill>
+                <a:latin typeface="+mn-lt"/>
+                <a:ea typeface="+mn-ea"/>
+                <a:cs typeface="+mn-cs"/>
+              </a:defRPr>
+            </a:lvl4pPr>
+            <a:lvl5pPr marL="1828800" algn="l" defTabSz="914400" rtl="0" eaLnBrk="1" latinLnBrk="0" hangingPunct="1">
+              <a:defRPr sz="1800" kern="1200">
+                <a:solidFill>
+                  <a:schemeClr val="lt1"/>
+                </a:solidFill>
+                <a:latin typeface="+mn-lt"/>
+                <a:ea typeface="+mn-ea"/>
+                <a:cs typeface="+mn-cs"/>
+              </a:defRPr>
+            </a:lvl5pPr>
+            <a:lvl6pPr marL="2286000" algn="l" defTabSz="914400" rtl="0" eaLnBrk="1" latinLnBrk="0" hangingPunct="1">
+              <a:defRPr sz="1800" kern="1200">
+                <a:solidFill>
+                  <a:schemeClr val="lt1"/>
+                </a:solidFill>
+                <a:latin typeface="+mn-lt"/>
+                <a:ea typeface="+mn-ea"/>
+                <a:cs typeface="+mn-cs"/>
+              </a:defRPr>
+            </a:lvl6pPr>
+            <a:lvl7pPr marL="2743200" algn="l" defTabSz="914400" rtl="0" eaLnBrk="1" latinLnBrk="0" hangingPunct="1">
+              <a:defRPr sz="1800" kern="1200">
+                <a:solidFill>
+                  <a:schemeClr val="lt1"/>
+                </a:solidFill>
+                <a:latin typeface="+mn-lt"/>
+                <a:ea typeface="+mn-ea"/>
+                <a:cs typeface="+mn-cs"/>
+              </a:defRPr>
+            </a:lvl7pPr>
+            <a:lvl8pPr marL="3200400" algn="l" defTabSz="914400" rtl="0" eaLnBrk="1" latinLnBrk="0" hangingPunct="1">
+              <a:defRPr sz="1800" kern="1200">
+                <a:solidFill>
+                  <a:schemeClr val="lt1"/>
+                </a:solidFill>
+                <a:latin typeface="+mn-lt"/>
+                <a:ea typeface="+mn-ea"/>
+                <a:cs typeface="+mn-cs"/>
+              </a:defRPr>
+            </a:lvl8pPr>
+            <a:lvl9pPr marL="3657600" algn="l" defTabSz="914400" rtl="0" eaLnBrk="1" latinLnBrk="0" hangingPunct="1">
+              <a:defRPr sz="1800" kern="1200">
+                <a:solidFill>
+                  <a:schemeClr val="lt1"/>
+                </a:solidFill>
+                <a:latin typeface="+mn-lt"/>
+                <a:ea typeface="+mn-ea"/>
+                <a:cs typeface="+mn-cs"/>
+              </a:defRPr>
+            </a:lvl9pPr>
+          </a:lstStyle>
+          <a:p>
+            <a:pPr algn="ctr">
+              <a:defRPr/>
+            </a:pPr>
+            <a:endParaRPr lang="zh-CN" altLang="en-US"/>
+          </a:p>
+        </p:txBody>
+      </p:sp>
+      <p:sp>
+        <p:nvSpPr>
+          <p:cNvPr id="13" name="TextBox 15"/>
+          <p:cNvSpPr txBox="1">
+            <a:spLocks noChangeArrowheads="1"/>
+          </p:cNvSpPr>
+          <p:nvPr/>
+        </p:nvSpPr>
+        <p:spPr bwMode="auto">
+          <a:xfrm>
+            <a:off x="5151438" y="2378075"/>
+            <a:ext cx="1000125" cy="1016000"/>
+          </a:xfrm>
+          <a:prstGeom prst="rect">
+            <a:avLst/>
+          </a:prstGeom>
+          <a:noFill/>
+          <a:ln>
+            <a:noFill/>
+          </a:ln>
+          <a:extLst>
+            <a:ext uri="{909E8E84-426E-40DD-AFC4-6F175D3DCCD1}">
+              <a14:hiddenFill xmlns:a14="http://schemas.microsoft.com/office/drawing/2010/main">
+                <a:solidFill>
+                  <a:srgbClr val="FFFFFF"/>
+                </a:solidFill>
+              </a14:hiddenFill>
+            </a:ext>
+            <a:ext uri="{91240B29-F687-4F45-9708-019B960494DF}">
+              <a14:hiddenLine xmlns:a14="http://schemas.microsoft.com/office/drawing/2010/main" w="9525">
+                <a:solidFill>
+                  <a:srgbClr val="000000"/>
+                </a:solidFill>
+                <a:miter lim="800000"/>
+                <a:headEnd/>
+                <a:tailEnd/>
+              </a14:hiddenLine>
+            </a:ext>
+          </a:extLst>
+        </p:spPr>
+        <p:txBody>
+          <a:bodyPr>
+            <a:spAutoFit/>
+          </a:bodyPr>
+          <a:lstStyle>
+            <a:lvl1pPr>
+              <a:defRPr>
+                <a:solidFill>
+                  <a:schemeClr val="tx1"/>
+                </a:solidFill>
+                <a:latin typeface="Arial" panose="020B0604020202020204" pitchFamily="34" charset="0"/>
+                <a:ea typeface="宋体" panose="02010600030101010101" pitchFamily="2" charset="-122"/>
+              </a:defRPr>
+            </a:lvl1pPr>
+            <a:lvl2pPr marL="742950" indent="-285750">
+              <a:defRPr>
+                <a:solidFill>
+                  <a:schemeClr val="tx1"/>
+                </a:solidFill>
+                <a:latin typeface="Arial" panose="020B0604020202020204" pitchFamily="34" charset="0"/>
+                <a:ea typeface="宋体" panose="02010600030101010101" pitchFamily="2" charset="-122"/>
+              </a:defRPr>
+            </a:lvl2pPr>
+            <a:lvl3pPr marL="1143000" indent="-228600">
+              <a:defRPr>
+                <a:solidFill>
+                  <a:schemeClr val="tx1"/>
+                </a:solidFill>
+                <a:latin typeface="Arial" panose="020B0604020202020204" pitchFamily="34" charset="0"/>
+                <a:ea typeface="宋体" panose="02010600030101010101" pitchFamily="2" charset="-122"/>
+              </a:defRPr>
+            </a:lvl3pPr>
+            <a:lvl4pPr marL="1600200" indent="-228600">
+              <a:defRPr>
+                <a:solidFill>
+                  <a:schemeClr val="tx1"/>
+                </a:solidFill>
+                <a:latin typeface="Arial" panose="020B0604020202020204" pitchFamily="34" charset="0"/>
+                <a:ea typeface="宋体" panose="02010600030101010101" pitchFamily="2" charset="-122"/>
+              </a:defRPr>
+            </a:lvl4pPr>
+            <a:lvl5pPr marL="2057400" indent="-228600">
+              <a:defRPr>
+                <a:solidFill>
+                  <a:schemeClr val="tx1"/>
+                </a:solidFill>
+                <a:latin typeface="Arial" panose="020B0604020202020204" pitchFamily="34" charset="0"/>
+                <a:ea typeface="宋体" panose="02010600030101010101" pitchFamily="2" charset="-122"/>
+              </a:defRPr>
+            </a:lvl5pPr>
+            <a:lvl6pPr marL="2514600" indent="-228600" eaLnBrk="0" fontAlgn="base" hangingPunct="0">
+              <a:spcBef>
+                <a:spcPct val="0"/>
+              </a:spcBef>
+              <a:spcAft>
+                <a:spcPct val="0"/>
+              </a:spcAft>
+              <a:defRPr>
+                <a:solidFill>
+                  <a:schemeClr val="tx1"/>
+                </a:solidFill>
+                <a:latin typeface="Arial" panose="020B0604020202020204" pitchFamily="34" charset="0"/>
+                <a:ea typeface="宋体" panose="02010600030101010101" pitchFamily="2" charset="-122"/>
+              </a:defRPr>
+            </a:lvl6pPr>
+            <a:lvl7pPr marL="2971800" indent="-228600" eaLnBrk="0" fontAlgn="base" hangingPunct="0">
+              <a:spcBef>
+                <a:spcPct val="0"/>
+              </a:spcBef>
+              <a:spcAft>
+                <a:spcPct val="0"/>
+              </a:spcAft>
+              <a:defRPr>
+                <a:solidFill>
+                  <a:schemeClr val="tx1"/>
+                </a:solidFill>
+                <a:latin typeface="Arial" panose="020B0604020202020204" pitchFamily="34" charset="0"/>
+                <a:ea typeface="宋体" panose="02010600030101010101" pitchFamily="2" charset="-122"/>
+              </a:defRPr>
+            </a:lvl7pPr>
+            <a:lvl8pPr marL="3429000" indent="-228600" eaLnBrk="0" fontAlgn="base" hangingPunct="0">
+              <a:spcBef>
+                <a:spcPct val="0"/>
+              </a:spcBef>
+              <a:spcAft>
+                <a:spcPct val="0"/>
+              </a:spcAft>
+              <a:defRPr>
+                <a:solidFill>
+                  <a:schemeClr val="tx1"/>
+                </a:solidFill>
+                <a:latin typeface="Arial" panose="020B0604020202020204" pitchFamily="34" charset="0"/>
+                <a:ea typeface="宋体" panose="02010600030101010101" pitchFamily="2" charset="-122"/>
+              </a:defRPr>
+            </a:lvl8pPr>
+            <a:lvl9pPr marL="3886200" indent="-228600" eaLnBrk="0" fontAlgn="base" hangingPunct="0">
+              <a:spcBef>
+                <a:spcPct val="0"/>
+              </a:spcBef>
+              <a:spcAft>
+                <a:spcPct val="0"/>
+              </a:spcAft>
+              <a:defRPr>
+                <a:solidFill>
+                  <a:schemeClr val="tx1"/>
+                </a:solidFill>
+                <a:latin typeface="Arial" panose="020B0604020202020204" pitchFamily="34" charset="0"/>
+                <a:ea typeface="宋体" panose="02010600030101010101" pitchFamily="2" charset="-122"/>
+              </a:defRPr>
+            </a:lvl9pPr>
+          </a:lstStyle>
+          <a:p>
+            <a:pPr eaLnBrk="1" hangingPunct="1"/>
+            <a:r>
+              <a:rPr lang="zh-CN" altLang="en-US" sz="6000">
+                <a:solidFill>
+                  <a:srgbClr val="00B0F0"/>
+                </a:solidFill>
+                <a:latin typeface="黑体" panose="02010609060101010101" pitchFamily="49" charset="-122"/>
+                <a:ea typeface="黑体" panose="02010609060101010101" pitchFamily="49" charset="-122"/>
+              </a:rPr>
+              <a:t>谢</a:t>
+            </a:r>
+          </a:p>
+        </p:txBody>
+      </p:sp>
+      <p:sp>
+        <p:nvSpPr>
+          <p:cNvPr id="14" name="TextBox 16"/>
+          <p:cNvSpPr txBox="1">
+            <a:spLocks noChangeArrowheads="1"/>
+          </p:cNvSpPr>
+          <p:nvPr/>
+        </p:nvSpPr>
+        <p:spPr bwMode="auto">
+          <a:xfrm>
+            <a:off x="6045200" y="2744788"/>
+            <a:ext cx="1000125" cy="1014412"/>
+          </a:xfrm>
+          <a:prstGeom prst="rect">
+            <a:avLst/>
+          </a:prstGeom>
+          <a:noFill/>
+          <a:ln>
+            <a:noFill/>
+          </a:ln>
+          <a:extLst>
+            <a:ext uri="{909E8E84-426E-40DD-AFC4-6F175D3DCCD1}">
+              <a14:hiddenFill xmlns:a14="http://schemas.microsoft.com/office/drawing/2010/main">
+                <a:solidFill>
+                  <a:srgbClr val="FFFFFF"/>
+                </a:solidFill>
+              </a14:hiddenFill>
+            </a:ext>
+            <a:ext uri="{91240B29-F687-4F45-9708-019B960494DF}">
+              <a14:hiddenLine xmlns:a14="http://schemas.microsoft.com/office/drawing/2010/main" w="9525">
+                <a:solidFill>
+                  <a:srgbClr val="000000"/>
+                </a:solidFill>
+                <a:miter lim="800000"/>
+                <a:headEnd/>
+                <a:tailEnd/>
+              </a14:hiddenLine>
+            </a:ext>
+          </a:extLst>
+        </p:spPr>
+        <p:txBody>
+          <a:bodyPr>
+            <a:spAutoFit/>
+          </a:bodyPr>
+          <a:lstStyle>
+            <a:lvl1pPr>
+              <a:defRPr>
+                <a:solidFill>
+                  <a:schemeClr val="tx1"/>
+                </a:solidFill>
+                <a:latin typeface="Arial" panose="020B0604020202020204" pitchFamily="34" charset="0"/>
+                <a:ea typeface="宋体" panose="02010600030101010101" pitchFamily="2" charset="-122"/>
+              </a:defRPr>
+            </a:lvl1pPr>
+            <a:lvl2pPr marL="742950" indent="-285750">
+              <a:defRPr>
+                <a:solidFill>
+                  <a:schemeClr val="tx1"/>
+                </a:solidFill>
+                <a:latin typeface="Arial" panose="020B0604020202020204" pitchFamily="34" charset="0"/>
+                <a:ea typeface="宋体" panose="02010600030101010101" pitchFamily="2" charset="-122"/>
+              </a:defRPr>
+            </a:lvl2pPr>
+            <a:lvl3pPr marL="1143000" indent="-228600">
+              <a:defRPr>
+                <a:solidFill>
+                  <a:schemeClr val="tx1"/>
+                </a:solidFill>
+                <a:latin typeface="Arial" panose="020B0604020202020204" pitchFamily="34" charset="0"/>
+                <a:ea typeface="宋体" panose="02010600030101010101" pitchFamily="2" charset="-122"/>
+              </a:defRPr>
+            </a:lvl3pPr>
+            <a:lvl4pPr marL="1600200" indent="-228600">
+              <a:defRPr>
+                <a:solidFill>
+                  <a:schemeClr val="tx1"/>
+                </a:solidFill>
+                <a:latin typeface="Arial" panose="020B0604020202020204" pitchFamily="34" charset="0"/>
+                <a:ea typeface="宋体" panose="02010600030101010101" pitchFamily="2" charset="-122"/>
+              </a:defRPr>
+            </a:lvl4pPr>
+            <a:lvl5pPr marL="2057400" indent="-228600">
+              <a:defRPr>
+                <a:solidFill>
+                  <a:schemeClr val="tx1"/>
+                </a:solidFill>
+                <a:latin typeface="Arial" panose="020B0604020202020204" pitchFamily="34" charset="0"/>
+                <a:ea typeface="宋体" panose="02010600030101010101" pitchFamily="2" charset="-122"/>
+              </a:defRPr>
+            </a:lvl5pPr>
+            <a:lvl6pPr marL="2514600" indent="-228600" eaLnBrk="0" fontAlgn="base" hangingPunct="0">
+              <a:spcBef>
+                <a:spcPct val="0"/>
+              </a:spcBef>
+              <a:spcAft>
+                <a:spcPct val="0"/>
+              </a:spcAft>
+              <a:defRPr>
+                <a:solidFill>
+                  <a:schemeClr val="tx1"/>
+                </a:solidFill>
+                <a:latin typeface="Arial" panose="020B0604020202020204" pitchFamily="34" charset="0"/>
+                <a:ea typeface="宋体" panose="02010600030101010101" pitchFamily="2" charset="-122"/>
+              </a:defRPr>
+            </a:lvl6pPr>
+            <a:lvl7pPr marL="2971800" indent="-228600" eaLnBrk="0" fontAlgn="base" hangingPunct="0">
+              <a:spcBef>
+                <a:spcPct val="0"/>
+              </a:spcBef>
+              <a:spcAft>
+                <a:spcPct val="0"/>
+              </a:spcAft>
+              <a:defRPr>
+                <a:solidFill>
+                  <a:schemeClr val="tx1"/>
+                </a:solidFill>
+                <a:latin typeface="Arial" panose="020B0604020202020204" pitchFamily="34" charset="0"/>
+                <a:ea typeface="宋体" panose="02010600030101010101" pitchFamily="2" charset="-122"/>
+              </a:defRPr>
+            </a:lvl7pPr>
+            <a:lvl8pPr marL="3429000" indent="-228600" eaLnBrk="0" fontAlgn="base" hangingPunct="0">
+              <a:spcBef>
+                <a:spcPct val="0"/>
+              </a:spcBef>
+              <a:spcAft>
+                <a:spcPct val="0"/>
+              </a:spcAft>
+              <a:defRPr>
+                <a:solidFill>
+                  <a:schemeClr val="tx1"/>
+                </a:solidFill>
+                <a:latin typeface="Arial" panose="020B0604020202020204" pitchFamily="34" charset="0"/>
+                <a:ea typeface="宋体" panose="02010600030101010101" pitchFamily="2" charset="-122"/>
+              </a:defRPr>
+            </a:lvl8pPr>
+            <a:lvl9pPr marL="3886200" indent="-228600" eaLnBrk="0" fontAlgn="base" hangingPunct="0">
+              <a:spcBef>
+                <a:spcPct val="0"/>
+              </a:spcBef>
+              <a:spcAft>
+                <a:spcPct val="0"/>
+              </a:spcAft>
+              <a:defRPr>
+                <a:solidFill>
+                  <a:schemeClr val="tx1"/>
+                </a:solidFill>
+                <a:latin typeface="Arial" panose="020B0604020202020204" pitchFamily="34" charset="0"/>
+                <a:ea typeface="宋体" panose="02010600030101010101" pitchFamily="2" charset="-122"/>
+              </a:defRPr>
+            </a:lvl9pPr>
+          </a:lstStyle>
+          <a:p>
+            <a:pPr eaLnBrk="1" hangingPunct="1"/>
+            <a:r>
+              <a:rPr lang="zh-CN" altLang="en-US" sz="6000">
+                <a:solidFill>
+                  <a:srgbClr val="00B0F0"/>
+                </a:solidFill>
+                <a:latin typeface="黑体" panose="02010609060101010101" pitchFamily="49" charset="-122"/>
+                <a:ea typeface="黑体" panose="02010609060101010101" pitchFamily="49" charset="-122"/>
+              </a:rPr>
+              <a:t>谢</a:t>
+            </a:r>
+          </a:p>
+        </p:txBody>
+      </p:sp>
+      <p:sp>
+        <p:nvSpPr>
+          <p:cNvPr id="15" name="矩形 14"/>
+          <p:cNvSpPr/>
+          <p:nvPr/>
+        </p:nvSpPr>
+        <p:spPr>
+          <a:xfrm>
+            <a:off x="5532438" y="-9525"/>
+            <a:ext cx="285750" cy="2643188"/>
+          </a:xfrm>
+          <a:prstGeom prst="rect">
+            <a:avLst/>
+          </a:prstGeom>
+          <a:solidFill>
+            <a:schemeClr val="bg1"/>
+          </a:solidFill>
+          <a:ln>
+            <a:noFill/>
+          </a:ln>
+        </p:spPr>
+        <p:style>
+          <a:lnRef idx="2">
+            <a:schemeClr val="accent1">
+              <a:shade val="50000"/>
+            </a:schemeClr>
+          </a:lnRef>
+          <a:fillRef idx="1">
+            <a:schemeClr val="accent1"/>
+          </a:fillRef>
+          <a:effectRef idx="0">
+            <a:schemeClr val="accent1"/>
+          </a:effectRef>
+          <a:fontRef idx="minor">
+            <a:schemeClr val="lt1"/>
+          </a:fontRef>
+        </p:style>
+        <p:txBody>
+          <a:bodyPr anchor="ctr"/>
+          <a:lstStyle>
+            <a:defPPr>
+              <a:defRPr lang="zh-CN"/>
+            </a:defPPr>
+            <a:lvl1pPr marL="0" algn="l" defTabSz="914400" rtl="0" eaLnBrk="1" latinLnBrk="0" hangingPunct="1">
+              <a:defRPr sz="1800" kern="1200">
+                <a:solidFill>
+                  <a:schemeClr val="lt1"/>
+                </a:solidFill>
+                <a:latin typeface="+mn-lt"/>
+                <a:ea typeface="+mn-ea"/>
+                <a:cs typeface="+mn-cs"/>
+              </a:defRPr>
+            </a:lvl1pPr>
+            <a:lvl2pPr marL="457200" algn="l" defTabSz="914400" rtl="0" eaLnBrk="1" latinLnBrk="0" hangingPunct="1">
+              <a:defRPr sz="1800" kern="1200">
+                <a:solidFill>
+                  <a:schemeClr val="lt1"/>
+                </a:solidFill>
+                <a:latin typeface="+mn-lt"/>
+                <a:ea typeface="+mn-ea"/>
+                <a:cs typeface="+mn-cs"/>
+              </a:defRPr>
+            </a:lvl2pPr>
+            <a:lvl3pPr marL="914400" algn="l" defTabSz="914400" rtl="0" eaLnBrk="1" latinLnBrk="0" hangingPunct="1">
+              <a:defRPr sz="1800" kern="1200">
+                <a:solidFill>
+                  <a:schemeClr val="lt1"/>
+                </a:solidFill>
+                <a:latin typeface="+mn-lt"/>
+                <a:ea typeface="+mn-ea"/>
+                <a:cs typeface="+mn-cs"/>
+              </a:defRPr>
+            </a:lvl3pPr>
+            <a:lvl4pPr marL="1371600" algn="l" defTabSz="914400" rtl="0" eaLnBrk="1" latinLnBrk="0" hangingPunct="1">
+              <a:defRPr sz="1800" kern="1200">
+                <a:solidFill>
+                  <a:schemeClr val="lt1"/>
+                </a:solidFill>
+                <a:latin typeface="+mn-lt"/>
+                <a:ea typeface="+mn-ea"/>
+                <a:cs typeface="+mn-cs"/>
+              </a:defRPr>
+            </a:lvl4pPr>
+            <a:lvl5pPr marL="1828800" algn="l" defTabSz="914400" rtl="0" eaLnBrk="1" latinLnBrk="0" hangingPunct="1">
+              <a:defRPr sz="1800" kern="1200">
+                <a:solidFill>
+                  <a:schemeClr val="lt1"/>
+                </a:solidFill>
+                <a:latin typeface="+mn-lt"/>
+                <a:ea typeface="+mn-ea"/>
+                <a:cs typeface="+mn-cs"/>
+              </a:defRPr>
+            </a:lvl5pPr>
+            <a:lvl6pPr marL="2286000" algn="l" defTabSz="914400" rtl="0" eaLnBrk="1" latinLnBrk="0" hangingPunct="1">
+              <a:defRPr sz="1800" kern="1200">
+                <a:solidFill>
+                  <a:schemeClr val="lt1"/>
+                </a:solidFill>
+                <a:latin typeface="+mn-lt"/>
+                <a:ea typeface="+mn-ea"/>
+                <a:cs typeface="+mn-cs"/>
+              </a:defRPr>
+            </a:lvl6pPr>
+            <a:lvl7pPr marL="2743200" algn="l" defTabSz="914400" rtl="0" eaLnBrk="1" latinLnBrk="0" hangingPunct="1">
+              <a:defRPr sz="1800" kern="1200">
+                <a:solidFill>
+                  <a:schemeClr val="lt1"/>
+                </a:solidFill>
+                <a:latin typeface="+mn-lt"/>
+                <a:ea typeface="+mn-ea"/>
+                <a:cs typeface="+mn-cs"/>
+              </a:defRPr>
+            </a:lvl7pPr>
+            <a:lvl8pPr marL="3200400" algn="l" defTabSz="914400" rtl="0" eaLnBrk="1" latinLnBrk="0" hangingPunct="1">
+              <a:defRPr sz="1800" kern="1200">
+                <a:solidFill>
+                  <a:schemeClr val="lt1"/>
+                </a:solidFill>
+                <a:latin typeface="+mn-lt"/>
+                <a:ea typeface="+mn-ea"/>
+                <a:cs typeface="+mn-cs"/>
+              </a:defRPr>
+            </a:lvl8pPr>
+            <a:lvl9pPr marL="3657600" algn="l" defTabSz="914400" rtl="0" eaLnBrk="1" latinLnBrk="0" hangingPunct="1">
+              <a:defRPr sz="1800" kern="1200">
+                <a:solidFill>
+                  <a:schemeClr val="lt1"/>
+                </a:solidFill>
+                <a:latin typeface="+mn-lt"/>
+                <a:ea typeface="+mn-ea"/>
+                <a:cs typeface="+mn-cs"/>
+              </a:defRPr>
+            </a:lvl9pPr>
+          </a:lstStyle>
+          <a:p>
+            <a:pPr algn="ctr">
+              <a:defRPr/>
+            </a:pPr>
+            <a:endParaRPr lang="zh-CN" altLang="en-US"/>
+          </a:p>
+        </p:txBody>
+      </p:sp>
+      <p:sp>
+        <p:nvSpPr>
+          <p:cNvPr id="16" name="矩形 15"/>
+          <p:cNvSpPr/>
+          <p:nvPr/>
+        </p:nvSpPr>
+        <p:spPr>
+          <a:xfrm>
+            <a:off x="5889625" y="-9525"/>
+            <a:ext cx="71438" cy="2643188"/>
+          </a:xfrm>
+          <a:prstGeom prst="rect">
+            <a:avLst/>
+          </a:prstGeom>
+          <a:solidFill>
+            <a:schemeClr val="bg1"/>
+          </a:solidFill>
+          <a:ln>
+            <a:noFill/>
+          </a:ln>
+        </p:spPr>
+        <p:style>
+          <a:lnRef idx="2">
+            <a:schemeClr val="accent1">
+              <a:shade val="50000"/>
+            </a:schemeClr>
+          </a:lnRef>
+          <a:fillRef idx="1">
+            <a:schemeClr val="accent1"/>
+          </a:fillRef>
+          <a:effectRef idx="0">
+            <a:schemeClr val="accent1"/>
+          </a:effectRef>
+          <a:fontRef idx="minor">
+            <a:schemeClr val="lt1"/>
+          </a:fontRef>
+        </p:style>
+        <p:txBody>
+          <a:bodyPr anchor="ctr"/>
+          <a:lstStyle>
+            <a:defPPr>
+              <a:defRPr lang="zh-CN"/>
+            </a:defPPr>
+            <a:lvl1pPr marL="0" algn="l" defTabSz="914400" rtl="0" eaLnBrk="1" latinLnBrk="0" hangingPunct="1">
+              <a:defRPr sz="1800" kern="1200">
+                <a:solidFill>
+                  <a:schemeClr val="lt1"/>
+                </a:solidFill>
+                <a:latin typeface="+mn-lt"/>
+                <a:ea typeface="+mn-ea"/>
+                <a:cs typeface="+mn-cs"/>
+              </a:defRPr>
+            </a:lvl1pPr>
+            <a:lvl2pPr marL="457200" algn="l" defTabSz="914400" rtl="0" eaLnBrk="1" latinLnBrk="0" hangingPunct="1">
+              <a:defRPr sz="1800" kern="1200">
+                <a:solidFill>
+                  <a:schemeClr val="lt1"/>
+                </a:solidFill>
+                <a:latin typeface="+mn-lt"/>
+                <a:ea typeface="+mn-ea"/>
+                <a:cs typeface="+mn-cs"/>
+              </a:defRPr>
+            </a:lvl2pPr>
+            <a:lvl3pPr marL="914400" algn="l" defTabSz="914400" rtl="0" eaLnBrk="1" latinLnBrk="0" hangingPunct="1">
+              <a:defRPr sz="1800" kern="1200">
+                <a:solidFill>
+                  <a:schemeClr val="lt1"/>
+                </a:solidFill>
+                <a:latin typeface="+mn-lt"/>
+                <a:ea typeface="+mn-ea"/>
+                <a:cs typeface="+mn-cs"/>
+              </a:defRPr>
+            </a:lvl3pPr>
+            <a:lvl4pPr marL="1371600" algn="l" defTabSz="914400" rtl="0" eaLnBrk="1" latinLnBrk="0" hangingPunct="1">
+              <a:defRPr sz="1800" kern="1200">
+                <a:solidFill>
+                  <a:schemeClr val="lt1"/>
+                </a:solidFill>
+                <a:latin typeface="+mn-lt"/>
+                <a:ea typeface="+mn-ea"/>
+                <a:cs typeface="+mn-cs"/>
+              </a:defRPr>
+            </a:lvl4pPr>
+            <a:lvl5pPr marL="1828800" algn="l" defTabSz="914400" rtl="0" eaLnBrk="1" latinLnBrk="0" hangingPunct="1">
+              <a:defRPr sz="1800" kern="1200">
+                <a:solidFill>
+                  <a:schemeClr val="lt1"/>
+                </a:solidFill>
+                <a:latin typeface="+mn-lt"/>
+                <a:ea typeface="+mn-ea"/>
+                <a:cs typeface="+mn-cs"/>
+              </a:defRPr>
+            </a:lvl5pPr>
+            <a:lvl6pPr marL="2286000" algn="l" defTabSz="914400" rtl="0" eaLnBrk="1" latinLnBrk="0" hangingPunct="1">
+              <a:defRPr sz="1800" kern="1200">
+                <a:solidFill>
+                  <a:schemeClr val="lt1"/>
+                </a:solidFill>
+                <a:latin typeface="+mn-lt"/>
+                <a:ea typeface="+mn-ea"/>
+                <a:cs typeface="+mn-cs"/>
+              </a:defRPr>
+            </a:lvl6pPr>
+            <a:lvl7pPr marL="2743200" algn="l" defTabSz="914400" rtl="0" eaLnBrk="1" latinLnBrk="0" hangingPunct="1">
+              <a:defRPr sz="1800" kern="1200">
+                <a:solidFill>
+                  <a:schemeClr val="lt1"/>
+                </a:solidFill>
+                <a:latin typeface="+mn-lt"/>
+                <a:ea typeface="+mn-ea"/>
+                <a:cs typeface="+mn-cs"/>
+              </a:defRPr>
+            </a:lvl7pPr>
+            <a:lvl8pPr marL="3200400" algn="l" defTabSz="914400" rtl="0" eaLnBrk="1" latinLnBrk="0" hangingPunct="1">
+              <a:defRPr sz="1800" kern="1200">
+                <a:solidFill>
+                  <a:schemeClr val="lt1"/>
+                </a:solidFill>
+                <a:latin typeface="+mn-lt"/>
+                <a:ea typeface="+mn-ea"/>
+                <a:cs typeface="+mn-cs"/>
+              </a:defRPr>
+            </a:lvl8pPr>
+            <a:lvl9pPr marL="3657600" algn="l" defTabSz="914400" rtl="0" eaLnBrk="1" latinLnBrk="0" hangingPunct="1">
+              <a:defRPr sz="1800" kern="1200">
+                <a:solidFill>
+                  <a:schemeClr val="lt1"/>
+                </a:solidFill>
+                <a:latin typeface="+mn-lt"/>
+                <a:ea typeface="+mn-ea"/>
+                <a:cs typeface="+mn-cs"/>
+              </a:defRPr>
+            </a:lvl9pPr>
+          </a:lstStyle>
+          <a:p>
+            <a:pPr algn="ctr">
+              <a:defRPr/>
+            </a:pPr>
+            <a:endParaRPr lang="zh-CN" altLang="en-US"/>
+          </a:p>
+        </p:txBody>
+      </p:sp>
+      <p:sp>
+        <p:nvSpPr>
+          <p:cNvPr id="17" name="矩形 16"/>
+          <p:cNvSpPr/>
+          <p:nvPr/>
+        </p:nvSpPr>
+        <p:spPr>
+          <a:xfrm>
+            <a:off x="6188075" y="-9525"/>
+            <a:ext cx="142875" cy="2786063"/>
+          </a:xfrm>
+          <a:prstGeom prst="rect">
+            <a:avLst/>
+          </a:prstGeom>
+          <a:solidFill>
+            <a:schemeClr val="bg1"/>
+          </a:solidFill>
+          <a:ln>
+            <a:noFill/>
+          </a:ln>
+        </p:spPr>
+        <p:style>
+          <a:lnRef idx="2">
+            <a:schemeClr val="accent1">
+              <a:shade val="50000"/>
+            </a:schemeClr>
+          </a:lnRef>
+          <a:fillRef idx="1">
+            <a:schemeClr val="accent1"/>
+          </a:fillRef>
+          <a:effectRef idx="0">
+            <a:schemeClr val="accent1"/>
+          </a:effectRef>
+          <a:fontRef idx="minor">
+            <a:schemeClr val="lt1"/>
+          </a:fontRef>
+        </p:style>
+        <p:txBody>
+          <a:bodyPr anchor="ctr"/>
+          <a:lstStyle>
+            <a:defPPr>
+              <a:defRPr lang="zh-CN"/>
+            </a:defPPr>
+            <a:lvl1pPr marL="0" algn="l" defTabSz="914400" rtl="0" eaLnBrk="1" latinLnBrk="0" hangingPunct="1">
+              <a:defRPr sz="1800" kern="1200">
+                <a:solidFill>
+                  <a:schemeClr val="lt1"/>
+                </a:solidFill>
+                <a:latin typeface="+mn-lt"/>
+                <a:ea typeface="+mn-ea"/>
+                <a:cs typeface="+mn-cs"/>
+              </a:defRPr>
+            </a:lvl1pPr>
+            <a:lvl2pPr marL="457200" algn="l" defTabSz="914400" rtl="0" eaLnBrk="1" latinLnBrk="0" hangingPunct="1">
+              <a:defRPr sz="1800" kern="1200">
+                <a:solidFill>
+                  <a:schemeClr val="lt1"/>
+                </a:solidFill>
+                <a:latin typeface="+mn-lt"/>
+                <a:ea typeface="+mn-ea"/>
+                <a:cs typeface="+mn-cs"/>
+              </a:defRPr>
+            </a:lvl2pPr>
+            <a:lvl3pPr marL="914400" algn="l" defTabSz="914400" rtl="0" eaLnBrk="1" latinLnBrk="0" hangingPunct="1">
+              <a:defRPr sz="1800" kern="1200">
+                <a:solidFill>
+                  <a:schemeClr val="lt1"/>
+                </a:solidFill>
+                <a:latin typeface="+mn-lt"/>
+                <a:ea typeface="+mn-ea"/>
+                <a:cs typeface="+mn-cs"/>
+              </a:defRPr>
+            </a:lvl3pPr>
+            <a:lvl4pPr marL="1371600" algn="l" defTabSz="914400" rtl="0" eaLnBrk="1" latinLnBrk="0" hangingPunct="1">
+              <a:defRPr sz="1800" kern="1200">
+                <a:solidFill>
+                  <a:schemeClr val="lt1"/>
+                </a:solidFill>
+                <a:latin typeface="+mn-lt"/>
+                <a:ea typeface="+mn-ea"/>
+                <a:cs typeface="+mn-cs"/>
+              </a:defRPr>
+            </a:lvl4pPr>
+            <a:lvl5pPr marL="1828800" algn="l" defTabSz="914400" rtl="0" eaLnBrk="1" latinLnBrk="0" hangingPunct="1">
+              <a:defRPr sz="1800" kern="1200">
+                <a:solidFill>
+                  <a:schemeClr val="lt1"/>
+                </a:solidFill>
+                <a:latin typeface="+mn-lt"/>
+                <a:ea typeface="+mn-ea"/>
+                <a:cs typeface="+mn-cs"/>
+              </a:defRPr>
+            </a:lvl5pPr>
+            <a:lvl6pPr marL="2286000" algn="l" defTabSz="914400" rtl="0" eaLnBrk="1" latinLnBrk="0" hangingPunct="1">
+              <a:defRPr sz="1800" kern="1200">
+                <a:solidFill>
+                  <a:schemeClr val="lt1"/>
+                </a:solidFill>
+                <a:latin typeface="+mn-lt"/>
+                <a:ea typeface="+mn-ea"/>
+                <a:cs typeface="+mn-cs"/>
+              </a:defRPr>
+            </a:lvl6pPr>
+            <a:lvl7pPr marL="2743200" algn="l" defTabSz="914400" rtl="0" eaLnBrk="1" latinLnBrk="0" hangingPunct="1">
+              <a:defRPr sz="1800" kern="1200">
+                <a:solidFill>
+                  <a:schemeClr val="lt1"/>
+                </a:solidFill>
+                <a:latin typeface="+mn-lt"/>
+                <a:ea typeface="+mn-ea"/>
+                <a:cs typeface="+mn-cs"/>
+              </a:defRPr>
+            </a:lvl7pPr>
+            <a:lvl8pPr marL="3200400" algn="l" defTabSz="914400" rtl="0" eaLnBrk="1" latinLnBrk="0" hangingPunct="1">
+              <a:defRPr sz="1800" kern="1200">
+                <a:solidFill>
+                  <a:schemeClr val="lt1"/>
+                </a:solidFill>
+                <a:latin typeface="+mn-lt"/>
+                <a:ea typeface="+mn-ea"/>
+                <a:cs typeface="+mn-cs"/>
+              </a:defRPr>
+            </a:lvl8pPr>
+            <a:lvl9pPr marL="3657600" algn="l" defTabSz="914400" rtl="0" eaLnBrk="1" latinLnBrk="0" hangingPunct="1">
+              <a:defRPr sz="1800" kern="1200">
+                <a:solidFill>
+                  <a:schemeClr val="lt1"/>
+                </a:solidFill>
+                <a:latin typeface="+mn-lt"/>
+                <a:ea typeface="+mn-ea"/>
+                <a:cs typeface="+mn-cs"/>
+              </a:defRPr>
+            </a:lvl9pPr>
+          </a:lstStyle>
+          <a:p>
+            <a:pPr algn="ctr">
+              <a:defRPr/>
+            </a:pPr>
+            <a:endParaRPr lang="zh-CN" altLang="en-US"/>
+          </a:p>
+        </p:txBody>
+      </p:sp>
+      <p:sp>
+        <p:nvSpPr>
+          <p:cNvPr id="18" name="矩形 17"/>
+          <p:cNvSpPr/>
+          <p:nvPr/>
+        </p:nvSpPr>
+        <p:spPr>
+          <a:xfrm>
+            <a:off x="6402388" y="-9525"/>
+            <a:ext cx="214312" cy="2786063"/>
+          </a:xfrm>
+          <a:prstGeom prst="rect">
+            <a:avLst/>
+          </a:prstGeom>
+          <a:solidFill>
+            <a:schemeClr val="bg1"/>
+          </a:solidFill>
+          <a:ln>
+            <a:noFill/>
+          </a:ln>
+        </p:spPr>
+        <p:style>
+          <a:lnRef idx="2">
+            <a:schemeClr val="accent1">
+              <a:shade val="50000"/>
+            </a:schemeClr>
+          </a:lnRef>
+          <a:fillRef idx="1">
+            <a:schemeClr val="accent1"/>
+          </a:fillRef>
+          <a:effectRef idx="0">
+            <a:schemeClr val="accent1"/>
+          </a:effectRef>
+          <a:fontRef idx="minor">
+            <a:schemeClr val="lt1"/>
+          </a:fontRef>
+        </p:style>
+        <p:txBody>
+          <a:bodyPr anchor="ctr"/>
+          <a:lstStyle>
+            <a:defPPr>
+              <a:defRPr lang="zh-CN"/>
+            </a:defPPr>
+            <a:lvl1pPr marL="0" algn="l" defTabSz="914400" rtl="0" eaLnBrk="1" latinLnBrk="0" hangingPunct="1">
+              <a:defRPr sz="1800" kern="1200">
+                <a:solidFill>
+                  <a:schemeClr val="lt1"/>
+                </a:solidFill>
+                <a:latin typeface="+mn-lt"/>
+                <a:ea typeface="+mn-ea"/>
+                <a:cs typeface="+mn-cs"/>
+              </a:defRPr>
+            </a:lvl1pPr>
+            <a:lvl2pPr marL="457200" algn="l" defTabSz="914400" rtl="0" eaLnBrk="1" latinLnBrk="0" hangingPunct="1">
+              <a:defRPr sz="1800" kern="1200">
+                <a:solidFill>
+                  <a:schemeClr val="lt1"/>
+                </a:solidFill>
+                <a:latin typeface="+mn-lt"/>
+                <a:ea typeface="+mn-ea"/>
+                <a:cs typeface="+mn-cs"/>
+              </a:defRPr>
+            </a:lvl2pPr>
+            <a:lvl3pPr marL="914400" algn="l" defTabSz="914400" rtl="0" eaLnBrk="1" latinLnBrk="0" hangingPunct="1">
+              <a:defRPr sz="1800" kern="1200">
+                <a:solidFill>
+                  <a:schemeClr val="lt1"/>
+                </a:solidFill>
+                <a:latin typeface="+mn-lt"/>
+                <a:ea typeface="+mn-ea"/>
+                <a:cs typeface="+mn-cs"/>
+              </a:defRPr>
+            </a:lvl3pPr>
+            <a:lvl4pPr marL="1371600" algn="l" defTabSz="914400" rtl="0" eaLnBrk="1" latinLnBrk="0" hangingPunct="1">
+              <a:defRPr sz="1800" kern="1200">
+                <a:solidFill>
+                  <a:schemeClr val="lt1"/>
+                </a:solidFill>
+                <a:latin typeface="+mn-lt"/>
+                <a:ea typeface="+mn-ea"/>
+                <a:cs typeface="+mn-cs"/>
+              </a:defRPr>
+            </a:lvl4pPr>
+            <a:lvl5pPr marL="1828800" algn="l" defTabSz="914400" rtl="0" eaLnBrk="1" latinLnBrk="0" hangingPunct="1">
+              <a:defRPr sz="1800" kern="1200">
+                <a:solidFill>
+                  <a:schemeClr val="lt1"/>
+                </a:solidFill>
+                <a:latin typeface="+mn-lt"/>
+                <a:ea typeface="+mn-ea"/>
+                <a:cs typeface="+mn-cs"/>
+              </a:defRPr>
+            </a:lvl5pPr>
+            <a:lvl6pPr marL="2286000" algn="l" defTabSz="914400" rtl="0" eaLnBrk="1" latinLnBrk="0" hangingPunct="1">
+              <a:defRPr sz="1800" kern="1200">
+                <a:solidFill>
+                  <a:schemeClr val="lt1"/>
+                </a:solidFill>
+                <a:latin typeface="+mn-lt"/>
+                <a:ea typeface="+mn-ea"/>
+                <a:cs typeface="+mn-cs"/>
+              </a:defRPr>
+            </a:lvl6pPr>
+            <a:lvl7pPr marL="2743200" algn="l" defTabSz="914400" rtl="0" eaLnBrk="1" latinLnBrk="0" hangingPunct="1">
+              <a:defRPr sz="1800" kern="1200">
+                <a:solidFill>
+                  <a:schemeClr val="lt1"/>
+                </a:solidFill>
+                <a:latin typeface="+mn-lt"/>
+                <a:ea typeface="+mn-ea"/>
+                <a:cs typeface="+mn-cs"/>
+              </a:defRPr>
+            </a:lvl7pPr>
+            <a:lvl8pPr marL="3200400" algn="l" defTabSz="914400" rtl="0" eaLnBrk="1" latinLnBrk="0" hangingPunct="1">
+              <a:defRPr sz="1800" kern="1200">
+                <a:solidFill>
+                  <a:schemeClr val="lt1"/>
+                </a:solidFill>
+                <a:latin typeface="+mn-lt"/>
+                <a:ea typeface="+mn-ea"/>
+                <a:cs typeface="+mn-cs"/>
+              </a:defRPr>
+            </a:lvl8pPr>
+            <a:lvl9pPr marL="3657600" algn="l" defTabSz="914400" rtl="0" eaLnBrk="1" latinLnBrk="0" hangingPunct="1">
+              <a:defRPr sz="1800" kern="1200">
+                <a:solidFill>
+                  <a:schemeClr val="lt1"/>
+                </a:solidFill>
+                <a:latin typeface="+mn-lt"/>
+                <a:ea typeface="+mn-ea"/>
+                <a:cs typeface="+mn-cs"/>
+              </a:defRPr>
+            </a:lvl9pPr>
+          </a:lstStyle>
+          <a:p>
+            <a:pPr algn="ctr">
+              <a:defRPr/>
+            </a:pPr>
+            <a:endParaRPr lang="zh-CN" altLang="en-US"/>
+          </a:p>
+        </p:txBody>
+      </p:sp>
+      <p:sp>
+        <p:nvSpPr>
+          <p:cNvPr id="19" name="矩形 18"/>
+          <p:cNvSpPr/>
+          <p:nvPr/>
+        </p:nvSpPr>
+        <p:spPr>
+          <a:xfrm>
+            <a:off x="6746875" y="-9525"/>
+            <a:ext cx="71438" cy="2786063"/>
+          </a:xfrm>
+          <a:prstGeom prst="rect">
+            <a:avLst/>
+          </a:prstGeom>
+          <a:solidFill>
+            <a:schemeClr val="bg1"/>
+          </a:solidFill>
+          <a:ln>
+            <a:noFill/>
+          </a:ln>
+        </p:spPr>
+        <p:style>
+          <a:lnRef idx="2">
+            <a:schemeClr val="accent1">
+              <a:shade val="50000"/>
+            </a:schemeClr>
+          </a:lnRef>
+          <a:fillRef idx="1">
+            <a:schemeClr val="accent1"/>
+          </a:fillRef>
+          <a:effectRef idx="0">
+            <a:schemeClr val="accent1"/>
+          </a:effectRef>
+          <a:fontRef idx="minor">
+            <a:schemeClr val="lt1"/>
+          </a:fontRef>
+        </p:style>
+        <p:txBody>
+          <a:bodyPr anchor="ctr"/>
+          <a:lstStyle>
+            <a:defPPr>
+              <a:defRPr lang="zh-CN"/>
+            </a:defPPr>
+            <a:lvl1pPr marL="0" algn="l" defTabSz="914400" rtl="0" eaLnBrk="1" latinLnBrk="0" hangingPunct="1">
+              <a:defRPr sz="1800" kern="1200">
+                <a:solidFill>
+                  <a:schemeClr val="lt1"/>
+                </a:solidFill>
+                <a:latin typeface="+mn-lt"/>
+                <a:ea typeface="+mn-ea"/>
+                <a:cs typeface="+mn-cs"/>
+              </a:defRPr>
+            </a:lvl1pPr>
+            <a:lvl2pPr marL="457200" algn="l" defTabSz="914400" rtl="0" eaLnBrk="1" latinLnBrk="0" hangingPunct="1">
+              <a:defRPr sz="1800" kern="1200">
+                <a:solidFill>
+                  <a:schemeClr val="lt1"/>
+                </a:solidFill>
+                <a:latin typeface="+mn-lt"/>
+                <a:ea typeface="+mn-ea"/>
+                <a:cs typeface="+mn-cs"/>
+              </a:defRPr>
+            </a:lvl2pPr>
+            <a:lvl3pPr marL="914400" algn="l" defTabSz="914400" rtl="0" eaLnBrk="1" latinLnBrk="0" hangingPunct="1">
+              <a:defRPr sz="1800" kern="1200">
+                <a:solidFill>
+                  <a:schemeClr val="lt1"/>
+                </a:solidFill>
+                <a:latin typeface="+mn-lt"/>
+                <a:ea typeface="+mn-ea"/>
+                <a:cs typeface="+mn-cs"/>
+              </a:defRPr>
+            </a:lvl3pPr>
+            <a:lvl4pPr marL="1371600" algn="l" defTabSz="914400" rtl="0" eaLnBrk="1" latinLnBrk="0" hangingPunct="1">
+              <a:defRPr sz="1800" kern="1200">
+                <a:solidFill>
+                  <a:schemeClr val="lt1"/>
+                </a:solidFill>
+                <a:latin typeface="+mn-lt"/>
+                <a:ea typeface="+mn-ea"/>
+                <a:cs typeface="+mn-cs"/>
+              </a:defRPr>
+            </a:lvl4pPr>
+            <a:lvl5pPr marL="1828800" algn="l" defTabSz="914400" rtl="0" eaLnBrk="1" latinLnBrk="0" hangingPunct="1">
+              <a:defRPr sz="1800" kern="1200">
+                <a:solidFill>
+                  <a:schemeClr val="lt1"/>
+                </a:solidFill>
+                <a:latin typeface="+mn-lt"/>
+                <a:ea typeface="+mn-ea"/>
+                <a:cs typeface="+mn-cs"/>
+              </a:defRPr>
+            </a:lvl5pPr>
+            <a:lvl6pPr marL="2286000" algn="l" defTabSz="914400" rtl="0" eaLnBrk="1" latinLnBrk="0" hangingPunct="1">
+              <a:defRPr sz="1800" kern="1200">
+                <a:solidFill>
+                  <a:schemeClr val="lt1"/>
+                </a:solidFill>
+                <a:latin typeface="+mn-lt"/>
+                <a:ea typeface="+mn-ea"/>
+                <a:cs typeface="+mn-cs"/>
+              </a:defRPr>
+            </a:lvl6pPr>
+            <a:lvl7pPr marL="2743200" algn="l" defTabSz="914400" rtl="0" eaLnBrk="1" latinLnBrk="0" hangingPunct="1">
+              <a:defRPr sz="1800" kern="1200">
+                <a:solidFill>
+                  <a:schemeClr val="lt1"/>
+                </a:solidFill>
+                <a:latin typeface="+mn-lt"/>
+                <a:ea typeface="+mn-ea"/>
+                <a:cs typeface="+mn-cs"/>
+              </a:defRPr>
+            </a:lvl7pPr>
+            <a:lvl8pPr marL="3200400" algn="l" defTabSz="914400" rtl="0" eaLnBrk="1" latinLnBrk="0" hangingPunct="1">
+              <a:defRPr sz="1800" kern="1200">
+                <a:solidFill>
+                  <a:schemeClr val="lt1"/>
+                </a:solidFill>
+                <a:latin typeface="+mn-lt"/>
+                <a:ea typeface="+mn-ea"/>
+                <a:cs typeface="+mn-cs"/>
+              </a:defRPr>
+            </a:lvl8pPr>
+            <a:lvl9pPr marL="3657600" algn="l" defTabSz="914400" rtl="0" eaLnBrk="1" latinLnBrk="0" hangingPunct="1">
+              <a:defRPr sz="1800" kern="1200">
+                <a:solidFill>
+                  <a:schemeClr val="lt1"/>
+                </a:solidFill>
+                <a:latin typeface="+mn-lt"/>
+                <a:ea typeface="+mn-ea"/>
+                <a:cs typeface="+mn-cs"/>
+              </a:defRPr>
+            </a:lvl9pPr>
+          </a:lstStyle>
+          <a:p>
+            <a:pPr algn="ctr">
+              <a:defRPr/>
+            </a:pPr>
+            <a:endParaRPr lang="zh-CN" altLang="en-US"/>
+          </a:p>
+        </p:txBody>
+      </p:sp>
+      <p:pic>
+        <p:nvPicPr>
+          <p:cNvPr id="20" name="图片 19"/>
+          <p:cNvPicPr>
+            <a:picLocks noChangeAspect="1"/>
+          </p:cNvPicPr>
+          <p:nvPr/>
+        </p:nvPicPr>
+        <p:blipFill>
+          <a:blip r:embed="rId3" cstate="print">
+            <a:extLst>
+              <a:ext uri="{28A0092B-C50C-407E-A947-70E740481C1C}">
+                <a14:useLocalDpi xmlns:a14="http://schemas.microsoft.com/office/drawing/2010/main" val="0"/>
+              </a:ext>
+            </a:extLst>
+          </a:blip>
+          <a:stretch>
+            <a:fillRect/>
+          </a:stretch>
+        </p:blipFill>
+        <p:spPr>
+          <a:xfrm>
+            <a:off x="2676092" y="-60242"/>
+            <a:ext cx="3154041" cy="2743200"/>
+          </a:xfrm>
+          <a:prstGeom prst="ellipse">
+            <a:avLst/>
+          </a:prstGeom>
+          <a:ln>
+            <a:noFill/>
+          </a:ln>
+          <a:effectLst>
+            <a:softEdge rad="112500"/>
+          </a:effectLst>
+        </p:spPr>
+      </p:pic>
+    </p:spTree>
+    <p:extLst>
+      <p:ext uri="{BB962C8B-B14F-4D97-AF65-F5344CB8AC3E}">
+        <p14:creationId xmlns:p14="http://schemas.microsoft.com/office/powerpoint/2010/main" val="681377672"/>
+      </p:ext>
+    </p:extLst>
+  </p:cSld>
+  <p:clrMapOvr>
+    <a:masterClrMapping/>
+  </p:clrMapOvr>
+  <p:timing>
+    <p:tnLst>
+      <p:par>
+        <p:cTn id="1" dur="indefinite" restart="never" nodeType="tmRoot"/>
+      </p:par>
+    </p:tnLst>
+  </p:timing>
+</p:sld>
+</file>
+
 <file path=ppt/slides/slide3.xml><?xml version="1.0" encoding="utf-8"?>
 <p:sld xmlns:a="http://schemas.openxmlformats.org/drawingml/2006/main" xmlns:r="http://schemas.openxmlformats.org/officeDocument/2006/relationships" xmlns:p="http://schemas.openxmlformats.org/presentationml/2006/main">
   <p:cSld>
@@ -17304,7 +26287,7 @@
           <a:graphicData uri="http://schemas.openxmlformats.org/presentationml/2006/ole">
             <mc:AlternateContent xmlns:mc="http://schemas.openxmlformats.org/markup-compatibility/2006">
               <mc:Choice xmlns:v="urn:schemas-microsoft-com:vml" Requires="v">
-                <p:oleObj spid="_x0000_s1058" name="Visio" r:id="rId4" imgW="1209631" imgH="7305556" progId="Visio.Drawing.15">
+                <p:oleObj spid="_x0000_s1071" name="Visio" r:id="rId4" imgW="1209631" imgH="7305556" progId="Visio.Drawing.15">
                   <p:embed/>
                 </p:oleObj>
               </mc:Choice>
@@ -21812,7 +30795,7 @@
           <a:graphicData uri="http://schemas.openxmlformats.org/presentationml/2006/ole">
             <mc:AlternateContent xmlns:mc="http://schemas.openxmlformats.org/markup-compatibility/2006">
               <mc:Choice xmlns:v="urn:schemas-microsoft-com:vml" Requires="v">
-                <p:oleObj spid="_x0000_s4112" name="Visio" r:id="rId4" imgW="2619494" imgH="6505483" progId="Visio.Drawing.15">
+                <p:oleObj spid="_x0000_s4125" name="Visio" r:id="rId4" imgW="2619494" imgH="6505483" progId="Visio.Drawing.15">
                   <p:embed/>
                 </p:oleObj>
               </mc:Choice>

--- a/trunk/答辩.pptx
+++ b/trunk/答辩.pptx
@@ -259,7 +259,7 @@
           <a:p>
             <a:fld id="{86909E6F-320A-469C-BB62-61F7F1FEA1CC}" type="datetimeFigureOut">
               <a:rPr lang="zh-CN" altLang="en-US" smtClean="0"/>
-              <a:t>2016/5/30</a:t>
+              <a:t>2016/5/31</a:t>
             </a:fld>
             <a:endParaRPr lang="zh-CN" altLang="en-US"/>
           </a:p>
@@ -802,7 +802,7 @@
               <a:pPr>
                 <a:defRPr/>
               </a:pPr>
-              <a:t>2016/5/30</a:t>
+              <a:t>2016/5/31</a:t>
             </a:fld>
             <a:endParaRPr lang="zh-CN" altLang="en-US"/>
           </a:p>
@@ -994,7 +994,7 @@
               <a:pPr>
                 <a:defRPr/>
               </a:pPr>
-              <a:t>2016/5/30</a:t>
+              <a:t>2016/5/31</a:t>
             </a:fld>
             <a:endParaRPr lang="zh-CN" altLang="en-US"/>
           </a:p>
@@ -1196,7 +1196,7 @@
               <a:pPr>
                 <a:defRPr/>
               </a:pPr>
-              <a:t>2016/5/30</a:t>
+              <a:t>2016/5/31</a:t>
             </a:fld>
             <a:endParaRPr lang="zh-CN" altLang="en-US"/>
           </a:p>
@@ -1388,7 +1388,7 @@
               <a:pPr>
                 <a:defRPr/>
               </a:pPr>
-              <a:t>2016/5/30</a:t>
+              <a:t>2016/5/31</a:t>
             </a:fld>
             <a:endParaRPr lang="zh-CN" altLang="en-US"/>
           </a:p>
@@ -1656,7 +1656,7 @@
               <a:pPr>
                 <a:defRPr/>
               </a:pPr>
-              <a:t>2016/5/30</a:t>
+              <a:t>2016/5/31</a:t>
             </a:fld>
             <a:endParaRPr lang="zh-CN" altLang="en-US"/>
           </a:p>
@@ -1966,7 +1966,7 @@
               <a:pPr>
                 <a:defRPr/>
               </a:pPr>
-              <a:t>2016/5/30</a:t>
+              <a:t>2016/5/31</a:t>
             </a:fld>
             <a:endParaRPr lang="zh-CN" altLang="en-US"/>
           </a:p>
@@ -2410,7 +2410,7 @@
               <a:pPr>
                 <a:defRPr/>
               </a:pPr>
-              <a:t>2016/5/30</a:t>
+              <a:t>2016/5/31</a:t>
             </a:fld>
             <a:endParaRPr lang="zh-CN" altLang="en-US"/>
           </a:p>
@@ -2550,7 +2550,7 @@
               <a:pPr>
                 <a:defRPr/>
               </a:pPr>
-              <a:t>2016/5/30</a:t>
+              <a:t>2016/5/31</a:t>
             </a:fld>
             <a:endParaRPr lang="zh-CN" altLang="en-US"/>
           </a:p>
@@ -2667,7 +2667,7 @@
               <a:pPr>
                 <a:defRPr/>
               </a:pPr>
-              <a:t>2016/5/30</a:t>
+              <a:t>2016/5/31</a:t>
             </a:fld>
             <a:endParaRPr lang="zh-CN" altLang="en-US"/>
           </a:p>
@@ -2966,7 +2966,7 @@
               <a:pPr>
                 <a:defRPr/>
               </a:pPr>
-              <a:t>2016/5/30</a:t>
+              <a:t>2016/5/31</a:t>
             </a:fld>
             <a:endParaRPr lang="zh-CN" altLang="en-US"/>
           </a:p>
@@ -3244,7 +3244,7 @@
               <a:pPr>
                 <a:defRPr/>
               </a:pPr>
-              <a:t>2016/5/30</a:t>
+              <a:t>2016/5/31</a:t>
             </a:fld>
             <a:endParaRPr lang="zh-CN" altLang="en-US"/>
           </a:p>
@@ -3500,7 +3500,7 @@
               <a:pPr>
                 <a:defRPr/>
               </a:pPr>
-              <a:t>2016/5/30</a:t>
+              <a:t>2016/5/31</a:t>
             </a:fld>
             <a:endParaRPr lang="zh-CN" altLang="en-US"/>
           </a:p>
@@ -5925,7 +5925,7 @@
           <a:graphicData uri="http://schemas.openxmlformats.org/presentationml/2006/ole">
             <mc:AlternateContent xmlns:mc="http://schemas.openxmlformats.org/markup-compatibility/2006">
               <mc:Choice xmlns:v="urn:schemas-microsoft-com:vml" Requires="v">
-                <p:oleObj spid="_x0000_s6280" name="Equation" r:id="rId4" imgW="1574800" imgH="508000" progId="Equation.DSMT4">
+                <p:oleObj spid="_x0000_s6288" name="Equation" r:id="rId4" imgW="1574800" imgH="508000" progId="Equation.DSMT4">
                   <p:embed/>
                 </p:oleObj>
               </mc:Choice>
@@ -6120,7 +6120,7 @@
           <a:graphicData uri="http://schemas.openxmlformats.org/presentationml/2006/ole">
             <mc:AlternateContent xmlns:mc="http://schemas.openxmlformats.org/markup-compatibility/2006">
               <mc:Choice xmlns:v="urn:schemas-microsoft-com:vml" Requires="v">
-                <p:oleObj spid="_x0000_s6281" name="Equation" r:id="rId6" imgW="1422400" imgH="558800" progId="Equation.DSMT4">
+                <p:oleObj spid="_x0000_s6289" name="Equation" r:id="rId6" imgW="1422400" imgH="558800" progId="Equation.DSMT4">
                   <p:embed/>
                 </p:oleObj>
               </mc:Choice>
@@ -6246,7 +6246,7 @@
           <a:graphicData uri="http://schemas.openxmlformats.org/presentationml/2006/ole">
             <mc:AlternateContent xmlns:mc="http://schemas.openxmlformats.org/markup-compatibility/2006">
               <mc:Choice xmlns:v="urn:schemas-microsoft-com:vml" Requires="v">
-                <p:oleObj spid="_x0000_s6282" name="Equation" r:id="rId8" imgW="2298700" imgH="241300" progId="Equation.DSMT4">
+                <p:oleObj spid="_x0000_s6290" name="Equation" r:id="rId8" imgW="2298700" imgH="241300" progId="Equation.DSMT4">
                   <p:embed/>
                 </p:oleObj>
               </mc:Choice>
@@ -6516,7 +6516,7 @@
           <a:graphicData uri="http://schemas.openxmlformats.org/presentationml/2006/ole">
             <mc:AlternateContent xmlns:mc="http://schemas.openxmlformats.org/markup-compatibility/2006">
               <mc:Choice xmlns:v="urn:schemas-microsoft-com:vml" Requires="v">
-                <p:oleObj spid="_x0000_s6283" name="Equation" r:id="rId10" imgW="190500" imgH="228600" progId="Equation.DSMT4">
+                <p:oleObj spid="_x0000_s6291" name="Equation" r:id="rId10" imgW="190500" imgH="228600" progId="Equation.DSMT4">
                   <p:embed/>
                 </p:oleObj>
               </mc:Choice>
@@ -6763,7 +6763,7 @@
           <a:graphicData uri="http://schemas.openxmlformats.org/presentationml/2006/ole">
             <mc:AlternateContent xmlns:mc="http://schemas.openxmlformats.org/markup-compatibility/2006">
               <mc:Choice xmlns:v="urn:schemas-microsoft-com:vml" Requires="v">
-                <p:oleObj spid="_x0000_s7194" name="Visio" r:id="rId4" imgW="1809661" imgH="9248656" progId="Visio.Drawing.15">
+                <p:oleObj spid="_x0000_s7196" name="Visio" r:id="rId4" imgW="1809661" imgH="9248656" progId="Visio.Drawing.15">
                   <p:embed/>
                 </p:oleObj>
               </mc:Choice>
@@ -8666,7 +8666,7 @@
           <a:graphicData uri="http://schemas.openxmlformats.org/presentationml/2006/ole">
             <mc:AlternateContent xmlns:mc="http://schemas.openxmlformats.org/markup-compatibility/2006">
               <mc:Choice xmlns:v="urn:schemas-microsoft-com:vml" Requires="v">
-                <p:oleObj spid="_x0000_s8252" name="Equation" r:id="rId5" imgW="1435100" imgH="558800" progId="Equation.DSMT4">
+                <p:oleObj spid="_x0000_s8256" name="Equation" r:id="rId5" imgW="1435100" imgH="558800" progId="Equation.DSMT4">
                   <p:embed/>
                 </p:oleObj>
               </mc:Choice>
@@ -8796,7 +8796,7 @@
           <a:graphicData uri="http://schemas.openxmlformats.org/presentationml/2006/ole">
             <mc:AlternateContent xmlns:mc="http://schemas.openxmlformats.org/markup-compatibility/2006">
               <mc:Choice xmlns:v="urn:schemas-microsoft-com:vml" Requires="v">
-                <p:oleObj spid="_x0000_s8253" name="Equation" r:id="rId7" imgW="2222500" imgH="241300" progId="Equation.DSMT4">
+                <p:oleObj spid="_x0000_s8257" name="Equation" r:id="rId7" imgW="2222500" imgH="241300" progId="Equation.DSMT4">
                   <p:embed/>
                 </p:oleObj>
               </mc:Choice>
@@ -10016,7 +10016,7 @@
           <a:graphicData uri="http://schemas.openxmlformats.org/presentationml/2006/ole">
             <mc:AlternateContent xmlns:mc="http://schemas.openxmlformats.org/markup-compatibility/2006">
               <mc:Choice xmlns:v="urn:schemas-microsoft-com:vml" Requires="v">
-                <p:oleObj spid="_x0000_s10335" name="Equation" r:id="rId4" imgW="596641" imgH="253890" progId="Equation.DSMT4">
+                <p:oleObj spid="_x0000_s10343" name="Equation" r:id="rId4" imgW="596641" imgH="253890" progId="Equation.DSMT4">
                   <p:embed/>
                 </p:oleObj>
               </mc:Choice>
@@ -10202,7 +10202,7 @@
           <a:graphicData uri="http://schemas.openxmlformats.org/presentationml/2006/ole">
             <mc:AlternateContent xmlns:mc="http://schemas.openxmlformats.org/markup-compatibility/2006">
               <mc:Choice xmlns:v="urn:schemas-microsoft-com:vml" Requires="v">
-                <p:oleObj spid="_x0000_s10336" name="Equation" r:id="rId6" imgW="914400" imgH="342900" progId="Equation.DSMT4">
+                <p:oleObj spid="_x0000_s10344" name="Equation" r:id="rId6" imgW="914400" imgH="342900" progId="Equation.DSMT4">
                   <p:embed/>
                 </p:oleObj>
               </mc:Choice>
@@ -10424,7 +10424,7 @@
           <a:graphicData uri="http://schemas.openxmlformats.org/presentationml/2006/ole">
             <mc:AlternateContent xmlns:mc="http://schemas.openxmlformats.org/markup-compatibility/2006">
               <mc:Choice xmlns:v="urn:schemas-microsoft-com:vml" Requires="v">
-                <p:oleObj spid="_x0000_s10337" name="Equation" r:id="rId8" imgW="1905000" imgH="914400" progId="Equation.DSMT4">
+                <p:oleObj spid="_x0000_s10345" name="Equation" r:id="rId8" imgW="1905000" imgH="914400" progId="Equation.DSMT4">
                   <p:embed/>
                 </p:oleObj>
               </mc:Choice>
@@ -10563,7 +10563,7 @@
           <a:graphicData uri="http://schemas.openxmlformats.org/presentationml/2006/ole">
             <mc:AlternateContent xmlns:mc="http://schemas.openxmlformats.org/markup-compatibility/2006">
               <mc:Choice xmlns:v="urn:schemas-microsoft-com:vml" Requires="v">
-                <p:oleObj spid="_x0000_s10338" name="Equation" r:id="rId10" imgW="2590800" imgH="241300" progId="Equation.DSMT4">
+                <p:oleObj spid="_x0000_s10346" name="Equation" r:id="rId10" imgW="2590800" imgH="241300" progId="Equation.DSMT4">
                   <p:embed/>
                 </p:oleObj>
               </mc:Choice>
@@ -10936,7 +10936,7 @@
           <a:graphicData uri="http://schemas.openxmlformats.org/presentationml/2006/ole">
             <mc:AlternateContent xmlns:mc="http://schemas.openxmlformats.org/markup-compatibility/2006">
               <mc:Choice xmlns:v="urn:schemas-microsoft-com:vml" Requires="v">
-                <p:oleObj spid="_x0000_s13361" name="Visio" r:id="rId4" imgW="1809661" imgH="11658600" progId="Visio.Drawing.15">
+                <p:oleObj spid="_x0000_s13365" name="Visio" r:id="rId4" imgW="1809661" imgH="11658600" progId="Visio.Drawing.15">
                   <p:embed/>
                 </p:oleObj>
               </mc:Choice>
@@ -11146,7 +11146,7 @@
           <a:graphicData uri="http://schemas.openxmlformats.org/presentationml/2006/ole">
             <mc:AlternateContent xmlns:mc="http://schemas.openxmlformats.org/markup-compatibility/2006">
               <mc:Choice xmlns:v="urn:schemas-microsoft-com:vml" Requires="v">
-                <p:oleObj spid="_x0000_s13362" name="Equation" r:id="rId6" imgW="837836" imgH="203112" progId="Equation.DSMT4">
+                <p:oleObj spid="_x0000_s13366" name="Equation" r:id="rId6" imgW="837836" imgH="203112" progId="Equation.DSMT4">
                   <p:embed/>
                 </p:oleObj>
               </mc:Choice>
@@ -12583,7 +12583,7 @@
           <a:graphicData uri="http://schemas.openxmlformats.org/presentationml/2006/ole">
             <mc:AlternateContent xmlns:mc="http://schemas.openxmlformats.org/markup-compatibility/2006">
               <mc:Choice xmlns:v="urn:schemas-microsoft-com:vml" Requires="v">
-                <p:oleObj spid="_x0000_s14371" name="Equation" r:id="rId4" imgW="1930400" imgH="914400" progId="Equation.DSMT4">
+                <p:oleObj spid="_x0000_s14375" name="Equation" r:id="rId4" imgW="1930400" imgH="914400" progId="Equation.DSMT4">
                   <p:embed/>
                 </p:oleObj>
               </mc:Choice>
@@ -12713,7 +12713,7 @@
           <a:graphicData uri="http://schemas.openxmlformats.org/presentationml/2006/ole">
             <mc:AlternateContent xmlns:mc="http://schemas.openxmlformats.org/markup-compatibility/2006">
               <mc:Choice xmlns:v="urn:schemas-microsoft-com:vml" Requires="v">
-                <p:oleObj spid="_x0000_s14372" name="Equation" r:id="rId6" imgW="2997200" imgH="241300" progId="Equation.DSMT4">
+                <p:oleObj spid="_x0000_s14376" name="Equation" r:id="rId6" imgW="2997200" imgH="241300" progId="Equation.DSMT4">
                   <p:embed/>
                 </p:oleObj>
               </mc:Choice>
@@ -14083,7 +14083,7 @@
           <a:graphicData uri="http://schemas.openxmlformats.org/presentationml/2006/ole">
             <mc:AlternateContent xmlns:mc="http://schemas.openxmlformats.org/markup-compatibility/2006">
               <mc:Choice xmlns:v="urn:schemas-microsoft-com:vml" Requires="v">
-                <p:oleObj spid="_x0000_s15426" name="Equation" r:id="rId4" imgW="507780" imgH="203112" progId="Equation.DSMT4">
+                <p:oleObj spid="_x0000_s15434" name="Equation" r:id="rId4" imgW="507780" imgH="203112" progId="Equation.DSMT4">
                   <p:embed/>
                 </p:oleObj>
               </mc:Choice>
@@ -14363,7 +14363,7 @@
           <a:graphicData uri="http://schemas.openxmlformats.org/presentationml/2006/ole">
             <mc:AlternateContent xmlns:mc="http://schemas.openxmlformats.org/markup-compatibility/2006">
               <mc:Choice xmlns:v="urn:schemas-microsoft-com:vml" Requires="v">
-                <p:oleObj spid="_x0000_s15427" name="Equation" r:id="rId6" imgW="355292" imgH="203024" progId="Equation.DSMT4">
+                <p:oleObj spid="_x0000_s15435" name="Equation" r:id="rId6" imgW="355292" imgH="203024" progId="Equation.DSMT4">
                   <p:embed/>
                 </p:oleObj>
               </mc:Choice>
@@ -14692,7 +14692,7 @@
           <a:graphicData uri="http://schemas.openxmlformats.org/presentationml/2006/ole">
             <mc:AlternateContent xmlns:mc="http://schemas.openxmlformats.org/markup-compatibility/2006">
               <mc:Choice xmlns:v="urn:schemas-microsoft-com:vml" Requires="v">
-                <p:oleObj spid="_x0000_s15428" name="Equation" r:id="rId8" imgW="1930400" imgH="990600" progId="Equation.DSMT4">
+                <p:oleObj spid="_x0000_s15436" name="Equation" r:id="rId8" imgW="1930400" imgH="990600" progId="Equation.DSMT4">
                   <p:embed/>
                 </p:oleObj>
               </mc:Choice>
@@ -14880,7 +14880,7 @@
           <a:graphicData uri="http://schemas.openxmlformats.org/presentationml/2006/ole">
             <mc:AlternateContent xmlns:mc="http://schemas.openxmlformats.org/markup-compatibility/2006">
               <mc:Choice xmlns:v="urn:schemas-microsoft-com:vml" Requires="v">
-                <p:oleObj spid="_x0000_s15429" name="Equation" r:id="rId10" imgW="2197100" imgH="228600" progId="Equation.DSMT4">
+                <p:oleObj spid="_x0000_s15437" name="Equation" r:id="rId10" imgW="2197100" imgH="228600" progId="Equation.DSMT4">
                   <p:embed/>
                 </p:oleObj>
               </mc:Choice>
@@ -15390,7 +15390,7 @@
           <a:graphicData uri="http://schemas.openxmlformats.org/presentationml/2006/ole">
             <mc:AlternateContent xmlns:mc="http://schemas.openxmlformats.org/markup-compatibility/2006">
               <mc:Choice xmlns:v="urn:schemas-microsoft-com:vml" Requires="v">
-                <p:oleObj spid="_x0000_s16409" name="Visio" r:id="rId4" imgW="1809661" imgH="11820406" progId="Visio.Drawing.15">
+                <p:oleObj spid="_x0000_s16413" name="Visio" r:id="rId4" imgW="1809661" imgH="11820406" progId="Visio.Drawing.15">
                   <p:embed/>
                 </p:oleObj>
               </mc:Choice>
@@ -15520,7 +15520,7 @@
           <a:graphicData uri="http://schemas.openxmlformats.org/presentationml/2006/ole">
             <mc:AlternateContent xmlns:mc="http://schemas.openxmlformats.org/markup-compatibility/2006">
               <mc:Choice xmlns:v="urn:schemas-microsoft-com:vml" Requires="v">
-                <p:oleObj spid="_x0000_s16410" name="Equation" r:id="rId6" imgW="1586811" imgH="482391" progId="Equation.DSMT4">
+                <p:oleObj spid="_x0000_s16414" name="Equation" r:id="rId6" imgW="1586811" imgH="482391" progId="Equation.DSMT4">
                   <p:embed/>
                 </p:oleObj>
               </mc:Choice>
@@ -17156,7 +17156,7 @@
           <a:graphicData uri="http://schemas.openxmlformats.org/presentationml/2006/ole">
             <mc:AlternateContent xmlns:mc="http://schemas.openxmlformats.org/markup-compatibility/2006">
               <mc:Choice xmlns:v="urn:schemas-microsoft-com:vml" Requires="v">
-                <p:oleObj spid="_x0000_s17430" name="Equation" r:id="rId4" imgW="1943100" imgH="990600" progId="Equation.DSMT4">
+                <p:oleObj spid="_x0000_s17434" name="Equation" r:id="rId4" imgW="1943100" imgH="990600" progId="Equation.DSMT4">
                   <p:embed/>
                 </p:oleObj>
               </mc:Choice>
@@ -17295,7 +17295,7 @@
           <a:graphicData uri="http://schemas.openxmlformats.org/presentationml/2006/ole">
             <mc:AlternateContent xmlns:mc="http://schemas.openxmlformats.org/markup-compatibility/2006">
               <mc:Choice xmlns:v="urn:schemas-microsoft-com:vml" Requires="v">
-                <p:oleObj spid="_x0000_s17431" name="Equation" r:id="rId6" imgW="2755900" imgH="228600" progId="Equation.DSMT4">
+                <p:oleObj spid="_x0000_s17435" name="Equation" r:id="rId6" imgW="2755900" imgH="228600" progId="Equation.DSMT4">
                   <p:embed/>
                 </p:oleObj>
               </mc:Choice>
@@ -19467,7 +19467,7 @@
             <a:r>
               <a:rPr lang="zh-CN" altLang="en-US" sz="2400" dirty="0" smtClean="0">
                 <a:solidFill>
-                  <a:schemeClr val="tx1"/>
+                  <a:srgbClr val="000000"/>
                 </a:solidFill>
                 <a:latin typeface="+mn-ea"/>
               </a:rPr>
@@ -19475,7 +19475,7 @@
             </a:r>
             <a:endParaRPr lang="zh-CN" altLang="en-US" sz="2400" dirty="0">
               <a:solidFill>
-                <a:schemeClr val="tx1"/>
+                <a:srgbClr val="000000"/>
               </a:solidFill>
               <a:latin typeface="+mn-ea"/>
             </a:endParaRPr>
@@ -19868,1352 +19868,9 @@
   <p:timing>
     <p:tnLst>
       <p:par>
-        <p:cTn id="1" dur="indefinite" restart="never" nodeType="tmRoot">
-          <p:childTnLst>
-            <p:seq concurrent="1" nextAc="seek">
-              <p:cTn id="2" dur="indefinite" nodeType="mainSeq">
-                <p:childTnLst>
-                  <p:par>
-                    <p:cTn id="3" fill="hold">
-                      <p:stCondLst>
-                        <p:cond delay="indefinite"/>
-                        <p:cond evt="onBegin" delay="0">
-                          <p:tn val="2"/>
-                        </p:cond>
-                      </p:stCondLst>
-                      <p:childTnLst>
-                        <p:par>
-                          <p:cTn id="4" fill="hold">
-                            <p:stCondLst>
-                              <p:cond delay="0"/>
-                            </p:stCondLst>
-                            <p:childTnLst>
-                              <p:par>
-                                <p:cTn id="5" presetID="22" presetClass="entr" presetSubtype="8" fill="hold" nodeType="withEffect">
-                                  <p:stCondLst>
-                                    <p:cond delay="400"/>
-                                  </p:stCondLst>
-                                  <p:childTnLst>
-                                    <p:set>
-                                      <p:cBhvr>
-                                        <p:cTn id="6" dur="1" fill="hold">
-                                          <p:stCondLst>
-                                            <p:cond delay="0"/>
-                                          </p:stCondLst>
-                                        </p:cTn>
-                                        <p:tgtEl>
-                                          <p:spTgt spid="8"/>
-                                        </p:tgtEl>
-                                        <p:attrNameLst>
-                                          <p:attrName>style.visibility</p:attrName>
-                                        </p:attrNameLst>
-                                      </p:cBhvr>
-                                      <p:to>
-                                        <p:strVal val="visible"/>
-                                      </p:to>
-                                    </p:set>
-                                    <p:animEffect transition="in" filter="wipe(left)">
-                                      <p:cBhvr>
-                                        <p:cTn id="7" dur="1000"/>
-                                        <p:tgtEl>
-                                          <p:spTgt spid="8"/>
-                                        </p:tgtEl>
-                                      </p:cBhvr>
-                                    </p:animEffect>
-                                  </p:childTnLst>
-                                </p:cTn>
-                              </p:par>
-                            </p:childTnLst>
-                          </p:cTn>
-                        </p:par>
-                      </p:childTnLst>
-                    </p:cTn>
-                  </p:par>
-                  <p:par>
-                    <p:cTn id="8" fill="hold">
-                      <p:stCondLst>
-                        <p:cond delay="indefinite"/>
-                      </p:stCondLst>
-                      <p:childTnLst>
-                        <p:par>
-                          <p:cTn id="9" fill="hold">
-                            <p:stCondLst>
-                              <p:cond delay="0"/>
-                            </p:stCondLst>
-                            <p:childTnLst>
-                              <p:par>
-                                <p:cTn id="10" presetID="22" presetClass="entr" presetSubtype="4" fill="hold" nodeType="clickEffect">
-                                  <p:stCondLst>
-                                    <p:cond delay="0"/>
-                                  </p:stCondLst>
-                                  <p:childTnLst>
-                                    <p:set>
-                                      <p:cBhvr>
-                                        <p:cTn id="11" dur="1" fill="hold">
-                                          <p:stCondLst>
-                                            <p:cond delay="0"/>
-                                          </p:stCondLst>
-                                        </p:cTn>
-                                        <p:tgtEl>
-                                          <p:spTgt spid="10"/>
-                                        </p:tgtEl>
-                                        <p:attrNameLst>
-                                          <p:attrName>style.visibility</p:attrName>
-                                        </p:attrNameLst>
-                                      </p:cBhvr>
-                                      <p:to>
-                                        <p:strVal val="visible"/>
-                                      </p:to>
-                                    </p:set>
-                                    <p:animEffect transition="in" filter="wipe(down)">
-                                      <p:cBhvr>
-                                        <p:cTn id="12" dur="500"/>
-                                        <p:tgtEl>
-                                          <p:spTgt spid="10"/>
-                                        </p:tgtEl>
-                                      </p:cBhvr>
-                                    </p:animEffect>
-                                  </p:childTnLst>
-                                </p:cTn>
-                              </p:par>
-                            </p:childTnLst>
-                          </p:cTn>
-                        </p:par>
-                      </p:childTnLst>
-                    </p:cTn>
-                  </p:par>
-                  <p:par>
-                    <p:cTn id="13" fill="hold">
-                      <p:stCondLst>
-                        <p:cond delay="indefinite"/>
-                      </p:stCondLst>
-                      <p:childTnLst>
-                        <p:par>
-                          <p:cTn id="14" fill="hold">
-                            <p:stCondLst>
-                              <p:cond delay="0"/>
-                            </p:stCondLst>
-                            <p:childTnLst>
-                              <p:par>
-                                <p:cTn id="15" presetID="22" presetClass="entr" presetSubtype="4" fill="hold" nodeType="clickEffect">
-                                  <p:stCondLst>
-                                    <p:cond delay="0"/>
-                                  </p:stCondLst>
-                                  <p:childTnLst>
-                                    <p:set>
-                                      <p:cBhvr>
-                                        <p:cTn id="16" dur="1" fill="hold">
-                                          <p:stCondLst>
-                                            <p:cond delay="0"/>
-                                          </p:stCondLst>
-                                        </p:cTn>
-                                        <p:tgtEl>
-                                          <p:spTgt spid="11"/>
-                                        </p:tgtEl>
-                                        <p:attrNameLst>
-                                          <p:attrName>style.visibility</p:attrName>
-                                        </p:attrNameLst>
-                                      </p:cBhvr>
-                                      <p:to>
-                                        <p:strVal val="visible"/>
-                                      </p:to>
-                                    </p:set>
-                                    <p:animEffect transition="in" filter="wipe(down)">
-                                      <p:cBhvr>
-                                        <p:cTn id="17" dur="500"/>
-                                        <p:tgtEl>
-                                          <p:spTgt spid="11"/>
-                                        </p:tgtEl>
-                                      </p:cBhvr>
-                                    </p:animEffect>
-                                  </p:childTnLst>
-                                </p:cTn>
-                              </p:par>
-                            </p:childTnLst>
-                          </p:cTn>
-                        </p:par>
-                        <p:par>
-                          <p:cTn id="18" fill="hold">
-                            <p:stCondLst>
-                              <p:cond delay="500"/>
-                            </p:stCondLst>
-                            <p:childTnLst>
-                              <p:par>
-                                <p:cTn id="19" presetID="53" presetClass="entr" presetSubtype="16" fill="hold" grpId="0" nodeType="afterEffect">
-                                  <p:stCondLst>
-                                    <p:cond delay="0"/>
-                                  </p:stCondLst>
-                                  <p:childTnLst>
-                                    <p:set>
-                                      <p:cBhvr>
-                                        <p:cTn id="20" dur="1" fill="hold">
-                                          <p:stCondLst>
-                                            <p:cond delay="0"/>
-                                          </p:stCondLst>
-                                        </p:cTn>
-                                        <p:tgtEl>
-                                          <p:spTgt spid="16"/>
-                                        </p:tgtEl>
-                                        <p:attrNameLst>
-                                          <p:attrName>style.visibility</p:attrName>
-                                        </p:attrNameLst>
-                                      </p:cBhvr>
-                                      <p:to>
-                                        <p:strVal val="visible"/>
-                                      </p:to>
-                                    </p:set>
-                                    <p:anim calcmode="lin" valueType="num">
-                                      <p:cBhvr>
-                                        <p:cTn id="21" dur="500" fill="hold"/>
-                                        <p:tgtEl>
-                                          <p:spTgt spid="16"/>
-                                        </p:tgtEl>
-                                        <p:attrNameLst>
-                                          <p:attrName>ppt_w</p:attrName>
-                                        </p:attrNameLst>
-                                      </p:cBhvr>
-                                      <p:tavLst>
-                                        <p:tav tm="0">
-                                          <p:val>
-                                            <p:fltVal val="0"/>
-                                          </p:val>
-                                        </p:tav>
-                                        <p:tav tm="100000">
-                                          <p:val>
-                                            <p:strVal val="#ppt_w"/>
-                                          </p:val>
-                                        </p:tav>
-                                      </p:tavLst>
-                                    </p:anim>
-                                    <p:anim calcmode="lin" valueType="num">
-                                      <p:cBhvr>
-                                        <p:cTn id="22" dur="500" fill="hold"/>
-                                        <p:tgtEl>
-                                          <p:spTgt spid="16"/>
-                                        </p:tgtEl>
-                                        <p:attrNameLst>
-                                          <p:attrName>ppt_h</p:attrName>
-                                        </p:attrNameLst>
-                                      </p:cBhvr>
-                                      <p:tavLst>
-                                        <p:tav tm="0">
-                                          <p:val>
-                                            <p:fltVal val="0"/>
-                                          </p:val>
-                                        </p:tav>
-                                        <p:tav tm="100000">
-                                          <p:val>
-                                            <p:strVal val="#ppt_h"/>
-                                          </p:val>
-                                        </p:tav>
-                                      </p:tavLst>
-                                    </p:anim>
-                                    <p:animEffect transition="in" filter="fade">
-                                      <p:cBhvr>
-                                        <p:cTn id="23" dur="500"/>
-                                        <p:tgtEl>
-                                          <p:spTgt spid="16"/>
-                                        </p:tgtEl>
-                                      </p:cBhvr>
-                                    </p:animEffect>
-                                  </p:childTnLst>
-                                </p:cTn>
-                              </p:par>
-                              <p:par>
-                                <p:cTn id="24" presetID="26" presetClass="emph" presetSubtype="0" fill="hold" grpId="1" nodeType="withEffect">
-                                  <p:stCondLst>
-                                    <p:cond delay="0"/>
-                                  </p:stCondLst>
-                                  <p:childTnLst>
-                                    <p:animEffect transition="out" filter="fade">
-                                      <p:cBhvr>
-                                        <p:cTn id="25" dur="500" tmFilter="0, 0; .2, .5; .8, .5; 1, 0"/>
-                                        <p:tgtEl>
-                                          <p:spTgt spid="16"/>
-                                        </p:tgtEl>
-                                      </p:cBhvr>
-                                    </p:animEffect>
-                                    <p:animScale>
-                                      <p:cBhvr>
-                                        <p:cTn id="26" dur="250" autoRev="1" fill="hold"/>
-                                        <p:tgtEl>
-                                          <p:spTgt spid="16"/>
-                                        </p:tgtEl>
-                                      </p:cBhvr>
-                                      <p:by x="105000" y="105000"/>
-                                    </p:animScale>
-                                  </p:childTnLst>
-                                </p:cTn>
-                              </p:par>
-                            </p:childTnLst>
-                          </p:cTn>
-                        </p:par>
-                      </p:childTnLst>
-                    </p:cTn>
-                  </p:par>
-                  <p:par>
-                    <p:cTn id="27" fill="hold">
-                      <p:stCondLst>
-                        <p:cond delay="indefinite"/>
-                      </p:stCondLst>
-                      <p:childTnLst>
-                        <p:par>
-                          <p:cTn id="28" fill="hold">
-                            <p:stCondLst>
-                              <p:cond delay="0"/>
-                            </p:stCondLst>
-                            <p:childTnLst>
-                              <p:par>
-                                <p:cTn id="29" presetID="22" presetClass="entr" presetSubtype="8" fill="hold" nodeType="clickEffect">
-                                  <p:stCondLst>
-                                    <p:cond delay="0"/>
-                                  </p:stCondLst>
-                                  <p:childTnLst>
-                                    <p:set>
-                                      <p:cBhvr>
-                                        <p:cTn id="30" dur="1" fill="hold">
-                                          <p:stCondLst>
-                                            <p:cond delay="0"/>
-                                          </p:stCondLst>
-                                        </p:cTn>
-                                        <p:tgtEl>
-                                          <p:spTgt spid="12"/>
-                                        </p:tgtEl>
-                                        <p:attrNameLst>
-                                          <p:attrName>style.visibility</p:attrName>
-                                        </p:attrNameLst>
-                                      </p:cBhvr>
-                                      <p:to>
-                                        <p:strVal val="visible"/>
-                                      </p:to>
-                                    </p:set>
-                                    <p:animEffect transition="in" filter="wipe(left)">
-                                      <p:cBhvr>
-                                        <p:cTn id="31" dur="500"/>
-                                        <p:tgtEl>
-                                          <p:spTgt spid="12"/>
-                                        </p:tgtEl>
-                                      </p:cBhvr>
-                                    </p:animEffect>
-                                  </p:childTnLst>
-                                </p:cTn>
-                              </p:par>
-                            </p:childTnLst>
-                          </p:cTn>
-                        </p:par>
-                      </p:childTnLst>
-                    </p:cTn>
-                  </p:par>
-                  <p:par>
-                    <p:cTn id="32" fill="hold">
-                      <p:stCondLst>
-                        <p:cond delay="indefinite"/>
-                      </p:stCondLst>
-                      <p:childTnLst>
-                        <p:par>
-                          <p:cTn id="33" fill="hold">
-                            <p:stCondLst>
-                              <p:cond delay="0"/>
-                            </p:stCondLst>
-                            <p:childTnLst>
-                              <p:par>
-                                <p:cTn id="34" presetID="22" presetClass="entr" presetSubtype="1" fill="hold" nodeType="clickEffect">
-                                  <p:stCondLst>
-                                    <p:cond delay="0"/>
-                                  </p:stCondLst>
-                                  <p:childTnLst>
-                                    <p:set>
-                                      <p:cBhvr>
-                                        <p:cTn id="35" dur="1" fill="hold">
-                                          <p:stCondLst>
-                                            <p:cond delay="0"/>
-                                          </p:stCondLst>
-                                        </p:cTn>
-                                        <p:tgtEl>
-                                          <p:spTgt spid="13"/>
-                                        </p:tgtEl>
-                                        <p:attrNameLst>
-                                          <p:attrName>style.visibility</p:attrName>
-                                        </p:attrNameLst>
-                                      </p:cBhvr>
-                                      <p:to>
-                                        <p:strVal val="visible"/>
-                                      </p:to>
-                                    </p:set>
-                                    <p:animEffect transition="in" filter="wipe(up)">
-                                      <p:cBhvr>
-                                        <p:cTn id="36" dur="500"/>
-                                        <p:tgtEl>
-                                          <p:spTgt spid="13"/>
-                                        </p:tgtEl>
-                                      </p:cBhvr>
-                                    </p:animEffect>
-                                  </p:childTnLst>
-                                </p:cTn>
-                              </p:par>
-                            </p:childTnLst>
-                          </p:cTn>
-                        </p:par>
-                      </p:childTnLst>
-                    </p:cTn>
-                  </p:par>
-                  <p:par>
-                    <p:cTn id="37" fill="hold">
-                      <p:stCondLst>
-                        <p:cond delay="indefinite"/>
-                      </p:stCondLst>
-                      <p:childTnLst>
-                        <p:par>
-                          <p:cTn id="38" fill="hold">
-                            <p:stCondLst>
-                              <p:cond delay="0"/>
-                            </p:stCondLst>
-                            <p:childTnLst>
-                              <p:par>
-                                <p:cTn id="39" presetID="22" presetClass="entr" presetSubtype="1" fill="hold" nodeType="clickEffect">
-                                  <p:stCondLst>
-                                    <p:cond delay="0"/>
-                                  </p:stCondLst>
-                                  <p:childTnLst>
-                                    <p:set>
-                                      <p:cBhvr>
-                                        <p:cTn id="40" dur="1" fill="hold">
-                                          <p:stCondLst>
-                                            <p:cond delay="0"/>
-                                          </p:stCondLst>
-                                        </p:cTn>
-                                        <p:tgtEl>
-                                          <p:spTgt spid="14"/>
-                                        </p:tgtEl>
-                                        <p:attrNameLst>
-                                          <p:attrName>style.visibility</p:attrName>
-                                        </p:attrNameLst>
-                                      </p:cBhvr>
-                                      <p:to>
-                                        <p:strVal val="visible"/>
-                                      </p:to>
-                                    </p:set>
-                                    <p:animEffect transition="in" filter="wipe(up)">
-                                      <p:cBhvr>
-                                        <p:cTn id="41" dur="500"/>
-                                        <p:tgtEl>
-                                          <p:spTgt spid="14"/>
-                                        </p:tgtEl>
-                                      </p:cBhvr>
-                                    </p:animEffect>
-                                  </p:childTnLst>
-                                </p:cTn>
-                              </p:par>
-                            </p:childTnLst>
-                          </p:cTn>
-                        </p:par>
-                      </p:childTnLst>
-                    </p:cTn>
-                  </p:par>
-                  <p:par>
-                    <p:cTn id="42" fill="hold">
-                      <p:stCondLst>
-                        <p:cond delay="indefinite"/>
-                      </p:stCondLst>
-                      <p:childTnLst>
-                        <p:par>
-                          <p:cTn id="43" fill="hold">
-                            <p:stCondLst>
-                              <p:cond delay="0"/>
-                            </p:stCondLst>
-                            <p:childTnLst>
-                              <p:par>
-                                <p:cTn id="44" presetID="22" presetClass="entr" presetSubtype="8" fill="hold" nodeType="clickEffect">
-                                  <p:stCondLst>
-                                    <p:cond delay="0"/>
-                                  </p:stCondLst>
-                                  <p:childTnLst>
-                                    <p:set>
-                                      <p:cBhvr>
-                                        <p:cTn id="45" dur="1" fill="hold">
-                                          <p:stCondLst>
-                                            <p:cond delay="0"/>
-                                          </p:stCondLst>
-                                        </p:cTn>
-                                        <p:tgtEl>
-                                          <p:spTgt spid="9"/>
-                                        </p:tgtEl>
-                                        <p:attrNameLst>
-                                          <p:attrName>style.visibility</p:attrName>
-                                        </p:attrNameLst>
-                                      </p:cBhvr>
-                                      <p:to>
-                                        <p:strVal val="visible"/>
-                                      </p:to>
-                                    </p:set>
-                                    <p:animEffect transition="in" filter="wipe(left)">
-                                      <p:cBhvr>
-                                        <p:cTn id="46" dur="1000"/>
-                                        <p:tgtEl>
-                                          <p:spTgt spid="9"/>
-                                        </p:tgtEl>
-                                      </p:cBhvr>
-                                    </p:animEffect>
-                                  </p:childTnLst>
-                                </p:cTn>
-                              </p:par>
-                            </p:childTnLst>
-                          </p:cTn>
-                        </p:par>
-                        <p:par>
-                          <p:cTn id="47" fill="hold">
-                            <p:stCondLst>
-                              <p:cond delay="1000"/>
-                            </p:stCondLst>
-                            <p:childTnLst>
-                              <p:par>
-                                <p:cTn id="48" presetID="53" presetClass="entr" presetSubtype="16" fill="hold" grpId="0" nodeType="afterEffect">
-                                  <p:stCondLst>
-                                    <p:cond delay="0"/>
-                                  </p:stCondLst>
-                                  <p:childTnLst>
-                                    <p:set>
-                                      <p:cBhvr>
-                                        <p:cTn id="49" dur="1" fill="hold">
-                                          <p:stCondLst>
-                                            <p:cond delay="0"/>
-                                          </p:stCondLst>
-                                        </p:cTn>
-                                        <p:tgtEl>
-                                          <p:spTgt spid="21"/>
-                                        </p:tgtEl>
-                                        <p:attrNameLst>
-                                          <p:attrName>style.visibility</p:attrName>
-                                        </p:attrNameLst>
-                                      </p:cBhvr>
-                                      <p:to>
-                                        <p:strVal val="visible"/>
-                                      </p:to>
-                                    </p:set>
-                                    <p:anim calcmode="lin" valueType="num">
-                                      <p:cBhvr>
-                                        <p:cTn id="50" dur="500" fill="hold"/>
-                                        <p:tgtEl>
-                                          <p:spTgt spid="21"/>
-                                        </p:tgtEl>
-                                        <p:attrNameLst>
-                                          <p:attrName>ppt_w</p:attrName>
-                                        </p:attrNameLst>
-                                      </p:cBhvr>
-                                      <p:tavLst>
-                                        <p:tav tm="0">
-                                          <p:val>
-                                            <p:fltVal val="0"/>
-                                          </p:val>
-                                        </p:tav>
-                                        <p:tav tm="100000">
-                                          <p:val>
-                                            <p:strVal val="#ppt_w"/>
-                                          </p:val>
-                                        </p:tav>
-                                      </p:tavLst>
-                                    </p:anim>
-                                    <p:anim calcmode="lin" valueType="num">
-                                      <p:cBhvr>
-                                        <p:cTn id="51" dur="500" fill="hold"/>
-                                        <p:tgtEl>
-                                          <p:spTgt spid="21"/>
-                                        </p:tgtEl>
-                                        <p:attrNameLst>
-                                          <p:attrName>ppt_h</p:attrName>
-                                        </p:attrNameLst>
-                                      </p:cBhvr>
-                                      <p:tavLst>
-                                        <p:tav tm="0">
-                                          <p:val>
-                                            <p:fltVal val="0"/>
-                                          </p:val>
-                                        </p:tav>
-                                        <p:tav tm="100000">
-                                          <p:val>
-                                            <p:strVal val="#ppt_h"/>
-                                          </p:val>
-                                        </p:tav>
-                                      </p:tavLst>
-                                    </p:anim>
-                                    <p:animEffect transition="in" filter="fade">
-                                      <p:cBhvr>
-                                        <p:cTn id="52" dur="500"/>
-                                        <p:tgtEl>
-                                          <p:spTgt spid="21"/>
-                                        </p:tgtEl>
-                                      </p:cBhvr>
-                                    </p:animEffect>
-                                  </p:childTnLst>
-                                </p:cTn>
-                              </p:par>
-                              <p:par>
-                                <p:cTn id="53" presetID="26" presetClass="emph" presetSubtype="0" fill="hold" grpId="1" nodeType="withEffect">
-                                  <p:stCondLst>
-                                    <p:cond delay="0"/>
-                                  </p:stCondLst>
-                                  <p:childTnLst>
-                                    <p:animEffect transition="out" filter="fade">
-                                      <p:cBhvr>
-                                        <p:cTn id="54" dur="500" tmFilter="0, 0; .2, .5; .8, .5; 1, 0"/>
-                                        <p:tgtEl>
-                                          <p:spTgt spid="21"/>
-                                        </p:tgtEl>
-                                      </p:cBhvr>
-                                    </p:animEffect>
-                                    <p:animScale>
-                                      <p:cBhvr>
-                                        <p:cTn id="55" dur="250" autoRev="1" fill="hold"/>
-                                        <p:tgtEl>
-                                          <p:spTgt spid="21"/>
-                                        </p:tgtEl>
-                                      </p:cBhvr>
-                                      <p:by x="105000" y="105000"/>
-                                    </p:animScale>
-                                  </p:childTnLst>
-                                </p:cTn>
-                              </p:par>
-                            </p:childTnLst>
-                          </p:cTn>
-                        </p:par>
-                        <p:par>
-                          <p:cTn id="56" fill="hold">
-                            <p:stCondLst>
-                              <p:cond delay="1500"/>
-                            </p:stCondLst>
-                            <p:childTnLst>
-                              <p:par>
-                                <p:cTn id="57" presetID="53" presetClass="entr" presetSubtype="16" fill="hold" grpId="0" nodeType="afterEffect">
-                                  <p:stCondLst>
-                                    <p:cond delay="0"/>
-                                  </p:stCondLst>
-                                  <p:childTnLst>
-                                    <p:set>
-                                      <p:cBhvr>
-                                        <p:cTn id="58" dur="1" fill="hold">
-                                          <p:stCondLst>
-                                            <p:cond delay="0"/>
-                                          </p:stCondLst>
-                                        </p:cTn>
-                                        <p:tgtEl>
-                                          <p:spTgt spid="22"/>
-                                        </p:tgtEl>
-                                        <p:attrNameLst>
-                                          <p:attrName>style.visibility</p:attrName>
-                                        </p:attrNameLst>
-                                      </p:cBhvr>
-                                      <p:to>
-                                        <p:strVal val="visible"/>
-                                      </p:to>
-                                    </p:set>
-                                    <p:anim calcmode="lin" valueType="num">
-                                      <p:cBhvr>
-                                        <p:cTn id="59" dur="500" fill="hold"/>
-                                        <p:tgtEl>
-                                          <p:spTgt spid="22"/>
-                                        </p:tgtEl>
-                                        <p:attrNameLst>
-                                          <p:attrName>ppt_w</p:attrName>
-                                        </p:attrNameLst>
-                                      </p:cBhvr>
-                                      <p:tavLst>
-                                        <p:tav tm="0">
-                                          <p:val>
-                                            <p:fltVal val="0"/>
-                                          </p:val>
-                                        </p:tav>
-                                        <p:tav tm="100000">
-                                          <p:val>
-                                            <p:strVal val="#ppt_w"/>
-                                          </p:val>
-                                        </p:tav>
-                                      </p:tavLst>
-                                    </p:anim>
-                                    <p:anim calcmode="lin" valueType="num">
-                                      <p:cBhvr>
-                                        <p:cTn id="60" dur="500" fill="hold"/>
-                                        <p:tgtEl>
-                                          <p:spTgt spid="22"/>
-                                        </p:tgtEl>
-                                        <p:attrNameLst>
-                                          <p:attrName>ppt_h</p:attrName>
-                                        </p:attrNameLst>
-                                      </p:cBhvr>
-                                      <p:tavLst>
-                                        <p:tav tm="0">
-                                          <p:val>
-                                            <p:fltVal val="0"/>
-                                          </p:val>
-                                        </p:tav>
-                                        <p:tav tm="100000">
-                                          <p:val>
-                                            <p:strVal val="#ppt_h"/>
-                                          </p:val>
-                                        </p:tav>
-                                      </p:tavLst>
-                                    </p:anim>
-                                    <p:animEffect transition="in" filter="fade">
-                                      <p:cBhvr>
-                                        <p:cTn id="61" dur="500"/>
-                                        <p:tgtEl>
-                                          <p:spTgt spid="22"/>
-                                        </p:tgtEl>
-                                      </p:cBhvr>
-                                    </p:animEffect>
-                                  </p:childTnLst>
-                                </p:cTn>
-                              </p:par>
-                              <p:par>
-                                <p:cTn id="62" presetID="26" presetClass="emph" presetSubtype="0" fill="hold" grpId="1" nodeType="withEffect">
-                                  <p:stCondLst>
-                                    <p:cond delay="0"/>
-                                  </p:stCondLst>
-                                  <p:childTnLst>
-                                    <p:animEffect transition="out" filter="fade">
-                                      <p:cBhvr>
-                                        <p:cTn id="63" dur="500" tmFilter="0, 0; .2, .5; .8, .5; 1, 0"/>
-                                        <p:tgtEl>
-                                          <p:spTgt spid="22"/>
-                                        </p:tgtEl>
-                                      </p:cBhvr>
-                                    </p:animEffect>
-                                    <p:animScale>
-                                      <p:cBhvr>
-                                        <p:cTn id="64" dur="250" autoRev="1" fill="hold"/>
-                                        <p:tgtEl>
-                                          <p:spTgt spid="22"/>
-                                        </p:tgtEl>
-                                      </p:cBhvr>
-                                      <p:by x="105000" y="105000"/>
-                                    </p:animScale>
-                                  </p:childTnLst>
-                                </p:cTn>
-                              </p:par>
-                            </p:childTnLst>
-                          </p:cTn>
-                        </p:par>
-                        <p:par>
-                          <p:cTn id="65" fill="hold">
-                            <p:stCondLst>
-                              <p:cond delay="2000"/>
-                            </p:stCondLst>
-                            <p:childTnLst>
-                              <p:par>
-                                <p:cTn id="66" presetID="53" presetClass="entr" presetSubtype="16" fill="hold" grpId="0" nodeType="afterEffect">
-                                  <p:stCondLst>
-                                    <p:cond delay="0"/>
-                                  </p:stCondLst>
-                                  <p:childTnLst>
-                                    <p:set>
-                                      <p:cBhvr>
-                                        <p:cTn id="67" dur="1" fill="hold">
-                                          <p:stCondLst>
-                                            <p:cond delay="0"/>
-                                          </p:stCondLst>
-                                        </p:cTn>
-                                        <p:tgtEl>
-                                          <p:spTgt spid="23"/>
-                                        </p:tgtEl>
-                                        <p:attrNameLst>
-                                          <p:attrName>style.visibility</p:attrName>
-                                        </p:attrNameLst>
-                                      </p:cBhvr>
-                                      <p:to>
-                                        <p:strVal val="visible"/>
-                                      </p:to>
-                                    </p:set>
-                                    <p:anim calcmode="lin" valueType="num">
-                                      <p:cBhvr>
-                                        <p:cTn id="68" dur="500" fill="hold"/>
-                                        <p:tgtEl>
-                                          <p:spTgt spid="23"/>
-                                        </p:tgtEl>
-                                        <p:attrNameLst>
-                                          <p:attrName>ppt_w</p:attrName>
-                                        </p:attrNameLst>
-                                      </p:cBhvr>
-                                      <p:tavLst>
-                                        <p:tav tm="0">
-                                          <p:val>
-                                            <p:fltVal val="0"/>
-                                          </p:val>
-                                        </p:tav>
-                                        <p:tav tm="100000">
-                                          <p:val>
-                                            <p:strVal val="#ppt_w"/>
-                                          </p:val>
-                                        </p:tav>
-                                      </p:tavLst>
-                                    </p:anim>
-                                    <p:anim calcmode="lin" valueType="num">
-                                      <p:cBhvr>
-                                        <p:cTn id="69" dur="500" fill="hold"/>
-                                        <p:tgtEl>
-                                          <p:spTgt spid="23"/>
-                                        </p:tgtEl>
-                                        <p:attrNameLst>
-                                          <p:attrName>ppt_h</p:attrName>
-                                        </p:attrNameLst>
-                                      </p:cBhvr>
-                                      <p:tavLst>
-                                        <p:tav tm="0">
-                                          <p:val>
-                                            <p:fltVal val="0"/>
-                                          </p:val>
-                                        </p:tav>
-                                        <p:tav tm="100000">
-                                          <p:val>
-                                            <p:strVal val="#ppt_h"/>
-                                          </p:val>
-                                        </p:tav>
-                                      </p:tavLst>
-                                    </p:anim>
-                                    <p:animEffect transition="in" filter="fade">
-                                      <p:cBhvr>
-                                        <p:cTn id="70" dur="500"/>
-                                        <p:tgtEl>
-                                          <p:spTgt spid="23"/>
-                                        </p:tgtEl>
-                                      </p:cBhvr>
-                                    </p:animEffect>
-                                  </p:childTnLst>
-                                </p:cTn>
-                              </p:par>
-                              <p:par>
-                                <p:cTn id="71" presetID="26" presetClass="emph" presetSubtype="0" fill="hold" grpId="1" nodeType="withEffect">
-                                  <p:stCondLst>
-                                    <p:cond delay="0"/>
-                                  </p:stCondLst>
-                                  <p:childTnLst>
-                                    <p:animEffect transition="out" filter="fade">
-                                      <p:cBhvr>
-                                        <p:cTn id="72" dur="500" tmFilter="0, 0; .2, .5; .8, .5; 1, 0"/>
-                                        <p:tgtEl>
-                                          <p:spTgt spid="23"/>
-                                        </p:tgtEl>
-                                      </p:cBhvr>
-                                    </p:animEffect>
-                                    <p:animScale>
-                                      <p:cBhvr>
-                                        <p:cTn id="73" dur="250" autoRev="1" fill="hold"/>
-                                        <p:tgtEl>
-                                          <p:spTgt spid="23"/>
-                                        </p:tgtEl>
-                                      </p:cBhvr>
-                                      <p:by x="105000" y="105000"/>
-                                    </p:animScale>
-                                  </p:childTnLst>
-                                </p:cTn>
-                              </p:par>
-                            </p:childTnLst>
-                          </p:cTn>
-                        </p:par>
-                        <p:par>
-                          <p:cTn id="74" fill="hold">
-                            <p:stCondLst>
-                              <p:cond delay="2500"/>
-                            </p:stCondLst>
-                            <p:childTnLst>
-                              <p:par>
-                                <p:cTn id="75" presetID="53" presetClass="entr" presetSubtype="16" fill="hold" grpId="0" nodeType="afterEffect">
-                                  <p:stCondLst>
-                                    <p:cond delay="0"/>
-                                  </p:stCondLst>
-                                  <p:childTnLst>
-                                    <p:set>
-                                      <p:cBhvr>
-                                        <p:cTn id="76" dur="1" fill="hold">
-                                          <p:stCondLst>
-                                            <p:cond delay="0"/>
-                                          </p:stCondLst>
-                                        </p:cTn>
-                                        <p:tgtEl>
-                                          <p:spTgt spid="24"/>
-                                        </p:tgtEl>
-                                        <p:attrNameLst>
-                                          <p:attrName>style.visibility</p:attrName>
-                                        </p:attrNameLst>
-                                      </p:cBhvr>
-                                      <p:to>
-                                        <p:strVal val="visible"/>
-                                      </p:to>
-                                    </p:set>
-                                    <p:anim calcmode="lin" valueType="num">
-                                      <p:cBhvr>
-                                        <p:cTn id="77" dur="500" fill="hold"/>
-                                        <p:tgtEl>
-                                          <p:spTgt spid="24"/>
-                                        </p:tgtEl>
-                                        <p:attrNameLst>
-                                          <p:attrName>ppt_w</p:attrName>
-                                        </p:attrNameLst>
-                                      </p:cBhvr>
-                                      <p:tavLst>
-                                        <p:tav tm="0">
-                                          <p:val>
-                                            <p:fltVal val="0"/>
-                                          </p:val>
-                                        </p:tav>
-                                        <p:tav tm="100000">
-                                          <p:val>
-                                            <p:strVal val="#ppt_w"/>
-                                          </p:val>
-                                        </p:tav>
-                                      </p:tavLst>
-                                    </p:anim>
-                                    <p:anim calcmode="lin" valueType="num">
-                                      <p:cBhvr>
-                                        <p:cTn id="78" dur="500" fill="hold"/>
-                                        <p:tgtEl>
-                                          <p:spTgt spid="24"/>
-                                        </p:tgtEl>
-                                        <p:attrNameLst>
-                                          <p:attrName>ppt_h</p:attrName>
-                                        </p:attrNameLst>
-                                      </p:cBhvr>
-                                      <p:tavLst>
-                                        <p:tav tm="0">
-                                          <p:val>
-                                            <p:fltVal val="0"/>
-                                          </p:val>
-                                        </p:tav>
-                                        <p:tav tm="100000">
-                                          <p:val>
-                                            <p:strVal val="#ppt_h"/>
-                                          </p:val>
-                                        </p:tav>
-                                      </p:tavLst>
-                                    </p:anim>
-                                    <p:animEffect transition="in" filter="fade">
-                                      <p:cBhvr>
-                                        <p:cTn id="79" dur="500"/>
-                                        <p:tgtEl>
-                                          <p:spTgt spid="24"/>
-                                        </p:tgtEl>
-                                      </p:cBhvr>
-                                    </p:animEffect>
-                                  </p:childTnLst>
-                                </p:cTn>
-                              </p:par>
-                              <p:par>
-                                <p:cTn id="80" presetID="26" presetClass="emph" presetSubtype="0" fill="hold" grpId="1" nodeType="withEffect">
-                                  <p:stCondLst>
-                                    <p:cond delay="0"/>
-                                  </p:stCondLst>
-                                  <p:childTnLst>
-                                    <p:animEffect transition="out" filter="fade">
-                                      <p:cBhvr>
-                                        <p:cTn id="81" dur="500" tmFilter="0, 0; .2, .5; .8, .5; 1, 0"/>
-                                        <p:tgtEl>
-                                          <p:spTgt spid="24"/>
-                                        </p:tgtEl>
-                                      </p:cBhvr>
-                                    </p:animEffect>
-                                    <p:animScale>
-                                      <p:cBhvr>
-                                        <p:cTn id="82" dur="250" autoRev="1" fill="hold"/>
-                                        <p:tgtEl>
-                                          <p:spTgt spid="24"/>
-                                        </p:tgtEl>
-                                      </p:cBhvr>
-                                      <p:by x="105000" y="105000"/>
-                                    </p:animScale>
-                                  </p:childTnLst>
-                                </p:cTn>
-                              </p:par>
-                            </p:childTnLst>
-                          </p:cTn>
-                        </p:par>
-                        <p:par>
-                          <p:cTn id="83" fill="hold">
-                            <p:stCondLst>
-                              <p:cond delay="3000"/>
-                            </p:stCondLst>
-                            <p:childTnLst>
-                              <p:par>
-                                <p:cTn id="84" presetID="53" presetClass="entr" presetSubtype="16" fill="hold" grpId="0" nodeType="afterEffect">
-                                  <p:stCondLst>
-                                    <p:cond delay="0"/>
-                                  </p:stCondLst>
-                                  <p:childTnLst>
-                                    <p:set>
-                                      <p:cBhvr>
-                                        <p:cTn id="85" dur="1" fill="hold">
-                                          <p:stCondLst>
-                                            <p:cond delay="0"/>
-                                          </p:stCondLst>
-                                        </p:cTn>
-                                        <p:tgtEl>
-                                          <p:spTgt spid="25"/>
-                                        </p:tgtEl>
-                                        <p:attrNameLst>
-                                          <p:attrName>style.visibility</p:attrName>
-                                        </p:attrNameLst>
-                                      </p:cBhvr>
-                                      <p:to>
-                                        <p:strVal val="visible"/>
-                                      </p:to>
-                                    </p:set>
-                                    <p:anim calcmode="lin" valueType="num">
-                                      <p:cBhvr>
-                                        <p:cTn id="86" dur="500" fill="hold"/>
-                                        <p:tgtEl>
-                                          <p:spTgt spid="25"/>
-                                        </p:tgtEl>
-                                        <p:attrNameLst>
-                                          <p:attrName>ppt_w</p:attrName>
-                                        </p:attrNameLst>
-                                      </p:cBhvr>
-                                      <p:tavLst>
-                                        <p:tav tm="0">
-                                          <p:val>
-                                            <p:fltVal val="0"/>
-                                          </p:val>
-                                        </p:tav>
-                                        <p:tav tm="100000">
-                                          <p:val>
-                                            <p:strVal val="#ppt_w"/>
-                                          </p:val>
-                                        </p:tav>
-                                      </p:tavLst>
-                                    </p:anim>
-                                    <p:anim calcmode="lin" valueType="num">
-                                      <p:cBhvr>
-                                        <p:cTn id="87" dur="500" fill="hold"/>
-                                        <p:tgtEl>
-                                          <p:spTgt spid="25"/>
-                                        </p:tgtEl>
-                                        <p:attrNameLst>
-                                          <p:attrName>ppt_h</p:attrName>
-                                        </p:attrNameLst>
-                                      </p:cBhvr>
-                                      <p:tavLst>
-                                        <p:tav tm="0">
-                                          <p:val>
-                                            <p:fltVal val="0"/>
-                                          </p:val>
-                                        </p:tav>
-                                        <p:tav tm="100000">
-                                          <p:val>
-                                            <p:strVal val="#ppt_h"/>
-                                          </p:val>
-                                        </p:tav>
-                                      </p:tavLst>
-                                    </p:anim>
-                                    <p:animEffect transition="in" filter="fade">
-                                      <p:cBhvr>
-                                        <p:cTn id="88" dur="500"/>
-                                        <p:tgtEl>
-                                          <p:spTgt spid="25"/>
-                                        </p:tgtEl>
-                                      </p:cBhvr>
-                                    </p:animEffect>
-                                  </p:childTnLst>
-                                </p:cTn>
-                              </p:par>
-                              <p:par>
-                                <p:cTn id="89" presetID="26" presetClass="emph" presetSubtype="0" fill="hold" grpId="1" nodeType="withEffect">
-                                  <p:stCondLst>
-                                    <p:cond delay="0"/>
-                                  </p:stCondLst>
-                                  <p:childTnLst>
-                                    <p:animEffect transition="out" filter="fade">
-                                      <p:cBhvr>
-                                        <p:cTn id="90" dur="500" tmFilter="0, 0; .2, .5; .8, .5; 1, 0"/>
-                                        <p:tgtEl>
-                                          <p:spTgt spid="25"/>
-                                        </p:tgtEl>
-                                      </p:cBhvr>
-                                    </p:animEffect>
-                                    <p:animScale>
-                                      <p:cBhvr>
-                                        <p:cTn id="91" dur="250" autoRev="1" fill="hold"/>
-                                        <p:tgtEl>
-                                          <p:spTgt spid="25"/>
-                                        </p:tgtEl>
-                                      </p:cBhvr>
-                                      <p:by x="105000" y="105000"/>
-                                    </p:animScale>
-                                  </p:childTnLst>
-                                </p:cTn>
-                              </p:par>
-                            </p:childTnLst>
-                          </p:cTn>
-                        </p:par>
-                        <p:par>
-                          <p:cTn id="92" fill="hold">
-                            <p:stCondLst>
-                              <p:cond delay="3500"/>
-                            </p:stCondLst>
-                            <p:childTnLst>
-                              <p:par>
-                                <p:cTn id="93" presetID="53" presetClass="entr" presetSubtype="16" fill="hold" grpId="0" nodeType="afterEffect">
-                                  <p:stCondLst>
-                                    <p:cond delay="0"/>
-                                  </p:stCondLst>
-                                  <p:childTnLst>
-                                    <p:set>
-                                      <p:cBhvr>
-                                        <p:cTn id="94" dur="1" fill="hold">
-                                          <p:stCondLst>
-                                            <p:cond delay="0"/>
-                                          </p:stCondLst>
-                                        </p:cTn>
-                                        <p:tgtEl>
-                                          <p:spTgt spid="27"/>
-                                        </p:tgtEl>
-                                        <p:attrNameLst>
-                                          <p:attrName>style.visibility</p:attrName>
-                                        </p:attrNameLst>
-                                      </p:cBhvr>
-                                      <p:to>
-                                        <p:strVal val="visible"/>
-                                      </p:to>
-                                    </p:set>
-                                    <p:anim calcmode="lin" valueType="num">
-                                      <p:cBhvr>
-                                        <p:cTn id="95" dur="500" fill="hold"/>
-                                        <p:tgtEl>
-                                          <p:spTgt spid="27"/>
-                                        </p:tgtEl>
-                                        <p:attrNameLst>
-                                          <p:attrName>ppt_w</p:attrName>
-                                        </p:attrNameLst>
-                                      </p:cBhvr>
-                                      <p:tavLst>
-                                        <p:tav tm="0">
-                                          <p:val>
-                                            <p:fltVal val="0"/>
-                                          </p:val>
-                                        </p:tav>
-                                        <p:tav tm="100000">
-                                          <p:val>
-                                            <p:strVal val="#ppt_w"/>
-                                          </p:val>
-                                        </p:tav>
-                                      </p:tavLst>
-                                    </p:anim>
-                                    <p:anim calcmode="lin" valueType="num">
-                                      <p:cBhvr>
-                                        <p:cTn id="96" dur="500" fill="hold"/>
-                                        <p:tgtEl>
-                                          <p:spTgt spid="27"/>
-                                        </p:tgtEl>
-                                        <p:attrNameLst>
-                                          <p:attrName>ppt_h</p:attrName>
-                                        </p:attrNameLst>
-                                      </p:cBhvr>
-                                      <p:tavLst>
-                                        <p:tav tm="0">
-                                          <p:val>
-                                            <p:fltVal val="0"/>
-                                          </p:val>
-                                        </p:tav>
-                                        <p:tav tm="100000">
-                                          <p:val>
-                                            <p:strVal val="#ppt_h"/>
-                                          </p:val>
-                                        </p:tav>
-                                      </p:tavLst>
-                                    </p:anim>
-                                    <p:animEffect transition="in" filter="fade">
-                                      <p:cBhvr>
-                                        <p:cTn id="97" dur="500"/>
-                                        <p:tgtEl>
-                                          <p:spTgt spid="27"/>
-                                        </p:tgtEl>
-                                      </p:cBhvr>
-                                    </p:animEffect>
-                                  </p:childTnLst>
-                                </p:cTn>
-                              </p:par>
-                              <p:par>
-                                <p:cTn id="98" presetID="26" presetClass="emph" presetSubtype="0" fill="hold" grpId="1" nodeType="withEffect">
-                                  <p:stCondLst>
-                                    <p:cond delay="0"/>
-                                  </p:stCondLst>
-                                  <p:childTnLst>
-                                    <p:animEffect transition="out" filter="fade">
-                                      <p:cBhvr>
-                                        <p:cTn id="99" dur="500" tmFilter="0, 0; .2, .5; .8, .5; 1, 0"/>
-                                        <p:tgtEl>
-                                          <p:spTgt spid="27"/>
-                                        </p:tgtEl>
-                                      </p:cBhvr>
-                                    </p:animEffect>
-                                    <p:animScale>
-                                      <p:cBhvr>
-                                        <p:cTn id="100" dur="250" autoRev="1" fill="hold"/>
-                                        <p:tgtEl>
-                                          <p:spTgt spid="27"/>
-                                        </p:tgtEl>
-                                      </p:cBhvr>
-                                      <p:by x="105000" y="105000"/>
-                                    </p:animScale>
-                                  </p:childTnLst>
-                                </p:cTn>
-                              </p:par>
-                            </p:childTnLst>
-                          </p:cTn>
-                        </p:par>
-                        <p:par>
-                          <p:cTn id="101" fill="hold">
-                            <p:stCondLst>
-                              <p:cond delay="4000"/>
-                            </p:stCondLst>
-                            <p:childTnLst>
-                              <p:par>
-                                <p:cTn id="102" presetID="53" presetClass="entr" presetSubtype="16" fill="hold" grpId="0" nodeType="afterEffect">
-                                  <p:stCondLst>
-                                    <p:cond delay="0"/>
-                                  </p:stCondLst>
-                                  <p:childTnLst>
-                                    <p:set>
-                                      <p:cBhvr>
-                                        <p:cTn id="103" dur="1" fill="hold">
-                                          <p:stCondLst>
-                                            <p:cond delay="0"/>
-                                          </p:stCondLst>
-                                        </p:cTn>
-                                        <p:tgtEl>
-                                          <p:spTgt spid="28"/>
-                                        </p:tgtEl>
-                                        <p:attrNameLst>
-                                          <p:attrName>style.visibility</p:attrName>
-                                        </p:attrNameLst>
-                                      </p:cBhvr>
-                                      <p:to>
-                                        <p:strVal val="visible"/>
-                                      </p:to>
-                                    </p:set>
-                                    <p:anim calcmode="lin" valueType="num">
-                                      <p:cBhvr>
-                                        <p:cTn id="104" dur="500" fill="hold"/>
-                                        <p:tgtEl>
-                                          <p:spTgt spid="28"/>
-                                        </p:tgtEl>
-                                        <p:attrNameLst>
-                                          <p:attrName>ppt_w</p:attrName>
-                                        </p:attrNameLst>
-                                      </p:cBhvr>
-                                      <p:tavLst>
-                                        <p:tav tm="0">
-                                          <p:val>
-                                            <p:fltVal val="0"/>
-                                          </p:val>
-                                        </p:tav>
-                                        <p:tav tm="100000">
-                                          <p:val>
-                                            <p:strVal val="#ppt_w"/>
-                                          </p:val>
-                                        </p:tav>
-                                      </p:tavLst>
-                                    </p:anim>
-                                    <p:anim calcmode="lin" valueType="num">
-                                      <p:cBhvr>
-                                        <p:cTn id="105" dur="500" fill="hold"/>
-                                        <p:tgtEl>
-                                          <p:spTgt spid="28"/>
-                                        </p:tgtEl>
-                                        <p:attrNameLst>
-                                          <p:attrName>ppt_h</p:attrName>
-                                        </p:attrNameLst>
-                                      </p:cBhvr>
-                                      <p:tavLst>
-                                        <p:tav tm="0">
-                                          <p:val>
-                                            <p:fltVal val="0"/>
-                                          </p:val>
-                                        </p:tav>
-                                        <p:tav tm="100000">
-                                          <p:val>
-                                            <p:strVal val="#ppt_h"/>
-                                          </p:val>
-                                        </p:tav>
-                                      </p:tavLst>
-                                    </p:anim>
-                                    <p:animEffect transition="in" filter="fade">
-                                      <p:cBhvr>
-                                        <p:cTn id="106" dur="500"/>
-                                        <p:tgtEl>
-                                          <p:spTgt spid="28"/>
-                                        </p:tgtEl>
-                                      </p:cBhvr>
-                                    </p:animEffect>
-                                  </p:childTnLst>
-                                </p:cTn>
-                              </p:par>
-                              <p:par>
-                                <p:cTn id="107" presetID="26" presetClass="emph" presetSubtype="0" fill="hold" grpId="1" nodeType="withEffect">
-                                  <p:stCondLst>
-                                    <p:cond delay="0"/>
-                                  </p:stCondLst>
-                                  <p:childTnLst>
-                                    <p:animEffect transition="out" filter="fade">
-                                      <p:cBhvr>
-                                        <p:cTn id="108" dur="500" tmFilter="0, 0; .2, .5; .8, .5; 1, 0"/>
-                                        <p:tgtEl>
-                                          <p:spTgt spid="28"/>
-                                        </p:tgtEl>
-                                      </p:cBhvr>
-                                    </p:animEffect>
-                                    <p:animScale>
-                                      <p:cBhvr>
-                                        <p:cTn id="109" dur="250" autoRev="1" fill="hold"/>
-                                        <p:tgtEl>
-                                          <p:spTgt spid="28"/>
-                                        </p:tgtEl>
-                                      </p:cBhvr>
-                                      <p:by x="105000" y="105000"/>
-                                    </p:animScale>
-                                  </p:childTnLst>
-                                </p:cTn>
-                              </p:par>
-                            </p:childTnLst>
-                          </p:cTn>
-                        </p:par>
-                      </p:childTnLst>
-                    </p:cTn>
-                  </p:par>
-                </p:childTnLst>
-              </p:cTn>
-              <p:prevCondLst>
-                <p:cond evt="onPrev" delay="0">
-                  <p:tgtEl>
-                    <p:sldTgt/>
-                  </p:tgtEl>
-                </p:cond>
-              </p:prevCondLst>
-              <p:nextCondLst>
-                <p:cond evt="onNext" delay="0">
-                  <p:tgtEl>
-                    <p:sldTgt/>
-                  </p:tgtEl>
-                </p:cond>
-              </p:nextCondLst>
-            </p:seq>
-          </p:childTnLst>
-        </p:cTn>
+        <p:cTn id="1" dur="indefinite" restart="never" nodeType="tmRoot"/>
       </p:par>
     </p:tnLst>
-    <p:bldLst>
-      <p:bldP spid="16" grpId="0" animBg="1"/>
-      <p:bldP spid="16" grpId="1" animBg="1"/>
-      <p:bldP spid="21" grpId="0" animBg="1"/>
-      <p:bldP spid="21" grpId="1" animBg="1"/>
-      <p:bldP spid="22" grpId="0" animBg="1"/>
-      <p:bldP spid="22" grpId="1" animBg="1"/>
-      <p:bldP spid="23" grpId="0" animBg="1"/>
-      <p:bldP spid="23" grpId="1" animBg="1"/>
-      <p:bldP spid="24" grpId="0" animBg="1"/>
-      <p:bldP spid="24" grpId="1" animBg="1"/>
-      <p:bldP spid="25" grpId="0" animBg="1"/>
-      <p:bldP spid="25" grpId="1" animBg="1"/>
-      <p:bldP spid="27" grpId="0" animBg="1"/>
-      <p:bldP spid="27" grpId="1" animBg="1"/>
-      <p:bldP spid="28" grpId="0" animBg="1"/>
-      <p:bldP spid="28" grpId="1" animBg="1"/>
-    </p:bldLst>
   </p:timing>
 </p:sld>
 </file>
@@ -26287,7 +24944,7 @@
           <a:graphicData uri="http://schemas.openxmlformats.org/presentationml/2006/ole">
             <mc:AlternateContent xmlns:mc="http://schemas.openxmlformats.org/markup-compatibility/2006">
               <mc:Choice xmlns:v="urn:schemas-microsoft-com:vml" Requires="v">
-                <p:oleObj spid="_x0000_s1071" name="Visio" r:id="rId4" imgW="1209631" imgH="7305556" progId="Visio.Drawing.15">
+                <p:oleObj spid="_x0000_s1073" name="Visio" r:id="rId4" imgW="1209631" imgH="7305556" progId="Visio.Drawing.15">
                   <p:embed/>
                 </p:oleObj>
               </mc:Choice>
@@ -30795,7 +29452,7 @@
           <a:graphicData uri="http://schemas.openxmlformats.org/presentationml/2006/ole">
             <mc:AlternateContent xmlns:mc="http://schemas.openxmlformats.org/markup-compatibility/2006">
               <mc:Choice xmlns:v="urn:schemas-microsoft-com:vml" Requires="v">
-                <p:oleObj spid="_x0000_s4125" name="Visio" r:id="rId4" imgW="2619494" imgH="6505483" progId="Visio.Drawing.15">
+                <p:oleObj spid="_x0000_s4127" name="Visio" r:id="rId4" imgW="2619494" imgH="6505483" progId="Visio.Drawing.15">
                   <p:embed/>
                 </p:oleObj>
               </mc:Choice>

--- a/trunk/答辩.pptx
+++ b/trunk/答辩.pptx
@@ -259,7 +259,7 @@
           <a:p>
             <a:fld id="{86909E6F-320A-469C-BB62-61F7F1FEA1CC}" type="datetimeFigureOut">
               <a:rPr lang="zh-CN" altLang="en-US" smtClean="0"/>
-              <a:t>2016/5/31</a:t>
+              <a:t>2016/6/1</a:t>
             </a:fld>
             <a:endParaRPr lang="zh-CN" altLang="en-US"/>
           </a:p>
@@ -802,7 +802,7 @@
               <a:pPr>
                 <a:defRPr/>
               </a:pPr>
-              <a:t>2016/5/31</a:t>
+              <a:t>2016/6/1</a:t>
             </a:fld>
             <a:endParaRPr lang="zh-CN" altLang="en-US"/>
           </a:p>
@@ -994,7 +994,7 @@
               <a:pPr>
                 <a:defRPr/>
               </a:pPr>
-              <a:t>2016/5/31</a:t>
+              <a:t>2016/6/1</a:t>
             </a:fld>
             <a:endParaRPr lang="zh-CN" altLang="en-US"/>
           </a:p>
@@ -1196,7 +1196,7 @@
               <a:pPr>
                 <a:defRPr/>
               </a:pPr>
-              <a:t>2016/5/31</a:t>
+              <a:t>2016/6/1</a:t>
             </a:fld>
             <a:endParaRPr lang="zh-CN" altLang="en-US"/>
           </a:p>
@@ -1388,7 +1388,7 @@
               <a:pPr>
                 <a:defRPr/>
               </a:pPr>
-              <a:t>2016/5/31</a:t>
+              <a:t>2016/6/1</a:t>
             </a:fld>
             <a:endParaRPr lang="zh-CN" altLang="en-US"/>
           </a:p>
@@ -1656,7 +1656,7 @@
               <a:pPr>
                 <a:defRPr/>
               </a:pPr>
-              <a:t>2016/5/31</a:t>
+              <a:t>2016/6/1</a:t>
             </a:fld>
             <a:endParaRPr lang="zh-CN" altLang="en-US"/>
           </a:p>
@@ -1966,7 +1966,7 @@
               <a:pPr>
                 <a:defRPr/>
               </a:pPr>
-              <a:t>2016/5/31</a:t>
+              <a:t>2016/6/1</a:t>
             </a:fld>
             <a:endParaRPr lang="zh-CN" altLang="en-US"/>
           </a:p>
@@ -2410,7 +2410,7 @@
               <a:pPr>
                 <a:defRPr/>
               </a:pPr>
-              <a:t>2016/5/31</a:t>
+              <a:t>2016/6/1</a:t>
             </a:fld>
             <a:endParaRPr lang="zh-CN" altLang="en-US"/>
           </a:p>
@@ -2550,7 +2550,7 @@
               <a:pPr>
                 <a:defRPr/>
               </a:pPr>
-              <a:t>2016/5/31</a:t>
+              <a:t>2016/6/1</a:t>
             </a:fld>
             <a:endParaRPr lang="zh-CN" altLang="en-US"/>
           </a:p>
@@ -2667,7 +2667,7 @@
               <a:pPr>
                 <a:defRPr/>
               </a:pPr>
-              <a:t>2016/5/31</a:t>
+              <a:t>2016/6/1</a:t>
             </a:fld>
             <a:endParaRPr lang="zh-CN" altLang="en-US"/>
           </a:p>
@@ -2966,7 +2966,7 @@
               <a:pPr>
                 <a:defRPr/>
               </a:pPr>
-              <a:t>2016/5/31</a:t>
+              <a:t>2016/6/1</a:t>
             </a:fld>
             <a:endParaRPr lang="zh-CN" altLang="en-US"/>
           </a:p>
@@ -3244,7 +3244,7 @@
               <a:pPr>
                 <a:defRPr/>
               </a:pPr>
-              <a:t>2016/5/31</a:t>
+              <a:t>2016/6/1</a:t>
             </a:fld>
             <a:endParaRPr lang="zh-CN" altLang="en-US"/>
           </a:p>
@@ -3500,7 +3500,7 @@
               <a:pPr>
                 <a:defRPr/>
               </a:pPr>
-              <a:t>2016/5/31</a:t>
+              <a:t>2016/6/1</a:t>
             </a:fld>
             <a:endParaRPr lang="zh-CN" altLang="en-US"/>
           </a:p>
@@ -5925,7 +5925,7 @@
           <a:graphicData uri="http://schemas.openxmlformats.org/presentationml/2006/ole">
             <mc:AlternateContent xmlns:mc="http://schemas.openxmlformats.org/markup-compatibility/2006">
               <mc:Choice xmlns:v="urn:schemas-microsoft-com:vml" Requires="v">
-                <p:oleObj spid="_x0000_s6288" name="Equation" r:id="rId4" imgW="1574800" imgH="508000" progId="Equation.DSMT4">
+                <p:oleObj spid="_x0000_s6300" name="Equation" r:id="rId4" imgW="1574800" imgH="508000" progId="Equation.DSMT4">
                   <p:embed/>
                 </p:oleObj>
               </mc:Choice>
@@ -6120,7 +6120,7 @@
           <a:graphicData uri="http://schemas.openxmlformats.org/presentationml/2006/ole">
             <mc:AlternateContent xmlns:mc="http://schemas.openxmlformats.org/markup-compatibility/2006">
               <mc:Choice xmlns:v="urn:schemas-microsoft-com:vml" Requires="v">
-                <p:oleObj spid="_x0000_s6289" name="Equation" r:id="rId6" imgW="1422400" imgH="558800" progId="Equation.DSMT4">
+                <p:oleObj spid="_x0000_s6301" name="Equation" r:id="rId6" imgW="1422400" imgH="558800" progId="Equation.DSMT4">
                   <p:embed/>
                 </p:oleObj>
               </mc:Choice>
@@ -6246,7 +6246,7 @@
           <a:graphicData uri="http://schemas.openxmlformats.org/presentationml/2006/ole">
             <mc:AlternateContent xmlns:mc="http://schemas.openxmlformats.org/markup-compatibility/2006">
               <mc:Choice xmlns:v="urn:schemas-microsoft-com:vml" Requires="v">
-                <p:oleObj spid="_x0000_s6290" name="Equation" r:id="rId8" imgW="2298700" imgH="241300" progId="Equation.DSMT4">
+                <p:oleObj spid="_x0000_s6302" name="Equation" r:id="rId8" imgW="2298700" imgH="241300" progId="Equation.DSMT4">
                   <p:embed/>
                 </p:oleObj>
               </mc:Choice>
@@ -6516,7 +6516,7 @@
           <a:graphicData uri="http://schemas.openxmlformats.org/presentationml/2006/ole">
             <mc:AlternateContent xmlns:mc="http://schemas.openxmlformats.org/markup-compatibility/2006">
               <mc:Choice xmlns:v="urn:schemas-microsoft-com:vml" Requires="v">
-                <p:oleObj spid="_x0000_s6291" name="Equation" r:id="rId10" imgW="190500" imgH="228600" progId="Equation.DSMT4">
+                <p:oleObj spid="_x0000_s6303" name="Equation" r:id="rId10" imgW="190500" imgH="228600" progId="Equation.DSMT4">
                   <p:embed/>
                 </p:oleObj>
               </mc:Choice>
@@ -6763,7 +6763,7 @@
           <a:graphicData uri="http://schemas.openxmlformats.org/presentationml/2006/ole">
             <mc:AlternateContent xmlns:mc="http://schemas.openxmlformats.org/markup-compatibility/2006">
               <mc:Choice xmlns:v="urn:schemas-microsoft-com:vml" Requires="v">
-                <p:oleObj spid="_x0000_s7196" name="Visio" r:id="rId4" imgW="1809661" imgH="9248656" progId="Visio.Drawing.15">
+                <p:oleObj spid="_x0000_s7199" name="Visio" r:id="rId4" imgW="1809661" imgH="9248656" progId="Visio.Drawing.15">
                   <p:embed/>
                 </p:oleObj>
               </mc:Choice>
@@ -8125,7 +8125,7 @@
             <a:r>
               <a:rPr lang="en-US" altLang="zh-CN" sz="2400" dirty="0">
                 <a:solidFill>
-                  <a:srgbClr val="00B0F0"/>
+                  <a:schemeClr val="tx2"/>
                 </a:solidFill>
               </a:rPr>
               <a:t>BIHT-l</a:t>
@@ -8133,7 +8133,7 @@
             <a:r>
               <a:rPr lang="en-US" altLang="zh-CN" sz="2400" baseline="-25000" dirty="0">
                 <a:solidFill>
-                  <a:srgbClr val="00B0F0"/>
+                  <a:schemeClr val="tx2"/>
                 </a:solidFill>
               </a:rPr>
               <a:t>2</a:t>
@@ -8141,7 +8141,7 @@
             <a:r>
               <a:rPr lang="zh-CN" altLang="zh-CN" sz="2400" dirty="0">
                 <a:solidFill>
-                  <a:srgbClr val="00B0F0"/>
+                  <a:schemeClr val="tx2"/>
                 </a:solidFill>
               </a:rPr>
               <a:t>算法是将</a:t>
@@ -8149,7 +8149,7 @@
             <a:r>
               <a:rPr lang="en-US" altLang="zh-CN" sz="2400" dirty="0">
                 <a:solidFill>
-                  <a:srgbClr val="00B0F0"/>
+                  <a:schemeClr val="tx2"/>
                 </a:solidFill>
               </a:rPr>
               <a:t>l</a:t>
@@ -8157,7 +8157,7 @@
             <a:r>
               <a:rPr lang="en-US" altLang="zh-CN" sz="2400" baseline="-25000" dirty="0">
                 <a:solidFill>
-                  <a:srgbClr val="00B0F0"/>
+                  <a:schemeClr val="tx2"/>
                 </a:solidFill>
               </a:rPr>
               <a:t>2</a:t>
@@ -8165,7 +8165,7 @@
             <a:r>
               <a:rPr lang="zh-CN" altLang="zh-CN" sz="2400" dirty="0">
                 <a:solidFill>
-                  <a:srgbClr val="00B0F0"/>
+                  <a:schemeClr val="tx2"/>
                 </a:solidFill>
               </a:rPr>
               <a:t>范数引入到了</a:t>
@@ -8173,7 +8173,7 @@
             <a:r>
               <a:rPr lang="en-US" altLang="zh-CN" sz="2400" dirty="0">
                 <a:solidFill>
-                  <a:srgbClr val="00B0F0"/>
+                  <a:schemeClr val="tx2"/>
                 </a:solidFill>
               </a:rPr>
               <a:t>BIHT</a:t>
@@ -8181,7 +8181,7 @@
             <a:r>
               <a:rPr lang="zh-CN" altLang="zh-CN" sz="2400" dirty="0">
                 <a:solidFill>
-                  <a:srgbClr val="00B0F0"/>
+                  <a:schemeClr val="tx2"/>
                 </a:solidFill>
               </a:rPr>
               <a:t>算法中，</a:t>
@@ -8189,7 +8189,7 @@
             <a:r>
               <a:rPr lang="en-US" altLang="zh-CN" sz="2400" dirty="0">
                 <a:solidFill>
-                  <a:srgbClr val="00B0F0"/>
+                  <a:schemeClr val="tx2"/>
                 </a:solidFill>
               </a:rPr>
               <a:t>BIHT-l</a:t>
@@ -8197,7 +8197,7 @@
             <a:r>
               <a:rPr lang="en-US" altLang="zh-CN" sz="2400" baseline="-25000" dirty="0">
                 <a:solidFill>
-                  <a:srgbClr val="00B0F0"/>
+                  <a:schemeClr val="tx2"/>
                 </a:solidFill>
               </a:rPr>
               <a:t>2</a:t>
@@ -8205,14 +8205,14 @@
             <a:r>
               <a:rPr lang="zh-CN" altLang="zh-CN" sz="2400" dirty="0">
                 <a:solidFill>
-                  <a:srgbClr val="00B0F0"/>
+                  <a:schemeClr val="tx2"/>
                 </a:solidFill>
               </a:rPr>
               <a:t>的数学定义如下：</a:t>
             </a:r>
             <a:endParaRPr lang="zh-CN" altLang="en-US" sz="2400" dirty="0" smtClean="0">
               <a:solidFill>
-                <a:srgbClr val="00B0F0"/>
+                <a:schemeClr val="tx2"/>
               </a:solidFill>
             </a:endParaRPr>
           </a:p>
@@ -8666,7 +8666,7 @@
           <a:graphicData uri="http://schemas.openxmlformats.org/presentationml/2006/ole">
             <mc:AlternateContent xmlns:mc="http://schemas.openxmlformats.org/markup-compatibility/2006">
               <mc:Choice xmlns:v="urn:schemas-microsoft-com:vml" Requires="v">
-                <p:oleObj spid="_x0000_s8256" name="Equation" r:id="rId5" imgW="1435100" imgH="558800" progId="Equation.DSMT4">
+                <p:oleObj spid="_x0000_s8262" name="Equation" r:id="rId5" imgW="1435100" imgH="558800" progId="Equation.DSMT4">
                   <p:embed/>
                 </p:oleObj>
               </mc:Choice>
@@ -8796,7 +8796,7 @@
           <a:graphicData uri="http://schemas.openxmlformats.org/presentationml/2006/ole">
             <mc:AlternateContent xmlns:mc="http://schemas.openxmlformats.org/markup-compatibility/2006">
               <mc:Choice xmlns:v="urn:schemas-microsoft-com:vml" Requires="v">
-                <p:oleObj spid="_x0000_s8257" name="Equation" r:id="rId7" imgW="2222500" imgH="241300" progId="Equation.DSMT4">
+                <p:oleObj spid="_x0000_s8263" name="Equation" r:id="rId7" imgW="2222500" imgH="241300" progId="Equation.DSMT4">
                   <p:embed/>
                 </p:oleObj>
               </mc:Choice>
@@ -10016,7 +10016,7 @@
           <a:graphicData uri="http://schemas.openxmlformats.org/presentationml/2006/ole">
             <mc:AlternateContent xmlns:mc="http://schemas.openxmlformats.org/markup-compatibility/2006">
               <mc:Choice xmlns:v="urn:schemas-microsoft-com:vml" Requires="v">
-                <p:oleObj spid="_x0000_s10343" name="Equation" r:id="rId4" imgW="596641" imgH="253890" progId="Equation.DSMT4">
+                <p:oleObj spid="_x0000_s10355" name="Equation" r:id="rId4" imgW="596641" imgH="253890" progId="Equation.DSMT4">
                   <p:embed/>
                 </p:oleObj>
               </mc:Choice>
@@ -10202,7 +10202,7 @@
           <a:graphicData uri="http://schemas.openxmlformats.org/presentationml/2006/ole">
             <mc:AlternateContent xmlns:mc="http://schemas.openxmlformats.org/markup-compatibility/2006">
               <mc:Choice xmlns:v="urn:schemas-microsoft-com:vml" Requires="v">
-                <p:oleObj spid="_x0000_s10344" name="Equation" r:id="rId6" imgW="914400" imgH="342900" progId="Equation.DSMT4">
+                <p:oleObj spid="_x0000_s10356" name="Equation" r:id="rId6" imgW="914400" imgH="342900" progId="Equation.DSMT4">
                   <p:embed/>
                 </p:oleObj>
               </mc:Choice>
@@ -10424,7 +10424,7 @@
           <a:graphicData uri="http://schemas.openxmlformats.org/presentationml/2006/ole">
             <mc:AlternateContent xmlns:mc="http://schemas.openxmlformats.org/markup-compatibility/2006">
               <mc:Choice xmlns:v="urn:schemas-microsoft-com:vml" Requires="v">
-                <p:oleObj spid="_x0000_s10345" name="Equation" r:id="rId8" imgW="1905000" imgH="914400" progId="Equation.DSMT4">
+                <p:oleObj spid="_x0000_s10357" name="Equation" r:id="rId8" imgW="1905000" imgH="914400" progId="Equation.DSMT4">
                   <p:embed/>
                 </p:oleObj>
               </mc:Choice>
@@ -10563,7 +10563,7 @@
           <a:graphicData uri="http://schemas.openxmlformats.org/presentationml/2006/ole">
             <mc:AlternateContent xmlns:mc="http://schemas.openxmlformats.org/markup-compatibility/2006">
               <mc:Choice xmlns:v="urn:schemas-microsoft-com:vml" Requires="v">
-                <p:oleObj spid="_x0000_s10346" name="Equation" r:id="rId10" imgW="2590800" imgH="241300" progId="Equation.DSMT4">
+                <p:oleObj spid="_x0000_s10358" name="Equation" r:id="rId10" imgW="2590800" imgH="241300" progId="Equation.DSMT4">
                   <p:embed/>
                 </p:oleObj>
               </mc:Choice>
@@ -10936,7 +10936,7 @@
           <a:graphicData uri="http://schemas.openxmlformats.org/presentationml/2006/ole">
             <mc:AlternateContent xmlns:mc="http://schemas.openxmlformats.org/markup-compatibility/2006">
               <mc:Choice xmlns:v="urn:schemas-microsoft-com:vml" Requires="v">
-                <p:oleObj spid="_x0000_s13365" name="Visio" r:id="rId4" imgW="1809661" imgH="11658600" progId="Visio.Drawing.15">
+                <p:oleObj spid="_x0000_s13371" name="Visio" r:id="rId4" imgW="1809661" imgH="11658600" progId="Visio.Drawing.15">
                   <p:embed/>
                 </p:oleObj>
               </mc:Choice>
@@ -11146,7 +11146,7 @@
           <a:graphicData uri="http://schemas.openxmlformats.org/presentationml/2006/ole">
             <mc:AlternateContent xmlns:mc="http://schemas.openxmlformats.org/markup-compatibility/2006">
               <mc:Choice xmlns:v="urn:schemas-microsoft-com:vml" Requires="v">
-                <p:oleObj spid="_x0000_s13366" name="Equation" r:id="rId6" imgW="837836" imgH="203112" progId="Equation.DSMT4">
+                <p:oleObj spid="_x0000_s13372" name="Equation" r:id="rId6" imgW="837836" imgH="203112" progId="Equation.DSMT4">
                   <p:embed/>
                 </p:oleObj>
               </mc:Choice>
@@ -12583,7 +12583,7 @@
           <a:graphicData uri="http://schemas.openxmlformats.org/presentationml/2006/ole">
             <mc:AlternateContent xmlns:mc="http://schemas.openxmlformats.org/markup-compatibility/2006">
               <mc:Choice xmlns:v="urn:schemas-microsoft-com:vml" Requires="v">
-                <p:oleObj spid="_x0000_s14375" name="Equation" r:id="rId4" imgW="1930400" imgH="914400" progId="Equation.DSMT4">
+                <p:oleObj spid="_x0000_s14381" name="Equation" r:id="rId4" imgW="1930400" imgH="914400" progId="Equation.DSMT4">
                   <p:embed/>
                 </p:oleObj>
               </mc:Choice>
@@ -12713,7 +12713,7 @@
           <a:graphicData uri="http://schemas.openxmlformats.org/presentationml/2006/ole">
             <mc:AlternateContent xmlns:mc="http://schemas.openxmlformats.org/markup-compatibility/2006">
               <mc:Choice xmlns:v="urn:schemas-microsoft-com:vml" Requires="v">
-                <p:oleObj spid="_x0000_s14376" name="Equation" r:id="rId6" imgW="2997200" imgH="241300" progId="Equation.DSMT4">
+                <p:oleObj spid="_x0000_s14382" name="Equation" r:id="rId6" imgW="2997200" imgH="241300" progId="Equation.DSMT4">
                   <p:embed/>
                 </p:oleObj>
               </mc:Choice>
@@ -14083,7 +14083,7 @@
           <a:graphicData uri="http://schemas.openxmlformats.org/presentationml/2006/ole">
             <mc:AlternateContent xmlns:mc="http://schemas.openxmlformats.org/markup-compatibility/2006">
               <mc:Choice xmlns:v="urn:schemas-microsoft-com:vml" Requires="v">
-                <p:oleObj spid="_x0000_s15434" name="Equation" r:id="rId4" imgW="507780" imgH="203112" progId="Equation.DSMT4">
+                <p:oleObj spid="_x0000_s15446" name="Equation" r:id="rId4" imgW="507780" imgH="203112" progId="Equation.DSMT4">
                   <p:embed/>
                 </p:oleObj>
               </mc:Choice>
@@ -14363,7 +14363,7 @@
           <a:graphicData uri="http://schemas.openxmlformats.org/presentationml/2006/ole">
             <mc:AlternateContent xmlns:mc="http://schemas.openxmlformats.org/markup-compatibility/2006">
               <mc:Choice xmlns:v="urn:schemas-microsoft-com:vml" Requires="v">
-                <p:oleObj spid="_x0000_s15435" name="Equation" r:id="rId6" imgW="355292" imgH="203024" progId="Equation.DSMT4">
+                <p:oleObj spid="_x0000_s15447" name="Equation" r:id="rId6" imgW="355292" imgH="203024" progId="Equation.DSMT4">
                   <p:embed/>
                 </p:oleObj>
               </mc:Choice>
@@ -14692,7 +14692,7 @@
           <a:graphicData uri="http://schemas.openxmlformats.org/presentationml/2006/ole">
             <mc:AlternateContent xmlns:mc="http://schemas.openxmlformats.org/markup-compatibility/2006">
               <mc:Choice xmlns:v="urn:schemas-microsoft-com:vml" Requires="v">
-                <p:oleObj spid="_x0000_s15436" name="Equation" r:id="rId8" imgW="1930400" imgH="990600" progId="Equation.DSMT4">
+                <p:oleObj spid="_x0000_s15448" name="Equation" r:id="rId8" imgW="1930400" imgH="990600" progId="Equation.DSMT4">
                   <p:embed/>
                 </p:oleObj>
               </mc:Choice>
@@ -14880,7 +14880,7 @@
           <a:graphicData uri="http://schemas.openxmlformats.org/presentationml/2006/ole">
             <mc:AlternateContent xmlns:mc="http://schemas.openxmlformats.org/markup-compatibility/2006">
               <mc:Choice xmlns:v="urn:schemas-microsoft-com:vml" Requires="v">
-                <p:oleObj spid="_x0000_s15437" name="Equation" r:id="rId10" imgW="2197100" imgH="228600" progId="Equation.DSMT4">
+                <p:oleObj spid="_x0000_s15449" name="Equation" r:id="rId10" imgW="2197100" imgH="228600" progId="Equation.DSMT4">
                   <p:embed/>
                 </p:oleObj>
               </mc:Choice>
@@ -15390,7 +15390,7 @@
           <a:graphicData uri="http://schemas.openxmlformats.org/presentationml/2006/ole">
             <mc:AlternateContent xmlns:mc="http://schemas.openxmlformats.org/markup-compatibility/2006">
               <mc:Choice xmlns:v="urn:schemas-microsoft-com:vml" Requires="v">
-                <p:oleObj spid="_x0000_s16413" name="Visio" r:id="rId4" imgW="1809661" imgH="11820406" progId="Visio.Drawing.15">
+                <p:oleObj spid="_x0000_s16419" name="Visio" r:id="rId4" imgW="1809661" imgH="11820406" progId="Visio.Drawing.15">
                   <p:embed/>
                 </p:oleObj>
               </mc:Choice>
@@ -15520,7 +15520,7 @@
           <a:graphicData uri="http://schemas.openxmlformats.org/presentationml/2006/ole">
             <mc:AlternateContent xmlns:mc="http://schemas.openxmlformats.org/markup-compatibility/2006">
               <mc:Choice xmlns:v="urn:schemas-microsoft-com:vml" Requires="v">
-                <p:oleObj spid="_x0000_s16414" name="Equation" r:id="rId6" imgW="1586811" imgH="482391" progId="Equation.DSMT4">
+                <p:oleObj spid="_x0000_s16420" name="Equation" r:id="rId6" imgW="1586811" imgH="482391" progId="Equation.DSMT4">
                   <p:embed/>
                 </p:oleObj>
               </mc:Choice>
@@ -17156,7 +17156,7 @@
           <a:graphicData uri="http://schemas.openxmlformats.org/presentationml/2006/ole">
             <mc:AlternateContent xmlns:mc="http://schemas.openxmlformats.org/markup-compatibility/2006">
               <mc:Choice xmlns:v="urn:schemas-microsoft-com:vml" Requires="v">
-                <p:oleObj spid="_x0000_s17434" name="Equation" r:id="rId4" imgW="1943100" imgH="990600" progId="Equation.DSMT4">
+                <p:oleObj spid="_x0000_s17440" name="Equation" r:id="rId4" imgW="1943100" imgH="990600" progId="Equation.DSMT4">
                   <p:embed/>
                 </p:oleObj>
               </mc:Choice>
@@ -17295,7 +17295,7 @@
           <a:graphicData uri="http://schemas.openxmlformats.org/presentationml/2006/ole">
             <mc:AlternateContent xmlns:mc="http://schemas.openxmlformats.org/markup-compatibility/2006">
               <mc:Choice xmlns:v="urn:schemas-microsoft-com:vml" Requires="v">
-                <p:oleObj spid="_x0000_s17435" name="Equation" r:id="rId6" imgW="2755900" imgH="228600" progId="Equation.DSMT4">
+                <p:oleObj spid="_x0000_s17441" name="Equation" r:id="rId6" imgW="2755900" imgH="228600" progId="Equation.DSMT4">
                   <p:embed/>
                 </p:oleObj>
               </mc:Choice>
@@ -19868,9 +19868,717 @@
   <p:timing>
     <p:tnLst>
       <p:par>
-        <p:cTn id="1" dur="indefinite" restart="never" nodeType="tmRoot"/>
+        <p:cTn id="1" dur="indefinite" restart="never" nodeType="tmRoot">
+          <p:childTnLst>
+            <p:seq concurrent="1" nextAc="seek">
+              <p:cTn id="2" dur="indefinite" nodeType="mainSeq">
+                <p:childTnLst>
+                  <p:par>
+                    <p:cTn id="3" fill="hold">
+                      <p:stCondLst>
+                        <p:cond delay="indefinite"/>
+                      </p:stCondLst>
+                      <p:childTnLst>
+                        <p:par>
+                          <p:cTn id="4" fill="hold">
+                            <p:stCondLst>
+                              <p:cond delay="0"/>
+                            </p:stCondLst>
+                            <p:childTnLst>
+                              <p:par>
+                                <p:cTn id="5" presetID="1" presetClass="entr" presetSubtype="0" fill="hold" grpId="0" nodeType="clickEffect">
+                                  <p:stCondLst>
+                                    <p:cond delay="0"/>
+                                  </p:stCondLst>
+                                  <p:childTnLst>
+                                    <p:set>
+                                      <p:cBhvr>
+                                        <p:cTn id="6" dur="1" fill="hold">
+                                          <p:stCondLst>
+                                            <p:cond delay="0"/>
+                                          </p:stCondLst>
+                                        </p:cTn>
+                                        <p:tgtEl>
+                                          <p:spTgt spid="21"/>
+                                        </p:tgtEl>
+                                        <p:attrNameLst>
+                                          <p:attrName>style.visibility</p:attrName>
+                                        </p:attrNameLst>
+                                      </p:cBhvr>
+                                      <p:to>
+                                        <p:strVal val="visible"/>
+                                      </p:to>
+                                    </p:set>
+                                  </p:childTnLst>
+                                </p:cTn>
+                              </p:par>
+                            </p:childTnLst>
+                          </p:cTn>
+                        </p:par>
+                      </p:childTnLst>
+                    </p:cTn>
+                  </p:par>
+                  <p:par>
+                    <p:cTn id="7" fill="hold">
+                      <p:stCondLst>
+                        <p:cond delay="indefinite"/>
+                      </p:stCondLst>
+                      <p:childTnLst>
+                        <p:par>
+                          <p:cTn id="8" fill="hold">
+                            <p:stCondLst>
+                              <p:cond delay="0"/>
+                            </p:stCondLst>
+                            <p:childTnLst>
+                              <p:par>
+                                <p:cTn id="9" presetID="1" presetClass="entr" presetSubtype="0" fill="hold" nodeType="clickEffect">
+                                  <p:stCondLst>
+                                    <p:cond delay="0"/>
+                                  </p:stCondLst>
+                                  <p:childTnLst>
+                                    <p:set>
+                                      <p:cBhvr>
+                                        <p:cTn id="10" dur="1" fill="hold">
+                                          <p:stCondLst>
+                                            <p:cond delay="0"/>
+                                          </p:stCondLst>
+                                        </p:cTn>
+                                        <p:tgtEl>
+                                          <p:spTgt spid="8"/>
+                                        </p:tgtEl>
+                                        <p:attrNameLst>
+                                          <p:attrName>style.visibility</p:attrName>
+                                        </p:attrNameLst>
+                                      </p:cBhvr>
+                                      <p:to>
+                                        <p:strVal val="visible"/>
+                                      </p:to>
+                                    </p:set>
+                                  </p:childTnLst>
+                                </p:cTn>
+                              </p:par>
+                            </p:childTnLst>
+                          </p:cTn>
+                        </p:par>
+                      </p:childTnLst>
+                    </p:cTn>
+                  </p:par>
+                  <p:par>
+                    <p:cTn id="11" fill="hold">
+                      <p:stCondLst>
+                        <p:cond delay="indefinite"/>
+                      </p:stCondLst>
+                      <p:childTnLst>
+                        <p:par>
+                          <p:cTn id="12" fill="hold">
+                            <p:stCondLst>
+                              <p:cond delay="0"/>
+                            </p:stCondLst>
+                            <p:childTnLst>
+                              <p:par>
+                                <p:cTn id="13" presetID="1" presetClass="entr" presetSubtype="0" fill="hold" grpId="0" nodeType="clickEffect">
+                                  <p:stCondLst>
+                                    <p:cond delay="0"/>
+                                  </p:stCondLst>
+                                  <p:childTnLst>
+                                    <p:set>
+                                      <p:cBhvr>
+                                        <p:cTn id="14" dur="1" fill="hold">
+                                          <p:stCondLst>
+                                            <p:cond delay="0"/>
+                                          </p:stCondLst>
+                                        </p:cTn>
+                                        <p:tgtEl>
+                                          <p:spTgt spid="22"/>
+                                        </p:tgtEl>
+                                        <p:attrNameLst>
+                                          <p:attrName>style.visibility</p:attrName>
+                                        </p:attrNameLst>
+                                      </p:cBhvr>
+                                      <p:to>
+                                        <p:strVal val="visible"/>
+                                      </p:to>
+                                    </p:set>
+                                  </p:childTnLst>
+                                </p:cTn>
+                              </p:par>
+                            </p:childTnLst>
+                          </p:cTn>
+                        </p:par>
+                      </p:childTnLst>
+                    </p:cTn>
+                  </p:par>
+                  <p:par>
+                    <p:cTn id="15" fill="hold">
+                      <p:stCondLst>
+                        <p:cond delay="indefinite"/>
+                      </p:stCondLst>
+                      <p:childTnLst>
+                        <p:par>
+                          <p:cTn id="16" fill="hold">
+                            <p:stCondLst>
+                              <p:cond delay="0"/>
+                            </p:stCondLst>
+                            <p:childTnLst>
+                              <p:par>
+                                <p:cTn id="17" presetID="1" presetClass="entr" presetSubtype="0" fill="hold" nodeType="clickEffect">
+                                  <p:stCondLst>
+                                    <p:cond delay="0"/>
+                                  </p:stCondLst>
+                                  <p:childTnLst>
+                                    <p:set>
+                                      <p:cBhvr>
+                                        <p:cTn id="18" dur="1" fill="hold">
+                                          <p:stCondLst>
+                                            <p:cond delay="0"/>
+                                          </p:stCondLst>
+                                        </p:cTn>
+                                        <p:tgtEl>
+                                          <p:spTgt spid="10"/>
+                                        </p:tgtEl>
+                                        <p:attrNameLst>
+                                          <p:attrName>style.visibility</p:attrName>
+                                        </p:attrNameLst>
+                                      </p:cBhvr>
+                                      <p:to>
+                                        <p:strVal val="visible"/>
+                                      </p:to>
+                                    </p:set>
+                                  </p:childTnLst>
+                                </p:cTn>
+                              </p:par>
+                            </p:childTnLst>
+                          </p:cTn>
+                        </p:par>
+                      </p:childTnLst>
+                    </p:cTn>
+                  </p:par>
+                  <p:par>
+                    <p:cTn id="19" fill="hold">
+                      <p:stCondLst>
+                        <p:cond delay="indefinite"/>
+                      </p:stCondLst>
+                      <p:childTnLst>
+                        <p:par>
+                          <p:cTn id="20" fill="hold">
+                            <p:stCondLst>
+                              <p:cond delay="0"/>
+                            </p:stCondLst>
+                            <p:childTnLst>
+                              <p:par>
+                                <p:cTn id="21" presetID="1" presetClass="entr" presetSubtype="0" fill="hold" grpId="0" nodeType="clickEffect">
+                                  <p:stCondLst>
+                                    <p:cond delay="0"/>
+                                  </p:stCondLst>
+                                  <p:childTnLst>
+                                    <p:set>
+                                      <p:cBhvr>
+                                        <p:cTn id="22" dur="1" fill="hold">
+                                          <p:stCondLst>
+                                            <p:cond delay="0"/>
+                                          </p:stCondLst>
+                                        </p:cTn>
+                                        <p:tgtEl>
+                                          <p:spTgt spid="16"/>
+                                        </p:tgtEl>
+                                        <p:attrNameLst>
+                                          <p:attrName>style.visibility</p:attrName>
+                                        </p:attrNameLst>
+                                      </p:cBhvr>
+                                      <p:to>
+                                        <p:strVal val="visible"/>
+                                      </p:to>
+                                    </p:set>
+                                  </p:childTnLst>
+                                </p:cTn>
+                              </p:par>
+                            </p:childTnLst>
+                          </p:cTn>
+                        </p:par>
+                      </p:childTnLst>
+                    </p:cTn>
+                  </p:par>
+                  <p:par>
+                    <p:cTn id="23" fill="hold">
+                      <p:stCondLst>
+                        <p:cond delay="indefinite"/>
+                      </p:stCondLst>
+                      <p:childTnLst>
+                        <p:par>
+                          <p:cTn id="24" fill="hold">
+                            <p:stCondLst>
+                              <p:cond delay="0"/>
+                            </p:stCondLst>
+                            <p:childTnLst>
+                              <p:par>
+                                <p:cTn id="25" presetID="1" presetClass="entr" presetSubtype="0" fill="hold" nodeType="clickEffect">
+                                  <p:stCondLst>
+                                    <p:cond delay="0"/>
+                                  </p:stCondLst>
+                                  <p:childTnLst>
+                                    <p:set>
+                                      <p:cBhvr>
+                                        <p:cTn id="26" dur="1" fill="hold">
+                                          <p:stCondLst>
+                                            <p:cond delay="0"/>
+                                          </p:stCondLst>
+                                        </p:cTn>
+                                        <p:tgtEl>
+                                          <p:spTgt spid="11"/>
+                                        </p:tgtEl>
+                                        <p:attrNameLst>
+                                          <p:attrName>style.visibility</p:attrName>
+                                        </p:attrNameLst>
+                                      </p:cBhvr>
+                                      <p:to>
+                                        <p:strVal val="visible"/>
+                                      </p:to>
+                                    </p:set>
+                                  </p:childTnLst>
+                                </p:cTn>
+                              </p:par>
+                            </p:childTnLst>
+                          </p:cTn>
+                        </p:par>
+                      </p:childTnLst>
+                    </p:cTn>
+                  </p:par>
+                  <p:par>
+                    <p:cTn id="27" fill="hold">
+                      <p:stCondLst>
+                        <p:cond delay="indefinite"/>
+                      </p:stCondLst>
+                      <p:childTnLst>
+                        <p:par>
+                          <p:cTn id="28" fill="hold">
+                            <p:stCondLst>
+                              <p:cond delay="0"/>
+                            </p:stCondLst>
+                            <p:childTnLst>
+                              <p:par>
+                                <p:cTn id="29" presetID="1" presetClass="entr" presetSubtype="0" fill="hold" grpId="0" nodeType="clickEffect">
+                                  <p:stCondLst>
+                                    <p:cond delay="0"/>
+                                  </p:stCondLst>
+                                  <p:childTnLst>
+                                    <p:set>
+                                      <p:cBhvr>
+                                        <p:cTn id="30" dur="1" fill="hold">
+                                          <p:stCondLst>
+                                            <p:cond delay="0"/>
+                                          </p:stCondLst>
+                                        </p:cTn>
+                                        <p:tgtEl>
+                                          <p:spTgt spid="23"/>
+                                        </p:tgtEl>
+                                        <p:attrNameLst>
+                                          <p:attrName>style.visibility</p:attrName>
+                                        </p:attrNameLst>
+                                      </p:cBhvr>
+                                      <p:to>
+                                        <p:strVal val="visible"/>
+                                      </p:to>
+                                    </p:set>
+                                  </p:childTnLst>
+                                </p:cTn>
+                              </p:par>
+                            </p:childTnLst>
+                          </p:cTn>
+                        </p:par>
+                      </p:childTnLst>
+                    </p:cTn>
+                  </p:par>
+                  <p:par>
+                    <p:cTn id="31" fill="hold">
+                      <p:stCondLst>
+                        <p:cond delay="indefinite"/>
+                      </p:stCondLst>
+                      <p:childTnLst>
+                        <p:par>
+                          <p:cTn id="32" fill="hold">
+                            <p:stCondLst>
+                              <p:cond delay="0"/>
+                            </p:stCondLst>
+                            <p:childTnLst>
+                              <p:par>
+                                <p:cTn id="33" presetID="1" presetClass="entr" presetSubtype="0" fill="hold" nodeType="clickEffect">
+                                  <p:stCondLst>
+                                    <p:cond delay="0"/>
+                                  </p:stCondLst>
+                                  <p:childTnLst>
+                                    <p:set>
+                                      <p:cBhvr>
+                                        <p:cTn id="34" dur="1" fill="hold">
+                                          <p:stCondLst>
+                                            <p:cond delay="0"/>
+                                          </p:stCondLst>
+                                        </p:cTn>
+                                        <p:tgtEl>
+                                          <p:spTgt spid="12"/>
+                                        </p:tgtEl>
+                                        <p:attrNameLst>
+                                          <p:attrName>style.visibility</p:attrName>
+                                        </p:attrNameLst>
+                                      </p:cBhvr>
+                                      <p:to>
+                                        <p:strVal val="visible"/>
+                                      </p:to>
+                                    </p:set>
+                                  </p:childTnLst>
+                                </p:cTn>
+                              </p:par>
+                            </p:childTnLst>
+                          </p:cTn>
+                        </p:par>
+                      </p:childTnLst>
+                    </p:cTn>
+                  </p:par>
+                  <p:par>
+                    <p:cTn id="35" fill="hold">
+                      <p:stCondLst>
+                        <p:cond delay="indefinite"/>
+                      </p:stCondLst>
+                      <p:childTnLst>
+                        <p:par>
+                          <p:cTn id="36" fill="hold">
+                            <p:stCondLst>
+                              <p:cond delay="0"/>
+                            </p:stCondLst>
+                            <p:childTnLst>
+                              <p:par>
+                                <p:cTn id="37" presetID="1" presetClass="entr" presetSubtype="0" fill="hold" grpId="0" nodeType="clickEffect">
+                                  <p:stCondLst>
+                                    <p:cond delay="0"/>
+                                  </p:stCondLst>
+                                  <p:childTnLst>
+                                    <p:set>
+                                      <p:cBhvr>
+                                        <p:cTn id="38" dur="1" fill="hold">
+                                          <p:stCondLst>
+                                            <p:cond delay="0"/>
+                                          </p:stCondLst>
+                                        </p:cTn>
+                                        <p:tgtEl>
+                                          <p:spTgt spid="24"/>
+                                        </p:tgtEl>
+                                        <p:attrNameLst>
+                                          <p:attrName>style.visibility</p:attrName>
+                                        </p:attrNameLst>
+                                      </p:cBhvr>
+                                      <p:to>
+                                        <p:strVal val="visible"/>
+                                      </p:to>
+                                    </p:set>
+                                  </p:childTnLst>
+                                </p:cTn>
+                              </p:par>
+                            </p:childTnLst>
+                          </p:cTn>
+                        </p:par>
+                      </p:childTnLst>
+                    </p:cTn>
+                  </p:par>
+                  <p:par>
+                    <p:cTn id="39" fill="hold">
+                      <p:stCondLst>
+                        <p:cond delay="indefinite"/>
+                      </p:stCondLst>
+                      <p:childTnLst>
+                        <p:par>
+                          <p:cTn id="40" fill="hold">
+                            <p:stCondLst>
+                              <p:cond delay="0"/>
+                            </p:stCondLst>
+                            <p:childTnLst>
+                              <p:par>
+                                <p:cTn id="41" presetID="1" presetClass="entr" presetSubtype="0" fill="hold" nodeType="clickEffect">
+                                  <p:stCondLst>
+                                    <p:cond delay="0"/>
+                                  </p:stCondLst>
+                                  <p:childTnLst>
+                                    <p:set>
+                                      <p:cBhvr>
+                                        <p:cTn id="42" dur="1" fill="hold">
+                                          <p:stCondLst>
+                                            <p:cond delay="0"/>
+                                          </p:stCondLst>
+                                        </p:cTn>
+                                        <p:tgtEl>
+                                          <p:spTgt spid="13"/>
+                                        </p:tgtEl>
+                                        <p:attrNameLst>
+                                          <p:attrName>style.visibility</p:attrName>
+                                        </p:attrNameLst>
+                                      </p:cBhvr>
+                                      <p:to>
+                                        <p:strVal val="visible"/>
+                                      </p:to>
+                                    </p:set>
+                                  </p:childTnLst>
+                                </p:cTn>
+                              </p:par>
+                            </p:childTnLst>
+                          </p:cTn>
+                        </p:par>
+                      </p:childTnLst>
+                    </p:cTn>
+                  </p:par>
+                  <p:par>
+                    <p:cTn id="43" fill="hold">
+                      <p:stCondLst>
+                        <p:cond delay="indefinite"/>
+                      </p:stCondLst>
+                      <p:childTnLst>
+                        <p:par>
+                          <p:cTn id="44" fill="hold">
+                            <p:stCondLst>
+                              <p:cond delay="0"/>
+                            </p:stCondLst>
+                            <p:childTnLst>
+                              <p:par>
+                                <p:cTn id="45" presetID="1" presetClass="entr" presetSubtype="0" fill="hold" grpId="0" nodeType="clickEffect">
+                                  <p:stCondLst>
+                                    <p:cond delay="0"/>
+                                  </p:stCondLst>
+                                  <p:childTnLst>
+                                    <p:set>
+                                      <p:cBhvr>
+                                        <p:cTn id="46" dur="1" fill="hold">
+                                          <p:stCondLst>
+                                            <p:cond delay="0"/>
+                                          </p:stCondLst>
+                                        </p:cTn>
+                                        <p:tgtEl>
+                                          <p:spTgt spid="25"/>
+                                        </p:tgtEl>
+                                        <p:attrNameLst>
+                                          <p:attrName>style.visibility</p:attrName>
+                                        </p:attrNameLst>
+                                      </p:cBhvr>
+                                      <p:to>
+                                        <p:strVal val="visible"/>
+                                      </p:to>
+                                    </p:set>
+                                  </p:childTnLst>
+                                </p:cTn>
+                              </p:par>
+                            </p:childTnLst>
+                          </p:cTn>
+                        </p:par>
+                      </p:childTnLst>
+                    </p:cTn>
+                  </p:par>
+                  <p:par>
+                    <p:cTn id="47" fill="hold">
+                      <p:stCondLst>
+                        <p:cond delay="indefinite"/>
+                      </p:stCondLst>
+                      <p:childTnLst>
+                        <p:par>
+                          <p:cTn id="48" fill="hold">
+                            <p:stCondLst>
+                              <p:cond delay="0"/>
+                            </p:stCondLst>
+                            <p:childTnLst>
+                              <p:par>
+                                <p:cTn id="49" presetID="1" presetClass="entr" presetSubtype="0" fill="hold" nodeType="clickEffect">
+                                  <p:stCondLst>
+                                    <p:cond delay="0"/>
+                                  </p:stCondLst>
+                                  <p:childTnLst>
+                                    <p:set>
+                                      <p:cBhvr>
+                                        <p:cTn id="50" dur="1" fill="hold">
+                                          <p:stCondLst>
+                                            <p:cond delay="0"/>
+                                          </p:stCondLst>
+                                        </p:cTn>
+                                        <p:tgtEl>
+                                          <p:spTgt spid="14"/>
+                                        </p:tgtEl>
+                                        <p:attrNameLst>
+                                          <p:attrName>style.visibility</p:attrName>
+                                        </p:attrNameLst>
+                                      </p:cBhvr>
+                                      <p:to>
+                                        <p:strVal val="visible"/>
+                                      </p:to>
+                                    </p:set>
+                                  </p:childTnLst>
+                                </p:cTn>
+                              </p:par>
+                            </p:childTnLst>
+                          </p:cTn>
+                        </p:par>
+                      </p:childTnLst>
+                    </p:cTn>
+                  </p:par>
+                  <p:par>
+                    <p:cTn id="51" fill="hold">
+                      <p:stCondLst>
+                        <p:cond delay="indefinite"/>
+                      </p:stCondLst>
+                      <p:childTnLst>
+                        <p:par>
+                          <p:cTn id="52" fill="hold">
+                            <p:stCondLst>
+                              <p:cond delay="0"/>
+                            </p:stCondLst>
+                            <p:childTnLst>
+                              <p:par>
+                                <p:cTn id="53" presetID="1" presetClass="entr" presetSubtype="0" fill="hold" grpId="0" nodeType="clickEffect">
+                                  <p:stCondLst>
+                                    <p:cond delay="0"/>
+                                  </p:stCondLst>
+                                  <p:childTnLst>
+                                    <p:set>
+                                      <p:cBhvr>
+                                        <p:cTn id="54" dur="1" fill="hold">
+                                          <p:stCondLst>
+                                            <p:cond delay="0"/>
+                                          </p:stCondLst>
+                                        </p:cTn>
+                                        <p:tgtEl>
+                                          <p:spTgt spid="27"/>
+                                        </p:tgtEl>
+                                        <p:attrNameLst>
+                                          <p:attrName>style.visibility</p:attrName>
+                                        </p:attrNameLst>
+                                      </p:cBhvr>
+                                      <p:to>
+                                        <p:strVal val="visible"/>
+                                      </p:to>
+                                    </p:set>
+                                  </p:childTnLst>
+                                </p:cTn>
+                              </p:par>
+                            </p:childTnLst>
+                          </p:cTn>
+                        </p:par>
+                      </p:childTnLst>
+                    </p:cTn>
+                  </p:par>
+                  <p:par>
+                    <p:cTn id="55" fill="hold">
+                      <p:stCondLst>
+                        <p:cond delay="indefinite"/>
+                      </p:stCondLst>
+                      <p:childTnLst>
+                        <p:par>
+                          <p:cTn id="56" fill="hold">
+                            <p:stCondLst>
+                              <p:cond delay="0"/>
+                            </p:stCondLst>
+                            <p:childTnLst>
+                              <p:par>
+                                <p:cTn id="57" presetID="1" presetClass="entr" presetSubtype="0" fill="hold" nodeType="clickEffect">
+                                  <p:stCondLst>
+                                    <p:cond delay="0"/>
+                                  </p:stCondLst>
+                                  <p:childTnLst>
+                                    <p:set>
+                                      <p:cBhvr>
+                                        <p:cTn id="58" dur="1" fill="hold">
+                                          <p:stCondLst>
+                                            <p:cond delay="0"/>
+                                          </p:stCondLst>
+                                        </p:cTn>
+                                        <p:tgtEl>
+                                          <p:spTgt spid="9"/>
+                                        </p:tgtEl>
+                                        <p:attrNameLst>
+                                          <p:attrName>style.visibility</p:attrName>
+                                        </p:attrNameLst>
+                                      </p:cBhvr>
+                                      <p:to>
+                                        <p:strVal val="visible"/>
+                                      </p:to>
+                                    </p:set>
+                                  </p:childTnLst>
+                                </p:cTn>
+                              </p:par>
+                            </p:childTnLst>
+                          </p:cTn>
+                        </p:par>
+                      </p:childTnLst>
+                    </p:cTn>
+                  </p:par>
+                  <p:par>
+                    <p:cTn id="59" fill="hold">
+                      <p:stCondLst>
+                        <p:cond delay="indefinite"/>
+                      </p:stCondLst>
+                      <p:childTnLst>
+                        <p:par>
+                          <p:cTn id="60" fill="hold">
+                            <p:stCondLst>
+                              <p:cond delay="0"/>
+                            </p:stCondLst>
+                            <p:childTnLst>
+                              <p:par>
+                                <p:cTn id="61" presetID="1" presetClass="entr" presetSubtype="0" fill="hold" grpId="0" nodeType="clickEffect">
+                                  <p:stCondLst>
+                                    <p:cond delay="0"/>
+                                  </p:stCondLst>
+                                  <p:childTnLst>
+                                    <p:set>
+                                      <p:cBhvr>
+                                        <p:cTn id="62" dur="1" fill="hold">
+                                          <p:stCondLst>
+                                            <p:cond delay="0"/>
+                                          </p:stCondLst>
+                                        </p:cTn>
+                                        <p:tgtEl>
+                                          <p:spTgt spid="28"/>
+                                        </p:tgtEl>
+                                        <p:attrNameLst>
+                                          <p:attrName>style.visibility</p:attrName>
+                                        </p:attrNameLst>
+                                      </p:cBhvr>
+                                      <p:to>
+                                        <p:strVal val="visible"/>
+                                      </p:to>
+                                    </p:set>
+                                  </p:childTnLst>
+                                </p:cTn>
+                              </p:par>
+                            </p:childTnLst>
+                          </p:cTn>
+                        </p:par>
+                      </p:childTnLst>
+                    </p:cTn>
+                  </p:par>
+                </p:childTnLst>
+              </p:cTn>
+              <p:prevCondLst>
+                <p:cond evt="onPrev" delay="0">
+                  <p:tgtEl>
+                    <p:sldTgt/>
+                  </p:tgtEl>
+                </p:cond>
+              </p:prevCondLst>
+              <p:nextCondLst>
+                <p:cond evt="onNext" delay="0">
+                  <p:tgtEl>
+                    <p:sldTgt/>
+                  </p:tgtEl>
+                </p:cond>
+              </p:nextCondLst>
+            </p:seq>
+          </p:childTnLst>
+        </p:cTn>
       </p:par>
     </p:tnLst>
+    <p:bldLst>
+      <p:bldP spid="16" grpId="0" animBg="1"/>
+      <p:bldP spid="21" grpId="0" animBg="1"/>
+      <p:bldP spid="22" grpId="0" animBg="1"/>
+      <p:bldP spid="23" grpId="0" animBg="1"/>
+      <p:bldP spid="24" grpId="0" animBg="1"/>
+      <p:bldP spid="25" grpId="0" animBg="1"/>
+      <p:bldP spid="27" grpId="0" animBg="1"/>
+      <p:bldP spid="28" grpId="0" animBg="1"/>
+    </p:bldLst>
   </p:timing>
 </p:sld>
 </file>
@@ -24944,7 +25652,7 @@
           <a:graphicData uri="http://schemas.openxmlformats.org/presentationml/2006/ole">
             <mc:AlternateContent xmlns:mc="http://schemas.openxmlformats.org/markup-compatibility/2006">
               <mc:Choice xmlns:v="urn:schemas-microsoft-com:vml" Requires="v">
-                <p:oleObj spid="_x0000_s1073" name="Visio" r:id="rId4" imgW="1209631" imgH="7305556" progId="Visio.Drawing.15">
+                <p:oleObj spid="_x0000_s1076" name="Visio" r:id="rId4" imgW="1209631" imgH="7305556" progId="Visio.Drawing.15">
                   <p:embed/>
                 </p:oleObj>
               </mc:Choice>
@@ -27131,7 +27839,25 @@
                   <a:schemeClr val="tx2"/>
                 </a:solidFill>
               </a:rPr>
-              <a:t>压缩感知理论的前提——信号具有稀疏性。</a:t>
+              <a:t>压缩感知理论的前提——</a:t>
+            </a:r>
+            <a:r>
+              <a:rPr lang="zh-CN" altLang="zh-CN" sz="2400" dirty="0">
+                <a:solidFill>
+                  <a:schemeClr val="accent6">
+                    <a:lumMod val="75000"/>
+                  </a:schemeClr>
+                </a:solidFill>
+              </a:rPr>
+              <a:t>信号具有稀疏性</a:t>
+            </a:r>
+            <a:r>
+              <a:rPr lang="zh-CN" altLang="zh-CN" sz="2400" dirty="0">
+                <a:solidFill>
+                  <a:schemeClr val="tx2"/>
+                </a:solidFill>
+              </a:rPr>
+              <a:t>。</a:t>
             </a:r>
           </a:p>
           <a:p>
@@ -29452,7 +30178,7 @@
           <a:graphicData uri="http://schemas.openxmlformats.org/presentationml/2006/ole">
             <mc:AlternateContent xmlns:mc="http://schemas.openxmlformats.org/markup-compatibility/2006">
               <mc:Choice xmlns:v="urn:schemas-microsoft-com:vml" Requires="v">
-                <p:oleObj spid="_x0000_s4127" name="Visio" r:id="rId4" imgW="2619494" imgH="6505483" progId="Visio.Drawing.15">
+                <p:oleObj spid="_x0000_s4130" name="Visio" r:id="rId4" imgW="2619494" imgH="6505483" progId="Visio.Drawing.15">
                   <p:embed/>
                 </p:oleObj>
               </mc:Choice>

--- a/trunk/答辩.pptx
+++ b/trunk/答辩.pptx
@@ -5925,7 +5925,7 @@
           <a:graphicData uri="http://schemas.openxmlformats.org/presentationml/2006/ole">
             <mc:AlternateContent xmlns:mc="http://schemas.openxmlformats.org/markup-compatibility/2006">
               <mc:Choice xmlns:v="urn:schemas-microsoft-com:vml" Requires="v">
-                <p:oleObj spid="_x0000_s6300" name="Equation" r:id="rId4" imgW="1574800" imgH="508000" progId="Equation.DSMT4">
+                <p:oleObj spid="_x0000_s6304" name="Equation" r:id="rId4" imgW="1574800" imgH="508000" progId="Equation.DSMT4">
                   <p:embed/>
                 </p:oleObj>
               </mc:Choice>
@@ -6120,7 +6120,7 @@
           <a:graphicData uri="http://schemas.openxmlformats.org/presentationml/2006/ole">
             <mc:AlternateContent xmlns:mc="http://schemas.openxmlformats.org/markup-compatibility/2006">
               <mc:Choice xmlns:v="urn:schemas-microsoft-com:vml" Requires="v">
-                <p:oleObj spid="_x0000_s6301" name="Equation" r:id="rId6" imgW="1422400" imgH="558800" progId="Equation.DSMT4">
+                <p:oleObj spid="_x0000_s6305" name="Equation" r:id="rId6" imgW="1422400" imgH="558800" progId="Equation.DSMT4">
                   <p:embed/>
                 </p:oleObj>
               </mc:Choice>
@@ -6246,7 +6246,7 @@
           <a:graphicData uri="http://schemas.openxmlformats.org/presentationml/2006/ole">
             <mc:AlternateContent xmlns:mc="http://schemas.openxmlformats.org/markup-compatibility/2006">
               <mc:Choice xmlns:v="urn:schemas-microsoft-com:vml" Requires="v">
-                <p:oleObj spid="_x0000_s6302" name="Equation" r:id="rId8" imgW="2298700" imgH="241300" progId="Equation.DSMT4">
+                <p:oleObj spid="_x0000_s6306" name="Equation" r:id="rId8" imgW="2298700" imgH="241300" progId="Equation.DSMT4">
                   <p:embed/>
                 </p:oleObj>
               </mc:Choice>
@@ -6516,7 +6516,7 @@
           <a:graphicData uri="http://schemas.openxmlformats.org/presentationml/2006/ole">
             <mc:AlternateContent xmlns:mc="http://schemas.openxmlformats.org/markup-compatibility/2006">
               <mc:Choice xmlns:v="urn:schemas-microsoft-com:vml" Requires="v">
-                <p:oleObj spid="_x0000_s6303" name="Equation" r:id="rId10" imgW="190500" imgH="228600" progId="Equation.DSMT4">
+                <p:oleObj spid="_x0000_s6307" name="Equation" r:id="rId10" imgW="190500" imgH="228600" progId="Equation.DSMT4">
                   <p:embed/>
                 </p:oleObj>
               </mc:Choice>
@@ -6763,12 +6763,12 @@
           <a:graphicData uri="http://schemas.openxmlformats.org/presentationml/2006/ole">
             <mc:AlternateContent xmlns:mc="http://schemas.openxmlformats.org/markup-compatibility/2006">
               <mc:Choice xmlns:v="urn:schemas-microsoft-com:vml" Requires="v">
-                <p:oleObj spid="_x0000_s7199" name="Visio" r:id="rId4" imgW="1809661" imgH="9248656" progId="Visio.Drawing.15">
+                <p:oleObj spid="_x0000_s7200" name="Visio" r:id="rId5" imgW="1809661" imgH="9248656" progId="Visio.Drawing.15">
                   <p:embed/>
                 </p:oleObj>
               </mc:Choice>
               <mc:Fallback>
-                <p:oleObj name="Visio" r:id="rId4" imgW="1809661" imgH="9248656" progId="Visio.Drawing.15">
+                <p:oleObj name="Visio" r:id="rId5" imgW="1809661" imgH="9248656" progId="Visio.Drawing.15">
                   <p:embed/>
                   <p:pic>
                     <p:nvPicPr>
@@ -6779,7 +6779,7 @@
                       <p:nvPr/>
                     </p:nvPicPr>
                     <p:blipFill>
-                      <a:blip r:embed="rId5">
+                      <a:blip r:embed="rId6">
                         <a:extLst>
                           <a:ext uri="{28A0092B-C50C-407E-A947-70E740481C1C}">
                             <a14:useLocalDpi xmlns:a14="http://schemas.microsoft.com/office/drawing/2010/main" val="0"/>
@@ -8666,7 +8666,7 @@
           <a:graphicData uri="http://schemas.openxmlformats.org/presentationml/2006/ole">
             <mc:AlternateContent xmlns:mc="http://schemas.openxmlformats.org/markup-compatibility/2006">
               <mc:Choice xmlns:v="urn:schemas-microsoft-com:vml" Requires="v">
-                <p:oleObj spid="_x0000_s8262" name="Equation" r:id="rId5" imgW="1435100" imgH="558800" progId="Equation.DSMT4">
+                <p:oleObj spid="_x0000_s8264" name="Equation" r:id="rId5" imgW="1435100" imgH="558800" progId="Equation.DSMT4">
                   <p:embed/>
                 </p:oleObj>
               </mc:Choice>
@@ -8796,7 +8796,7 @@
           <a:graphicData uri="http://schemas.openxmlformats.org/presentationml/2006/ole">
             <mc:AlternateContent xmlns:mc="http://schemas.openxmlformats.org/markup-compatibility/2006">
               <mc:Choice xmlns:v="urn:schemas-microsoft-com:vml" Requires="v">
-                <p:oleObj spid="_x0000_s8263" name="Equation" r:id="rId7" imgW="2222500" imgH="241300" progId="Equation.DSMT4">
+                <p:oleObj spid="_x0000_s8265" name="Equation" r:id="rId7" imgW="2222500" imgH="241300" progId="Equation.DSMT4">
                   <p:embed/>
                 </p:oleObj>
               </mc:Choice>
@@ -10016,7 +10016,7 @@
           <a:graphicData uri="http://schemas.openxmlformats.org/presentationml/2006/ole">
             <mc:AlternateContent xmlns:mc="http://schemas.openxmlformats.org/markup-compatibility/2006">
               <mc:Choice xmlns:v="urn:schemas-microsoft-com:vml" Requires="v">
-                <p:oleObj spid="_x0000_s10355" name="Equation" r:id="rId4" imgW="596641" imgH="253890" progId="Equation.DSMT4">
+                <p:oleObj spid="_x0000_s10359" name="Equation" r:id="rId4" imgW="596641" imgH="253890" progId="Equation.DSMT4">
                   <p:embed/>
                 </p:oleObj>
               </mc:Choice>
@@ -10202,7 +10202,7 @@
           <a:graphicData uri="http://schemas.openxmlformats.org/presentationml/2006/ole">
             <mc:AlternateContent xmlns:mc="http://schemas.openxmlformats.org/markup-compatibility/2006">
               <mc:Choice xmlns:v="urn:schemas-microsoft-com:vml" Requires="v">
-                <p:oleObj spid="_x0000_s10356" name="Equation" r:id="rId6" imgW="914400" imgH="342900" progId="Equation.DSMT4">
+                <p:oleObj spid="_x0000_s10360" name="Equation" r:id="rId6" imgW="914400" imgH="342900" progId="Equation.DSMT4">
                   <p:embed/>
                 </p:oleObj>
               </mc:Choice>
@@ -10424,7 +10424,7 @@
           <a:graphicData uri="http://schemas.openxmlformats.org/presentationml/2006/ole">
             <mc:AlternateContent xmlns:mc="http://schemas.openxmlformats.org/markup-compatibility/2006">
               <mc:Choice xmlns:v="urn:schemas-microsoft-com:vml" Requires="v">
-                <p:oleObj spid="_x0000_s10357" name="Equation" r:id="rId8" imgW="1905000" imgH="914400" progId="Equation.DSMT4">
+                <p:oleObj spid="_x0000_s10361" name="Equation" r:id="rId8" imgW="1905000" imgH="914400" progId="Equation.DSMT4">
                   <p:embed/>
                 </p:oleObj>
               </mc:Choice>
@@ -10563,7 +10563,7 @@
           <a:graphicData uri="http://schemas.openxmlformats.org/presentationml/2006/ole">
             <mc:AlternateContent xmlns:mc="http://schemas.openxmlformats.org/markup-compatibility/2006">
               <mc:Choice xmlns:v="urn:schemas-microsoft-com:vml" Requires="v">
-                <p:oleObj spid="_x0000_s10358" name="Equation" r:id="rId10" imgW="2590800" imgH="241300" progId="Equation.DSMT4">
+                <p:oleObj spid="_x0000_s10362" name="Equation" r:id="rId10" imgW="2590800" imgH="241300" progId="Equation.DSMT4">
                   <p:embed/>
                 </p:oleObj>
               </mc:Choice>
@@ -10936,12 +10936,12 @@
           <a:graphicData uri="http://schemas.openxmlformats.org/presentationml/2006/ole">
             <mc:AlternateContent xmlns:mc="http://schemas.openxmlformats.org/markup-compatibility/2006">
               <mc:Choice xmlns:v="urn:schemas-microsoft-com:vml" Requires="v">
-                <p:oleObj spid="_x0000_s13371" name="Visio" r:id="rId4" imgW="1809661" imgH="11658600" progId="Visio.Drawing.15">
+                <p:oleObj spid="_x0000_s13373" name="Visio" r:id="rId5" imgW="1809661" imgH="11658600" progId="Visio.Drawing.15">
                   <p:embed/>
                 </p:oleObj>
               </mc:Choice>
               <mc:Fallback>
-                <p:oleObj name="Visio" r:id="rId4" imgW="1809661" imgH="11658600" progId="Visio.Drawing.15">
+                <p:oleObj name="Visio" r:id="rId5" imgW="1809661" imgH="11658600" progId="Visio.Drawing.15">
                   <p:embed/>
                   <p:pic>
                     <p:nvPicPr>
@@ -10952,7 +10952,7 @@
                       <p:nvPr/>
                     </p:nvPicPr>
                     <p:blipFill>
-                      <a:blip r:embed="rId5">
+                      <a:blip r:embed="rId6">
                         <a:extLst>
                           <a:ext uri="{28A0092B-C50C-407E-A947-70E740481C1C}">
                             <a14:useLocalDpi xmlns:a14="http://schemas.microsoft.com/office/drawing/2010/main" val="0"/>
@@ -11146,12 +11146,12 @@
           <a:graphicData uri="http://schemas.openxmlformats.org/presentationml/2006/ole">
             <mc:AlternateContent xmlns:mc="http://schemas.openxmlformats.org/markup-compatibility/2006">
               <mc:Choice xmlns:v="urn:schemas-microsoft-com:vml" Requires="v">
-                <p:oleObj spid="_x0000_s13372" name="Equation" r:id="rId6" imgW="837836" imgH="203112" progId="Equation.DSMT4">
+                <p:oleObj spid="_x0000_s13374" name="Equation" r:id="rId7" imgW="837836" imgH="203112" progId="Equation.DSMT4">
                   <p:embed/>
                 </p:oleObj>
               </mc:Choice>
               <mc:Fallback>
-                <p:oleObj name="Equation" r:id="rId6" imgW="837836" imgH="203112" progId="Equation.DSMT4">
+                <p:oleObj name="Equation" r:id="rId7" imgW="837836" imgH="203112" progId="Equation.DSMT4">
                   <p:embed/>
                   <p:pic>
                     <p:nvPicPr>
@@ -11162,7 +11162,7 @@
                       <p:nvPr/>
                     </p:nvPicPr>
                     <p:blipFill>
-                      <a:blip r:embed="rId7">
+                      <a:blip r:embed="rId8">
                         <a:extLst>
                           <a:ext uri="{28A0092B-C50C-407E-A947-70E740481C1C}">
                             <a14:useLocalDpi xmlns:a14="http://schemas.microsoft.com/office/drawing/2010/main" val="0"/>
@@ -12583,7 +12583,7 @@
           <a:graphicData uri="http://schemas.openxmlformats.org/presentationml/2006/ole">
             <mc:AlternateContent xmlns:mc="http://schemas.openxmlformats.org/markup-compatibility/2006">
               <mc:Choice xmlns:v="urn:schemas-microsoft-com:vml" Requires="v">
-                <p:oleObj spid="_x0000_s14381" name="Equation" r:id="rId4" imgW="1930400" imgH="914400" progId="Equation.DSMT4">
+                <p:oleObj spid="_x0000_s14383" name="Equation" r:id="rId4" imgW="1930400" imgH="914400" progId="Equation.DSMT4">
                   <p:embed/>
                 </p:oleObj>
               </mc:Choice>
@@ -12713,7 +12713,7 @@
           <a:graphicData uri="http://schemas.openxmlformats.org/presentationml/2006/ole">
             <mc:AlternateContent xmlns:mc="http://schemas.openxmlformats.org/markup-compatibility/2006">
               <mc:Choice xmlns:v="urn:schemas-microsoft-com:vml" Requires="v">
-                <p:oleObj spid="_x0000_s14382" name="Equation" r:id="rId6" imgW="2997200" imgH="241300" progId="Equation.DSMT4">
+                <p:oleObj spid="_x0000_s14384" name="Equation" r:id="rId6" imgW="2997200" imgH="241300" progId="Equation.DSMT4">
                   <p:embed/>
                 </p:oleObj>
               </mc:Choice>
@@ -14083,7 +14083,7 @@
           <a:graphicData uri="http://schemas.openxmlformats.org/presentationml/2006/ole">
             <mc:AlternateContent xmlns:mc="http://schemas.openxmlformats.org/markup-compatibility/2006">
               <mc:Choice xmlns:v="urn:schemas-microsoft-com:vml" Requires="v">
-                <p:oleObj spid="_x0000_s15446" name="Equation" r:id="rId4" imgW="507780" imgH="203112" progId="Equation.DSMT4">
+                <p:oleObj spid="_x0000_s15450" name="Equation" r:id="rId4" imgW="507780" imgH="203112" progId="Equation.DSMT4">
                   <p:embed/>
                 </p:oleObj>
               </mc:Choice>
@@ -14363,7 +14363,7 @@
           <a:graphicData uri="http://schemas.openxmlformats.org/presentationml/2006/ole">
             <mc:AlternateContent xmlns:mc="http://schemas.openxmlformats.org/markup-compatibility/2006">
               <mc:Choice xmlns:v="urn:schemas-microsoft-com:vml" Requires="v">
-                <p:oleObj spid="_x0000_s15447" name="Equation" r:id="rId6" imgW="355292" imgH="203024" progId="Equation.DSMT4">
+                <p:oleObj spid="_x0000_s15451" name="Equation" r:id="rId6" imgW="355292" imgH="203024" progId="Equation.DSMT4">
                   <p:embed/>
                 </p:oleObj>
               </mc:Choice>
@@ -14692,7 +14692,7 @@
           <a:graphicData uri="http://schemas.openxmlformats.org/presentationml/2006/ole">
             <mc:AlternateContent xmlns:mc="http://schemas.openxmlformats.org/markup-compatibility/2006">
               <mc:Choice xmlns:v="urn:schemas-microsoft-com:vml" Requires="v">
-                <p:oleObj spid="_x0000_s15448" name="Equation" r:id="rId8" imgW="1930400" imgH="990600" progId="Equation.DSMT4">
+                <p:oleObj spid="_x0000_s15452" name="Equation" r:id="rId8" imgW="1930400" imgH="990600" progId="Equation.DSMT4">
                   <p:embed/>
                 </p:oleObj>
               </mc:Choice>
@@ -14880,7 +14880,7 @@
           <a:graphicData uri="http://schemas.openxmlformats.org/presentationml/2006/ole">
             <mc:AlternateContent xmlns:mc="http://schemas.openxmlformats.org/markup-compatibility/2006">
               <mc:Choice xmlns:v="urn:schemas-microsoft-com:vml" Requires="v">
-                <p:oleObj spid="_x0000_s15449" name="Equation" r:id="rId10" imgW="2197100" imgH="228600" progId="Equation.DSMT4">
+                <p:oleObj spid="_x0000_s15453" name="Equation" r:id="rId10" imgW="2197100" imgH="228600" progId="Equation.DSMT4">
                   <p:embed/>
                 </p:oleObj>
               </mc:Choice>
@@ -15390,12 +15390,12 @@
           <a:graphicData uri="http://schemas.openxmlformats.org/presentationml/2006/ole">
             <mc:AlternateContent xmlns:mc="http://schemas.openxmlformats.org/markup-compatibility/2006">
               <mc:Choice xmlns:v="urn:schemas-microsoft-com:vml" Requires="v">
-                <p:oleObj spid="_x0000_s16419" name="Visio" r:id="rId4" imgW="1809661" imgH="11820406" progId="Visio.Drawing.15">
+                <p:oleObj spid="_x0000_s16421" name="Visio" r:id="rId5" imgW="1809661" imgH="11820406" progId="Visio.Drawing.15">
                   <p:embed/>
                 </p:oleObj>
               </mc:Choice>
               <mc:Fallback>
-                <p:oleObj name="Visio" r:id="rId4" imgW="1809661" imgH="11820406" progId="Visio.Drawing.15">
+                <p:oleObj name="Visio" r:id="rId5" imgW="1809661" imgH="11820406" progId="Visio.Drawing.15">
                   <p:embed/>
                   <p:pic>
                     <p:nvPicPr>
@@ -15406,7 +15406,7 @@
                       <p:nvPr/>
                     </p:nvPicPr>
                     <p:blipFill>
-                      <a:blip r:embed="rId5">
+                      <a:blip r:embed="rId6">
                         <a:extLst>
                           <a:ext uri="{28A0092B-C50C-407E-A947-70E740481C1C}">
                             <a14:useLocalDpi xmlns:a14="http://schemas.microsoft.com/office/drawing/2010/main" val="0"/>
@@ -15520,12 +15520,12 @@
           <a:graphicData uri="http://schemas.openxmlformats.org/presentationml/2006/ole">
             <mc:AlternateContent xmlns:mc="http://schemas.openxmlformats.org/markup-compatibility/2006">
               <mc:Choice xmlns:v="urn:schemas-microsoft-com:vml" Requires="v">
-                <p:oleObj spid="_x0000_s16420" name="Equation" r:id="rId6" imgW="1586811" imgH="482391" progId="Equation.DSMT4">
+                <p:oleObj spid="_x0000_s16422" name="Equation" r:id="rId7" imgW="1586811" imgH="482391" progId="Equation.DSMT4">
                   <p:embed/>
                 </p:oleObj>
               </mc:Choice>
               <mc:Fallback>
-                <p:oleObj name="Equation" r:id="rId6" imgW="1586811" imgH="482391" progId="Equation.DSMT4">
+                <p:oleObj name="Equation" r:id="rId7" imgW="1586811" imgH="482391" progId="Equation.DSMT4">
                   <p:embed/>
                   <p:pic>
                     <p:nvPicPr>
@@ -15536,7 +15536,7 @@
                       <p:nvPr/>
                     </p:nvPicPr>
                     <p:blipFill>
-                      <a:blip r:embed="rId7">
+                      <a:blip r:embed="rId8">
                         <a:extLst>
                           <a:ext uri="{28A0092B-C50C-407E-A947-70E740481C1C}">
                             <a14:useLocalDpi xmlns:a14="http://schemas.microsoft.com/office/drawing/2010/main" val="0"/>
@@ -17156,7 +17156,7 @@
           <a:graphicData uri="http://schemas.openxmlformats.org/presentationml/2006/ole">
             <mc:AlternateContent xmlns:mc="http://schemas.openxmlformats.org/markup-compatibility/2006">
               <mc:Choice xmlns:v="urn:schemas-microsoft-com:vml" Requires="v">
-                <p:oleObj spid="_x0000_s17440" name="Equation" r:id="rId4" imgW="1943100" imgH="990600" progId="Equation.DSMT4">
+                <p:oleObj spid="_x0000_s17442" name="Equation" r:id="rId4" imgW="1943100" imgH="990600" progId="Equation.DSMT4">
                   <p:embed/>
                 </p:oleObj>
               </mc:Choice>
@@ -17295,7 +17295,7 @@
           <a:graphicData uri="http://schemas.openxmlformats.org/presentationml/2006/ole">
             <mc:AlternateContent xmlns:mc="http://schemas.openxmlformats.org/markup-compatibility/2006">
               <mc:Choice xmlns:v="urn:schemas-microsoft-com:vml" Requires="v">
-                <p:oleObj spid="_x0000_s17441" name="Equation" r:id="rId6" imgW="2755900" imgH="228600" progId="Equation.DSMT4">
+                <p:oleObj spid="_x0000_s17443" name="Equation" r:id="rId6" imgW="2755900" imgH="228600" progId="Equation.DSMT4">
                   <p:embed/>
                 </p:oleObj>
               </mc:Choice>
@@ -25652,12 +25652,12 @@
           <a:graphicData uri="http://schemas.openxmlformats.org/presentationml/2006/ole">
             <mc:AlternateContent xmlns:mc="http://schemas.openxmlformats.org/markup-compatibility/2006">
               <mc:Choice xmlns:v="urn:schemas-microsoft-com:vml" Requires="v">
-                <p:oleObj spid="_x0000_s1076" name="Visio" r:id="rId4" imgW="1209631" imgH="7305556" progId="Visio.Drawing.15">
+                <p:oleObj spid="_x0000_s1077" name="Visio" r:id="rId5" imgW="1209631" imgH="7305556" progId="Visio.Drawing.15">
                   <p:embed/>
                 </p:oleObj>
               </mc:Choice>
               <mc:Fallback>
-                <p:oleObj name="Visio" r:id="rId4" imgW="1209631" imgH="7305556" progId="Visio.Drawing.15">
+                <p:oleObj name="Visio" r:id="rId5" imgW="1209631" imgH="7305556" progId="Visio.Drawing.15">
                   <p:embed/>
                   <p:pic>
                     <p:nvPicPr>
@@ -25668,7 +25668,7 @@
                       <p:nvPr/>
                     </p:nvPicPr>
                     <p:blipFill>
-                      <a:blip r:embed="rId5">
+                      <a:blip r:embed="rId6">
                         <a:extLst>
                           <a:ext uri="{28A0092B-C50C-407E-A947-70E740481C1C}">
                             <a14:useLocalDpi xmlns:a14="http://schemas.microsoft.com/office/drawing/2010/main" val="0"/>
@@ -28720,12 +28720,8 @@
           <a:p>
             <a:pPr algn="ctr"/>
             <a:r>
-              <a:rPr lang="zh-CN" altLang="en-US" sz="2400" smtClean="0"/>
-              <a:t>随机观测</a:t>
-            </a:r>
-            <a:r>
               <a:rPr lang="zh-CN" altLang="en-US" sz="2400" dirty="0" smtClean="0"/>
-              <a:t>矩阵</a:t>
+              <a:t>随机观测矩阵</a:t>
             </a:r>
             <a:endParaRPr lang="zh-CN" altLang="en-US" sz="2400" dirty="0"/>
           </a:p>
@@ -29431,9 +29427,692 @@
   <p:timing>
     <p:tnLst>
       <p:par>
-        <p:cTn id="1" dur="indefinite" restart="never" nodeType="tmRoot"/>
+        <p:cTn id="1" dur="indefinite" restart="never" nodeType="tmRoot">
+          <p:childTnLst>
+            <p:seq concurrent="1" nextAc="seek">
+              <p:cTn id="2" dur="indefinite" nodeType="mainSeq">
+                <p:childTnLst>
+                  <p:par>
+                    <p:cTn id="3" fill="hold">
+                      <p:stCondLst>
+                        <p:cond delay="indefinite"/>
+                      </p:stCondLst>
+                      <p:childTnLst>
+                        <p:par>
+                          <p:cTn id="4" fill="hold">
+                            <p:stCondLst>
+                              <p:cond delay="0"/>
+                            </p:stCondLst>
+                            <p:childTnLst>
+                              <p:par>
+                                <p:cTn id="5" presetID="1" presetClass="entr" presetSubtype="0" fill="hold" nodeType="clickEffect">
+                                  <p:stCondLst>
+                                    <p:cond delay="0"/>
+                                  </p:stCondLst>
+                                  <p:childTnLst>
+                                    <p:set>
+                                      <p:cBhvr>
+                                        <p:cTn id="6" dur="1" fill="hold">
+                                          <p:stCondLst>
+                                            <p:cond delay="0"/>
+                                          </p:stCondLst>
+                                        </p:cTn>
+                                        <p:tgtEl>
+                                          <p:spTgt spid="37"/>
+                                        </p:tgtEl>
+                                        <p:attrNameLst>
+                                          <p:attrName>style.visibility</p:attrName>
+                                        </p:attrNameLst>
+                                      </p:cBhvr>
+                                      <p:to>
+                                        <p:strVal val="visible"/>
+                                      </p:to>
+                                    </p:set>
+                                  </p:childTnLst>
+                                </p:cTn>
+                              </p:par>
+                            </p:childTnLst>
+                          </p:cTn>
+                        </p:par>
+                      </p:childTnLst>
+                    </p:cTn>
+                  </p:par>
+                  <p:par>
+                    <p:cTn id="7" fill="hold">
+                      <p:stCondLst>
+                        <p:cond delay="indefinite"/>
+                      </p:stCondLst>
+                      <p:childTnLst>
+                        <p:par>
+                          <p:cTn id="8" fill="hold">
+                            <p:stCondLst>
+                              <p:cond delay="0"/>
+                            </p:stCondLst>
+                            <p:childTnLst>
+                              <p:par>
+                                <p:cTn id="9" presetID="1" presetClass="entr" presetSubtype="0" fill="hold" grpId="0" nodeType="clickEffect">
+                                  <p:stCondLst>
+                                    <p:cond delay="0"/>
+                                  </p:stCondLst>
+                                  <p:childTnLst>
+                                    <p:set>
+                                      <p:cBhvr>
+                                        <p:cTn id="10" dur="1" fill="hold">
+                                          <p:stCondLst>
+                                            <p:cond delay="0"/>
+                                          </p:stCondLst>
+                                        </p:cTn>
+                                        <p:tgtEl>
+                                          <p:spTgt spid="14"/>
+                                        </p:tgtEl>
+                                        <p:attrNameLst>
+                                          <p:attrName>style.visibility</p:attrName>
+                                        </p:attrNameLst>
+                                      </p:cBhvr>
+                                      <p:to>
+                                        <p:strVal val="visible"/>
+                                      </p:to>
+                                    </p:set>
+                                  </p:childTnLst>
+                                </p:cTn>
+                              </p:par>
+                            </p:childTnLst>
+                          </p:cTn>
+                        </p:par>
+                      </p:childTnLst>
+                    </p:cTn>
+                  </p:par>
+                  <p:par>
+                    <p:cTn id="11" fill="hold">
+                      <p:stCondLst>
+                        <p:cond delay="indefinite"/>
+                      </p:stCondLst>
+                      <p:childTnLst>
+                        <p:par>
+                          <p:cTn id="12" fill="hold">
+                            <p:stCondLst>
+                              <p:cond delay="0"/>
+                            </p:stCondLst>
+                            <p:childTnLst>
+                              <p:par>
+                                <p:cTn id="13" presetID="1" presetClass="entr" presetSubtype="0" fill="hold" nodeType="clickEffect">
+                                  <p:stCondLst>
+                                    <p:cond delay="0"/>
+                                  </p:stCondLst>
+                                  <p:childTnLst>
+                                    <p:set>
+                                      <p:cBhvr>
+                                        <p:cTn id="14" dur="1" fill="hold">
+                                          <p:stCondLst>
+                                            <p:cond delay="0"/>
+                                          </p:stCondLst>
+                                        </p:cTn>
+                                        <p:tgtEl>
+                                          <p:spTgt spid="30"/>
+                                        </p:tgtEl>
+                                        <p:attrNameLst>
+                                          <p:attrName>style.visibility</p:attrName>
+                                        </p:attrNameLst>
+                                      </p:cBhvr>
+                                      <p:to>
+                                        <p:strVal val="visible"/>
+                                      </p:to>
+                                    </p:set>
+                                  </p:childTnLst>
+                                </p:cTn>
+                              </p:par>
+                              <p:par>
+                                <p:cTn id="15" presetID="1" presetClass="entr" presetSubtype="0" fill="hold" grpId="0" nodeType="withEffect">
+                                  <p:stCondLst>
+                                    <p:cond delay="0"/>
+                                  </p:stCondLst>
+                                  <p:childTnLst>
+                                    <p:set>
+                                      <p:cBhvr>
+                                        <p:cTn id="16" dur="1" fill="hold">
+                                          <p:stCondLst>
+                                            <p:cond delay="0"/>
+                                          </p:stCondLst>
+                                        </p:cTn>
+                                        <p:tgtEl>
+                                          <p:spTgt spid="17"/>
+                                        </p:tgtEl>
+                                        <p:attrNameLst>
+                                          <p:attrName>style.visibility</p:attrName>
+                                        </p:attrNameLst>
+                                      </p:cBhvr>
+                                      <p:to>
+                                        <p:strVal val="visible"/>
+                                      </p:to>
+                                    </p:set>
+                                  </p:childTnLst>
+                                </p:cTn>
+                              </p:par>
+                              <p:par>
+                                <p:cTn id="17" presetID="1" presetClass="entr" presetSubtype="0" fill="hold" grpId="0" nodeType="withEffect">
+                                  <p:stCondLst>
+                                    <p:cond delay="0"/>
+                                  </p:stCondLst>
+                                  <p:childTnLst>
+                                    <p:set>
+                                      <p:cBhvr>
+                                        <p:cTn id="18" dur="1" fill="hold">
+                                          <p:stCondLst>
+                                            <p:cond delay="0"/>
+                                          </p:stCondLst>
+                                        </p:cTn>
+                                        <p:tgtEl>
+                                          <p:spTgt spid="15"/>
+                                        </p:tgtEl>
+                                        <p:attrNameLst>
+                                          <p:attrName>style.visibility</p:attrName>
+                                        </p:attrNameLst>
+                                      </p:cBhvr>
+                                      <p:to>
+                                        <p:strVal val="visible"/>
+                                      </p:to>
+                                    </p:set>
+                                  </p:childTnLst>
+                                </p:cTn>
+                              </p:par>
+                              <p:par>
+                                <p:cTn id="19" presetID="1" presetClass="entr" presetSubtype="0" fill="hold" grpId="0" nodeType="withEffect">
+                                  <p:stCondLst>
+                                    <p:cond delay="0"/>
+                                  </p:stCondLst>
+                                  <p:childTnLst>
+                                    <p:set>
+                                      <p:cBhvr>
+                                        <p:cTn id="20" dur="1" fill="hold">
+                                          <p:stCondLst>
+                                            <p:cond delay="0"/>
+                                          </p:stCondLst>
+                                        </p:cTn>
+                                        <p:tgtEl>
+                                          <p:spTgt spid="18"/>
+                                        </p:tgtEl>
+                                        <p:attrNameLst>
+                                          <p:attrName>style.visibility</p:attrName>
+                                        </p:attrNameLst>
+                                      </p:cBhvr>
+                                      <p:to>
+                                        <p:strVal val="visible"/>
+                                      </p:to>
+                                    </p:set>
+                                  </p:childTnLst>
+                                </p:cTn>
+                              </p:par>
+                              <p:par>
+                                <p:cTn id="21" presetID="1" presetClass="entr" presetSubtype="0" fill="hold" nodeType="withEffect">
+                                  <p:stCondLst>
+                                    <p:cond delay="0"/>
+                                  </p:stCondLst>
+                                  <p:childTnLst>
+                                    <p:set>
+                                      <p:cBhvr>
+                                        <p:cTn id="22" dur="1" fill="hold">
+                                          <p:stCondLst>
+                                            <p:cond delay="0"/>
+                                          </p:stCondLst>
+                                        </p:cTn>
+                                        <p:tgtEl>
+                                          <p:spTgt spid="26"/>
+                                        </p:tgtEl>
+                                        <p:attrNameLst>
+                                          <p:attrName>style.visibility</p:attrName>
+                                        </p:attrNameLst>
+                                      </p:cBhvr>
+                                      <p:to>
+                                        <p:strVal val="visible"/>
+                                      </p:to>
+                                    </p:set>
+                                  </p:childTnLst>
+                                </p:cTn>
+                              </p:par>
+                              <p:par>
+                                <p:cTn id="23" presetID="1" presetClass="entr" presetSubtype="0" fill="hold" nodeType="withEffect">
+                                  <p:stCondLst>
+                                    <p:cond delay="0"/>
+                                  </p:stCondLst>
+                                  <p:childTnLst>
+                                    <p:set>
+                                      <p:cBhvr>
+                                        <p:cTn id="24" dur="1" fill="hold">
+                                          <p:stCondLst>
+                                            <p:cond delay="0"/>
+                                          </p:stCondLst>
+                                        </p:cTn>
+                                        <p:tgtEl>
+                                          <p:spTgt spid="28"/>
+                                        </p:tgtEl>
+                                        <p:attrNameLst>
+                                          <p:attrName>style.visibility</p:attrName>
+                                        </p:attrNameLst>
+                                      </p:cBhvr>
+                                      <p:to>
+                                        <p:strVal val="visible"/>
+                                      </p:to>
+                                    </p:set>
+                                  </p:childTnLst>
+                                </p:cTn>
+                              </p:par>
+                            </p:childTnLst>
+                          </p:cTn>
+                        </p:par>
+                      </p:childTnLst>
+                    </p:cTn>
+                  </p:par>
+                  <p:par>
+                    <p:cTn id="25" fill="hold">
+                      <p:stCondLst>
+                        <p:cond delay="indefinite"/>
+                      </p:stCondLst>
+                      <p:childTnLst>
+                        <p:par>
+                          <p:cTn id="26" fill="hold">
+                            <p:stCondLst>
+                              <p:cond delay="0"/>
+                            </p:stCondLst>
+                            <p:childTnLst>
+                              <p:par>
+                                <p:cTn id="27" presetID="1" presetClass="entr" presetSubtype="0" fill="hold" nodeType="clickEffect">
+                                  <p:stCondLst>
+                                    <p:cond delay="0"/>
+                                  </p:stCondLst>
+                                  <p:childTnLst>
+                                    <p:set>
+                                      <p:cBhvr>
+                                        <p:cTn id="28" dur="1" fill="hold">
+                                          <p:stCondLst>
+                                            <p:cond delay="0"/>
+                                          </p:stCondLst>
+                                        </p:cTn>
+                                        <p:tgtEl>
+                                          <p:spTgt spid="46"/>
+                                        </p:tgtEl>
+                                        <p:attrNameLst>
+                                          <p:attrName>style.visibility</p:attrName>
+                                        </p:attrNameLst>
+                                      </p:cBhvr>
+                                      <p:to>
+                                        <p:strVal val="visible"/>
+                                      </p:to>
+                                    </p:set>
+                                  </p:childTnLst>
+                                </p:cTn>
+                              </p:par>
+                            </p:childTnLst>
+                          </p:cTn>
+                        </p:par>
+                      </p:childTnLst>
+                    </p:cTn>
+                  </p:par>
+                  <p:par>
+                    <p:cTn id="29" fill="hold">
+                      <p:stCondLst>
+                        <p:cond delay="indefinite"/>
+                      </p:stCondLst>
+                      <p:childTnLst>
+                        <p:par>
+                          <p:cTn id="30" fill="hold">
+                            <p:stCondLst>
+                              <p:cond delay="0"/>
+                            </p:stCondLst>
+                            <p:childTnLst>
+                              <p:par>
+                                <p:cTn id="31" presetID="1" presetClass="entr" presetSubtype="0" fill="hold" grpId="0" nodeType="clickEffect">
+                                  <p:stCondLst>
+                                    <p:cond delay="0"/>
+                                  </p:stCondLst>
+                                  <p:childTnLst>
+                                    <p:set>
+                                      <p:cBhvr>
+                                        <p:cTn id="32" dur="1" fill="hold">
+                                          <p:stCondLst>
+                                            <p:cond delay="0"/>
+                                          </p:stCondLst>
+                                        </p:cTn>
+                                        <p:tgtEl>
+                                          <p:spTgt spid="40"/>
+                                        </p:tgtEl>
+                                        <p:attrNameLst>
+                                          <p:attrName>style.visibility</p:attrName>
+                                        </p:attrNameLst>
+                                      </p:cBhvr>
+                                      <p:to>
+                                        <p:strVal val="visible"/>
+                                      </p:to>
+                                    </p:set>
+                                  </p:childTnLst>
+                                </p:cTn>
+                              </p:par>
+                            </p:childTnLst>
+                          </p:cTn>
+                        </p:par>
+                      </p:childTnLst>
+                    </p:cTn>
+                  </p:par>
+                  <p:par>
+                    <p:cTn id="33" fill="hold">
+                      <p:stCondLst>
+                        <p:cond delay="indefinite"/>
+                      </p:stCondLst>
+                      <p:childTnLst>
+                        <p:par>
+                          <p:cTn id="34" fill="hold">
+                            <p:stCondLst>
+                              <p:cond delay="0"/>
+                            </p:stCondLst>
+                            <p:childTnLst>
+                              <p:par>
+                                <p:cTn id="35" presetID="1" presetClass="entr" presetSubtype="0" fill="hold" nodeType="clickEffect">
+                                  <p:stCondLst>
+                                    <p:cond delay="0"/>
+                                  </p:stCondLst>
+                                  <p:childTnLst>
+                                    <p:set>
+                                      <p:cBhvr>
+                                        <p:cTn id="36" dur="1" fill="hold">
+                                          <p:stCondLst>
+                                            <p:cond delay="0"/>
+                                          </p:stCondLst>
+                                        </p:cTn>
+                                        <p:tgtEl>
+                                          <p:spTgt spid="57"/>
+                                        </p:tgtEl>
+                                        <p:attrNameLst>
+                                          <p:attrName>style.visibility</p:attrName>
+                                        </p:attrNameLst>
+                                      </p:cBhvr>
+                                      <p:to>
+                                        <p:strVal val="visible"/>
+                                      </p:to>
+                                    </p:set>
+                                  </p:childTnLst>
+                                </p:cTn>
+                              </p:par>
+                              <p:par>
+                                <p:cTn id="37" presetID="1" presetClass="entr" presetSubtype="0" fill="hold" nodeType="withEffect">
+                                  <p:stCondLst>
+                                    <p:cond delay="0"/>
+                                  </p:stCondLst>
+                                  <p:childTnLst>
+                                    <p:set>
+                                      <p:cBhvr>
+                                        <p:cTn id="38" dur="1" fill="hold">
+                                          <p:stCondLst>
+                                            <p:cond delay="0"/>
+                                          </p:stCondLst>
+                                        </p:cTn>
+                                        <p:tgtEl>
+                                          <p:spTgt spid="55"/>
+                                        </p:tgtEl>
+                                        <p:attrNameLst>
+                                          <p:attrName>style.visibility</p:attrName>
+                                        </p:attrNameLst>
+                                      </p:cBhvr>
+                                      <p:to>
+                                        <p:strVal val="visible"/>
+                                      </p:to>
+                                    </p:set>
+                                  </p:childTnLst>
+                                </p:cTn>
+                              </p:par>
+                              <p:par>
+                                <p:cTn id="39" presetID="1" presetClass="entr" presetSubtype="0" fill="hold" grpId="0" nodeType="withEffect">
+                                  <p:stCondLst>
+                                    <p:cond delay="0"/>
+                                  </p:stCondLst>
+                                  <p:childTnLst>
+                                    <p:set>
+                                      <p:cBhvr>
+                                        <p:cTn id="40" dur="1" fill="hold">
+                                          <p:stCondLst>
+                                            <p:cond delay="0"/>
+                                          </p:stCondLst>
+                                        </p:cTn>
+                                        <p:tgtEl>
+                                          <p:spTgt spid="50"/>
+                                        </p:tgtEl>
+                                        <p:attrNameLst>
+                                          <p:attrName>style.visibility</p:attrName>
+                                        </p:attrNameLst>
+                                      </p:cBhvr>
+                                      <p:to>
+                                        <p:strVal val="visible"/>
+                                      </p:to>
+                                    </p:set>
+                                  </p:childTnLst>
+                                </p:cTn>
+                              </p:par>
+                              <p:par>
+                                <p:cTn id="41" presetID="1" presetClass="entr" presetSubtype="0" fill="hold" grpId="0" nodeType="withEffect">
+                                  <p:stCondLst>
+                                    <p:cond delay="0"/>
+                                  </p:stCondLst>
+                                  <p:childTnLst>
+                                    <p:set>
+                                      <p:cBhvr>
+                                        <p:cTn id="42" dur="1" fill="hold">
+                                          <p:stCondLst>
+                                            <p:cond delay="0"/>
+                                          </p:stCondLst>
+                                        </p:cTn>
+                                        <p:tgtEl>
+                                          <p:spTgt spid="47"/>
+                                        </p:tgtEl>
+                                        <p:attrNameLst>
+                                          <p:attrName>style.visibility</p:attrName>
+                                        </p:attrNameLst>
+                                      </p:cBhvr>
+                                      <p:to>
+                                        <p:strVal val="visible"/>
+                                      </p:to>
+                                    </p:set>
+                                  </p:childTnLst>
+                                </p:cTn>
+                              </p:par>
+                            </p:childTnLst>
+                          </p:cTn>
+                        </p:par>
+                      </p:childTnLst>
+                    </p:cTn>
+                  </p:par>
+                  <p:par>
+                    <p:cTn id="43" fill="hold">
+                      <p:stCondLst>
+                        <p:cond delay="indefinite"/>
+                      </p:stCondLst>
+                      <p:childTnLst>
+                        <p:par>
+                          <p:cTn id="44" fill="hold">
+                            <p:stCondLst>
+                              <p:cond delay="0"/>
+                            </p:stCondLst>
+                            <p:childTnLst>
+                              <p:par>
+                                <p:cTn id="45" presetID="2" presetClass="entr" presetSubtype="4" fill="hold" nodeType="clickEffect">
+                                  <p:stCondLst>
+                                    <p:cond delay="0"/>
+                                  </p:stCondLst>
+                                  <p:childTnLst>
+                                    <p:set>
+                                      <p:cBhvr>
+                                        <p:cTn id="46" dur="1" fill="hold">
+                                          <p:stCondLst>
+                                            <p:cond delay="0"/>
+                                          </p:stCondLst>
+                                        </p:cTn>
+                                        <p:tgtEl>
+                                          <p:spTgt spid="53"/>
+                                        </p:tgtEl>
+                                        <p:attrNameLst>
+                                          <p:attrName>style.visibility</p:attrName>
+                                        </p:attrNameLst>
+                                      </p:cBhvr>
+                                      <p:to>
+                                        <p:strVal val="visible"/>
+                                      </p:to>
+                                    </p:set>
+                                    <p:anim calcmode="lin" valueType="num">
+                                      <p:cBhvr additive="base">
+                                        <p:cTn id="47" dur="500" fill="hold"/>
+                                        <p:tgtEl>
+                                          <p:spTgt spid="53"/>
+                                        </p:tgtEl>
+                                        <p:attrNameLst>
+                                          <p:attrName>ppt_x</p:attrName>
+                                        </p:attrNameLst>
+                                      </p:cBhvr>
+                                      <p:tavLst>
+                                        <p:tav tm="0">
+                                          <p:val>
+                                            <p:strVal val="#ppt_x"/>
+                                          </p:val>
+                                        </p:tav>
+                                        <p:tav tm="100000">
+                                          <p:val>
+                                            <p:strVal val="#ppt_x"/>
+                                          </p:val>
+                                        </p:tav>
+                                      </p:tavLst>
+                                    </p:anim>
+                                    <p:anim calcmode="lin" valueType="num">
+                                      <p:cBhvr additive="base">
+                                        <p:cTn id="48" dur="500" fill="hold"/>
+                                        <p:tgtEl>
+                                          <p:spTgt spid="53"/>
+                                        </p:tgtEl>
+                                        <p:attrNameLst>
+                                          <p:attrName>ppt_y</p:attrName>
+                                        </p:attrNameLst>
+                                      </p:cBhvr>
+                                      <p:tavLst>
+                                        <p:tav tm="0">
+                                          <p:val>
+                                            <p:strVal val="1+#ppt_h/2"/>
+                                          </p:val>
+                                        </p:tav>
+                                        <p:tav tm="100000">
+                                          <p:val>
+                                            <p:strVal val="#ppt_y"/>
+                                          </p:val>
+                                        </p:tav>
+                                      </p:tavLst>
+                                    </p:anim>
+                                  </p:childTnLst>
+                                </p:cTn>
+                              </p:par>
+                              <p:par>
+                                <p:cTn id="49" presetID="2" presetClass="entr" presetSubtype="4" fill="hold" grpId="0" nodeType="withEffect">
+                                  <p:stCondLst>
+                                    <p:cond delay="0"/>
+                                  </p:stCondLst>
+                                  <p:childTnLst>
+                                    <p:set>
+                                      <p:cBhvr>
+                                        <p:cTn id="50" dur="1" fill="hold">
+                                          <p:stCondLst>
+                                            <p:cond delay="0"/>
+                                          </p:stCondLst>
+                                        </p:cTn>
+                                        <p:tgtEl>
+                                          <p:spTgt spid="51"/>
+                                        </p:tgtEl>
+                                        <p:attrNameLst>
+                                          <p:attrName>style.visibility</p:attrName>
+                                        </p:attrNameLst>
+                                      </p:cBhvr>
+                                      <p:to>
+                                        <p:strVal val="visible"/>
+                                      </p:to>
+                                    </p:set>
+                                    <p:anim calcmode="lin" valueType="num">
+                                      <p:cBhvr additive="base">
+                                        <p:cTn id="51" dur="500" fill="hold"/>
+                                        <p:tgtEl>
+                                          <p:spTgt spid="51"/>
+                                        </p:tgtEl>
+                                        <p:attrNameLst>
+                                          <p:attrName>ppt_x</p:attrName>
+                                        </p:attrNameLst>
+                                      </p:cBhvr>
+                                      <p:tavLst>
+                                        <p:tav tm="0">
+                                          <p:val>
+                                            <p:strVal val="#ppt_x"/>
+                                          </p:val>
+                                        </p:tav>
+                                        <p:tav tm="100000">
+                                          <p:val>
+                                            <p:strVal val="#ppt_x"/>
+                                          </p:val>
+                                        </p:tav>
+                                      </p:tavLst>
+                                    </p:anim>
+                                    <p:anim calcmode="lin" valueType="num">
+                                      <p:cBhvr additive="base">
+                                        <p:cTn id="52" dur="500" fill="hold"/>
+                                        <p:tgtEl>
+                                          <p:spTgt spid="51"/>
+                                        </p:tgtEl>
+                                        <p:attrNameLst>
+                                          <p:attrName>ppt_y</p:attrName>
+                                        </p:attrNameLst>
+                                      </p:cBhvr>
+                                      <p:tavLst>
+                                        <p:tav tm="0">
+                                          <p:val>
+                                            <p:strVal val="1+#ppt_h/2"/>
+                                          </p:val>
+                                        </p:tav>
+                                        <p:tav tm="100000">
+                                          <p:val>
+                                            <p:strVal val="#ppt_y"/>
+                                          </p:val>
+                                        </p:tav>
+                                      </p:tavLst>
+                                    </p:anim>
+                                  </p:childTnLst>
+                                </p:cTn>
+                              </p:par>
+                            </p:childTnLst>
+                          </p:cTn>
+                        </p:par>
+                      </p:childTnLst>
+                    </p:cTn>
+                  </p:par>
+                </p:childTnLst>
+              </p:cTn>
+              <p:prevCondLst>
+                <p:cond evt="onPrev" delay="0">
+                  <p:tgtEl>
+                    <p:sldTgt/>
+                  </p:tgtEl>
+                </p:cond>
+              </p:prevCondLst>
+              <p:nextCondLst>
+                <p:cond evt="onNext" delay="0">
+                  <p:tgtEl>
+                    <p:sldTgt/>
+                  </p:tgtEl>
+                </p:cond>
+              </p:nextCondLst>
+            </p:seq>
+          </p:childTnLst>
+        </p:cTn>
       </p:par>
     </p:tnLst>
+    <p:bldLst>
+      <p:bldP spid="14" grpId="0" animBg="1"/>
+      <p:bldP spid="15" grpId="0" animBg="1"/>
+      <p:bldP spid="17" grpId="0" animBg="1"/>
+      <p:bldP spid="18" grpId="0" animBg="1"/>
+      <p:bldP spid="40" grpId="0" animBg="1"/>
+      <p:bldP spid="47" grpId="0" animBg="1"/>
+      <p:bldP spid="50" grpId="0" animBg="1"/>
+      <p:bldP spid="51" grpId="0" animBg="1"/>
+    </p:bldLst>
   </p:timing>
 </p:sld>
 </file>
@@ -30178,12 +30857,12 @@
           <a:graphicData uri="http://schemas.openxmlformats.org/presentationml/2006/ole">
             <mc:AlternateContent xmlns:mc="http://schemas.openxmlformats.org/markup-compatibility/2006">
               <mc:Choice xmlns:v="urn:schemas-microsoft-com:vml" Requires="v">
-                <p:oleObj spid="_x0000_s4130" name="Visio" r:id="rId4" imgW="2619494" imgH="6505483" progId="Visio.Drawing.15">
+                <p:oleObj spid="_x0000_s4131" name="Visio" r:id="rId5" imgW="2619494" imgH="6505483" progId="Visio.Drawing.15">
                   <p:embed/>
                 </p:oleObj>
               </mc:Choice>
               <mc:Fallback>
-                <p:oleObj name="Visio" r:id="rId4" imgW="2619494" imgH="6505483" progId="Visio.Drawing.15">
+                <p:oleObj name="Visio" r:id="rId5" imgW="2619494" imgH="6505483" progId="Visio.Drawing.15">
                   <p:embed/>
                   <p:pic>
                     <p:nvPicPr>
@@ -30194,7 +30873,7 @@
                       <p:nvPr/>
                     </p:nvPicPr>
                     <p:blipFill>
-                      <a:blip r:embed="rId5">
+                      <a:blip r:embed="rId6">
                         <a:extLst>
                           <a:ext uri="{28A0092B-C50C-407E-A947-70E740481C1C}">
                             <a14:useLocalDpi xmlns:a14="http://schemas.microsoft.com/office/drawing/2010/main" val="0"/>
